--- a/output/A New Social LIFE.pptx
+++ b/output/A New Social LIFE.pptx
@@ -7,7 +7,24 @@
   <p:sldIdLst>
     <p:sldId id="256" r:id="rId2"/>
     <p:sldId id="257" r:id="rId3"/>
-    <p:sldId id="258" r:id="rId4"/>
+    <p:sldId id="273" r:id="rId4"/>
+    <p:sldId id="258" r:id="rId5"/>
+    <p:sldId id="259" r:id="rId6"/>
+    <p:sldId id="260" r:id="rId7"/>
+    <p:sldId id="261" r:id="rId8"/>
+    <p:sldId id="271" r:id="rId9"/>
+    <p:sldId id="262" r:id="rId10"/>
+    <p:sldId id="263" r:id="rId11"/>
+    <p:sldId id="264" r:id="rId12"/>
+    <p:sldId id="265" r:id="rId13"/>
+    <p:sldId id="266" r:id="rId14"/>
+    <p:sldId id="274" r:id="rId15"/>
+    <p:sldId id="267" r:id="rId16"/>
+    <p:sldId id="279" r:id="rId17"/>
+    <p:sldId id="275" r:id="rId18"/>
+    <p:sldId id="278" r:id="rId19"/>
+    <p:sldId id="276" r:id="rId20"/>
+    <p:sldId id="277" r:id="rId21"/>
   </p:sldIdLst>
   <p:sldSz cx="12192000" cy="6858000"/>
   <p:notesSz cx="6858000" cy="9144000"/>
@@ -517,7 +534,7 @@
           <a:p>
             <a:fld id="{83284890-85D2-4D7B-8EF5-15A9C1DB8F42}" type="datetimeFigureOut">
               <a:rPr lang="en-US" dirty="0"/>
-              <a:t>8/9/2020</a:t>
+              <a:t>8/13/2020</a:t>
             </a:fld>
             <a:endParaRPr lang="en-US" dirty="0"/>
           </a:p>
@@ -692,7 +709,7 @@
           <a:p>
             <a:fld id="{87157CC2-0FC8-4686-B024-99790E0F5162}" type="datetimeFigureOut">
               <a:rPr lang="en-US" dirty="0"/>
-              <a:t>8/9/2020</a:t>
+              <a:t>8/13/2020</a:t>
             </a:fld>
             <a:endParaRPr lang="en-US" dirty="0"/>
           </a:p>
@@ -867,7 +884,7 @@
           <a:p>
             <a:fld id="{F6764DA5-CD3D-4590-A511-FCD3BC7A793E}" type="datetimeFigureOut">
               <a:rPr lang="en-US" dirty="0"/>
-              <a:t>8/9/2020</a:t>
+              <a:t>8/13/2020</a:t>
             </a:fld>
             <a:endParaRPr lang="en-US" dirty="0"/>
           </a:p>
@@ -1032,7 +1049,7 @@
           <a:p>
             <a:fld id="{82F5661D-6934-4B32-B92C-470368BF1EC6}" type="datetimeFigureOut">
               <a:rPr lang="en-US" dirty="0"/>
-              <a:t>8/9/2020</a:t>
+              <a:t>8/13/2020</a:t>
             </a:fld>
             <a:endParaRPr lang="en-US" dirty="0"/>
           </a:p>
@@ -1340,7 +1357,7 @@
           <a:p>
             <a:fld id="{C6F822A4-8DA6-4447-9B1F-C5DB58435268}" type="datetimeFigureOut">
               <a:rPr lang="en-US" dirty="0"/>
-              <a:t>8/9/2020</a:t>
+              <a:t>8/13/2020</a:t>
             </a:fld>
             <a:endParaRPr lang="en-US" dirty="0"/>
           </a:p>
@@ -1722,7 +1739,7 @@
           <a:p>
             <a:fld id="{E548D31E-DCDA-41A7-9C67-C4B11B94D21D}" type="datetimeFigureOut">
               <a:rPr lang="en-US" dirty="0"/>
-              <a:t>8/9/2020</a:t>
+              <a:t>8/13/2020</a:t>
             </a:fld>
             <a:endParaRPr lang="en-US" dirty="0"/>
           </a:p>
@@ -2151,7 +2168,7 @@
           <a:p>
             <a:fld id="{9B3762C0-B258-48F1-ADE6-176B4174CCDD}" type="datetimeFigureOut">
               <a:rPr lang="en-US" dirty="0"/>
-              <a:t>8/9/2020</a:t>
+              <a:t>8/13/2020</a:t>
             </a:fld>
             <a:endParaRPr lang="en-US" dirty="0"/>
           </a:p>
@@ -2264,7 +2281,7 @@
           <a:p>
             <a:fld id="{677919A6-33EB-49BD-A62F-1FA56B9F9712}" type="datetimeFigureOut">
               <a:rPr lang="en-US" dirty="0"/>
-              <a:t>8/9/2020</a:t>
+              <a:t>8/13/2020</a:t>
             </a:fld>
             <a:endParaRPr lang="en-US" dirty="0"/>
           </a:p>
@@ -2354,7 +2371,7 @@
           <a:p>
             <a:fld id="{CA4E7D1B-D673-4CF6-8672-009D42ABD2A0}" type="datetimeFigureOut">
               <a:rPr lang="en-US" dirty="0"/>
-              <a:t>8/9/2020</a:t>
+              <a:t>8/13/2020</a:t>
             </a:fld>
             <a:endParaRPr lang="en-US" dirty="0"/>
           </a:p>
@@ -2699,7 +2716,7 @@
           <a:p>
             <a:fld id="{DA16AA21-1863-4931-97CB-99D0A168701B}" type="datetimeFigureOut">
               <a:rPr lang="en-US" dirty="0"/>
-              <a:t>8/9/2020</a:t>
+              <a:t>8/13/2020</a:t>
             </a:fld>
             <a:endParaRPr lang="en-US" dirty="0"/>
           </a:p>
@@ -3119,7 +3136,7 @@
           <a:p>
             <a:fld id="{3772C379-9A7C-4C87-A116-CBE9F58B04C5}" type="datetimeFigureOut">
               <a:rPr lang="en-US" dirty="0"/>
-              <a:t>8/9/2020</a:t>
+              <a:t>8/13/2020</a:t>
             </a:fld>
             <a:endParaRPr lang="en-US" dirty="0"/>
           </a:p>
@@ -3395,7 +3412,7 @@
           <a:p>
             <a:fld id="{8664C608-40B1-4030-A28D-5B74BC98ADCE}" type="datetimeFigureOut">
               <a:rPr lang="en-US" dirty="0"/>
-              <a:t>8/9/2020</a:t>
+              <a:t>8/13/2020</a:t>
             </a:fld>
             <a:endParaRPr lang="en-US" dirty="0"/>
           </a:p>
@@ -4076,6 +4093,1634 @@
 </p:sld>
 </file>
 
+<file path=ppt/slides/slide10.xml><?xml version="1.0" encoding="utf-8"?>
+<p:sld xmlns:a="http://schemas.openxmlformats.org/drawingml/2006/main" xmlns:r="http://schemas.openxmlformats.org/officeDocument/2006/relationships" xmlns:p="http://schemas.openxmlformats.org/presentationml/2006/main">
+  <p:cSld>
+    <p:spTree>
+      <p:nvGrpSpPr>
+        <p:cNvPr id="1" name=""/>
+        <p:cNvGrpSpPr/>
+        <p:nvPr/>
+      </p:nvGrpSpPr>
+      <p:grpSpPr>
+        <a:xfrm>
+          <a:off x="0" y="0"/>
+          <a:ext cx="0" cy="0"/>
+          <a:chOff x="0" y="0"/>
+          <a:chExt cx="0" cy="0"/>
+        </a:xfrm>
+      </p:grpSpPr>
+      <p:sp>
+        <p:nvSpPr>
+          <p:cNvPr id="3" name="Content Placeholder 2"/>
+          <p:cNvSpPr>
+            <a:spLocks noGrp="1"/>
+          </p:cNvSpPr>
+          <p:nvPr>
+            <p:ph idx="1"/>
+          </p:nvPr>
+        </p:nvSpPr>
+        <p:spPr>
+          <a:xfrm>
+            <a:off x="143691" y="1084217"/>
+            <a:ext cx="11560629" cy="1732771"/>
+          </a:xfrm>
+        </p:spPr>
+        <p:txBody>
+          <a:bodyPr>
+            <a:normAutofit fontScale="92500" lnSpcReduction="10000"/>
+          </a:bodyPr>
+          <a:lstStyle/>
+          <a:p>
+            <a:r>
+              <a:rPr lang="en-US" dirty="0"/>
+              <a:t>We wanted to see the crimes by county, and this type of crime is burglary.  </a:t>
+            </a:r>
+            <a:r>
+              <a:rPr lang="en-US" dirty="0" smtClean="0"/>
+              <a:t>We </a:t>
+            </a:r>
+            <a:r>
+              <a:rPr lang="en-US" dirty="0"/>
+              <a:t>can see the county with the fewest burglaries and the most burglaries we're </a:t>
+            </a:r>
+            <a:r>
+              <a:rPr lang="en-US" dirty="0" smtClean="0"/>
+              <a:t>going to  identify.</a:t>
+            </a:r>
+            <a:br>
+              <a:rPr lang="en-US" dirty="0" smtClean="0"/>
+            </a:br>
+            <a:r>
+              <a:rPr lang="en-US" dirty="0" smtClean="0"/>
+              <a:t>The county with a </a:t>
+            </a:r>
+            <a:r>
+              <a:rPr lang="en-US" dirty="0"/>
+              <a:t>high burglary: Johnson </a:t>
+            </a:r>
+            <a:r>
+              <a:rPr lang="en-US" dirty="0" err="1"/>
+              <a:t>County,Clinton</a:t>
+            </a:r>
+            <a:r>
+              <a:rPr lang="en-US" dirty="0"/>
+              <a:t> County, </a:t>
+            </a:r>
+            <a:r>
+              <a:rPr lang="en-US" dirty="0" err="1"/>
+              <a:t>Livington</a:t>
+            </a:r>
+            <a:r>
+              <a:rPr lang="en-US" dirty="0"/>
+              <a:t> County Washington </a:t>
+            </a:r>
+            <a:r>
+              <a:rPr lang="en-US" dirty="0" err="1"/>
+              <a:t>County,Crawford</a:t>
+            </a:r>
+            <a:r>
+              <a:rPr lang="en-US" dirty="0"/>
+              <a:t> </a:t>
+            </a:r>
+            <a:r>
+              <a:rPr lang="en-US" dirty="0" smtClean="0"/>
+              <a:t>County.</a:t>
+            </a:r>
+            <a:br>
+              <a:rPr lang="en-US" dirty="0" smtClean="0"/>
+            </a:br>
+            <a:r>
+              <a:rPr lang="en-US" dirty="0" smtClean="0"/>
+              <a:t/>
+            </a:r>
+            <a:br>
+              <a:rPr lang="en-US" dirty="0" smtClean="0"/>
+            </a:br>
+            <a:r>
+              <a:rPr lang="en-US" dirty="0"/>
+              <a:t>The county with a </a:t>
+            </a:r>
+            <a:r>
+              <a:rPr lang="en-US" dirty="0" smtClean="0"/>
+              <a:t>lower burglary: Pike County, </a:t>
+            </a:r>
+            <a:r>
+              <a:rPr lang="en-US" dirty="0" err="1" smtClean="0"/>
+              <a:t>Dekalb</a:t>
+            </a:r>
+            <a:r>
+              <a:rPr lang="en-US" dirty="0" smtClean="0"/>
+              <a:t> </a:t>
+            </a:r>
+            <a:r>
+              <a:rPr lang="en-US" dirty="0" err="1" smtClean="0"/>
+              <a:t>County,Jefferson</a:t>
+            </a:r>
+            <a:r>
+              <a:rPr lang="en-US" dirty="0" smtClean="0"/>
+              <a:t> </a:t>
+            </a:r>
+            <a:r>
+              <a:rPr lang="en-US" dirty="0" err="1" smtClean="0"/>
+              <a:t>County,Kankakee</a:t>
+            </a:r>
+            <a:r>
+              <a:rPr lang="en-US" dirty="0" smtClean="0"/>
+              <a:t> </a:t>
+            </a:r>
+            <a:r>
+              <a:rPr lang="en-US" dirty="0" err="1" smtClean="0"/>
+              <a:t>County,Adams</a:t>
+            </a:r>
+            <a:r>
+              <a:rPr lang="en-US" dirty="0" smtClean="0"/>
+              <a:t> County…</a:t>
+            </a:r>
+          </a:p>
+          <a:p>
+            <a:endParaRPr lang="en-US" dirty="0"/>
+          </a:p>
+        </p:txBody>
+      </p:sp>
+      <p:sp>
+        <p:nvSpPr>
+          <p:cNvPr id="4" name="Title 1"/>
+          <p:cNvSpPr>
+            <a:spLocks noGrp="1"/>
+          </p:cNvSpPr>
+          <p:nvPr>
+            <p:ph type="title"/>
+          </p:nvPr>
+        </p:nvSpPr>
+        <p:spPr>
+          <a:xfrm>
+            <a:off x="143691" y="130628"/>
+            <a:ext cx="11652069" cy="796835"/>
+          </a:xfrm>
+        </p:spPr>
+        <p:txBody>
+          <a:bodyPr>
+            <a:normAutofit fontScale="90000"/>
+          </a:bodyPr>
+          <a:lstStyle/>
+          <a:p>
+            <a:r>
+              <a:rPr lang="en-US" dirty="0" smtClean="0"/>
+              <a:t>Results type crime by County</a:t>
+            </a:r>
+            <a:endParaRPr lang="en-US" dirty="0"/>
+          </a:p>
+        </p:txBody>
+      </p:sp>
+      <p:pic>
+        <p:nvPicPr>
+          <p:cNvPr id="5" name="Picture 4"/>
+          <p:cNvPicPr>
+            <a:picLocks noChangeAspect="1"/>
+          </p:cNvPicPr>
+          <p:nvPr/>
+        </p:nvPicPr>
+        <p:blipFill>
+          <a:blip r:embed="rId2"/>
+          <a:stretch>
+            <a:fillRect/>
+          </a:stretch>
+        </p:blipFill>
+        <p:spPr>
+          <a:xfrm>
+            <a:off x="6113417" y="2816988"/>
+            <a:ext cx="4741817" cy="3568958"/>
+          </a:xfrm>
+          <a:prstGeom prst="rect">
+            <a:avLst/>
+          </a:prstGeom>
+        </p:spPr>
+      </p:pic>
+      <p:pic>
+        <p:nvPicPr>
+          <p:cNvPr id="6" name="Picture 5"/>
+          <p:cNvPicPr>
+            <a:picLocks noChangeAspect="1"/>
+          </p:cNvPicPr>
+          <p:nvPr/>
+        </p:nvPicPr>
+        <p:blipFill>
+          <a:blip r:embed="rId3"/>
+          <a:stretch>
+            <a:fillRect/>
+          </a:stretch>
+        </p:blipFill>
+        <p:spPr>
+          <a:xfrm>
+            <a:off x="411071" y="2982217"/>
+            <a:ext cx="4970826" cy="3238500"/>
+          </a:xfrm>
+          <a:prstGeom prst="rect">
+            <a:avLst/>
+          </a:prstGeom>
+        </p:spPr>
+      </p:pic>
+    </p:spTree>
+    <p:extLst>
+      <p:ext uri="{BB962C8B-B14F-4D97-AF65-F5344CB8AC3E}">
+        <p14:creationId xmlns:p14="http://schemas.microsoft.com/office/powerpoint/2010/main" val="3393935990"/>
+      </p:ext>
+    </p:extLst>
+  </p:cSld>
+  <p:clrMapOvr>
+    <a:masterClrMapping/>
+  </p:clrMapOvr>
+</p:sld>
+</file>
+
+<file path=ppt/slides/slide11.xml><?xml version="1.0" encoding="utf-8"?>
+<p:sld xmlns:a="http://schemas.openxmlformats.org/drawingml/2006/main" xmlns:r="http://schemas.openxmlformats.org/officeDocument/2006/relationships" xmlns:p="http://schemas.openxmlformats.org/presentationml/2006/main">
+  <p:cSld>
+    <p:spTree>
+      <p:nvGrpSpPr>
+        <p:cNvPr id="1" name=""/>
+        <p:cNvGrpSpPr/>
+        <p:nvPr/>
+      </p:nvGrpSpPr>
+      <p:grpSpPr>
+        <a:xfrm>
+          <a:off x="0" y="0"/>
+          <a:ext cx="0" cy="0"/>
+          <a:chOff x="0" y="0"/>
+          <a:chExt cx="0" cy="0"/>
+        </a:xfrm>
+      </p:grpSpPr>
+      <p:sp>
+        <p:nvSpPr>
+          <p:cNvPr id="3" name="Content Placeholder 2"/>
+          <p:cNvSpPr>
+            <a:spLocks noGrp="1"/>
+          </p:cNvSpPr>
+          <p:nvPr>
+            <p:ph idx="1"/>
+          </p:nvPr>
+        </p:nvSpPr>
+        <p:spPr>
+          <a:xfrm>
+            <a:off x="143691" y="927464"/>
+            <a:ext cx="9810206" cy="1645920"/>
+          </a:xfrm>
+        </p:spPr>
+        <p:txBody>
+          <a:bodyPr>
+            <a:normAutofit fontScale="85000" lnSpcReduction="10000"/>
+          </a:bodyPr>
+          <a:lstStyle/>
+          <a:p>
+            <a:r>
+              <a:rPr lang="en-US" dirty="0"/>
+              <a:t>We wanted to see the crimes by county, and this type of crime is </a:t>
+            </a:r>
+            <a:r>
+              <a:rPr lang="en-US" dirty="0" smtClean="0"/>
+              <a:t>aggravated assault.  </a:t>
+            </a:r>
+            <a:r>
+              <a:rPr lang="en-US" dirty="0"/>
+              <a:t>We can see the county with the fewest </a:t>
+            </a:r>
+            <a:r>
+              <a:rPr lang="en-US" dirty="0" smtClean="0"/>
+              <a:t>and </a:t>
+            </a:r>
+            <a:r>
+              <a:rPr lang="en-US" dirty="0"/>
+              <a:t>the most aggravated assault </a:t>
+            </a:r>
+            <a:r>
+              <a:rPr lang="en-US" dirty="0" smtClean="0"/>
+              <a:t>we're </a:t>
+            </a:r>
+            <a:r>
+              <a:rPr lang="en-US" dirty="0"/>
+              <a:t>going to  identify.</a:t>
+            </a:r>
+            <a:br>
+              <a:rPr lang="en-US" dirty="0"/>
+            </a:br>
+            <a:r>
+              <a:rPr lang="en-US" dirty="0"/>
+              <a:t>The county with a </a:t>
+            </a:r>
+            <a:r>
+              <a:rPr lang="en-US" dirty="0" smtClean="0"/>
+              <a:t>high aggravated assault: Monroe County, Clark </a:t>
+            </a:r>
+            <a:r>
+              <a:rPr lang="en-US" dirty="0"/>
+              <a:t>County, </a:t>
+            </a:r>
+            <a:r>
+              <a:rPr lang="en-US" dirty="0" smtClean="0"/>
+              <a:t>Fulton County, Pike County.</a:t>
+            </a:r>
+            <a:r>
+              <a:rPr lang="en-US" dirty="0"/>
+              <a:t/>
+            </a:r>
+            <a:br>
+              <a:rPr lang="en-US" dirty="0"/>
+            </a:br>
+            <a:r>
+              <a:rPr lang="en-US" dirty="0"/>
+              <a:t/>
+            </a:r>
+            <a:br>
+              <a:rPr lang="en-US" dirty="0"/>
+            </a:br>
+            <a:r>
+              <a:rPr lang="en-US" dirty="0"/>
+              <a:t>The county with a lower </a:t>
+            </a:r>
+            <a:r>
+              <a:rPr lang="en-US" dirty="0" smtClean="0"/>
+              <a:t>aggravated assault: Coles </a:t>
+            </a:r>
+            <a:r>
+              <a:rPr lang="en-US" dirty="0"/>
+              <a:t>County, </a:t>
+            </a:r>
+            <a:r>
+              <a:rPr lang="en-US" dirty="0" err="1"/>
+              <a:t>Dekalb</a:t>
+            </a:r>
+            <a:r>
+              <a:rPr lang="en-US" dirty="0"/>
+              <a:t> </a:t>
+            </a:r>
+            <a:r>
+              <a:rPr lang="en-US" dirty="0" smtClean="0"/>
+              <a:t>County ,</a:t>
+            </a:r>
+            <a:r>
+              <a:rPr lang="en-US" dirty="0"/>
+              <a:t>Jefferson County</a:t>
+            </a:r>
+            <a:r>
+              <a:rPr lang="en-US" dirty="0" smtClean="0"/>
+              <a:t>, Kankakee County, Jackson </a:t>
+            </a:r>
+            <a:r>
+              <a:rPr lang="en-US" dirty="0"/>
+              <a:t>County…</a:t>
+            </a:r>
+          </a:p>
+          <a:p>
+            <a:endParaRPr lang="en-US" dirty="0"/>
+          </a:p>
+        </p:txBody>
+      </p:sp>
+      <p:sp>
+        <p:nvSpPr>
+          <p:cNvPr id="4" name="Title 1"/>
+          <p:cNvSpPr>
+            <a:spLocks noGrp="1"/>
+          </p:cNvSpPr>
+          <p:nvPr>
+            <p:ph type="title"/>
+          </p:nvPr>
+        </p:nvSpPr>
+        <p:spPr>
+          <a:xfrm>
+            <a:off x="143691" y="130628"/>
+            <a:ext cx="11652069" cy="796835"/>
+          </a:xfrm>
+        </p:spPr>
+        <p:txBody>
+          <a:bodyPr>
+            <a:normAutofit fontScale="90000"/>
+          </a:bodyPr>
+          <a:lstStyle/>
+          <a:p>
+            <a:r>
+              <a:rPr lang="en-US" dirty="0" smtClean="0"/>
+              <a:t>Results type crime by County</a:t>
+            </a:r>
+            <a:endParaRPr lang="en-US" dirty="0"/>
+          </a:p>
+        </p:txBody>
+      </p:sp>
+      <p:pic>
+        <p:nvPicPr>
+          <p:cNvPr id="5" name="Picture 4"/>
+          <p:cNvPicPr>
+            <a:picLocks noChangeAspect="1"/>
+          </p:cNvPicPr>
+          <p:nvPr/>
+        </p:nvPicPr>
+        <p:blipFill>
+          <a:blip r:embed="rId2"/>
+          <a:stretch>
+            <a:fillRect/>
+          </a:stretch>
+        </p:blipFill>
+        <p:spPr>
+          <a:xfrm>
+            <a:off x="5510895" y="3055087"/>
+            <a:ext cx="5786846" cy="3200399"/>
+          </a:xfrm>
+          <a:prstGeom prst="rect">
+            <a:avLst/>
+          </a:prstGeom>
+        </p:spPr>
+      </p:pic>
+      <p:pic>
+        <p:nvPicPr>
+          <p:cNvPr id="7" name="Picture 6"/>
+          <p:cNvPicPr>
+            <a:picLocks noChangeAspect="1"/>
+          </p:cNvPicPr>
+          <p:nvPr/>
+        </p:nvPicPr>
+        <p:blipFill>
+          <a:blip r:embed="rId3"/>
+          <a:stretch>
+            <a:fillRect/>
+          </a:stretch>
+        </p:blipFill>
+        <p:spPr>
+          <a:xfrm>
+            <a:off x="612322" y="2449285"/>
+            <a:ext cx="4429942" cy="4138772"/>
+          </a:xfrm>
+          <a:prstGeom prst="rect">
+            <a:avLst/>
+          </a:prstGeom>
+        </p:spPr>
+      </p:pic>
+    </p:spTree>
+    <p:extLst>
+      <p:ext uri="{BB962C8B-B14F-4D97-AF65-F5344CB8AC3E}">
+        <p14:creationId xmlns:p14="http://schemas.microsoft.com/office/powerpoint/2010/main" val="1095663754"/>
+      </p:ext>
+    </p:extLst>
+  </p:cSld>
+  <p:clrMapOvr>
+    <a:masterClrMapping/>
+  </p:clrMapOvr>
+</p:sld>
+</file>
+
+<file path=ppt/slides/slide12.xml><?xml version="1.0" encoding="utf-8"?>
+<p:sld xmlns:a="http://schemas.openxmlformats.org/drawingml/2006/main" xmlns:r="http://schemas.openxmlformats.org/officeDocument/2006/relationships" xmlns:p="http://schemas.openxmlformats.org/presentationml/2006/main">
+  <p:cSld>
+    <p:spTree>
+      <p:nvGrpSpPr>
+        <p:cNvPr id="1" name=""/>
+        <p:cNvGrpSpPr/>
+        <p:nvPr/>
+      </p:nvGrpSpPr>
+      <p:grpSpPr>
+        <a:xfrm>
+          <a:off x="0" y="0"/>
+          <a:ext cx="0" cy="0"/>
+          <a:chOff x="0" y="0"/>
+          <a:chExt cx="0" cy="0"/>
+        </a:xfrm>
+      </p:grpSpPr>
+      <p:sp>
+        <p:nvSpPr>
+          <p:cNvPr id="3" name="Content Placeholder 2"/>
+          <p:cNvSpPr>
+            <a:spLocks noGrp="1"/>
+          </p:cNvSpPr>
+          <p:nvPr>
+            <p:ph idx="1"/>
+          </p:nvPr>
+        </p:nvSpPr>
+        <p:spPr>
+          <a:xfrm>
+            <a:off x="325265" y="1272322"/>
+            <a:ext cx="9824575" cy="1510066"/>
+          </a:xfrm>
+        </p:spPr>
+        <p:txBody>
+          <a:bodyPr>
+            <a:normAutofit fontScale="85000" lnSpcReduction="20000"/>
+          </a:bodyPr>
+          <a:lstStyle/>
+          <a:p>
+            <a:r>
+              <a:rPr lang="en-US" dirty="0"/>
+              <a:t>We wanted to see the crimes by county, and this type of crime </a:t>
+            </a:r>
+            <a:r>
+              <a:rPr lang="en-US" dirty="0" smtClean="0"/>
+              <a:t>is the rate </a:t>
+            </a:r>
+            <a:r>
+              <a:rPr lang="en-US" dirty="0"/>
+              <a:t>aggravated assault.  We can see the county with the fewest and the most aggravated assault we're going to  identify.</a:t>
+            </a:r>
+            <a:br>
+              <a:rPr lang="en-US" dirty="0"/>
+            </a:br>
+            <a:r>
+              <a:rPr lang="en-US" dirty="0"/>
+              <a:t>The county with a </a:t>
+            </a:r>
+            <a:r>
+              <a:rPr lang="en-US" dirty="0" smtClean="0"/>
+              <a:t>high rate </a:t>
+            </a:r>
+            <a:r>
+              <a:rPr lang="en-US" dirty="0"/>
+              <a:t>aggravated assault: </a:t>
+            </a:r>
+            <a:r>
+              <a:rPr lang="en-US" dirty="0" smtClean="0"/>
+              <a:t>Stephenson County</a:t>
+            </a:r>
+            <a:r>
+              <a:rPr lang="en-US" dirty="0"/>
+              <a:t>, </a:t>
+            </a:r>
+            <a:r>
+              <a:rPr lang="en-US" dirty="0" smtClean="0"/>
+              <a:t>Jo Daviess </a:t>
+            </a:r>
+            <a:r>
+              <a:rPr lang="en-US" dirty="0"/>
+              <a:t>County, </a:t>
+            </a:r>
+            <a:r>
+              <a:rPr lang="en-US" dirty="0" smtClean="0"/>
+              <a:t>Hancock County</a:t>
+            </a:r>
+            <a:r>
+              <a:rPr lang="en-US" dirty="0"/>
+              <a:t>.</a:t>
+            </a:r>
+            <a:br>
+              <a:rPr lang="en-US" dirty="0"/>
+            </a:br>
+            <a:r>
+              <a:rPr lang="en-US" dirty="0"/>
+              <a:t/>
+            </a:r>
+            <a:br>
+              <a:rPr lang="en-US" dirty="0"/>
+            </a:br>
+            <a:r>
+              <a:rPr lang="en-US" dirty="0"/>
+              <a:t>The county with a lower </a:t>
+            </a:r>
+            <a:r>
+              <a:rPr lang="en-US" dirty="0" smtClean="0"/>
+              <a:t>rate aggravated </a:t>
+            </a:r>
+            <a:r>
+              <a:rPr lang="en-US" dirty="0"/>
+              <a:t>assault: </a:t>
+            </a:r>
+            <a:r>
+              <a:rPr lang="en-US" dirty="0" smtClean="0"/>
+              <a:t>Franklin </a:t>
+            </a:r>
+            <a:r>
+              <a:rPr lang="en-US" dirty="0"/>
+              <a:t>County, </a:t>
+            </a:r>
+            <a:r>
+              <a:rPr lang="en-US" dirty="0" smtClean="0"/>
+              <a:t>Champaign </a:t>
+            </a:r>
+            <a:r>
+              <a:rPr lang="en-US" dirty="0"/>
+              <a:t>County </a:t>
+            </a:r>
+            <a:r>
+              <a:rPr lang="en-US" dirty="0" smtClean="0"/>
+              <a:t>,Hardin </a:t>
+            </a:r>
+            <a:r>
+              <a:rPr lang="en-US" dirty="0"/>
+              <a:t>County, </a:t>
+            </a:r>
+            <a:r>
+              <a:rPr lang="en-US" dirty="0" smtClean="0"/>
+              <a:t>Wabash County</a:t>
+            </a:r>
+            <a:r>
+              <a:rPr lang="en-US" dirty="0"/>
+              <a:t>, </a:t>
+            </a:r>
+            <a:r>
+              <a:rPr lang="en-US" dirty="0" smtClean="0"/>
+              <a:t>Gallatin </a:t>
+            </a:r>
+            <a:r>
+              <a:rPr lang="en-US" dirty="0"/>
+              <a:t>County…</a:t>
+            </a:r>
+          </a:p>
+          <a:p>
+            <a:endParaRPr lang="en-US" dirty="0"/>
+          </a:p>
+          <a:p>
+            <a:endParaRPr lang="en-US" dirty="0"/>
+          </a:p>
+        </p:txBody>
+      </p:sp>
+      <p:sp>
+        <p:nvSpPr>
+          <p:cNvPr id="5" name="Title 1"/>
+          <p:cNvSpPr>
+            <a:spLocks noGrp="1"/>
+          </p:cNvSpPr>
+          <p:nvPr>
+            <p:ph type="title"/>
+          </p:nvPr>
+        </p:nvSpPr>
+        <p:spPr>
+          <a:xfrm>
+            <a:off x="143691" y="130628"/>
+            <a:ext cx="11652069" cy="796835"/>
+          </a:xfrm>
+        </p:spPr>
+        <p:txBody>
+          <a:bodyPr>
+            <a:normAutofit fontScale="90000"/>
+          </a:bodyPr>
+          <a:lstStyle/>
+          <a:p>
+            <a:r>
+              <a:rPr lang="en-US" dirty="0" smtClean="0"/>
+              <a:t>Results type crime by County</a:t>
+            </a:r>
+            <a:endParaRPr lang="en-US" dirty="0"/>
+          </a:p>
+        </p:txBody>
+      </p:sp>
+      <p:pic>
+        <p:nvPicPr>
+          <p:cNvPr id="6" name="Picture 5"/>
+          <p:cNvPicPr>
+            <a:picLocks noChangeAspect="1"/>
+          </p:cNvPicPr>
+          <p:nvPr/>
+        </p:nvPicPr>
+        <p:blipFill>
+          <a:blip r:embed="rId2"/>
+          <a:stretch>
+            <a:fillRect/>
+          </a:stretch>
+        </p:blipFill>
+        <p:spPr>
+          <a:xfrm>
+            <a:off x="5355771" y="2931304"/>
+            <a:ext cx="5198337" cy="3562350"/>
+          </a:xfrm>
+          <a:prstGeom prst="rect">
+            <a:avLst/>
+          </a:prstGeom>
+        </p:spPr>
+      </p:pic>
+      <p:pic>
+        <p:nvPicPr>
+          <p:cNvPr id="8" name="Picture 7"/>
+          <p:cNvPicPr>
+            <a:picLocks noChangeAspect="1"/>
+          </p:cNvPicPr>
+          <p:nvPr/>
+        </p:nvPicPr>
+        <p:blipFill>
+          <a:blip r:embed="rId3"/>
+          <a:stretch>
+            <a:fillRect/>
+          </a:stretch>
+        </p:blipFill>
+        <p:spPr>
+          <a:xfrm>
+            <a:off x="325266" y="2782388"/>
+            <a:ext cx="4873752" cy="3711266"/>
+          </a:xfrm>
+          <a:prstGeom prst="rect">
+            <a:avLst/>
+          </a:prstGeom>
+        </p:spPr>
+      </p:pic>
+    </p:spTree>
+    <p:extLst>
+      <p:ext uri="{BB962C8B-B14F-4D97-AF65-F5344CB8AC3E}">
+        <p14:creationId xmlns:p14="http://schemas.microsoft.com/office/powerpoint/2010/main" val="2152922968"/>
+      </p:ext>
+    </p:extLst>
+  </p:cSld>
+  <p:clrMapOvr>
+    <a:masterClrMapping/>
+  </p:clrMapOvr>
+</p:sld>
+</file>
+
+<file path=ppt/slides/slide13.xml><?xml version="1.0" encoding="utf-8"?>
+<p:sld xmlns:a="http://schemas.openxmlformats.org/drawingml/2006/main" xmlns:r="http://schemas.openxmlformats.org/officeDocument/2006/relationships" xmlns:p="http://schemas.openxmlformats.org/presentationml/2006/main">
+  <p:cSld>
+    <p:spTree>
+      <p:nvGrpSpPr>
+        <p:cNvPr id="1" name=""/>
+        <p:cNvGrpSpPr/>
+        <p:nvPr/>
+      </p:nvGrpSpPr>
+      <p:grpSpPr>
+        <a:xfrm>
+          <a:off x="0" y="0"/>
+          <a:ext cx="0" cy="0"/>
+          <a:chOff x="0" y="0"/>
+          <a:chExt cx="0" cy="0"/>
+        </a:xfrm>
+      </p:grpSpPr>
+      <p:sp>
+        <p:nvSpPr>
+          <p:cNvPr id="3" name="Content Placeholder 2"/>
+          <p:cNvSpPr>
+            <a:spLocks noGrp="1"/>
+          </p:cNvSpPr>
+          <p:nvPr>
+            <p:ph idx="1"/>
+          </p:nvPr>
+        </p:nvSpPr>
+        <p:spPr>
+          <a:xfrm>
+            <a:off x="299139" y="788996"/>
+            <a:ext cx="9641695" cy="1732135"/>
+          </a:xfrm>
+        </p:spPr>
+        <p:txBody>
+          <a:bodyPr>
+            <a:normAutofit fontScale="92500" lnSpcReduction="10000"/>
+          </a:bodyPr>
+          <a:lstStyle/>
+          <a:p>
+            <a:r>
+              <a:rPr lang="en-US" dirty="0"/>
+              <a:t>We wanted to see the crimes by county, and this type of crime is </a:t>
+            </a:r>
+            <a:r>
+              <a:rPr lang="en-US" dirty="0" smtClean="0"/>
+              <a:t>the Larceny theft.  </a:t>
+            </a:r>
+            <a:r>
+              <a:rPr lang="en-US" dirty="0"/>
+              <a:t>We can see the county with the fewest and the most </a:t>
+            </a:r>
+            <a:r>
+              <a:rPr lang="en-US" dirty="0" smtClean="0"/>
+              <a:t>larceny theft we're </a:t>
+            </a:r>
+            <a:r>
+              <a:rPr lang="en-US" dirty="0"/>
+              <a:t>going to  identify.</a:t>
+            </a:r>
+            <a:br>
+              <a:rPr lang="en-US" dirty="0"/>
+            </a:br>
+            <a:r>
+              <a:rPr lang="en-US" dirty="0"/>
+              <a:t>The county with a high larceny theft </a:t>
+            </a:r>
+            <a:r>
+              <a:rPr lang="en-US" dirty="0" smtClean="0"/>
+              <a:t>: Bond </a:t>
+            </a:r>
+            <a:r>
+              <a:rPr lang="en-US" dirty="0"/>
+              <a:t>County, </a:t>
+            </a:r>
+            <a:r>
+              <a:rPr lang="en-US" dirty="0" err="1" smtClean="0"/>
+              <a:t>Wooford</a:t>
+            </a:r>
+            <a:r>
+              <a:rPr lang="en-US" dirty="0" smtClean="0"/>
+              <a:t> County</a:t>
+            </a:r>
+            <a:r>
+              <a:rPr lang="en-US" dirty="0"/>
+              <a:t>, </a:t>
+            </a:r>
+            <a:r>
+              <a:rPr lang="en-US" dirty="0" smtClean="0"/>
+              <a:t>Carrol </a:t>
+            </a:r>
+            <a:r>
+              <a:rPr lang="en-US" dirty="0"/>
+              <a:t>County.</a:t>
+            </a:r>
+            <a:br>
+              <a:rPr lang="en-US" dirty="0"/>
+            </a:br>
+            <a:r>
+              <a:rPr lang="en-US" dirty="0"/>
+              <a:t/>
+            </a:r>
+            <a:br>
+              <a:rPr lang="en-US" dirty="0"/>
+            </a:br>
+            <a:r>
+              <a:rPr lang="en-US" dirty="0"/>
+              <a:t>The county with a lower larceny theft </a:t>
+            </a:r>
+            <a:r>
+              <a:rPr lang="en-US" dirty="0" smtClean="0"/>
+              <a:t>: Jefferson </a:t>
+            </a:r>
+            <a:r>
+              <a:rPr lang="en-US" dirty="0"/>
+              <a:t>County, </a:t>
+            </a:r>
+            <a:r>
+              <a:rPr lang="en-US" dirty="0" smtClean="0"/>
+              <a:t>LaSalle County ,</a:t>
+            </a:r>
+            <a:r>
+              <a:rPr lang="en-US" dirty="0" err="1" smtClean="0"/>
+              <a:t>Vemilion</a:t>
+            </a:r>
+            <a:r>
+              <a:rPr lang="en-US" dirty="0" smtClean="0"/>
+              <a:t> </a:t>
+            </a:r>
+            <a:r>
+              <a:rPr lang="en-US" dirty="0"/>
+              <a:t>County, </a:t>
+            </a:r>
+            <a:r>
+              <a:rPr lang="en-US" dirty="0" smtClean="0"/>
+              <a:t>Jackson County</a:t>
+            </a:r>
+            <a:r>
+              <a:rPr lang="en-US" dirty="0"/>
+              <a:t>, </a:t>
+            </a:r>
+            <a:r>
+              <a:rPr lang="en-US" dirty="0" smtClean="0"/>
+              <a:t>Kendall </a:t>
+            </a:r>
+            <a:r>
+              <a:rPr lang="en-US" dirty="0"/>
+              <a:t>County…</a:t>
+            </a:r>
+          </a:p>
+          <a:p>
+            <a:endParaRPr lang="en-US" dirty="0"/>
+          </a:p>
+          <a:p>
+            <a:endParaRPr lang="en-US" dirty="0"/>
+          </a:p>
+          <a:p>
+            <a:endParaRPr lang="en-US" dirty="0"/>
+          </a:p>
+        </p:txBody>
+      </p:sp>
+      <p:sp>
+        <p:nvSpPr>
+          <p:cNvPr id="4" name="Title 1"/>
+          <p:cNvSpPr>
+            <a:spLocks noGrp="1"/>
+          </p:cNvSpPr>
+          <p:nvPr>
+            <p:ph type="title"/>
+          </p:nvPr>
+        </p:nvSpPr>
+        <p:spPr>
+          <a:xfrm>
+            <a:off x="143691" y="130628"/>
+            <a:ext cx="11652069" cy="796835"/>
+          </a:xfrm>
+        </p:spPr>
+        <p:txBody>
+          <a:bodyPr>
+            <a:normAutofit fontScale="90000"/>
+          </a:bodyPr>
+          <a:lstStyle/>
+          <a:p>
+            <a:r>
+              <a:rPr lang="en-US" dirty="0" smtClean="0"/>
+              <a:t>Results type crime by County</a:t>
+            </a:r>
+            <a:endParaRPr lang="en-US" dirty="0"/>
+          </a:p>
+        </p:txBody>
+      </p:sp>
+      <p:pic>
+        <p:nvPicPr>
+          <p:cNvPr id="7" name="Picture 6"/>
+          <p:cNvPicPr>
+            <a:picLocks noChangeAspect="1"/>
+          </p:cNvPicPr>
+          <p:nvPr/>
+        </p:nvPicPr>
+        <p:blipFill>
+          <a:blip r:embed="rId2"/>
+          <a:stretch>
+            <a:fillRect/>
+          </a:stretch>
+        </p:blipFill>
+        <p:spPr>
+          <a:xfrm>
+            <a:off x="299139" y="2748424"/>
+            <a:ext cx="4768596" cy="3438525"/>
+          </a:xfrm>
+          <a:prstGeom prst="rect">
+            <a:avLst/>
+          </a:prstGeom>
+        </p:spPr>
+      </p:pic>
+      <p:pic>
+        <p:nvPicPr>
+          <p:cNvPr id="8" name="Picture 7"/>
+          <p:cNvPicPr>
+            <a:picLocks noChangeAspect="1"/>
+          </p:cNvPicPr>
+          <p:nvPr/>
+        </p:nvPicPr>
+        <p:blipFill>
+          <a:blip r:embed="rId3"/>
+          <a:stretch>
+            <a:fillRect/>
+          </a:stretch>
+        </p:blipFill>
+        <p:spPr>
+          <a:xfrm>
+            <a:off x="5355771" y="2513292"/>
+            <a:ext cx="5630092" cy="4166271"/>
+          </a:xfrm>
+          <a:prstGeom prst="rect">
+            <a:avLst/>
+          </a:prstGeom>
+        </p:spPr>
+      </p:pic>
+    </p:spTree>
+    <p:extLst>
+      <p:ext uri="{BB962C8B-B14F-4D97-AF65-F5344CB8AC3E}">
+        <p14:creationId xmlns:p14="http://schemas.microsoft.com/office/powerpoint/2010/main" val="1124916595"/>
+      </p:ext>
+    </p:extLst>
+  </p:cSld>
+  <p:clrMapOvr>
+    <a:masterClrMapping/>
+  </p:clrMapOvr>
+</p:sld>
+</file>
+
+<file path=ppt/slides/slide14.xml><?xml version="1.0" encoding="utf-8"?>
+<p:sld xmlns:a="http://schemas.openxmlformats.org/drawingml/2006/main" xmlns:r="http://schemas.openxmlformats.org/officeDocument/2006/relationships" xmlns:p="http://schemas.openxmlformats.org/presentationml/2006/main">
+  <p:cSld>
+    <p:spTree>
+      <p:nvGrpSpPr>
+        <p:cNvPr id="1" name=""/>
+        <p:cNvGrpSpPr/>
+        <p:nvPr/>
+      </p:nvGrpSpPr>
+      <p:grpSpPr>
+        <a:xfrm>
+          <a:off x="0" y="0"/>
+          <a:ext cx="0" cy="0"/>
+          <a:chOff x="0" y="0"/>
+          <a:chExt cx="0" cy="0"/>
+        </a:xfrm>
+      </p:grpSpPr>
+      <p:sp>
+        <p:nvSpPr>
+          <p:cNvPr id="3" name="Content Placeholder 2"/>
+          <p:cNvSpPr>
+            <a:spLocks noGrp="1"/>
+          </p:cNvSpPr>
+          <p:nvPr>
+            <p:ph idx="1"/>
+          </p:nvPr>
+        </p:nvSpPr>
+        <p:spPr>
+          <a:xfrm>
+            <a:off x="343594" y="1063315"/>
+            <a:ext cx="11138657" cy="1612937"/>
+          </a:xfrm>
+        </p:spPr>
+        <p:txBody>
+          <a:bodyPr/>
+          <a:lstStyle/>
+          <a:p>
+            <a:r>
+              <a:rPr lang="en-US" dirty="0" smtClean="0"/>
+              <a:t>Here </a:t>
+            </a:r>
+            <a:r>
+              <a:rPr lang="en-US" dirty="0"/>
+              <a:t>this graph shows us the average house prices per city according to the average wages of the cities in Illinois we can say that as long as the wages of the person is high as he can pay a house in the cities of Illinois.</a:t>
+            </a:r>
+          </a:p>
+        </p:txBody>
+      </p:sp>
+      <p:pic>
+        <p:nvPicPr>
+          <p:cNvPr id="4" name="Picture 3"/>
+          <p:cNvPicPr>
+            <a:picLocks noChangeAspect="1"/>
+          </p:cNvPicPr>
+          <p:nvPr/>
+        </p:nvPicPr>
+        <p:blipFill>
+          <a:blip r:embed="rId2"/>
+          <a:stretch>
+            <a:fillRect/>
+          </a:stretch>
+        </p:blipFill>
+        <p:spPr>
+          <a:xfrm>
+            <a:off x="2076994" y="2676253"/>
+            <a:ext cx="6579844" cy="4000081"/>
+          </a:xfrm>
+          <a:prstGeom prst="rect">
+            <a:avLst/>
+          </a:prstGeom>
+        </p:spPr>
+      </p:pic>
+      <p:sp>
+        <p:nvSpPr>
+          <p:cNvPr id="6" name="Title 1"/>
+          <p:cNvSpPr>
+            <a:spLocks noGrp="1"/>
+          </p:cNvSpPr>
+          <p:nvPr>
+            <p:ph type="title"/>
+          </p:nvPr>
+        </p:nvSpPr>
+        <p:spPr>
+          <a:xfrm>
+            <a:off x="143691" y="130628"/>
+            <a:ext cx="11652069" cy="796835"/>
+          </a:xfrm>
+        </p:spPr>
+        <p:txBody>
+          <a:bodyPr>
+            <a:normAutofit fontScale="90000"/>
+          </a:bodyPr>
+          <a:lstStyle/>
+          <a:p>
+            <a:r>
+              <a:rPr lang="en-US" dirty="0" smtClean="0"/>
+              <a:t>Results</a:t>
+            </a:r>
+            <a:endParaRPr lang="en-US" dirty="0"/>
+          </a:p>
+        </p:txBody>
+      </p:sp>
+    </p:spTree>
+    <p:extLst>
+      <p:ext uri="{BB962C8B-B14F-4D97-AF65-F5344CB8AC3E}">
+        <p14:creationId xmlns:p14="http://schemas.microsoft.com/office/powerpoint/2010/main" val="3474011052"/>
+      </p:ext>
+    </p:extLst>
+  </p:cSld>
+  <p:clrMapOvr>
+    <a:masterClrMapping/>
+  </p:clrMapOvr>
+</p:sld>
+</file>
+
+<file path=ppt/slides/slide15.xml><?xml version="1.0" encoding="utf-8"?>
+<p:sld xmlns:a="http://schemas.openxmlformats.org/drawingml/2006/main" xmlns:r="http://schemas.openxmlformats.org/officeDocument/2006/relationships" xmlns:p="http://schemas.openxmlformats.org/presentationml/2006/main">
+  <p:cSld>
+    <p:spTree>
+      <p:nvGrpSpPr>
+        <p:cNvPr id="1" name=""/>
+        <p:cNvGrpSpPr/>
+        <p:nvPr/>
+      </p:nvGrpSpPr>
+      <p:grpSpPr>
+        <a:xfrm>
+          <a:off x="0" y="0"/>
+          <a:ext cx="0" cy="0"/>
+          <a:chOff x="0" y="0"/>
+          <a:chExt cx="0" cy="0"/>
+        </a:xfrm>
+      </p:grpSpPr>
+      <p:sp>
+        <p:nvSpPr>
+          <p:cNvPr id="3" name="Content Placeholder 2"/>
+          <p:cNvSpPr>
+            <a:spLocks noGrp="1"/>
+          </p:cNvSpPr>
+          <p:nvPr>
+            <p:ph idx="1"/>
+          </p:nvPr>
+        </p:nvSpPr>
+        <p:spPr>
+          <a:xfrm>
+            <a:off x="338328" y="984940"/>
+            <a:ext cx="9537192" cy="1418626"/>
+          </a:xfrm>
+        </p:spPr>
+        <p:txBody>
+          <a:bodyPr/>
+          <a:lstStyle/>
+          <a:p>
+            <a:r>
+              <a:rPr lang="en-US" dirty="0"/>
+              <a:t>For this graphical demonstration we have the top 30 cities with very high average house prices.</a:t>
+            </a:r>
+          </a:p>
+        </p:txBody>
+      </p:sp>
+      <p:pic>
+        <p:nvPicPr>
+          <p:cNvPr id="4" name="Picture 3"/>
+          <p:cNvPicPr>
+            <a:picLocks noChangeAspect="1"/>
+          </p:cNvPicPr>
+          <p:nvPr/>
+        </p:nvPicPr>
+        <p:blipFill>
+          <a:blip r:embed="rId2"/>
+          <a:stretch>
+            <a:fillRect/>
+          </a:stretch>
+        </p:blipFill>
+        <p:spPr>
+          <a:xfrm>
+            <a:off x="627018" y="2622235"/>
+            <a:ext cx="9248502" cy="4235765"/>
+          </a:xfrm>
+          <a:prstGeom prst="rect">
+            <a:avLst/>
+          </a:prstGeom>
+        </p:spPr>
+      </p:pic>
+      <p:sp>
+        <p:nvSpPr>
+          <p:cNvPr id="5" name="Title 1"/>
+          <p:cNvSpPr>
+            <a:spLocks noGrp="1"/>
+          </p:cNvSpPr>
+          <p:nvPr>
+            <p:ph type="title"/>
+          </p:nvPr>
+        </p:nvSpPr>
+        <p:spPr>
+          <a:xfrm>
+            <a:off x="143691" y="130628"/>
+            <a:ext cx="11652069" cy="796835"/>
+          </a:xfrm>
+        </p:spPr>
+        <p:txBody>
+          <a:bodyPr>
+            <a:normAutofit fontScale="90000"/>
+          </a:bodyPr>
+          <a:lstStyle/>
+          <a:p>
+            <a:r>
+              <a:rPr lang="en-US" dirty="0" smtClean="0"/>
+              <a:t>Results</a:t>
+            </a:r>
+            <a:endParaRPr lang="en-US" dirty="0"/>
+          </a:p>
+        </p:txBody>
+      </p:sp>
+    </p:spTree>
+    <p:extLst>
+      <p:ext uri="{BB962C8B-B14F-4D97-AF65-F5344CB8AC3E}">
+        <p14:creationId xmlns:p14="http://schemas.microsoft.com/office/powerpoint/2010/main" val="3160465790"/>
+      </p:ext>
+    </p:extLst>
+  </p:cSld>
+  <p:clrMapOvr>
+    <a:masterClrMapping/>
+  </p:clrMapOvr>
+</p:sld>
+</file>
+
+<file path=ppt/slides/slide16.xml><?xml version="1.0" encoding="utf-8"?>
+<p:sld xmlns:a="http://schemas.openxmlformats.org/drawingml/2006/main" xmlns:r="http://schemas.openxmlformats.org/officeDocument/2006/relationships" xmlns:p="http://schemas.openxmlformats.org/presentationml/2006/main">
+  <p:cSld>
+    <p:spTree>
+      <p:nvGrpSpPr>
+        <p:cNvPr id="1" name=""/>
+        <p:cNvGrpSpPr/>
+        <p:nvPr/>
+      </p:nvGrpSpPr>
+      <p:grpSpPr>
+        <a:xfrm>
+          <a:off x="0" y="0"/>
+          <a:ext cx="0" cy="0"/>
+          <a:chOff x="0" y="0"/>
+          <a:chExt cx="0" cy="0"/>
+        </a:xfrm>
+      </p:grpSpPr>
+      <p:sp>
+        <p:nvSpPr>
+          <p:cNvPr id="3" name="Content Placeholder 2"/>
+          <p:cNvSpPr>
+            <a:spLocks noGrp="1"/>
+          </p:cNvSpPr>
+          <p:nvPr>
+            <p:ph idx="1"/>
+          </p:nvPr>
+        </p:nvSpPr>
+        <p:spPr>
+          <a:xfrm>
+            <a:off x="143691" y="927463"/>
+            <a:ext cx="10281775" cy="1510066"/>
+          </a:xfrm>
+        </p:spPr>
+        <p:txBody>
+          <a:bodyPr/>
+          <a:lstStyle/>
+          <a:p>
+            <a:r>
+              <a:rPr lang="en-US" dirty="0"/>
+              <a:t>For this graphical demonstration we have the top 30 cities with very lowest </a:t>
+            </a:r>
+            <a:r>
+              <a:rPr lang="en-US" dirty="0" smtClean="0"/>
+              <a:t>house prices in average</a:t>
+            </a:r>
+            <a:endParaRPr lang="en-US" dirty="0"/>
+          </a:p>
+        </p:txBody>
+      </p:sp>
+      <p:pic>
+        <p:nvPicPr>
+          <p:cNvPr id="4" name="Picture 3"/>
+          <p:cNvPicPr>
+            <a:picLocks noChangeAspect="1"/>
+          </p:cNvPicPr>
+          <p:nvPr/>
+        </p:nvPicPr>
+        <p:blipFill>
+          <a:blip r:embed="rId2"/>
+          <a:stretch>
+            <a:fillRect/>
+          </a:stretch>
+        </p:blipFill>
+        <p:spPr>
+          <a:xfrm>
+            <a:off x="1185479" y="2696255"/>
+            <a:ext cx="8848725" cy="3686175"/>
+          </a:xfrm>
+          <a:prstGeom prst="rect">
+            <a:avLst/>
+          </a:prstGeom>
+        </p:spPr>
+      </p:pic>
+      <p:sp>
+        <p:nvSpPr>
+          <p:cNvPr id="6" name="Title 1"/>
+          <p:cNvSpPr>
+            <a:spLocks noGrp="1"/>
+          </p:cNvSpPr>
+          <p:nvPr>
+            <p:ph type="title"/>
+          </p:nvPr>
+        </p:nvSpPr>
+        <p:spPr>
+          <a:xfrm>
+            <a:off x="143691" y="130628"/>
+            <a:ext cx="11652069" cy="796835"/>
+          </a:xfrm>
+        </p:spPr>
+        <p:txBody>
+          <a:bodyPr>
+            <a:normAutofit fontScale="90000"/>
+          </a:bodyPr>
+          <a:lstStyle/>
+          <a:p>
+            <a:r>
+              <a:rPr lang="en-US" dirty="0" smtClean="0"/>
+              <a:t>Results</a:t>
+            </a:r>
+            <a:endParaRPr lang="en-US" dirty="0"/>
+          </a:p>
+        </p:txBody>
+      </p:sp>
+    </p:spTree>
+    <p:extLst>
+      <p:ext uri="{BB962C8B-B14F-4D97-AF65-F5344CB8AC3E}">
+        <p14:creationId xmlns:p14="http://schemas.microsoft.com/office/powerpoint/2010/main" val="1915038994"/>
+      </p:ext>
+    </p:extLst>
+  </p:cSld>
+  <p:clrMapOvr>
+    <a:masterClrMapping/>
+  </p:clrMapOvr>
+</p:sld>
+</file>
+
+<file path=ppt/slides/slide17.xml><?xml version="1.0" encoding="utf-8"?>
+<p:sld xmlns:a="http://schemas.openxmlformats.org/drawingml/2006/main" xmlns:r="http://schemas.openxmlformats.org/officeDocument/2006/relationships" xmlns:p="http://schemas.openxmlformats.org/presentationml/2006/main">
+  <p:cSld>
+    <p:spTree>
+      <p:nvGrpSpPr>
+        <p:cNvPr id="1" name=""/>
+        <p:cNvGrpSpPr/>
+        <p:nvPr/>
+      </p:nvGrpSpPr>
+      <p:grpSpPr>
+        <a:xfrm>
+          <a:off x="0" y="0"/>
+          <a:ext cx="0" cy="0"/>
+          <a:chOff x="0" y="0"/>
+          <a:chExt cx="0" cy="0"/>
+        </a:xfrm>
+      </p:grpSpPr>
+      <p:sp>
+        <p:nvSpPr>
+          <p:cNvPr id="3" name="Content Placeholder 2"/>
+          <p:cNvSpPr>
+            <a:spLocks noGrp="1"/>
+          </p:cNvSpPr>
+          <p:nvPr>
+            <p:ph idx="1"/>
+          </p:nvPr>
+        </p:nvSpPr>
+        <p:spPr>
+          <a:xfrm>
+            <a:off x="390579" y="927463"/>
+            <a:ext cx="9628632" cy="1248809"/>
+          </a:xfrm>
+        </p:spPr>
+        <p:txBody>
+          <a:bodyPr/>
+          <a:lstStyle/>
+          <a:p>
+            <a:r>
+              <a:rPr lang="en-US" dirty="0" smtClean="0"/>
+              <a:t>Create maps for see the venues in each city </a:t>
+            </a:r>
+            <a:endParaRPr lang="en-US" dirty="0"/>
+          </a:p>
+        </p:txBody>
+      </p:sp>
+      <p:sp>
+        <p:nvSpPr>
+          <p:cNvPr id="4" name="Title 1"/>
+          <p:cNvSpPr>
+            <a:spLocks noGrp="1"/>
+          </p:cNvSpPr>
+          <p:nvPr>
+            <p:ph type="title"/>
+          </p:nvPr>
+        </p:nvSpPr>
+        <p:spPr>
+          <a:xfrm>
+            <a:off x="143691" y="130628"/>
+            <a:ext cx="11652069" cy="796835"/>
+          </a:xfrm>
+        </p:spPr>
+        <p:txBody>
+          <a:bodyPr>
+            <a:normAutofit fontScale="90000"/>
+          </a:bodyPr>
+          <a:lstStyle/>
+          <a:p>
+            <a:r>
+              <a:rPr lang="en-US" dirty="0" smtClean="0"/>
+              <a:t>Results</a:t>
+            </a:r>
+            <a:endParaRPr lang="en-US" dirty="0"/>
+          </a:p>
+        </p:txBody>
+      </p:sp>
+      <p:pic>
+        <p:nvPicPr>
+          <p:cNvPr id="2" name="Picture 1"/>
+          <p:cNvPicPr>
+            <a:picLocks noChangeAspect="1"/>
+          </p:cNvPicPr>
+          <p:nvPr/>
+        </p:nvPicPr>
+        <p:blipFill>
+          <a:blip r:embed="rId2"/>
+          <a:stretch>
+            <a:fillRect/>
+          </a:stretch>
+        </p:blipFill>
+        <p:spPr>
+          <a:xfrm>
+            <a:off x="1063554" y="1463040"/>
+            <a:ext cx="9870057" cy="5052333"/>
+          </a:xfrm>
+          <a:prstGeom prst="rect">
+            <a:avLst/>
+          </a:prstGeom>
+        </p:spPr>
+      </p:pic>
+    </p:spTree>
+    <p:extLst>
+      <p:ext uri="{BB962C8B-B14F-4D97-AF65-F5344CB8AC3E}">
+        <p14:creationId xmlns:p14="http://schemas.microsoft.com/office/powerpoint/2010/main" val="3348128319"/>
+      </p:ext>
+    </p:extLst>
+  </p:cSld>
+  <p:clrMapOvr>
+    <a:masterClrMapping/>
+  </p:clrMapOvr>
+</p:sld>
+</file>
+
+<file path=ppt/slides/slide18.xml><?xml version="1.0" encoding="utf-8"?>
+<p:sld xmlns:a="http://schemas.openxmlformats.org/drawingml/2006/main" xmlns:r="http://schemas.openxmlformats.org/officeDocument/2006/relationships" xmlns:p="http://schemas.openxmlformats.org/presentationml/2006/main">
+  <p:cSld>
+    <p:spTree>
+      <p:nvGrpSpPr>
+        <p:cNvPr id="1" name=""/>
+        <p:cNvGrpSpPr/>
+        <p:nvPr/>
+      </p:nvGrpSpPr>
+      <p:grpSpPr>
+        <a:xfrm>
+          <a:off x="0" y="0"/>
+          <a:ext cx="0" cy="0"/>
+          <a:chOff x="0" y="0"/>
+          <a:chExt cx="0" cy="0"/>
+        </a:xfrm>
+      </p:grpSpPr>
+      <p:sp>
+        <p:nvSpPr>
+          <p:cNvPr id="3" name="Content Placeholder 2"/>
+          <p:cNvSpPr>
+            <a:spLocks noGrp="1"/>
+          </p:cNvSpPr>
+          <p:nvPr>
+            <p:ph idx="1"/>
+          </p:nvPr>
+        </p:nvSpPr>
+        <p:spPr>
+          <a:xfrm>
+            <a:off x="273014" y="927464"/>
+            <a:ext cx="9223683" cy="1071154"/>
+          </a:xfrm>
+        </p:spPr>
+        <p:txBody>
+          <a:bodyPr/>
+          <a:lstStyle/>
+          <a:p>
+            <a:r>
+              <a:rPr lang="en-US" dirty="0"/>
+              <a:t>Create maps for see the venues in each city </a:t>
+            </a:r>
+          </a:p>
+          <a:p>
+            <a:pPr marL="0" indent="0">
+              <a:buNone/>
+            </a:pPr>
+            <a:endParaRPr lang="en-US" dirty="0"/>
+          </a:p>
+        </p:txBody>
+      </p:sp>
+      <p:sp>
+        <p:nvSpPr>
+          <p:cNvPr id="4" name="Title 1"/>
+          <p:cNvSpPr>
+            <a:spLocks noGrp="1"/>
+          </p:cNvSpPr>
+          <p:nvPr>
+            <p:ph type="title"/>
+          </p:nvPr>
+        </p:nvSpPr>
+        <p:spPr>
+          <a:xfrm>
+            <a:off x="143691" y="130628"/>
+            <a:ext cx="11652069" cy="796835"/>
+          </a:xfrm>
+        </p:spPr>
+        <p:txBody>
+          <a:bodyPr>
+            <a:normAutofit fontScale="90000"/>
+          </a:bodyPr>
+          <a:lstStyle/>
+          <a:p>
+            <a:r>
+              <a:rPr lang="en-US" dirty="0" smtClean="0"/>
+              <a:t>Results</a:t>
+            </a:r>
+            <a:endParaRPr lang="en-US" dirty="0"/>
+          </a:p>
+        </p:txBody>
+      </p:sp>
+      <p:pic>
+        <p:nvPicPr>
+          <p:cNvPr id="5" name="Picture 4"/>
+          <p:cNvPicPr>
+            <a:picLocks noChangeAspect="1"/>
+          </p:cNvPicPr>
+          <p:nvPr/>
+        </p:nvPicPr>
+        <p:blipFill>
+          <a:blip r:embed="rId2"/>
+          <a:stretch>
+            <a:fillRect/>
+          </a:stretch>
+        </p:blipFill>
+        <p:spPr>
+          <a:xfrm>
+            <a:off x="1595846" y="2245914"/>
+            <a:ext cx="7417526" cy="4115426"/>
+          </a:xfrm>
+          <a:prstGeom prst="rect">
+            <a:avLst/>
+          </a:prstGeom>
+        </p:spPr>
+      </p:pic>
+    </p:spTree>
+    <p:extLst>
+      <p:ext uri="{BB962C8B-B14F-4D97-AF65-F5344CB8AC3E}">
+        <p14:creationId xmlns:p14="http://schemas.microsoft.com/office/powerpoint/2010/main" val="876619592"/>
+      </p:ext>
+    </p:extLst>
+  </p:cSld>
+  <p:clrMapOvr>
+    <a:masterClrMapping/>
+  </p:clrMapOvr>
+</p:sld>
+</file>
+
+<file path=ppt/slides/slide19.xml><?xml version="1.0" encoding="utf-8"?>
+<p:sld xmlns:a="http://schemas.openxmlformats.org/drawingml/2006/main" xmlns:r="http://schemas.openxmlformats.org/officeDocument/2006/relationships" xmlns:p="http://schemas.openxmlformats.org/presentationml/2006/main">
+  <p:cSld>
+    <p:spTree>
+      <p:nvGrpSpPr>
+        <p:cNvPr id="1" name=""/>
+        <p:cNvGrpSpPr/>
+        <p:nvPr/>
+      </p:nvGrpSpPr>
+      <p:grpSpPr>
+        <a:xfrm>
+          <a:off x="0" y="0"/>
+          <a:ext cx="0" cy="0"/>
+          <a:chOff x="0" y="0"/>
+          <a:chExt cx="0" cy="0"/>
+        </a:xfrm>
+      </p:grpSpPr>
+      <p:sp>
+        <p:nvSpPr>
+          <p:cNvPr id="2" name="Title 1"/>
+          <p:cNvSpPr>
+            <a:spLocks noGrp="1"/>
+          </p:cNvSpPr>
+          <p:nvPr>
+            <p:ph type="title"/>
+          </p:nvPr>
+        </p:nvSpPr>
+        <p:spPr/>
+        <p:txBody>
+          <a:bodyPr/>
+          <a:lstStyle/>
+          <a:p>
+            <a:r>
+              <a:rPr lang="en-US" dirty="0" smtClean="0"/>
+              <a:t>conclusion</a:t>
+            </a:r>
+            <a:endParaRPr lang="en-US" dirty="0"/>
+          </a:p>
+        </p:txBody>
+      </p:sp>
+      <p:sp>
+        <p:nvSpPr>
+          <p:cNvPr id="3" name="Content Placeholder 2"/>
+          <p:cNvSpPr>
+            <a:spLocks noGrp="1"/>
+          </p:cNvSpPr>
+          <p:nvPr>
+            <p:ph idx="1"/>
+          </p:nvPr>
+        </p:nvSpPr>
+        <p:spPr/>
+        <p:txBody>
+          <a:bodyPr/>
+          <a:lstStyle/>
+          <a:p>
+            <a:r>
+              <a:rPr lang="en-US" dirty="0"/>
+              <a:t>After our analysis we noticed that the city of Illinois that has the cheapest house price is Wilsonville, IL. from where we can deduce that people will be able to settle more easily since the house prices are at least $40,000 whether the person has an adequate salary or not he will be able to enter this city which will be easier for him to find a house and his other usual places in his previous city, so that he can start a new life</a:t>
+            </a:r>
+            <a:r>
+              <a:rPr lang="en-US" dirty="0" smtClean="0"/>
+              <a:t>.</a:t>
+            </a:r>
+            <a:endParaRPr lang="en-US" dirty="0"/>
+          </a:p>
+        </p:txBody>
+      </p:sp>
+    </p:spTree>
+    <p:extLst>
+      <p:ext uri="{BB962C8B-B14F-4D97-AF65-F5344CB8AC3E}">
+        <p14:creationId xmlns:p14="http://schemas.microsoft.com/office/powerpoint/2010/main" val="4078868182"/>
+      </p:ext>
+    </p:extLst>
+  </p:cSld>
+  <p:clrMapOvr>
+    <a:masterClrMapping/>
+  </p:clrMapOvr>
+</p:sld>
+</file>
+
 <file path=ppt/slides/slide2.xml><?xml version="1.0" encoding="utf-8"?>
 <p:sld xmlns:a="http://schemas.openxmlformats.org/drawingml/2006/main" xmlns:r="http://schemas.openxmlformats.org/officeDocument/2006/relationships" xmlns:p="http://schemas.openxmlformats.org/presentationml/2006/main">
   <p:cSld>
@@ -4146,19 +5791,25 @@
           <a:lstStyle/>
           <a:p>
             <a:r>
-              <a:rPr lang="en-US" dirty="0"/>
-              <a:t>It is not easy for someone to leave his country of origin to go live </a:t>
-            </a:r>
-            <a:r>
               <a:rPr lang="en-US" dirty="0" smtClean="0"/>
-              <a:t>elsewhere</a:t>
-            </a:r>
-            <a:endParaRPr lang="en-US" dirty="0" smtClean="0">
-              <a:latin typeface="Calibri" panose="020F0502020204030204" pitchFamily="34" charset="0"/>
-              <a:cs typeface="Calibri" panose="020F0502020204030204" pitchFamily="34" charset="0"/>
-            </a:endParaRPr>
-          </a:p>
-          <a:p>
+              <a:t>Leave </a:t>
+            </a:r>
+            <a:r>
+              <a:rPr lang="en-US" dirty="0"/>
+              <a:t> </a:t>
+            </a:r>
+            <a:r>
+              <a:rPr lang="en-US" dirty="0" smtClean="0"/>
+              <a:t>home sound to </a:t>
+            </a:r>
+            <a:r>
+              <a:rPr lang="en-US" dirty="0"/>
+              <a:t>go live </a:t>
+            </a:r>
+            <a:r>
+              <a:rPr lang="en-US" dirty="0" smtClean="0"/>
+              <a:t>in Illinois </a:t>
+            </a:r>
             <a:r>
               <a:rPr lang="en-US" dirty="0" smtClean="0">
                 <a:latin typeface="Calibri" panose="020F0502020204030204" pitchFamily="34" charset="0"/>
@@ -4174,8 +5825,19 @@
               <a:t>young man would like in </a:t>
             </a:r>
             <a:r>
+              <a:rPr lang="en-US" dirty="0" smtClean="0">
+                <a:solidFill>
+                  <a:schemeClr val="tx1">
+                    <a:lumMod val="65000"/>
+                    <a:lumOff val="35000"/>
+                  </a:schemeClr>
+                </a:solidFill>
+              </a:rPr>
+              <a:t>Illinois</a:t>
+            </a:r>
+            <a:r>
               <a:rPr lang="en-US" b="1" dirty="0" smtClean="0"/>
-              <a:t>Illinois </a:t>
+              <a:t> </a:t>
             </a:r>
             <a:r>
               <a:rPr lang="en-US" dirty="0" smtClean="0">
@@ -4205,7 +5867,7 @@
               <a:t>This project will be useful for people wishing to leave their countries to live in </a:t>
             </a:r>
             <a:r>
-              <a:rPr lang="en-US" b="1" dirty="0">
+              <a:rPr lang="en-US" dirty="0" smtClean="0">
                 <a:latin typeface="Calibri" panose="020F0502020204030204" pitchFamily="34" charset="0"/>
                 <a:cs typeface="Calibri" panose="020F0502020204030204" pitchFamily="34" charset="0"/>
               </a:rPr>
@@ -4249,6 +5911,88 @@
     <p:extLst>
       <p:ext uri="{BB962C8B-B14F-4D97-AF65-F5344CB8AC3E}">
         <p14:creationId xmlns:p14="http://schemas.microsoft.com/office/powerpoint/2010/main" val="204001128"/>
+      </p:ext>
+    </p:extLst>
+  </p:cSld>
+  <p:clrMapOvr>
+    <a:masterClrMapping/>
+  </p:clrMapOvr>
+</p:sld>
+</file>
+
+<file path=ppt/slides/slide20.xml><?xml version="1.0" encoding="utf-8"?>
+<p:sld xmlns:a="http://schemas.openxmlformats.org/drawingml/2006/main" xmlns:r="http://schemas.openxmlformats.org/officeDocument/2006/relationships" xmlns:p="http://schemas.openxmlformats.org/presentationml/2006/main">
+  <p:cSld>
+    <p:spTree>
+      <p:nvGrpSpPr>
+        <p:cNvPr id="1" name=""/>
+        <p:cNvGrpSpPr/>
+        <p:nvPr/>
+      </p:nvGrpSpPr>
+      <p:grpSpPr>
+        <a:xfrm>
+          <a:off x="0" y="0"/>
+          <a:ext cx="0" cy="0"/>
+          <a:chOff x="0" y="0"/>
+          <a:chExt cx="0" cy="0"/>
+        </a:xfrm>
+      </p:grpSpPr>
+      <p:sp>
+        <p:nvSpPr>
+          <p:cNvPr id="2" name="Title 1"/>
+          <p:cNvSpPr>
+            <a:spLocks noGrp="1"/>
+          </p:cNvSpPr>
+          <p:nvPr>
+            <p:ph type="title"/>
+          </p:nvPr>
+        </p:nvSpPr>
+        <p:spPr/>
+        <p:txBody>
+          <a:bodyPr/>
+          <a:lstStyle/>
+          <a:p>
+            <a:r>
+              <a:rPr lang="en-US" dirty="0" smtClean="0"/>
+              <a:t>References &amp; </a:t>
+            </a:r>
+            <a:r>
+              <a:rPr lang="en-US" dirty="0" err="1" smtClean="0"/>
+              <a:t>recomendation</a:t>
+            </a:r>
+            <a:endParaRPr lang="en-US" dirty="0"/>
+          </a:p>
+        </p:txBody>
+      </p:sp>
+      <p:sp>
+        <p:nvSpPr>
+          <p:cNvPr id="3" name="Text Placeholder 2"/>
+          <p:cNvSpPr>
+            <a:spLocks noGrp="1"/>
+          </p:cNvSpPr>
+          <p:nvPr>
+            <p:ph type="body" idx="1"/>
+          </p:nvPr>
+        </p:nvSpPr>
+        <p:spPr/>
+        <p:txBody>
+          <a:bodyPr/>
+          <a:lstStyle/>
+          <a:p>
+            <a:r>
+              <a:rPr lang="en-US" dirty="0">
+                <a:hlinkClick r:id="rId2"/>
+              </a:rPr>
+              <a:t>https://github.com/shelsyayiti/Ayiti_Analytics_ShelsyDalcide</a:t>
+            </a:r>
+            <a:endParaRPr lang="en-US" dirty="0"/>
+          </a:p>
+        </p:txBody>
+      </p:sp>
+    </p:spTree>
+    <p:extLst>
+      <p:ext uri="{BB962C8B-B14F-4D97-AF65-F5344CB8AC3E}">
+        <p14:creationId xmlns:p14="http://schemas.microsoft.com/office/powerpoint/2010/main" val="2077349883"/>
       </p:ext>
     </p:extLst>
   </p:cSld>
@@ -4277,18 +6021,18 @@
       </p:grpSpPr>
       <p:sp>
         <p:nvSpPr>
-          <p:cNvPr id="2" name="Title 1"/>
-          <p:cNvSpPr>
-            <a:spLocks noGrp="1"/>
-          </p:cNvSpPr>
-          <p:nvPr>
-            <p:ph type="title"/>
+          <p:cNvPr id="3" name="Content Placeholder 2"/>
+          <p:cNvSpPr>
+            <a:spLocks noGrp="1"/>
+          </p:cNvSpPr>
+          <p:nvPr>
+            <p:ph idx="1"/>
           </p:nvPr>
         </p:nvSpPr>
         <p:spPr>
           <a:xfrm>
-            <a:off x="143691" y="130628"/>
-            <a:ext cx="10984557" cy="1175657"/>
+            <a:off x="168510" y="1376825"/>
+            <a:ext cx="11196175" cy="5350546"/>
           </a:xfrm>
         </p:spPr>
         <p:txBody>
@@ -4296,6 +6040,698 @@
           <a:lstStyle/>
           <a:p>
             <a:r>
+              <a:rPr lang="en-US" dirty="0">
+                <a:solidFill>
+                  <a:schemeClr val="tx1">
+                    <a:lumMod val="65000"/>
+                    <a:lumOff val="35000"/>
+                  </a:schemeClr>
+                </a:solidFill>
+              </a:rPr>
+              <a:t>Going to live in another place and adapting for its analysis we were able to extract data on the </a:t>
+            </a:r>
+            <a:r>
+              <a:rPr lang="en-US" dirty="0">
+                <a:solidFill>
+                  <a:schemeClr val="tx1">
+                    <a:lumMod val="65000"/>
+                    <a:lumOff val="35000"/>
+                  </a:schemeClr>
+                </a:solidFill>
+                <a:hlinkClick r:id="rId2"/>
+              </a:rPr>
+              <a:t>wages</a:t>
+            </a:r>
+            <a:r>
+              <a:rPr lang="en-US" dirty="0">
+                <a:solidFill>
+                  <a:schemeClr val="tx1">
+                    <a:lumMod val="65000"/>
+                    <a:lumOff val="35000"/>
+                  </a:schemeClr>
+                </a:solidFill>
+              </a:rPr>
+              <a:t> of each city in </a:t>
+            </a:r>
+            <a:r>
+              <a:rPr lang="en-US" dirty="0" smtClean="0">
+                <a:solidFill>
+                  <a:schemeClr val="tx1">
+                    <a:lumMod val="65000"/>
+                    <a:lumOff val="35000"/>
+                  </a:schemeClr>
+                </a:solidFill>
+              </a:rPr>
+              <a:t>Illinois</a:t>
+            </a:r>
+            <a:r>
+              <a:rPr lang="en-US" dirty="0">
+                <a:solidFill>
+                  <a:schemeClr val="tx1">
+                    <a:lumMod val="65000"/>
+                    <a:lumOff val="35000"/>
+                  </a:schemeClr>
+                </a:solidFill>
+              </a:rPr>
+              <a:t>.</a:t>
+            </a:r>
+            <a:endParaRPr lang="en-US" dirty="0" smtClean="0">
+              <a:solidFill>
+                <a:schemeClr val="tx1">
+                  <a:lumMod val="65000"/>
+                  <a:lumOff val="35000"/>
+                </a:schemeClr>
+              </a:solidFill>
+            </a:endParaRPr>
+          </a:p>
+          <a:p>
+            <a:r>
+              <a:rPr lang="en-US" dirty="0">
+                <a:solidFill>
+                  <a:schemeClr val="tx1">
+                    <a:lumMod val="65000"/>
+                    <a:lumOff val="35000"/>
+                  </a:schemeClr>
+                </a:solidFill>
+              </a:rPr>
+              <a:t>W</a:t>
+            </a:r>
+            <a:r>
+              <a:rPr lang="en-US" dirty="0" smtClean="0">
+                <a:solidFill>
+                  <a:schemeClr val="tx1">
+                    <a:lumMod val="65000"/>
+                    <a:lumOff val="35000"/>
+                  </a:schemeClr>
+                </a:solidFill>
+              </a:rPr>
+              <a:t>e </a:t>
+            </a:r>
+            <a:r>
+              <a:rPr lang="en-US" dirty="0">
+                <a:solidFill>
+                  <a:schemeClr val="tx1">
+                    <a:lumMod val="65000"/>
+                    <a:lumOff val="35000"/>
+                  </a:schemeClr>
+                </a:solidFill>
+              </a:rPr>
+              <a:t>had </a:t>
+            </a:r>
+            <a:r>
+              <a:rPr lang="en-US" dirty="0" smtClean="0">
+                <a:solidFill>
+                  <a:schemeClr val="tx1">
+                    <a:lumMod val="65000"/>
+                    <a:lumOff val="35000"/>
+                  </a:schemeClr>
+                </a:solidFill>
+              </a:rPr>
+              <a:t>dataset </a:t>
+            </a:r>
+            <a:r>
+              <a:rPr lang="en-US" dirty="0">
+                <a:solidFill>
+                  <a:schemeClr val="tx1">
+                    <a:lumMod val="65000"/>
+                    <a:lumOff val="35000"/>
+                  </a:schemeClr>
+                </a:solidFill>
+              </a:rPr>
+              <a:t>on the </a:t>
+            </a:r>
+            <a:r>
+              <a:rPr lang="en-US" dirty="0">
+                <a:solidFill>
+                  <a:schemeClr val="tx1">
+                    <a:lumMod val="65000"/>
+                    <a:lumOff val="35000"/>
+                  </a:schemeClr>
+                </a:solidFill>
+                <a:hlinkClick r:id="rId3"/>
+              </a:rPr>
+              <a:t>population</a:t>
+            </a:r>
+            <a:r>
+              <a:rPr lang="en-US" dirty="0">
+                <a:solidFill>
+                  <a:schemeClr val="tx1">
+                    <a:lumMod val="65000"/>
+                    <a:lumOff val="35000"/>
+                  </a:schemeClr>
+                </a:solidFill>
+              </a:rPr>
+              <a:t> of each </a:t>
+            </a:r>
+            <a:r>
+              <a:rPr lang="en-US" dirty="0" smtClean="0">
+                <a:solidFill>
+                  <a:schemeClr val="tx1">
+                    <a:lumMod val="65000"/>
+                    <a:lumOff val="35000"/>
+                  </a:schemeClr>
+                </a:solidFill>
+              </a:rPr>
+              <a:t>city</a:t>
+            </a:r>
+            <a:r>
+              <a:rPr lang="en-US" dirty="0">
+                <a:solidFill>
+                  <a:schemeClr val="tx1">
+                    <a:lumMod val="65000"/>
+                    <a:lumOff val="35000"/>
+                  </a:schemeClr>
+                </a:solidFill>
+              </a:rPr>
+              <a:t> </a:t>
+            </a:r>
+            <a:r>
+              <a:rPr lang="en-US" dirty="0" smtClean="0">
+                <a:solidFill>
+                  <a:schemeClr val="tx1">
+                    <a:lumMod val="65000"/>
+                    <a:lumOff val="35000"/>
+                  </a:schemeClr>
+                </a:solidFill>
+              </a:rPr>
+              <a:t>by web scrapping.</a:t>
+            </a:r>
+          </a:p>
+          <a:p>
+            <a:r>
+              <a:rPr lang="en-US" dirty="0" smtClean="0">
+                <a:solidFill>
+                  <a:schemeClr val="tx1">
+                    <a:lumMod val="65000"/>
+                    <a:lumOff val="35000"/>
+                  </a:schemeClr>
+                </a:solidFill>
+              </a:rPr>
+              <a:t>The dataset </a:t>
+            </a:r>
+            <a:r>
+              <a:rPr lang="en-US" dirty="0">
+                <a:solidFill>
+                  <a:schemeClr val="tx1">
+                    <a:lumMod val="65000"/>
+                    <a:lumOff val="35000"/>
+                  </a:schemeClr>
+                </a:solidFill>
+              </a:rPr>
+              <a:t>on </a:t>
+            </a:r>
+            <a:r>
+              <a:rPr lang="en-US" dirty="0">
+                <a:solidFill>
+                  <a:schemeClr val="tx1">
+                    <a:lumMod val="65000"/>
+                    <a:lumOff val="35000"/>
+                  </a:schemeClr>
+                </a:solidFill>
+                <a:hlinkClick r:id="rId4"/>
+              </a:rPr>
+              <a:t>crime</a:t>
+            </a:r>
+            <a:r>
+              <a:rPr lang="en-US" dirty="0">
+                <a:solidFill>
+                  <a:schemeClr val="tx1">
+                    <a:lumMod val="65000"/>
+                    <a:lumOff val="35000"/>
+                  </a:schemeClr>
+                </a:solidFill>
+              </a:rPr>
+              <a:t> in each city </a:t>
+            </a:r>
+            <a:r>
+              <a:rPr lang="en-US" dirty="0" smtClean="0">
+                <a:solidFill>
+                  <a:schemeClr val="tx1">
+                    <a:lumMod val="65000"/>
+                    <a:lumOff val="35000"/>
+                  </a:schemeClr>
+                </a:solidFill>
+              </a:rPr>
+              <a:t>by web scrapping.</a:t>
+            </a:r>
+          </a:p>
+          <a:p>
+            <a:r>
+              <a:rPr lang="en-US" dirty="0">
+                <a:solidFill>
+                  <a:schemeClr val="tx1">
+                    <a:lumMod val="65000"/>
+                    <a:lumOff val="35000"/>
+                  </a:schemeClr>
+                </a:solidFill>
+              </a:rPr>
+              <a:t>A</a:t>
+            </a:r>
+            <a:r>
+              <a:rPr lang="en-US" dirty="0" smtClean="0">
+                <a:solidFill>
+                  <a:schemeClr val="tx1">
+                    <a:lumMod val="65000"/>
+                    <a:lumOff val="35000"/>
+                  </a:schemeClr>
+                </a:solidFill>
+              </a:rPr>
+              <a:t>nd the dataset of house </a:t>
+            </a:r>
+            <a:r>
+              <a:rPr lang="en-US" dirty="0">
+                <a:solidFill>
+                  <a:schemeClr val="tx1">
+                    <a:lumMod val="65000"/>
+                    <a:lumOff val="35000"/>
+                  </a:schemeClr>
+                </a:solidFill>
+              </a:rPr>
+              <a:t>prices in each city that we downloaded and not extracted</a:t>
+            </a:r>
+            <a:r>
+              <a:rPr lang="en-US" dirty="0" smtClean="0">
+                <a:solidFill>
+                  <a:schemeClr val="tx1">
+                    <a:lumMod val="65000"/>
+                    <a:lumOff val="35000"/>
+                  </a:schemeClr>
+                </a:solidFill>
+              </a:rPr>
+              <a:t>.</a:t>
+            </a:r>
+          </a:p>
+          <a:p>
+            <a:r>
+              <a:rPr lang="en-US" dirty="0" smtClean="0">
+                <a:solidFill>
+                  <a:schemeClr val="tx1">
+                    <a:lumMod val="65000"/>
+                    <a:lumOff val="35000"/>
+                  </a:schemeClr>
+                </a:solidFill>
+              </a:rPr>
+              <a:t>In Total we </a:t>
+            </a:r>
+            <a:r>
+              <a:rPr lang="en-US" dirty="0">
+                <a:solidFill>
+                  <a:schemeClr val="tx1">
+                    <a:lumMod val="65000"/>
+                    <a:lumOff val="35000"/>
+                  </a:schemeClr>
+                </a:solidFill>
+              </a:rPr>
+              <a:t>have for the population dataset we have </a:t>
+            </a:r>
+            <a:r>
+              <a:rPr lang="en-US" dirty="0" smtClean="0">
+                <a:solidFill>
+                  <a:schemeClr val="tx1">
+                    <a:lumMod val="65000"/>
+                    <a:lumOff val="35000"/>
+                  </a:schemeClr>
+                </a:solidFill>
+              </a:rPr>
+              <a:t>two(2) </a:t>
+            </a:r>
+            <a:r>
+              <a:rPr lang="en-US" dirty="0">
+                <a:solidFill>
+                  <a:schemeClr val="tx1">
+                    <a:lumMod val="65000"/>
+                    <a:lumOff val="35000"/>
+                  </a:schemeClr>
+                </a:solidFill>
+              </a:rPr>
+              <a:t>columns and one thousand two hundred and </a:t>
+            </a:r>
+            <a:r>
+              <a:rPr lang="en-US" dirty="0" smtClean="0">
+                <a:solidFill>
+                  <a:schemeClr val="tx1">
+                    <a:lumMod val="65000"/>
+                    <a:lumOff val="35000"/>
+                  </a:schemeClr>
+                </a:solidFill>
+              </a:rPr>
+              <a:t>three(1203) </a:t>
+            </a:r>
+            <a:r>
+              <a:rPr lang="en-US" dirty="0">
+                <a:solidFill>
+                  <a:schemeClr val="tx1">
+                    <a:lumMod val="65000"/>
+                    <a:lumOff val="35000"/>
+                  </a:schemeClr>
+                </a:solidFill>
+              </a:rPr>
+              <a:t>lines</a:t>
+            </a:r>
+            <a:r>
+              <a:rPr lang="en-US" dirty="0" smtClean="0">
+                <a:solidFill>
+                  <a:schemeClr val="tx1">
+                    <a:lumMod val="65000"/>
+                    <a:lumOff val="35000"/>
+                  </a:schemeClr>
+                </a:solidFill>
+              </a:rPr>
+              <a:t>.</a:t>
+            </a:r>
+          </a:p>
+          <a:p>
+            <a:r>
+              <a:rPr lang="en-US" dirty="0" smtClean="0">
+                <a:solidFill>
+                  <a:schemeClr val="tx1">
+                    <a:lumMod val="65000"/>
+                    <a:lumOff val="35000"/>
+                  </a:schemeClr>
+                </a:solidFill>
+              </a:rPr>
+              <a:t>In </a:t>
+            </a:r>
+            <a:r>
+              <a:rPr lang="en-US" dirty="0">
+                <a:solidFill>
+                  <a:schemeClr val="tx1">
+                    <a:lumMod val="65000"/>
+                    <a:lumOff val="35000"/>
+                  </a:schemeClr>
+                </a:solidFill>
+              </a:rPr>
+              <a:t>total for salary data per year in every city in Illinois we have </a:t>
+            </a:r>
+            <a:r>
+              <a:rPr lang="en-US" dirty="0" smtClean="0">
+                <a:solidFill>
+                  <a:schemeClr val="tx1">
+                    <a:lumMod val="65000"/>
+                    <a:lumOff val="35000"/>
+                  </a:schemeClr>
+                </a:solidFill>
+              </a:rPr>
+              <a:t>two(2) </a:t>
+            </a:r>
+            <a:r>
+              <a:rPr lang="en-US" dirty="0">
+                <a:solidFill>
+                  <a:schemeClr val="tx1">
+                    <a:lumMod val="65000"/>
+                    <a:lumOff val="35000"/>
+                  </a:schemeClr>
+                </a:solidFill>
+              </a:rPr>
+              <a:t>columns and one thousand three hundred and </a:t>
+            </a:r>
+            <a:r>
+              <a:rPr lang="en-US" dirty="0" smtClean="0">
+                <a:solidFill>
+                  <a:schemeClr val="tx1">
+                    <a:lumMod val="65000"/>
+                    <a:lumOff val="35000"/>
+                  </a:schemeClr>
+                </a:solidFill>
+              </a:rPr>
+              <a:t>fourteen(1314) </a:t>
+            </a:r>
+            <a:r>
+              <a:rPr lang="en-US" dirty="0">
+                <a:solidFill>
+                  <a:schemeClr val="tx1">
+                    <a:lumMod val="65000"/>
+                    <a:lumOff val="35000"/>
+                  </a:schemeClr>
+                </a:solidFill>
+              </a:rPr>
+              <a:t>lines</a:t>
+            </a:r>
+            <a:r>
+              <a:rPr lang="en-US" dirty="0" smtClean="0">
+                <a:solidFill>
+                  <a:schemeClr val="tx1">
+                    <a:lumMod val="65000"/>
+                    <a:lumOff val="35000"/>
+                  </a:schemeClr>
+                </a:solidFill>
+              </a:rPr>
+              <a:t>.</a:t>
+            </a:r>
+          </a:p>
+          <a:p>
+            <a:r>
+              <a:rPr lang="en-US" dirty="0">
+                <a:solidFill>
+                  <a:schemeClr val="tx1">
+                    <a:lumMod val="65000"/>
+                    <a:lumOff val="35000"/>
+                  </a:schemeClr>
+                </a:solidFill>
+              </a:rPr>
+              <a:t>In </a:t>
+            </a:r>
+            <a:r>
+              <a:rPr lang="en-US" dirty="0" smtClean="0">
+                <a:solidFill>
+                  <a:schemeClr val="tx1">
+                    <a:lumMod val="65000"/>
+                    <a:lumOff val="35000"/>
+                  </a:schemeClr>
+                </a:solidFill>
+              </a:rPr>
+              <a:t>total for </a:t>
+            </a:r>
+            <a:r>
+              <a:rPr lang="en-US" dirty="0">
+                <a:solidFill>
+                  <a:schemeClr val="tx1">
+                    <a:lumMod val="65000"/>
+                    <a:lumOff val="35000"/>
+                  </a:schemeClr>
+                </a:solidFill>
+              </a:rPr>
+              <a:t>the dataset of house prices we have three hundred and </a:t>
+            </a:r>
+            <a:r>
+              <a:rPr lang="en-US" dirty="0" smtClean="0">
+                <a:solidFill>
+                  <a:schemeClr val="tx1">
+                    <a:lumMod val="65000"/>
+                    <a:lumOff val="35000"/>
+                  </a:schemeClr>
+                </a:solidFill>
+              </a:rPr>
+              <a:t>two(302) </a:t>
+            </a:r>
+            <a:r>
+              <a:rPr lang="en-US" dirty="0">
+                <a:solidFill>
+                  <a:schemeClr val="tx1">
+                    <a:lumMod val="65000"/>
+                    <a:lumOff val="35000"/>
+                  </a:schemeClr>
+                </a:solidFill>
+              </a:rPr>
+              <a:t>columns and twenty-six thousand eight hundred and </a:t>
+            </a:r>
+            <a:r>
+              <a:rPr lang="en-US" dirty="0" smtClean="0">
+                <a:solidFill>
+                  <a:schemeClr val="tx1">
+                    <a:lumMod val="65000"/>
+                    <a:lumOff val="35000"/>
+                  </a:schemeClr>
+                </a:solidFill>
+              </a:rPr>
+              <a:t>nineteen(26819) lines</a:t>
+            </a:r>
+          </a:p>
+          <a:p>
+            <a:r>
+              <a:rPr lang="en-US" dirty="0">
+                <a:solidFill>
+                  <a:schemeClr val="tx1">
+                    <a:lumMod val="65000"/>
+                    <a:lumOff val="35000"/>
+                  </a:schemeClr>
+                </a:solidFill>
+              </a:rPr>
+              <a:t>And for the crime dataset we have </a:t>
+            </a:r>
+            <a:r>
+              <a:rPr lang="en-US" dirty="0" smtClean="0">
+                <a:solidFill>
+                  <a:schemeClr val="tx1">
+                    <a:lumMod val="65000"/>
+                    <a:lumOff val="35000"/>
+                  </a:schemeClr>
+                </a:solidFill>
+              </a:rPr>
+              <a:t>twenty-five(25) </a:t>
+            </a:r>
+            <a:r>
+              <a:rPr lang="en-US" dirty="0">
+                <a:solidFill>
+                  <a:schemeClr val="tx1">
+                    <a:lumMod val="65000"/>
+                    <a:lumOff val="35000"/>
+                  </a:schemeClr>
+                </a:solidFill>
+              </a:rPr>
+              <a:t>columns and </a:t>
+            </a:r>
+            <a:r>
+              <a:rPr lang="en-US" dirty="0" smtClean="0">
+                <a:solidFill>
+                  <a:schemeClr val="tx1">
+                    <a:lumMod val="65000"/>
+                    <a:lumOff val="35000"/>
+                  </a:schemeClr>
+                </a:solidFill>
+              </a:rPr>
+              <a:t>ninety-seven(97) </a:t>
+            </a:r>
+            <a:r>
+              <a:rPr lang="en-US" dirty="0">
+                <a:solidFill>
+                  <a:schemeClr val="tx1">
+                    <a:lumMod val="65000"/>
+                    <a:lumOff val="35000"/>
+                  </a:schemeClr>
+                </a:solidFill>
+              </a:rPr>
+              <a:t>lines</a:t>
+            </a:r>
+            <a:r>
+              <a:rPr lang="en-US" dirty="0" smtClean="0">
+                <a:solidFill>
+                  <a:schemeClr val="tx1">
+                    <a:lumMod val="65000"/>
+                    <a:lumOff val="35000"/>
+                  </a:schemeClr>
+                </a:solidFill>
+              </a:rPr>
+              <a:t>.</a:t>
+            </a:r>
+          </a:p>
+          <a:p>
+            <a:r>
+              <a:rPr lang="en-US" dirty="0">
+                <a:solidFill>
+                  <a:schemeClr val="tx1">
+                    <a:lumMod val="65000"/>
+                    <a:lumOff val="35000"/>
+                  </a:schemeClr>
+                </a:solidFill>
+              </a:rPr>
+              <a:t>Duplicate, highly similar or highly correlated features were dropped. </a:t>
+            </a:r>
+          </a:p>
+          <a:p>
+            <a:r>
+              <a:rPr lang="en-US" dirty="0" smtClean="0">
+                <a:solidFill>
+                  <a:schemeClr val="tx1">
+                    <a:lumMod val="65000"/>
+                    <a:lumOff val="35000"/>
+                  </a:schemeClr>
+                </a:solidFill>
+              </a:rPr>
+              <a:t>Cleaned all these data.</a:t>
+            </a:r>
+            <a:endParaRPr lang="en-US" dirty="0">
+              <a:solidFill>
+                <a:schemeClr val="tx1">
+                  <a:lumMod val="65000"/>
+                  <a:lumOff val="35000"/>
+                </a:schemeClr>
+              </a:solidFill>
+            </a:endParaRPr>
+          </a:p>
+        </p:txBody>
+      </p:sp>
+      <p:sp>
+        <p:nvSpPr>
+          <p:cNvPr id="4" name="Title 1"/>
+          <p:cNvSpPr>
+            <a:spLocks noGrp="1"/>
+          </p:cNvSpPr>
+          <p:nvPr>
+            <p:ph type="title"/>
+          </p:nvPr>
+        </p:nvSpPr>
+        <p:spPr>
+          <a:xfrm>
+            <a:off x="168511" y="0"/>
+            <a:ext cx="11601123" cy="1376825"/>
+          </a:xfrm>
+        </p:spPr>
+        <p:txBody>
+          <a:bodyPr>
+            <a:normAutofit/>
+          </a:bodyPr>
+          <a:lstStyle/>
+          <a:p>
+            <a:r>
+              <a:rPr lang="en-US" sz="7200" dirty="0" smtClean="0"/>
+              <a:t>Data acquisition and cleaning</a:t>
+            </a:r>
+            <a:endParaRPr lang="en-US" sz="7200" dirty="0"/>
+          </a:p>
+        </p:txBody>
+      </p:sp>
+    </p:spTree>
+    <p:extLst>
+      <p:ext uri="{BB962C8B-B14F-4D97-AF65-F5344CB8AC3E}">
+        <p14:creationId xmlns:p14="http://schemas.microsoft.com/office/powerpoint/2010/main" val="129611213"/>
+      </p:ext>
+    </p:extLst>
+  </p:cSld>
+  <p:clrMapOvr>
+    <a:masterClrMapping/>
+  </p:clrMapOvr>
+</p:sld>
+</file>
+
+<file path=ppt/slides/slide4.xml><?xml version="1.0" encoding="utf-8"?>
+<p:sld xmlns:a="http://schemas.openxmlformats.org/drawingml/2006/main" xmlns:r="http://schemas.openxmlformats.org/officeDocument/2006/relationships" xmlns:p="http://schemas.openxmlformats.org/presentationml/2006/main">
+  <p:cSld>
+    <p:spTree>
+      <p:nvGrpSpPr>
+        <p:cNvPr id="1" name=""/>
+        <p:cNvGrpSpPr/>
+        <p:nvPr/>
+      </p:nvGrpSpPr>
+      <p:grpSpPr>
+        <a:xfrm>
+          <a:off x="0" y="0"/>
+          <a:ext cx="0" cy="0"/>
+          <a:chOff x="0" y="0"/>
+          <a:chExt cx="0" cy="0"/>
+        </a:xfrm>
+      </p:grpSpPr>
+      <p:sp>
+        <p:nvSpPr>
+          <p:cNvPr id="2" name="Title 1"/>
+          <p:cNvSpPr>
+            <a:spLocks noGrp="1"/>
+          </p:cNvSpPr>
+          <p:nvPr>
+            <p:ph type="title"/>
+          </p:nvPr>
+        </p:nvSpPr>
+        <p:spPr>
+          <a:xfrm>
+            <a:off x="143691" y="130628"/>
+            <a:ext cx="10984557" cy="953589"/>
+          </a:xfrm>
+        </p:spPr>
+        <p:txBody>
+          <a:bodyPr/>
+          <a:lstStyle/>
+          <a:p>
+            <a:r>
               <a:rPr lang="en-US" dirty="0" smtClean="0"/>
               <a:t>methodology</a:t>
             </a:r>
@@ -4315,15 +6751,390 @@
         </p:nvSpPr>
         <p:spPr>
           <a:xfrm>
-            <a:off x="143691" y="1345474"/>
-            <a:ext cx="11194869" cy="5512526"/>
+            <a:off x="143691" y="1515292"/>
+            <a:ext cx="11077303" cy="4467498"/>
           </a:xfrm>
         </p:spPr>
         <p:txBody>
-          <a:bodyPr/>
+          <a:bodyPr>
+            <a:normAutofit/>
+          </a:bodyPr>
           <a:lstStyle/>
           <a:p>
-            <a:endParaRPr lang="en-US" dirty="0"/>
+            <a:pPr>
+              <a:buFont typeface="Wingdings" panose="05000000000000000000" pitchFamily="2" charset="2"/>
+              <a:buChar char="Ø"/>
+            </a:pPr>
+            <a:r>
+              <a:rPr lang="en-US" dirty="0">
+                <a:solidFill>
+                  <a:schemeClr val="tx1">
+                    <a:lumMod val="65000"/>
+                    <a:lumOff val="35000"/>
+                  </a:schemeClr>
+                </a:solidFill>
+              </a:rPr>
+              <a:t>The State of Illinois, is the most populous city in the U.S. state of Illinois, and the third-most-populous city in the United States. With an estimated population of 2,693,976 in 2019, it is also the most populous city in the Midwestern United States.</a:t>
+            </a:r>
+          </a:p>
+          <a:p>
+            <a:pPr>
+              <a:buFont typeface="Wingdings" panose="05000000000000000000" pitchFamily="2" charset="2"/>
+              <a:buChar char="Ø"/>
+            </a:pPr>
+            <a:r>
+              <a:rPr lang="en-US" dirty="0">
+                <a:solidFill>
+                  <a:schemeClr val="tx1">
+                    <a:lumMod val="65000"/>
+                    <a:lumOff val="35000"/>
+                  </a:schemeClr>
+                </a:solidFill>
+              </a:rPr>
+              <a:t>Our job is to help someone moving to Illinois to find a house in a safe area so that they are comfortable and at an adequate price after getting information about the wages of people living in Chicago. For our work we did the web scrapping to extract data </a:t>
+            </a:r>
+            <a:r>
+              <a:rPr lang="en-US" dirty="0" smtClean="0">
+                <a:solidFill>
+                  <a:schemeClr val="tx1">
+                    <a:lumMod val="65000"/>
+                    <a:lumOff val="35000"/>
+                  </a:schemeClr>
+                </a:solidFill>
+              </a:rPr>
+              <a:t>of population and the salary we needed </a:t>
+            </a:r>
+            <a:r>
+              <a:rPr lang="en-US" dirty="0">
+                <a:solidFill>
+                  <a:schemeClr val="tx1">
+                    <a:lumMod val="65000"/>
+                    <a:lumOff val="35000"/>
+                  </a:schemeClr>
+                </a:solidFill>
+              </a:rPr>
+              <a:t>for our Analysis. </a:t>
+            </a:r>
+          </a:p>
+          <a:p>
+            <a:pPr>
+              <a:buFont typeface="Wingdings" panose="05000000000000000000" pitchFamily="2" charset="2"/>
+              <a:buChar char="Ø"/>
+            </a:pPr>
+            <a:r>
+              <a:rPr lang="en-US" dirty="0" smtClean="0">
+                <a:solidFill>
+                  <a:schemeClr val="tx1">
+                    <a:lumMod val="65000"/>
+                    <a:lumOff val="35000"/>
+                  </a:schemeClr>
+                </a:solidFill>
+              </a:rPr>
+              <a:t>Data Preprocessing is  for </a:t>
+            </a:r>
+            <a:r>
+              <a:rPr lang="en-US" dirty="0">
+                <a:solidFill>
+                  <a:schemeClr val="tx1">
+                    <a:lumMod val="65000"/>
+                    <a:lumOff val="35000"/>
+                  </a:schemeClr>
+                </a:solidFill>
+              </a:rPr>
+              <a:t>transformed, or </a:t>
+            </a:r>
+            <a:r>
+              <a:rPr lang="en-US" i="1" dirty="0">
+                <a:solidFill>
+                  <a:schemeClr val="tx1">
+                    <a:lumMod val="65000"/>
+                    <a:lumOff val="35000"/>
+                  </a:schemeClr>
+                </a:solidFill>
+              </a:rPr>
+              <a:t>Encoded</a:t>
+            </a:r>
+            <a:r>
+              <a:rPr lang="en-US" dirty="0">
+                <a:solidFill>
+                  <a:schemeClr val="tx1">
+                    <a:lumMod val="65000"/>
+                    <a:lumOff val="35000"/>
+                  </a:schemeClr>
+                </a:solidFill>
+              </a:rPr>
+              <a:t>, to bring </a:t>
+            </a:r>
+            <a:r>
+              <a:rPr lang="en-US" dirty="0" smtClean="0">
+                <a:solidFill>
+                  <a:schemeClr val="tx1">
+                    <a:lumMod val="65000"/>
+                    <a:lumOff val="35000"/>
+                  </a:schemeClr>
+                </a:solidFill>
+              </a:rPr>
+              <a:t>it, clean our dataset, select all columns we need for </a:t>
+            </a:r>
+            <a:r>
+              <a:rPr lang="en-US" dirty="0">
+                <a:solidFill>
+                  <a:schemeClr val="tx1">
+                    <a:lumMod val="65000"/>
+                    <a:lumOff val="35000"/>
+                  </a:schemeClr>
+                </a:solidFill>
+              </a:rPr>
+              <a:t>our Analysis</a:t>
+            </a:r>
+            <a:r>
+              <a:rPr lang="en-US" dirty="0" smtClean="0">
+                <a:solidFill>
+                  <a:schemeClr val="tx1">
+                    <a:lumMod val="65000"/>
+                    <a:lumOff val="35000"/>
+                  </a:schemeClr>
+                </a:solidFill>
+              </a:rPr>
+              <a:t>, make analysis of </a:t>
+            </a:r>
+            <a:r>
+              <a:rPr lang="en-US" dirty="0">
+                <a:solidFill>
+                  <a:schemeClr val="tx1">
+                    <a:lumMod val="65000"/>
+                    <a:lumOff val="35000"/>
+                  </a:schemeClr>
+                </a:solidFill>
+              </a:rPr>
+              <a:t>the crime of each county and region in </a:t>
+            </a:r>
+            <a:r>
+              <a:rPr lang="en-US" dirty="0" smtClean="0">
+                <a:solidFill>
+                  <a:schemeClr val="tx1">
+                    <a:lumMod val="65000"/>
+                    <a:lumOff val="35000"/>
+                  </a:schemeClr>
+                </a:solidFill>
+              </a:rPr>
+              <a:t>Illinois, filter </a:t>
+            </a:r>
+            <a:r>
+              <a:rPr lang="en-US" dirty="0">
+                <a:solidFill>
+                  <a:schemeClr val="tx1">
+                    <a:lumMod val="65000"/>
+                    <a:lumOff val="35000"/>
+                  </a:schemeClr>
+                </a:solidFill>
+              </a:rPr>
+              <a:t>our data in order to mix </a:t>
+            </a:r>
+            <a:r>
+              <a:rPr lang="en-US" dirty="0" smtClean="0">
+                <a:solidFill>
+                  <a:schemeClr val="tx1">
+                    <a:lumMod val="65000"/>
+                    <a:lumOff val="35000"/>
+                  </a:schemeClr>
+                </a:solidFill>
+              </a:rPr>
+              <a:t>them,</a:t>
+            </a:r>
+            <a:r>
+              <a:rPr lang="fr-FR" dirty="0">
+                <a:solidFill>
+                  <a:schemeClr val="tx1">
+                    <a:lumMod val="65000"/>
+                    <a:lumOff val="35000"/>
+                  </a:schemeClr>
+                </a:solidFill>
+              </a:rPr>
+              <a:t> </a:t>
+            </a:r>
+            <a:r>
+              <a:rPr lang="en-US" dirty="0" smtClean="0">
+                <a:solidFill>
+                  <a:schemeClr val="tx1">
+                    <a:lumMod val="65000"/>
+                    <a:lumOff val="35000"/>
+                  </a:schemeClr>
+                </a:solidFill>
+              </a:rPr>
+              <a:t>Make analysis for </a:t>
+            </a:r>
+            <a:r>
+              <a:rPr lang="en-US" dirty="0">
+                <a:solidFill>
+                  <a:schemeClr val="tx1">
+                    <a:lumMod val="65000"/>
+                    <a:lumOff val="35000"/>
+                  </a:schemeClr>
+                </a:solidFill>
+              </a:rPr>
+              <a:t>each dataset see the crime rate in </a:t>
+            </a:r>
+            <a:r>
+              <a:rPr lang="en-US" dirty="0" smtClean="0">
+                <a:solidFill>
+                  <a:schemeClr val="tx1">
+                    <a:lumMod val="65000"/>
+                    <a:lumOff val="35000"/>
+                  </a:schemeClr>
+                </a:solidFill>
+              </a:rPr>
+              <a:t>Illinois cities and the rate of </a:t>
+            </a:r>
+            <a:r>
+              <a:rPr lang="en-US" dirty="0">
+                <a:solidFill>
+                  <a:schemeClr val="tx1">
+                    <a:lumMod val="65000"/>
+                    <a:lumOff val="35000"/>
+                  </a:schemeClr>
+                </a:solidFill>
+              </a:rPr>
+              <a:t>the </a:t>
+            </a:r>
+            <a:r>
+              <a:rPr lang="en-US" dirty="0" smtClean="0">
+                <a:solidFill>
+                  <a:schemeClr val="tx1">
+                    <a:lumMod val="65000"/>
+                    <a:lumOff val="35000"/>
+                  </a:schemeClr>
+                </a:solidFill>
+              </a:rPr>
+              <a:t>(burglary, murder and sexual assault</a:t>
+            </a:r>
+            <a:r>
+              <a:rPr lang="en-US" b="1" dirty="0" smtClean="0">
+                <a:solidFill>
+                  <a:schemeClr val="tx1">
+                    <a:lumMod val="65000"/>
+                    <a:lumOff val="35000"/>
+                  </a:schemeClr>
+                </a:solidFill>
+              </a:rPr>
+              <a:t>..)</a:t>
+            </a:r>
+            <a:r>
+              <a:rPr lang="en-US" dirty="0" smtClean="0">
+                <a:solidFill>
+                  <a:schemeClr val="tx1">
+                    <a:lumMod val="65000"/>
+                    <a:lumOff val="35000"/>
+                  </a:schemeClr>
+                </a:solidFill>
+              </a:rPr>
+              <a:t> </a:t>
+            </a:r>
+            <a:r>
+              <a:rPr lang="en-US" dirty="0">
+                <a:solidFill>
+                  <a:schemeClr val="tx1">
+                    <a:lumMod val="65000"/>
+                    <a:lumOff val="35000"/>
+                  </a:schemeClr>
+                </a:solidFill>
+              </a:rPr>
+              <a:t>see if they are </a:t>
+            </a:r>
+            <a:r>
+              <a:rPr lang="en-US" dirty="0" smtClean="0">
+                <a:solidFill>
+                  <a:schemeClr val="tx1">
+                    <a:lumMod val="65000"/>
+                    <a:lumOff val="35000"/>
+                  </a:schemeClr>
+                </a:solidFill>
+              </a:rPr>
+              <a:t>similar.</a:t>
+            </a:r>
+            <a:r>
+              <a:rPr lang="en-US" dirty="0">
+                <a:solidFill>
+                  <a:schemeClr val="tx1">
+                    <a:lumMod val="65000"/>
+                    <a:lumOff val="35000"/>
+                  </a:schemeClr>
+                </a:solidFill>
+              </a:rPr>
+              <a:t> </a:t>
+            </a:r>
+            <a:r>
+              <a:rPr lang="en-US" dirty="0" smtClean="0">
+                <a:solidFill>
+                  <a:schemeClr val="tx1">
+                    <a:lumMod val="65000"/>
+                    <a:lumOff val="35000"/>
+                  </a:schemeClr>
+                </a:solidFill>
+              </a:rPr>
+              <a:t> Make </a:t>
+            </a:r>
+            <a:r>
+              <a:rPr lang="en-US" dirty="0">
+                <a:solidFill>
+                  <a:schemeClr val="tx1">
+                    <a:lumMod val="65000"/>
+                    <a:lumOff val="35000"/>
+                  </a:schemeClr>
+                </a:solidFill>
+              </a:rPr>
+              <a:t>graphs to see the thirty (30) cities where average house prices are very high </a:t>
+            </a:r>
+            <a:endParaRPr lang="fr-FR" dirty="0">
+              <a:solidFill>
+                <a:schemeClr val="tx1">
+                  <a:lumMod val="65000"/>
+                  <a:lumOff val="35000"/>
+                </a:schemeClr>
+              </a:solidFill>
+            </a:endParaRPr>
+          </a:p>
+          <a:p>
+            <a:pPr>
+              <a:buFont typeface="Wingdings" panose="05000000000000000000" pitchFamily="2" charset="2"/>
+              <a:buChar char="Ø"/>
+            </a:pPr>
+            <a:endParaRPr lang="en-US" dirty="0" smtClean="0">
+              <a:solidFill>
+                <a:schemeClr val="tx1">
+                  <a:lumMod val="65000"/>
+                  <a:lumOff val="35000"/>
+                </a:schemeClr>
+              </a:solidFill>
+            </a:endParaRPr>
+          </a:p>
+          <a:p>
+            <a:pPr>
+              <a:buFont typeface="Wingdings" panose="05000000000000000000" pitchFamily="2" charset="2"/>
+              <a:buChar char="Ø"/>
+            </a:pPr>
+            <a:endParaRPr lang="en-US" dirty="0">
+              <a:solidFill>
+                <a:schemeClr val="tx1">
+                  <a:lumMod val="65000"/>
+                  <a:lumOff val="35000"/>
+                </a:schemeClr>
+              </a:solidFill>
+            </a:endParaRPr>
+          </a:p>
+          <a:p>
+            <a:pPr>
+              <a:buFont typeface="Wingdings" panose="05000000000000000000" pitchFamily="2" charset="2"/>
+              <a:buChar char="Ø"/>
+            </a:pPr>
+            <a:endParaRPr lang="en-US" dirty="0">
+              <a:solidFill>
+                <a:schemeClr val="tx1">
+                  <a:lumMod val="65000"/>
+                  <a:lumOff val="35000"/>
+                </a:schemeClr>
+              </a:solidFill>
+            </a:endParaRPr>
           </a:p>
         </p:txBody>
       </p:sp>
@@ -4331,6 +7142,1429 @@
     <p:extLst>
       <p:ext uri="{BB962C8B-B14F-4D97-AF65-F5344CB8AC3E}">
         <p14:creationId xmlns:p14="http://schemas.microsoft.com/office/powerpoint/2010/main" val="4162450408"/>
+      </p:ext>
+    </p:extLst>
+  </p:cSld>
+  <p:clrMapOvr>
+    <a:masterClrMapping/>
+  </p:clrMapOvr>
+</p:sld>
+</file>
+
+<file path=ppt/slides/slide5.xml><?xml version="1.0" encoding="utf-8"?>
+<p:sld xmlns:a="http://schemas.openxmlformats.org/drawingml/2006/main" xmlns:r="http://schemas.openxmlformats.org/officeDocument/2006/relationships" xmlns:p="http://schemas.openxmlformats.org/presentationml/2006/main">
+  <p:cSld>
+    <p:spTree>
+      <p:nvGrpSpPr>
+        <p:cNvPr id="1" name=""/>
+        <p:cNvGrpSpPr/>
+        <p:nvPr/>
+      </p:nvGrpSpPr>
+      <p:grpSpPr>
+        <a:xfrm>
+          <a:off x="0" y="0"/>
+          <a:ext cx="0" cy="0"/>
+          <a:chOff x="0" y="0"/>
+          <a:chExt cx="0" cy="0"/>
+        </a:xfrm>
+      </p:grpSpPr>
+      <p:sp>
+        <p:nvSpPr>
+          <p:cNvPr id="3" name="Content Placeholder 2"/>
+          <p:cNvSpPr>
+            <a:spLocks noGrp="1"/>
+          </p:cNvSpPr>
+          <p:nvPr>
+            <p:ph idx="1"/>
+          </p:nvPr>
+        </p:nvSpPr>
+        <p:spPr>
+          <a:xfrm>
+            <a:off x="143691" y="1645920"/>
+            <a:ext cx="11129555" cy="4441371"/>
+          </a:xfrm>
+        </p:spPr>
+        <p:txBody>
+          <a:bodyPr/>
+          <a:lstStyle/>
+          <a:p>
+            <a:r>
+              <a:rPr lang="en-US" dirty="0">
+                <a:solidFill>
+                  <a:schemeClr val="tx1">
+                    <a:lumMod val="65000"/>
+                    <a:lumOff val="35000"/>
+                  </a:schemeClr>
+                </a:solidFill>
+              </a:rPr>
+              <a:t>Remove duplicates </a:t>
+            </a:r>
+            <a:r>
+              <a:rPr lang="en-US" dirty="0" smtClean="0">
+                <a:solidFill>
+                  <a:schemeClr val="tx1">
+                    <a:lumMod val="65000"/>
+                    <a:lumOff val="35000"/>
+                  </a:schemeClr>
+                </a:solidFill>
+              </a:rPr>
+              <a:t>and the missing </a:t>
+            </a:r>
+            <a:r>
+              <a:rPr lang="en-US" dirty="0">
+                <a:solidFill>
+                  <a:schemeClr val="tx1">
+                    <a:lumMod val="65000"/>
+                    <a:lumOff val="35000"/>
+                  </a:schemeClr>
+                </a:solidFill>
+              </a:rPr>
+              <a:t>values in each dataset </a:t>
+            </a:r>
+            <a:r>
+              <a:rPr lang="en-US" dirty="0" smtClean="0">
+                <a:solidFill>
+                  <a:schemeClr val="tx1">
+                    <a:lumMod val="65000"/>
+                    <a:lumOff val="35000"/>
+                  </a:schemeClr>
+                </a:solidFill>
+              </a:rPr>
+              <a:t>.</a:t>
+            </a:r>
+            <a:br>
+              <a:rPr lang="en-US" dirty="0" smtClean="0">
+                <a:solidFill>
+                  <a:schemeClr val="tx1">
+                    <a:lumMod val="65000"/>
+                    <a:lumOff val="35000"/>
+                  </a:schemeClr>
+                </a:solidFill>
+              </a:rPr>
+            </a:br>
+            <a:r>
+              <a:rPr lang="en-US" dirty="0" smtClean="0">
+                <a:solidFill>
+                  <a:schemeClr val="tx1">
+                    <a:lumMod val="65000"/>
+                    <a:lumOff val="35000"/>
+                  </a:schemeClr>
+                </a:solidFill>
+              </a:rPr>
+              <a:t>convert </a:t>
+            </a:r>
+            <a:r>
+              <a:rPr lang="en-US" dirty="0">
+                <a:solidFill>
+                  <a:schemeClr val="tx1">
+                    <a:lumMod val="65000"/>
+                    <a:lumOff val="35000"/>
+                  </a:schemeClr>
+                </a:solidFill>
+              </a:rPr>
+              <a:t>the salary columns of the cities into a float in order to make calculations to see the salaries in average their variance the minimum and </a:t>
+            </a:r>
+            <a:r>
+              <a:rPr lang="en-US" dirty="0" smtClean="0">
+                <a:solidFill>
+                  <a:schemeClr val="tx1">
+                    <a:lumMod val="65000"/>
+                    <a:lumOff val="35000"/>
+                  </a:schemeClr>
+                </a:solidFill>
+              </a:rPr>
+              <a:t>maximum salaries.</a:t>
+            </a:r>
+          </a:p>
+          <a:p>
+            <a:r>
+              <a:rPr lang="en-US" dirty="0" smtClean="0">
+                <a:solidFill>
+                  <a:schemeClr val="tx1">
+                    <a:lumMod val="65000"/>
+                    <a:lumOff val="35000"/>
+                  </a:schemeClr>
+                </a:solidFill>
+              </a:rPr>
+              <a:t>We </a:t>
+            </a:r>
+            <a:r>
+              <a:rPr lang="en-US" dirty="0">
+                <a:solidFill>
+                  <a:schemeClr val="tx1">
+                    <a:lumMod val="65000"/>
+                    <a:lumOff val="35000"/>
+                  </a:schemeClr>
+                </a:solidFill>
+              </a:rPr>
+              <a:t>would like to have some data found in foursquare so we can see some closer to home such as (church, school, restaurant, movie theater, super market</a:t>
+            </a:r>
+            <a:r>
+              <a:rPr lang="en-US" dirty="0" smtClean="0">
+                <a:solidFill>
+                  <a:schemeClr val="tx1">
+                    <a:lumMod val="65000"/>
+                    <a:lumOff val="35000"/>
+                  </a:schemeClr>
+                </a:solidFill>
+              </a:rPr>
+              <a:t>...)</a:t>
+            </a:r>
+            <a:endParaRPr lang="en-US" dirty="0">
+              <a:solidFill>
+                <a:schemeClr val="tx1">
+                  <a:lumMod val="65000"/>
+                  <a:lumOff val="35000"/>
+                </a:schemeClr>
+              </a:solidFill>
+            </a:endParaRPr>
+          </a:p>
+          <a:p>
+            <a:r>
+              <a:rPr lang="en-US" dirty="0">
+                <a:solidFill>
+                  <a:schemeClr val="tx1">
+                    <a:lumMod val="65000"/>
+                    <a:lumOff val="35000"/>
+                  </a:schemeClr>
+                </a:solidFill>
+              </a:rPr>
+              <a:t>Show him the venues (church, school, restaurant, cinema, supermarket...) </a:t>
+            </a:r>
+            <a:r>
+              <a:rPr lang="en-US" dirty="0" smtClean="0">
+                <a:solidFill>
+                  <a:schemeClr val="tx1">
+                    <a:lumMod val="65000"/>
+                    <a:lumOff val="35000"/>
+                  </a:schemeClr>
+                </a:solidFill>
+              </a:rPr>
+              <a:t>via </a:t>
+            </a:r>
+            <a:r>
+              <a:rPr lang="en-US" dirty="0">
+                <a:solidFill>
+                  <a:schemeClr val="tx1">
+                    <a:lumMod val="65000"/>
+                    <a:lumOff val="35000"/>
+                  </a:schemeClr>
+                </a:solidFill>
+              </a:rPr>
+              <a:t>a map. </a:t>
+            </a:r>
+          </a:p>
+          <a:p>
+            <a:r>
+              <a:rPr lang="en-US" dirty="0">
+                <a:solidFill>
+                  <a:schemeClr val="tx1">
+                    <a:lumMod val="65000"/>
+                    <a:lumOff val="35000"/>
+                  </a:schemeClr>
+                </a:solidFill>
+              </a:rPr>
+              <a:t>Since our dataset contains the house prices per month from 1996 to 2020, we will filter the columns of the last two years from 2018 to 2020.</a:t>
+            </a:r>
+          </a:p>
+          <a:p>
+            <a:r>
+              <a:rPr lang="en-US" dirty="0">
+                <a:solidFill>
+                  <a:schemeClr val="tx1">
+                    <a:lumMod val="65000"/>
+                    <a:lumOff val="35000"/>
+                  </a:schemeClr>
+                </a:solidFill>
+              </a:rPr>
+              <a:t>Recommend him what salary he could get living in Illinois depending on the </a:t>
+            </a:r>
+            <a:r>
+              <a:rPr lang="en-US" dirty="0" smtClean="0">
+                <a:solidFill>
+                  <a:schemeClr val="tx1">
+                    <a:lumMod val="65000"/>
+                    <a:lumOff val="35000"/>
+                  </a:schemeClr>
+                </a:solidFill>
+              </a:rPr>
+              <a:t>town.</a:t>
+            </a:r>
+          </a:p>
+          <a:p>
+            <a:r>
+              <a:rPr lang="en-US" dirty="0">
+                <a:solidFill>
+                  <a:schemeClr val="tx1">
+                    <a:lumMod val="65000"/>
+                    <a:lumOff val="35000"/>
+                  </a:schemeClr>
+                </a:solidFill>
+              </a:rPr>
+              <a:t>Use the Clustering method to make an Unsupervised Learning </a:t>
+            </a:r>
+            <a:r>
+              <a:rPr lang="en-US" dirty="0" smtClean="0">
+                <a:solidFill>
+                  <a:schemeClr val="tx1">
+                    <a:lumMod val="65000"/>
+                    <a:lumOff val="35000"/>
+                  </a:schemeClr>
+                </a:solidFill>
+              </a:rPr>
+              <a:t>Machine.</a:t>
+            </a:r>
+          </a:p>
+          <a:p>
+            <a:endParaRPr lang="en-US" dirty="0" smtClean="0">
+              <a:solidFill>
+                <a:schemeClr val="tx1">
+                  <a:lumMod val="65000"/>
+                  <a:lumOff val="35000"/>
+                </a:schemeClr>
+              </a:solidFill>
+            </a:endParaRPr>
+          </a:p>
+          <a:p>
+            <a:endParaRPr lang="en-US" dirty="0">
+              <a:solidFill>
+                <a:schemeClr val="tx1">
+                  <a:lumMod val="65000"/>
+                  <a:lumOff val="35000"/>
+                </a:schemeClr>
+              </a:solidFill>
+            </a:endParaRPr>
+          </a:p>
+          <a:p>
+            <a:endParaRPr lang="en-US" dirty="0"/>
+          </a:p>
+        </p:txBody>
+      </p:sp>
+      <p:sp>
+        <p:nvSpPr>
+          <p:cNvPr id="4" name="Title 1"/>
+          <p:cNvSpPr>
+            <a:spLocks noGrp="1"/>
+          </p:cNvSpPr>
+          <p:nvPr>
+            <p:ph type="title"/>
+          </p:nvPr>
+        </p:nvSpPr>
+        <p:spPr>
+          <a:xfrm>
+            <a:off x="143691" y="130629"/>
+            <a:ext cx="10984557" cy="875212"/>
+          </a:xfrm>
+        </p:spPr>
+        <p:txBody>
+          <a:bodyPr/>
+          <a:lstStyle/>
+          <a:p>
+            <a:r>
+              <a:rPr lang="en-US" dirty="0" smtClean="0"/>
+              <a:t>methodology</a:t>
+            </a:r>
+            <a:endParaRPr lang="en-US" dirty="0"/>
+          </a:p>
+        </p:txBody>
+      </p:sp>
+    </p:spTree>
+    <p:extLst>
+      <p:ext uri="{BB962C8B-B14F-4D97-AF65-F5344CB8AC3E}">
+        <p14:creationId xmlns:p14="http://schemas.microsoft.com/office/powerpoint/2010/main" val="1464975302"/>
+      </p:ext>
+    </p:extLst>
+  </p:cSld>
+  <p:clrMapOvr>
+    <a:masterClrMapping/>
+  </p:clrMapOvr>
+</p:sld>
+</file>
+
+<file path=ppt/slides/slide6.xml><?xml version="1.0" encoding="utf-8"?>
+<p:sld xmlns:a="http://schemas.openxmlformats.org/drawingml/2006/main" xmlns:r="http://schemas.openxmlformats.org/officeDocument/2006/relationships" xmlns:p="http://schemas.openxmlformats.org/presentationml/2006/main">
+  <p:cSld>
+    <p:spTree>
+      <p:nvGrpSpPr>
+        <p:cNvPr id="1" name=""/>
+        <p:cNvGrpSpPr/>
+        <p:nvPr/>
+      </p:nvGrpSpPr>
+      <p:grpSpPr>
+        <a:xfrm>
+          <a:off x="0" y="0"/>
+          <a:ext cx="0" cy="0"/>
+          <a:chOff x="0" y="0"/>
+          <a:chExt cx="0" cy="0"/>
+        </a:xfrm>
+      </p:grpSpPr>
+      <p:sp>
+        <p:nvSpPr>
+          <p:cNvPr id="3" name="Content Placeholder 2"/>
+          <p:cNvSpPr>
+            <a:spLocks noGrp="1"/>
+          </p:cNvSpPr>
+          <p:nvPr>
+            <p:ph idx="1"/>
+          </p:nvPr>
+        </p:nvSpPr>
+        <p:spPr>
+          <a:xfrm>
+            <a:off x="143691" y="1162595"/>
+            <a:ext cx="10984557" cy="1502230"/>
+          </a:xfrm>
+        </p:spPr>
+        <p:txBody>
+          <a:bodyPr>
+            <a:normAutofit/>
+          </a:bodyPr>
+          <a:lstStyle/>
+          <a:p>
+            <a:pPr marL="0" indent="0">
+              <a:buNone/>
+            </a:pPr>
+            <a:r>
+              <a:rPr lang="en-US" dirty="0" smtClean="0">
+                <a:solidFill>
+                  <a:schemeClr val="tx1">
+                    <a:lumMod val="65000"/>
+                    <a:lumOff val="35000"/>
+                  </a:schemeClr>
+                </a:solidFill>
+              </a:rPr>
+              <a:t>Here we </a:t>
+            </a:r>
+            <a:r>
+              <a:rPr lang="en-US" dirty="0">
+                <a:solidFill>
+                  <a:schemeClr val="tx1">
+                    <a:lumMod val="65000"/>
+                    <a:lumOff val="35000"/>
+                  </a:schemeClr>
+                </a:solidFill>
+              </a:rPr>
+              <a:t>have in this table we have the amount of murder in his area. And the graph shows us the murder rate in each of his regions and we can see that the </a:t>
+            </a:r>
+            <a:r>
+              <a:rPr lang="en-US" dirty="0" smtClean="0">
+                <a:solidFill>
+                  <a:schemeClr val="tx1">
+                    <a:lumMod val="65000"/>
+                    <a:lumOff val="35000"/>
+                  </a:schemeClr>
+                </a:solidFill>
+              </a:rPr>
+              <a:t>region Northern-Cook </a:t>
+            </a:r>
+            <a:r>
+              <a:rPr lang="en-US" dirty="0">
+                <a:solidFill>
+                  <a:schemeClr val="tx1">
+                    <a:lumMod val="65000"/>
+                    <a:lumOff val="35000"/>
+                  </a:schemeClr>
+                </a:solidFill>
+              </a:rPr>
+              <a:t>contains more murders than the others </a:t>
+            </a:r>
+            <a:r>
+              <a:rPr lang="en-US" dirty="0" smtClean="0">
+                <a:solidFill>
+                  <a:schemeClr val="tx1">
+                    <a:lumMod val="65000"/>
+                    <a:lumOff val="35000"/>
+                  </a:schemeClr>
+                </a:solidFill>
+              </a:rPr>
+              <a:t>above he’s about 327 murder in the year 2018. The region </a:t>
+            </a:r>
+            <a:r>
+              <a:rPr lang="en-US" dirty="0" err="1" smtClean="0">
+                <a:solidFill>
+                  <a:schemeClr val="tx1">
+                    <a:lumMod val="65000"/>
+                    <a:lumOff val="35000"/>
+                  </a:schemeClr>
+                </a:solidFill>
+              </a:rPr>
+              <a:t>Southem</a:t>
+            </a:r>
+            <a:r>
+              <a:rPr lang="en-US" dirty="0">
+                <a:solidFill>
+                  <a:schemeClr val="tx1">
+                    <a:lumMod val="65000"/>
+                    <a:lumOff val="35000"/>
+                  </a:schemeClr>
+                </a:solidFill>
+              </a:rPr>
+              <a:t> </a:t>
+            </a:r>
+            <a:r>
+              <a:rPr lang="en-US" dirty="0" smtClean="0">
+                <a:solidFill>
+                  <a:schemeClr val="tx1">
+                    <a:lumMod val="65000"/>
+                    <a:lumOff val="35000"/>
+                  </a:schemeClr>
+                </a:solidFill>
+              </a:rPr>
+              <a:t> is </a:t>
+            </a:r>
+            <a:r>
+              <a:rPr lang="en-US" dirty="0">
+                <a:solidFill>
+                  <a:schemeClr val="tx1">
+                    <a:lumMod val="65000"/>
+                    <a:lumOff val="35000"/>
+                  </a:schemeClr>
+                </a:solidFill>
+              </a:rPr>
+              <a:t>the one with the least </a:t>
+            </a:r>
+            <a:r>
+              <a:rPr lang="en-US" dirty="0" smtClean="0">
+                <a:solidFill>
+                  <a:schemeClr val="tx1">
+                    <a:lumMod val="65000"/>
+                    <a:lumOff val="35000"/>
+                  </a:schemeClr>
+                </a:solidFill>
+              </a:rPr>
+              <a:t>crime, he’s about one crime. </a:t>
+            </a:r>
+            <a:endParaRPr lang="en-US" dirty="0">
+              <a:solidFill>
+                <a:schemeClr val="tx1">
+                  <a:lumMod val="65000"/>
+                  <a:lumOff val="35000"/>
+                </a:schemeClr>
+              </a:solidFill>
+            </a:endParaRPr>
+          </a:p>
+        </p:txBody>
+      </p:sp>
+      <p:sp>
+        <p:nvSpPr>
+          <p:cNvPr id="4" name="Title 1"/>
+          <p:cNvSpPr>
+            <a:spLocks noGrp="1"/>
+          </p:cNvSpPr>
+          <p:nvPr>
+            <p:ph type="title"/>
+          </p:nvPr>
+        </p:nvSpPr>
+        <p:spPr>
+          <a:xfrm>
+            <a:off x="143691" y="130628"/>
+            <a:ext cx="10984557" cy="953589"/>
+          </a:xfrm>
+        </p:spPr>
+        <p:txBody>
+          <a:bodyPr/>
+          <a:lstStyle/>
+          <a:p>
+            <a:r>
+              <a:rPr lang="en-US" dirty="0" smtClean="0"/>
+              <a:t>Results type of crime by region</a:t>
+            </a:r>
+            <a:endParaRPr lang="en-US" dirty="0"/>
+          </a:p>
+        </p:txBody>
+      </p:sp>
+      <p:pic>
+        <p:nvPicPr>
+          <p:cNvPr id="2" name="Picture 1"/>
+          <p:cNvPicPr>
+            <a:picLocks noChangeAspect="1"/>
+          </p:cNvPicPr>
+          <p:nvPr/>
+        </p:nvPicPr>
+        <p:blipFill>
+          <a:blip r:embed="rId2"/>
+          <a:stretch>
+            <a:fillRect/>
+          </a:stretch>
+        </p:blipFill>
+        <p:spPr>
+          <a:xfrm>
+            <a:off x="310922" y="2907165"/>
+            <a:ext cx="3113667" cy="3010309"/>
+          </a:xfrm>
+          <a:prstGeom prst="rect">
+            <a:avLst/>
+          </a:prstGeom>
+        </p:spPr>
+      </p:pic>
+      <p:pic>
+        <p:nvPicPr>
+          <p:cNvPr id="5" name="Picture 4"/>
+          <p:cNvPicPr>
+            <a:picLocks noChangeAspect="1"/>
+          </p:cNvPicPr>
+          <p:nvPr/>
+        </p:nvPicPr>
+        <p:blipFill>
+          <a:blip r:embed="rId3"/>
+          <a:stretch>
+            <a:fillRect/>
+          </a:stretch>
+        </p:blipFill>
+        <p:spPr>
+          <a:xfrm>
+            <a:off x="5198200" y="2664825"/>
+            <a:ext cx="4233183" cy="4112548"/>
+          </a:xfrm>
+          <a:prstGeom prst="rect">
+            <a:avLst/>
+          </a:prstGeom>
+        </p:spPr>
+      </p:pic>
+    </p:spTree>
+    <p:extLst>
+      <p:ext uri="{BB962C8B-B14F-4D97-AF65-F5344CB8AC3E}">
+        <p14:creationId xmlns:p14="http://schemas.microsoft.com/office/powerpoint/2010/main" val="615363443"/>
+      </p:ext>
+    </p:extLst>
+  </p:cSld>
+  <p:clrMapOvr>
+    <a:masterClrMapping/>
+  </p:clrMapOvr>
+</p:sld>
+</file>
+
+<file path=ppt/slides/slide7.xml><?xml version="1.0" encoding="utf-8"?>
+<p:sld xmlns:a="http://schemas.openxmlformats.org/drawingml/2006/main" xmlns:r="http://schemas.openxmlformats.org/officeDocument/2006/relationships" xmlns:p="http://schemas.openxmlformats.org/presentationml/2006/main">
+  <p:cSld>
+    <p:spTree>
+      <p:nvGrpSpPr>
+        <p:cNvPr id="1" name=""/>
+        <p:cNvGrpSpPr/>
+        <p:nvPr/>
+      </p:nvGrpSpPr>
+      <p:grpSpPr>
+        <a:xfrm>
+          <a:off x="0" y="0"/>
+          <a:ext cx="0" cy="0"/>
+          <a:chOff x="0" y="0"/>
+          <a:chExt cx="0" cy="0"/>
+        </a:xfrm>
+      </p:grpSpPr>
+      <p:sp>
+        <p:nvSpPr>
+          <p:cNvPr id="3" name="Content Placeholder 2"/>
+          <p:cNvSpPr>
+            <a:spLocks noGrp="1"/>
+          </p:cNvSpPr>
+          <p:nvPr>
+            <p:ph idx="1"/>
+          </p:nvPr>
+        </p:nvSpPr>
+        <p:spPr>
+          <a:xfrm>
+            <a:off x="143691" y="1084218"/>
+            <a:ext cx="10084526" cy="1907176"/>
+          </a:xfrm>
+        </p:spPr>
+        <p:txBody>
+          <a:bodyPr>
+            <a:normAutofit fontScale="92500" lnSpcReduction="20000"/>
+          </a:bodyPr>
+          <a:lstStyle/>
+          <a:p>
+            <a:r>
+              <a:rPr lang="en-US" dirty="0">
+                <a:solidFill>
+                  <a:schemeClr val="tx1">
+                    <a:lumMod val="65000"/>
+                    <a:lumOff val="35000"/>
+                  </a:schemeClr>
+                </a:solidFill>
+              </a:rPr>
+              <a:t>By region we have noticed that the region of </a:t>
+            </a:r>
+            <a:r>
+              <a:rPr lang="en-US" dirty="0" err="1" smtClean="0">
+                <a:solidFill>
+                  <a:schemeClr val="tx1">
+                    <a:lumMod val="65000"/>
+                    <a:lumOff val="35000"/>
+                  </a:schemeClr>
+                </a:solidFill>
+              </a:rPr>
+              <a:t>Northem</a:t>
+            </a:r>
+            <a:r>
+              <a:rPr lang="en-US" dirty="0" smtClean="0">
+                <a:solidFill>
+                  <a:schemeClr val="tx1">
+                    <a:lumMod val="65000"/>
+                    <a:lumOff val="35000"/>
+                  </a:schemeClr>
+                </a:solidFill>
+              </a:rPr>
+              <a:t>-Cook and </a:t>
+            </a:r>
+            <a:r>
+              <a:rPr lang="en-US" dirty="0" err="1" smtClean="0">
+                <a:solidFill>
+                  <a:schemeClr val="tx1">
+                    <a:lumMod val="65000"/>
+                    <a:lumOff val="35000"/>
+                  </a:schemeClr>
+                </a:solidFill>
+              </a:rPr>
+              <a:t>Northem</a:t>
+            </a:r>
+            <a:r>
+              <a:rPr lang="en-US" dirty="0" smtClean="0">
+                <a:solidFill>
+                  <a:schemeClr val="tx1">
+                    <a:lumMod val="65000"/>
+                    <a:lumOff val="35000"/>
+                  </a:schemeClr>
+                </a:solidFill>
+              </a:rPr>
+              <a:t>-Collar</a:t>
+            </a:r>
+            <a:r>
+              <a:rPr lang="en-US" dirty="0">
+                <a:solidFill>
+                  <a:schemeClr val="tx1">
+                    <a:lumMod val="65000"/>
+                    <a:lumOff val="35000"/>
+                  </a:schemeClr>
+                </a:solidFill>
+              </a:rPr>
+              <a:t> contains a Sexual Assault lot more  than the others.</a:t>
+            </a:r>
+          </a:p>
+          <a:p>
+            <a:r>
+              <a:rPr lang="en-US" dirty="0" err="1" smtClean="0">
+                <a:solidFill>
+                  <a:schemeClr val="tx1">
+                    <a:lumMod val="65000"/>
+                    <a:lumOff val="35000"/>
+                  </a:schemeClr>
+                </a:solidFill>
+              </a:rPr>
+              <a:t>Northem</a:t>
+            </a:r>
+            <a:r>
+              <a:rPr lang="en-US" dirty="0">
+                <a:solidFill>
+                  <a:schemeClr val="tx1">
+                    <a:lumMod val="65000"/>
+                    <a:lumOff val="35000"/>
+                  </a:schemeClr>
+                </a:solidFill>
+              </a:rPr>
+              <a:t>-Cook on average the quantity </a:t>
+            </a:r>
+            <a:r>
+              <a:rPr lang="en-US" dirty="0" smtClean="0">
+                <a:solidFill>
+                  <a:schemeClr val="tx1">
+                    <a:lumMod val="65000"/>
+                    <a:lumOff val="35000"/>
+                  </a:schemeClr>
+                </a:solidFill>
+              </a:rPr>
+              <a:t>of </a:t>
+            </a:r>
+            <a:r>
+              <a:rPr lang="en-US" dirty="0">
+                <a:solidFill>
+                  <a:schemeClr val="tx1">
+                    <a:lumMod val="65000"/>
+                    <a:lumOff val="35000"/>
+                  </a:schemeClr>
+                </a:solidFill>
+              </a:rPr>
+              <a:t>Sexual Assault</a:t>
+            </a:r>
+            <a:r>
+              <a:rPr lang="en-US" dirty="0" smtClean="0">
+                <a:solidFill>
+                  <a:schemeClr val="tx1">
+                    <a:lumMod val="65000"/>
+                    <a:lumOff val="35000"/>
+                  </a:schemeClr>
+                </a:solidFill>
+              </a:rPr>
+              <a:t> </a:t>
+            </a:r>
+            <a:r>
+              <a:rPr lang="en-US" dirty="0">
+                <a:solidFill>
+                  <a:schemeClr val="tx1">
+                    <a:lumMod val="65000"/>
+                    <a:lumOff val="35000"/>
+                  </a:schemeClr>
+                </a:solidFill>
+              </a:rPr>
+              <a:t>is </a:t>
+            </a:r>
+            <a:r>
+              <a:rPr lang="en-US" dirty="0" smtClean="0">
+                <a:solidFill>
+                  <a:schemeClr val="tx1">
+                    <a:lumMod val="65000"/>
+                    <a:lumOff val="35000"/>
+                  </a:schemeClr>
+                </a:solidFill>
+              </a:rPr>
+              <a:t>393  in the year 2018</a:t>
+            </a:r>
+          </a:p>
+          <a:p>
+            <a:r>
+              <a:rPr lang="en-US" dirty="0" err="1" smtClean="0">
+                <a:solidFill>
+                  <a:schemeClr val="tx1">
+                    <a:lumMod val="65000"/>
+                    <a:lumOff val="35000"/>
+                  </a:schemeClr>
+                </a:solidFill>
+              </a:rPr>
+              <a:t>Northem</a:t>
+            </a:r>
+            <a:r>
+              <a:rPr lang="en-US" dirty="0" smtClean="0">
+                <a:solidFill>
+                  <a:schemeClr val="tx1">
+                    <a:lumMod val="65000"/>
+                    <a:lumOff val="35000"/>
+                  </a:schemeClr>
+                </a:solidFill>
+              </a:rPr>
+              <a:t>-Collar on average have 19 sexual assault in the year 2018</a:t>
+            </a:r>
+          </a:p>
+          <a:p>
+            <a:r>
+              <a:rPr lang="en-US" dirty="0" smtClean="0">
+                <a:solidFill>
+                  <a:schemeClr val="tx1">
+                    <a:lumMod val="65000"/>
+                    <a:lumOff val="35000"/>
+                  </a:schemeClr>
+                </a:solidFill>
+              </a:rPr>
+              <a:t>The </a:t>
+            </a:r>
+            <a:r>
+              <a:rPr lang="en-US" dirty="0" err="1" smtClean="0">
+                <a:solidFill>
+                  <a:schemeClr val="tx1">
+                    <a:lumMod val="65000"/>
+                    <a:lumOff val="35000"/>
+                  </a:schemeClr>
+                </a:solidFill>
+              </a:rPr>
+              <a:t>Southem</a:t>
+            </a:r>
+            <a:r>
+              <a:rPr lang="en-US" dirty="0" smtClean="0">
+                <a:solidFill>
+                  <a:schemeClr val="tx1">
+                    <a:lumMod val="65000"/>
+                    <a:lumOff val="35000"/>
+                  </a:schemeClr>
+                </a:solidFill>
+              </a:rPr>
+              <a:t> and the central are the one with the least </a:t>
+            </a:r>
+            <a:r>
+              <a:rPr lang="en-US" dirty="0">
+                <a:solidFill>
+                  <a:schemeClr val="tx1">
+                    <a:lumMod val="65000"/>
+                    <a:lumOff val="35000"/>
+                  </a:schemeClr>
+                </a:solidFill>
+              </a:rPr>
+              <a:t>Sexual Assault </a:t>
+            </a:r>
+            <a:r>
+              <a:rPr lang="en-US" dirty="0" smtClean="0">
+                <a:solidFill>
+                  <a:schemeClr val="tx1">
+                    <a:lumMod val="65000"/>
+                    <a:lumOff val="35000"/>
+                  </a:schemeClr>
+                </a:solidFill>
+              </a:rPr>
+              <a:t>one is </a:t>
+            </a:r>
+            <a:r>
+              <a:rPr lang="en-US" dirty="0">
+                <a:solidFill>
+                  <a:schemeClr val="tx1">
+                    <a:lumMod val="65000"/>
+                    <a:lumOff val="35000"/>
+                  </a:schemeClr>
+                </a:solidFill>
+              </a:rPr>
+              <a:t>about 2 </a:t>
+            </a:r>
+            <a:r>
+              <a:rPr lang="en-US" dirty="0" smtClean="0">
+                <a:solidFill>
+                  <a:schemeClr val="tx1">
+                    <a:lumMod val="65000"/>
+                    <a:lumOff val="35000"/>
+                  </a:schemeClr>
+                </a:solidFill>
+              </a:rPr>
+              <a:t>and the other is about 3 sexual </a:t>
+            </a:r>
+            <a:r>
+              <a:rPr lang="en-US" dirty="0">
+                <a:solidFill>
+                  <a:schemeClr val="tx1">
+                    <a:lumMod val="65000"/>
+                    <a:lumOff val="35000"/>
+                  </a:schemeClr>
+                </a:solidFill>
+              </a:rPr>
+              <a:t>assault on average </a:t>
+            </a:r>
+            <a:r>
+              <a:rPr lang="en-US" dirty="0" smtClean="0">
+                <a:solidFill>
+                  <a:schemeClr val="tx1">
+                    <a:lumMod val="65000"/>
+                    <a:lumOff val="35000"/>
+                  </a:schemeClr>
+                </a:solidFill>
+              </a:rPr>
+              <a:t>in the year 2018</a:t>
+            </a:r>
+            <a:endParaRPr lang="en-US" dirty="0">
+              <a:solidFill>
+                <a:schemeClr val="tx1">
+                  <a:lumMod val="65000"/>
+                  <a:lumOff val="35000"/>
+                </a:schemeClr>
+              </a:solidFill>
+            </a:endParaRPr>
+          </a:p>
+        </p:txBody>
+      </p:sp>
+      <p:pic>
+        <p:nvPicPr>
+          <p:cNvPr id="5" name="Picture 4"/>
+          <p:cNvPicPr>
+            <a:picLocks noChangeAspect="1"/>
+          </p:cNvPicPr>
+          <p:nvPr/>
+        </p:nvPicPr>
+        <p:blipFill>
+          <a:blip r:embed="rId2"/>
+          <a:stretch>
+            <a:fillRect/>
+          </a:stretch>
+        </p:blipFill>
+        <p:spPr>
+          <a:xfrm>
+            <a:off x="500470" y="3609975"/>
+            <a:ext cx="3277709" cy="2947580"/>
+          </a:xfrm>
+          <a:prstGeom prst="rect">
+            <a:avLst/>
+          </a:prstGeom>
+        </p:spPr>
+      </p:pic>
+      <p:pic>
+        <p:nvPicPr>
+          <p:cNvPr id="6" name="Picture 5"/>
+          <p:cNvPicPr>
+            <a:picLocks noChangeAspect="1"/>
+          </p:cNvPicPr>
+          <p:nvPr/>
+        </p:nvPicPr>
+        <p:blipFill>
+          <a:blip r:embed="rId3"/>
+          <a:stretch>
+            <a:fillRect/>
+          </a:stretch>
+        </p:blipFill>
+        <p:spPr>
+          <a:xfrm>
+            <a:off x="5185954" y="2827384"/>
+            <a:ext cx="4748621" cy="4030616"/>
+          </a:xfrm>
+          <a:prstGeom prst="rect">
+            <a:avLst/>
+          </a:prstGeom>
+        </p:spPr>
+      </p:pic>
+      <p:sp>
+        <p:nvSpPr>
+          <p:cNvPr id="9" name="Title 1"/>
+          <p:cNvSpPr>
+            <a:spLocks noGrp="1"/>
+          </p:cNvSpPr>
+          <p:nvPr>
+            <p:ph type="title"/>
+          </p:nvPr>
+        </p:nvSpPr>
+        <p:spPr>
+          <a:xfrm>
+            <a:off x="143691" y="130628"/>
+            <a:ext cx="10984557" cy="953589"/>
+          </a:xfrm>
+        </p:spPr>
+        <p:txBody>
+          <a:bodyPr/>
+          <a:lstStyle/>
+          <a:p>
+            <a:r>
+              <a:rPr lang="en-US" dirty="0" smtClean="0"/>
+              <a:t>Results type of crime by region</a:t>
+            </a:r>
+            <a:endParaRPr lang="en-US" dirty="0"/>
+          </a:p>
+        </p:txBody>
+      </p:sp>
+    </p:spTree>
+    <p:extLst>
+      <p:ext uri="{BB962C8B-B14F-4D97-AF65-F5344CB8AC3E}">
+        <p14:creationId xmlns:p14="http://schemas.microsoft.com/office/powerpoint/2010/main" val="1385986634"/>
+      </p:ext>
+    </p:extLst>
+  </p:cSld>
+  <p:clrMapOvr>
+    <a:masterClrMapping/>
+  </p:clrMapOvr>
+</p:sld>
+</file>
+
+<file path=ppt/slides/slide8.xml><?xml version="1.0" encoding="utf-8"?>
+<p:sld xmlns:a="http://schemas.openxmlformats.org/drawingml/2006/main" xmlns:r="http://schemas.openxmlformats.org/officeDocument/2006/relationships" xmlns:p="http://schemas.openxmlformats.org/presentationml/2006/main">
+  <p:cSld>
+    <p:spTree>
+      <p:nvGrpSpPr>
+        <p:cNvPr id="1" name=""/>
+        <p:cNvGrpSpPr/>
+        <p:nvPr/>
+      </p:nvGrpSpPr>
+      <p:grpSpPr>
+        <a:xfrm>
+          <a:off x="0" y="0"/>
+          <a:ext cx="0" cy="0"/>
+          <a:chOff x="0" y="0"/>
+          <a:chExt cx="0" cy="0"/>
+        </a:xfrm>
+      </p:grpSpPr>
+      <p:sp>
+        <p:nvSpPr>
+          <p:cNvPr id="3" name="Content Placeholder 2"/>
+          <p:cNvSpPr>
+            <a:spLocks noGrp="1"/>
+          </p:cNvSpPr>
+          <p:nvPr>
+            <p:ph idx="1"/>
+          </p:nvPr>
+        </p:nvSpPr>
+        <p:spPr>
+          <a:xfrm>
+            <a:off x="143691" y="1037474"/>
+            <a:ext cx="11861075" cy="1287996"/>
+          </a:xfrm>
+        </p:spPr>
+        <p:txBody>
+          <a:bodyPr>
+            <a:normAutofit lnSpcReduction="10000"/>
+          </a:bodyPr>
+          <a:lstStyle/>
+          <a:p>
+            <a:r>
+              <a:rPr lang="en-US" dirty="0" err="1" smtClean="0"/>
+              <a:t>Southem</a:t>
+            </a:r>
+            <a:r>
+              <a:rPr lang="en-US" dirty="0" smtClean="0"/>
+              <a:t>  which </a:t>
+            </a:r>
+            <a:r>
+              <a:rPr lang="en-US" dirty="0"/>
+              <a:t>has the highest rate of aggravated assault about 75 aggravated assaults on average </a:t>
+            </a:r>
+            <a:endParaRPr lang="en-US" dirty="0" smtClean="0"/>
+          </a:p>
+          <a:p>
+            <a:r>
+              <a:rPr lang="en-US" dirty="0" smtClean="0"/>
+              <a:t>The </a:t>
+            </a:r>
+            <a:r>
+              <a:rPr lang="en-US" dirty="0" err="1" smtClean="0"/>
+              <a:t>Northem</a:t>
+            </a:r>
+            <a:r>
+              <a:rPr lang="en-US" dirty="0" smtClean="0"/>
+              <a:t> –Collar which </a:t>
+            </a:r>
+            <a:r>
+              <a:rPr lang="en-US" dirty="0"/>
+              <a:t>has the </a:t>
+            </a:r>
+            <a:r>
+              <a:rPr lang="en-US" dirty="0" smtClean="0"/>
+              <a:t>lower rate of </a:t>
+            </a:r>
+            <a:r>
+              <a:rPr lang="en-US" dirty="0"/>
+              <a:t>aggravated assault about </a:t>
+            </a:r>
+            <a:r>
+              <a:rPr lang="en-US" dirty="0" smtClean="0"/>
+              <a:t>46 </a:t>
+            </a:r>
+            <a:r>
+              <a:rPr lang="en-US" dirty="0"/>
+              <a:t>aggravated assaults on average </a:t>
+            </a:r>
+          </a:p>
+          <a:p>
+            <a:endParaRPr lang="en-US" dirty="0"/>
+          </a:p>
+        </p:txBody>
+      </p:sp>
+      <p:pic>
+        <p:nvPicPr>
+          <p:cNvPr id="5" name="Picture 4"/>
+          <p:cNvPicPr>
+            <a:picLocks noChangeAspect="1"/>
+          </p:cNvPicPr>
+          <p:nvPr/>
+        </p:nvPicPr>
+        <p:blipFill>
+          <a:blip r:embed="rId2"/>
+          <a:stretch>
+            <a:fillRect/>
+          </a:stretch>
+        </p:blipFill>
+        <p:spPr>
+          <a:xfrm>
+            <a:off x="169865" y="3174275"/>
+            <a:ext cx="4460522" cy="2899954"/>
+          </a:xfrm>
+          <a:prstGeom prst="rect">
+            <a:avLst/>
+          </a:prstGeom>
+        </p:spPr>
+      </p:pic>
+      <p:pic>
+        <p:nvPicPr>
+          <p:cNvPr id="6" name="Picture 5"/>
+          <p:cNvPicPr>
+            <a:picLocks noChangeAspect="1"/>
+          </p:cNvPicPr>
+          <p:nvPr/>
+        </p:nvPicPr>
+        <p:blipFill>
+          <a:blip r:embed="rId3"/>
+          <a:stretch>
+            <a:fillRect/>
+          </a:stretch>
+        </p:blipFill>
+        <p:spPr>
+          <a:xfrm>
+            <a:off x="5804128" y="2278726"/>
+            <a:ext cx="5142548" cy="4410546"/>
+          </a:xfrm>
+          <a:prstGeom prst="rect">
+            <a:avLst/>
+          </a:prstGeom>
+        </p:spPr>
+      </p:pic>
+      <p:sp>
+        <p:nvSpPr>
+          <p:cNvPr id="8" name="Title 1"/>
+          <p:cNvSpPr>
+            <a:spLocks noGrp="1"/>
+          </p:cNvSpPr>
+          <p:nvPr>
+            <p:ph type="title"/>
+          </p:nvPr>
+        </p:nvSpPr>
+        <p:spPr>
+          <a:xfrm>
+            <a:off x="143691" y="130628"/>
+            <a:ext cx="10984557" cy="953589"/>
+          </a:xfrm>
+        </p:spPr>
+        <p:txBody>
+          <a:bodyPr/>
+          <a:lstStyle/>
+          <a:p>
+            <a:r>
+              <a:rPr lang="en-US" dirty="0" smtClean="0"/>
+              <a:t>Results type of crime by region</a:t>
+            </a:r>
+            <a:endParaRPr lang="en-US" dirty="0"/>
+          </a:p>
+        </p:txBody>
+      </p:sp>
+    </p:spTree>
+    <p:extLst>
+      <p:ext uri="{BB962C8B-B14F-4D97-AF65-F5344CB8AC3E}">
+        <p14:creationId xmlns:p14="http://schemas.microsoft.com/office/powerpoint/2010/main" val="1760202762"/>
+      </p:ext>
+    </p:extLst>
+  </p:cSld>
+  <p:clrMapOvr>
+    <a:masterClrMapping/>
+  </p:clrMapOvr>
+</p:sld>
+</file>
+
+<file path=ppt/slides/slide9.xml><?xml version="1.0" encoding="utf-8"?>
+<p:sld xmlns:a="http://schemas.openxmlformats.org/drawingml/2006/main" xmlns:r="http://schemas.openxmlformats.org/officeDocument/2006/relationships" xmlns:p="http://schemas.openxmlformats.org/presentationml/2006/main">
+  <p:cSld>
+    <p:spTree>
+      <p:nvGrpSpPr>
+        <p:cNvPr id="1" name=""/>
+        <p:cNvGrpSpPr/>
+        <p:nvPr/>
+      </p:nvGrpSpPr>
+      <p:grpSpPr>
+        <a:xfrm>
+          <a:off x="0" y="0"/>
+          <a:ext cx="0" cy="0"/>
+          <a:chOff x="0" y="0"/>
+          <a:chExt cx="0" cy="0"/>
+        </a:xfrm>
+      </p:grpSpPr>
+      <p:sp>
+        <p:nvSpPr>
+          <p:cNvPr id="3" name="Content Placeholder 2"/>
+          <p:cNvSpPr>
+            <a:spLocks noGrp="1"/>
+          </p:cNvSpPr>
+          <p:nvPr>
+            <p:ph idx="1"/>
+          </p:nvPr>
+        </p:nvSpPr>
+        <p:spPr>
+          <a:xfrm>
+            <a:off x="143691" y="1116705"/>
+            <a:ext cx="11926389" cy="1849701"/>
+          </a:xfrm>
+        </p:spPr>
+        <p:txBody>
+          <a:bodyPr/>
+          <a:lstStyle/>
+          <a:p>
+            <a:pPr>
+              <a:buFont typeface="Arial" panose="020B0604020202020204" pitchFamily="34" charset="0"/>
+              <a:buChar char="•"/>
+            </a:pPr>
+            <a:r>
+              <a:rPr lang="en-US" dirty="0" smtClean="0"/>
+              <a:t>Here the </a:t>
+            </a:r>
+            <a:r>
+              <a:rPr lang="en-US" dirty="0" err="1" smtClean="0"/>
+              <a:t>Northem</a:t>
+            </a:r>
+            <a:r>
+              <a:rPr lang="en-US" dirty="0" smtClean="0"/>
+              <a:t>-Cook </a:t>
+            </a:r>
+            <a:r>
+              <a:rPr lang="en-US" dirty="0" smtClean="0">
+                <a:solidFill>
+                  <a:schemeClr val="tx1">
+                    <a:lumMod val="65000"/>
+                    <a:lumOff val="35000"/>
+                  </a:schemeClr>
+                </a:solidFill>
+              </a:rPr>
+              <a:t>contains on average 2791 motor vehicle theft more than </a:t>
+            </a:r>
+            <a:r>
+              <a:rPr lang="en-US" dirty="0" err="1" smtClean="0">
+                <a:solidFill>
+                  <a:schemeClr val="tx1">
+                    <a:lumMod val="65000"/>
+                    <a:lumOff val="35000"/>
+                  </a:schemeClr>
+                </a:solidFill>
+              </a:rPr>
+              <a:t>Northen</a:t>
+            </a:r>
+            <a:r>
+              <a:rPr lang="en-US" dirty="0" smtClean="0">
+                <a:solidFill>
+                  <a:schemeClr val="tx1">
+                    <a:lumMod val="65000"/>
+                    <a:lumOff val="35000"/>
+                  </a:schemeClr>
+                </a:solidFill>
+              </a:rPr>
+              <a:t>-Collar who contains 28 motor vehicle theft</a:t>
+            </a:r>
+          </a:p>
+          <a:p>
+            <a:pPr>
+              <a:buFont typeface="Arial" panose="020B0604020202020204" pitchFamily="34" charset="0"/>
+              <a:buChar char="•"/>
+            </a:pPr>
+            <a:r>
+              <a:rPr lang="en-US" dirty="0">
+                <a:solidFill>
+                  <a:schemeClr val="tx1">
+                    <a:lumMod val="65000"/>
+                    <a:lumOff val="35000"/>
+                  </a:schemeClr>
+                </a:solidFill>
+              </a:rPr>
+              <a:t>And </a:t>
+            </a:r>
+            <a:r>
+              <a:rPr lang="en-US" dirty="0" err="1">
+                <a:solidFill>
+                  <a:schemeClr val="tx1">
+                    <a:lumMod val="65000"/>
+                    <a:lumOff val="35000"/>
+                  </a:schemeClr>
+                </a:solidFill>
+              </a:rPr>
+              <a:t>Northem</a:t>
+            </a:r>
+            <a:r>
+              <a:rPr lang="en-US" dirty="0">
+                <a:solidFill>
+                  <a:schemeClr val="tx1">
+                    <a:lumMod val="65000"/>
+                    <a:lumOff val="35000"/>
+                  </a:schemeClr>
+                </a:solidFill>
+              </a:rPr>
+              <a:t>-Other </a:t>
+            </a:r>
+            <a:r>
+              <a:rPr lang="en-US" dirty="0" smtClean="0">
+                <a:solidFill>
+                  <a:schemeClr val="tx1">
+                    <a:lumMod val="65000"/>
+                    <a:lumOff val="35000"/>
+                  </a:schemeClr>
+                </a:solidFill>
+              </a:rPr>
+              <a:t>and the Central contains </a:t>
+            </a:r>
+            <a:r>
+              <a:rPr lang="en-US" dirty="0">
+                <a:solidFill>
+                  <a:schemeClr val="tx1">
+                    <a:lumMod val="65000"/>
+                    <a:lumOff val="35000"/>
+                  </a:schemeClr>
+                </a:solidFill>
+              </a:rPr>
+              <a:t>on average the </a:t>
+            </a:r>
+            <a:r>
+              <a:rPr lang="en-US" dirty="0" smtClean="0">
+                <a:solidFill>
+                  <a:schemeClr val="tx1">
+                    <a:lumMod val="65000"/>
+                    <a:lumOff val="35000"/>
+                  </a:schemeClr>
+                </a:solidFill>
+              </a:rPr>
+              <a:t>least one contains 4 motor vehicle theft and the other contains 6 motor vehicle theft </a:t>
+            </a:r>
+            <a:endParaRPr lang="en-US" dirty="0"/>
+          </a:p>
+        </p:txBody>
+      </p:sp>
+      <p:pic>
+        <p:nvPicPr>
+          <p:cNvPr id="5" name="Picture 4"/>
+          <p:cNvPicPr>
+            <a:picLocks noChangeAspect="1"/>
+          </p:cNvPicPr>
+          <p:nvPr/>
+        </p:nvPicPr>
+        <p:blipFill>
+          <a:blip r:embed="rId2"/>
+          <a:stretch>
+            <a:fillRect/>
+          </a:stretch>
+        </p:blipFill>
+        <p:spPr>
+          <a:xfrm>
+            <a:off x="540203" y="3140310"/>
+            <a:ext cx="4031127" cy="2711849"/>
+          </a:xfrm>
+          <a:prstGeom prst="rect">
+            <a:avLst/>
+          </a:prstGeom>
+        </p:spPr>
+      </p:pic>
+      <p:pic>
+        <p:nvPicPr>
+          <p:cNvPr id="6" name="Picture 5"/>
+          <p:cNvPicPr>
+            <a:picLocks noChangeAspect="1"/>
+          </p:cNvPicPr>
+          <p:nvPr/>
+        </p:nvPicPr>
+        <p:blipFill>
+          <a:blip r:embed="rId3"/>
+          <a:stretch>
+            <a:fillRect/>
+          </a:stretch>
+        </p:blipFill>
+        <p:spPr>
+          <a:xfrm>
+            <a:off x="5635969" y="2998895"/>
+            <a:ext cx="4188006" cy="3859105"/>
+          </a:xfrm>
+          <a:prstGeom prst="rect">
+            <a:avLst/>
+          </a:prstGeom>
+        </p:spPr>
+      </p:pic>
+      <p:sp>
+        <p:nvSpPr>
+          <p:cNvPr id="8" name="Title 1"/>
+          <p:cNvSpPr>
+            <a:spLocks noGrp="1"/>
+          </p:cNvSpPr>
+          <p:nvPr>
+            <p:ph type="title"/>
+          </p:nvPr>
+        </p:nvSpPr>
+        <p:spPr>
+          <a:xfrm>
+            <a:off x="143691" y="130628"/>
+            <a:ext cx="10984557" cy="953589"/>
+          </a:xfrm>
+        </p:spPr>
+        <p:txBody>
+          <a:bodyPr/>
+          <a:lstStyle/>
+          <a:p>
+            <a:r>
+              <a:rPr lang="en-US" dirty="0" smtClean="0"/>
+              <a:t>Results type of crime by region</a:t>
+            </a:r>
+            <a:endParaRPr lang="en-US" dirty="0"/>
+          </a:p>
+        </p:txBody>
+      </p:sp>
+    </p:spTree>
+    <p:extLst>
+      <p:ext uri="{BB962C8B-B14F-4D97-AF65-F5344CB8AC3E}">
+        <p14:creationId xmlns:p14="http://schemas.microsoft.com/office/powerpoint/2010/main" val="3473119179"/>
       </p:ext>
     </p:extLst>
   </p:cSld>

--- a/output/A New Social LIFE.pptx
+++ b/output/A New Social LIFE.pptx
@@ -9,22 +9,21 @@
     <p:sldId id="257" r:id="rId3"/>
     <p:sldId id="273" r:id="rId4"/>
     <p:sldId id="258" r:id="rId5"/>
-    <p:sldId id="259" r:id="rId6"/>
-    <p:sldId id="260" r:id="rId7"/>
-    <p:sldId id="261" r:id="rId8"/>
-    <p:sldId id="271" r:id="rId9"/>
-    <p:sldId id="262" r:id="rId10"/>
-    <p:sldId id="263" r:id="rId11"/>
-    <p:sldId id="264" r:id="rId12"/>
-    <p:sldId id="265" r:id="rId13"/>
-    <p:sldId id="266" r:id="rId14"/>
-    <p:sldId id="274" r:id="rId15"/>
-    <p:sldId id="267" r:id="rId16"/>
-    <p:sldId id="279" r:id="rId17"/>
-    <p:sldId id="275" r:id="rId18"/>
-    <p:sldId id="278" r:id="rId19"/>
-    <p:sldId id="276" r:id="rId20"/>
-    <p:sldId id="277" r:id="rId21"/>
+    <p:sldId id="260" r:id="rId6"/>
+    <p:sldId id="261" r:id="rId7"/>
+    <p:sldId id="271" r:id="rId8"/>
+    <p:sldId id="262" r:id="rId9"/>
+    <p:sldId id="263" r:id="rId10"/>
+    <p:sldId id="264" r:id="rId11"/>
+    <p:sldId id="265" r:id="rId12"/>
+    <p:sldId id="266" r:id="rId13"/>
+    <p:sldId id="274" r:id="rId14"/>
+    <p:sldId id="267" r:id="rId15"/>
+    <p:sldId id="279" r:id="rId16"/>
+    <p:sldId id="275" r:id="rId17"/>
+    <p:sldId id="278" r:id="rId18"/>
+    <p:sldId id="276" r:id="rId19"/>
+    <p:sldId id="277" r:id="rId20"/>
   </p:sldIdLst>
   <p:sldSz cx="12192000" cy="6858000"/>
   <p:notesSz cx="6858000" cy="9144000"/>
@@ -129,6 +128,5207 @@
     </p:ext>
   </p:extLst>
 </p:presentation>
+</file>
+
+<file path=ppt/diagrams/colors1.xml><?xml version="1.0" encoding="utf-8"?>
+<dgm:colorsDef xmlns:dgm="http://schemas.openxmlformats.org/drawingml/2006/diagram" xmlns:a="http://schemas.openxmlformats.org/drawingml/2006/main" uniqueId="urn:microsoft.com/office/officeart/2005/8/colors/accent1_1">
+  <dgm:title val=""/>
+  <dgm:desc val=""/>
+  <dgm:catLst>
+    <dgm:cat type="accent1" pri="11100"/>
+  </dgm:catLst>
+  <dgm:styleLbl name="node0">
+    <dgm:fillClrLst meth="repeat">
+      <a:schemeClr val="lt1"/>
+    </dgm:fillClrLst>
+    <dgm:linClrLst meth="repeat">
+      <a:schemeClr val="accent1">
+        <a:shade val="80000"/>
+      </a:schemeClr>
+    </dgm:linClrLst>
+    <dgm:effectClrLst/>
+    <dgm:txLinClrLst/>
+    <dgm:txFillClrLst meth="repeat">
+      <a:schemeClr val="dk1"/>
+    </dgm:txFillClrLst>
+    <dgm:txEffectClrLst/>
+  </dgm:styleLbl>
+  <dgm:styleLbl name="alignNode1">
+    <dgm:fillClrLst meth="repeat">
+      <a:schemeClr val="lt1"/>
+    </dgm:fillClrLst>
+    <dgm:linClrLst meth="repeat">
+      <a:schemeClr val="accent1">
+        <a:shade val="80000"/>
+      </a:schemeClr>
+    </dgm:linClrLst>
+    <dgm:effectClrLst/>
+    <dgm:txLinClrLst/>
+    <dgm:txFillClrLst meth="repeat">
+      <a:schemeClr val="dk1"/>
+    </dgm:txFillClrLst>
+    <dgm:txEffectClrLst/>
+  </dgm:styleLbl>
+  <dgm:styleLbl name="node1">
+    <dgm:fillClrLst meth="repeat">
+      <a:schemeClr val="lt1"/>
+    </dgm:fillClrLst>
+    <dgm:linClrLst meth="repeat">
+      <a:schemeClr val="accent1">
+        <a:shade val="80000"/>
+      </a:schemeClr>
+    </dgm:linClrLst>
+    <dgm:effectClrLst/>
+    <dgm:txLinClrLst/>
+    <dgm:txFillClrLst meth="repeat">
+      <a:schemeClr val="dk1"/>
+    </dgm:txFillClrLst>
+    <dgm:txEffectClrLst/>
+  </dgm:styleLbl>
+  <dgm:styleLbl name="lnNode1">
+    <dgm:fillClrLst meth="repeat">
+      <a:schemeClr val="lt1"/>
+    </dgm:fillClrLst>
+    <dgm:linClrLst meth="repeat">
+      <a:schemeClr val="accent1">
+        <a:shade val="80000"/>
+      </a:schemeClr>
+    </dgm:linClrLst>
+    <dgm:effectClrLst/>
+    <dgm:txLinClrLst/>
+    <dgm:txFillClrLst meth="repeat">
+      <a:schemeClr val="dk1"/>
+    </dgm:txFillClrLst>
+    <dgm:txEffectClrLst/>
+  </dgm:styleLbl>
+  <dgm:styleLbl name="vennNode1">
+    <dgm:fillClrLst meth="repeat">
+      <a:schemeClr val="lt1">
+        <a:alpha val="50000"/>
+      </a:schemeClr>
+    </dgm:fillClrLst>
+    <dgm:linClrLst meth="repeat">
+      <a:schemeClr val="accent1">
+        <a:shade val="80000"/>
+      </a:schemeClr>
+    </dgm:linClrLst>
+    <dgm:effectClrLst/>
+    <dgm:txLinClrLst/>
+    <dgm:txFillClrLst/>
+    <dgm:txEffectClrLst/>
+  </dgm:styleLbl>
+  <dgm:styleLbl name="node2">
+    <dgm:fillClrLst meth="repeat">
+      <a:schemeClr val="lt1"/>
+    </dgm:fillClrLst>
+    <dgm:linClrLst meth="repeat">
+      <a:schemeClr val="accent1">
+        <a:shade val="80000"/>
+      </a:schemeClr>
+    </dgm:linClrLst>
+    <dgm:effectClrLst/>
+    <dgm:txLinClrLst/>
+    <dgm:txFillClrLst meth="repeat">
+      <a:schemeClr val="dk1"/>
+    </dgm:txFillClrLst>
+    <dgm:txEffectClrLst/>
+  </dgm:styleLbl>
+  <dgm:styleLbl name="node3">
+    <dgm:fillClrLst meth="repeat">
+      <a:schemeClr val="lt1"/>
+    </dgm:fillClrLst>
+    <dgm:linClrLst meth="repeat">
+      <a:schemeClr val="accent1">
+        <a:shade val="80000"/>
+      </a:schemeClr>
+    </dgm:linClrLst>
+    <dgm:effectClrLst/>
+    <dgm:txLinClrLst/>
+    <dgm:txFillClrLst meth="repeat">
+      <a:schemeClr val="dk1"/>
+    </dgm:txFillClrLst>
+    <dgm:txEffectClrLst/>
+  </dgm:styleLbl>
+  <dgm:styleLbl name="node4">
+    <dgm:fillClrLst meth="repeat">
+      <a:schemeClr val="lt1"/>
+    </dgm:fillClrLst>
+    <dgm:linClrLst meth="repeat">
+      <a:schemeClr val="accent1">
+        <a:shade val="80000"/>
+      </a:schemeClr>
+    </dgm:linClrLst>
+    <dgm:effectClrLst/>
+    <dgm:txLinClrLst/>
+    <dgm:txFillClrLst meth="repeat">
+      <a:schemeClr val="dk1"/>
+    </dgm:txFillClrLst>
+    <dgm:txEffectClrLst/>
+  </dgm:styleLbl>
+  <dgm:styleLbl name="fgImgPlace1">
+    <dgm:fillClrLst meth="repeat">
+      <a:schemeClr val="accent1">
+        <a:tint val="40000"/>
+      </a:schemeClr>
+    </dgm:fillClrLst>
+    <dgm:linClrLst meth="repeat">
+      <a:schemeClr val="accent1">
+        <a:shade val="80000"/>
+      </a:schemeClr>
+    </dgm:linClrLst>
+    <dgm:effectClrLst/>
+    <dgm:txLinClrLst/>
+    <dgm:txFillClrLst meth="repeat">
+      <a:schemeClr val="lt1"/>
+    </dgm:txFillClrLst>
+    <dgm:txEffectClrLst/>
+  </dgm:styleLbl>
+  <dgm:styleLbl name="alignImgPlace1">
+    <dgm:fillClrLst meth="repeat">
+      <a:schemeClr val="accent1">
+        <a:tint val="40000"/>
+      </a:schemeClr>
+    </dgm:fillClrLst>
+    <dgm:linClrLst meth="repeat">
+      <a:schemeClr val="accent1">
+        <a:shade val="80000"/>
+      </a:schemeClr>
+    </dgm:linClrLst>
+    <dgm:effectClrLst/>
+    <dgm:txLinClrLst/>
+    <dgm:txFillClrLst meth="repeat">
+      <a:schemeClr val="lt1"/>
+    </dgm:txFillClrLst>
+    <dgm:txEffectClrLst/>
+  </dgm:styleLbl>
+  <dgm:styleLbl name="bgImgPlace1">
+    <dgm:fillClrLst meth="repeat">
+      <a:schemeClr val="accent1">
+        <a:tint val="40000"/>
+      </a:schemeClr>
+    </dgm:fillClrLst>
+    <dgm:linClrLst meth="repeat">
+      <a:schemeClr val="accent1">
+        <a:shade val="80000"/>
+      </a:schemeClr>
+    </dgm:linClrLst>
+    <dgm:effectClrLst/>
+    <dgm:txLinClrLst/>
+    <dgm:txFillClrLst meth="repeat">
+      <a:schemeClr val="lt1"/>
+    </dgm:txFillClrLst>
+    <dgm:txEffectClrLst/>
+  </dgm:styleLbl>
+  <dgm:styleLbl name="sibTrans2D1">
+    <dgm:fillClrLst meth="repeat">
+      <a:schemeClr val="accent1">
+        <a:tint val="60000"/>
+      </a:schemeClr>
+    </dgm:fillClrLst>
+    <dgm:linClrLst meth="repeat">
+      <a:schemeClr val="accent1">
+        <a:tint val="60000"/>
+      </a:schemeClr>
+    </dgm:linClrLst>
+    <dgm:effectClrLst/>
+    <dgm:txLinClrLst/>
+    <dgm:txFillClrLst meth="repeat">
+      <a:schemeClr val="dk1"/>
+    </dgm:txFillClrLst>
+    <dgm:txEffectClrLst/>
+  </dgm:styleLbl>
+  <dgm:styleLbl name="fgSibTrans2D1">
+    <dgm:fillClrLst meth="repeat">
+      <a:schemeClr val="accent1">
+        <a:tint val="60000"/>
+      </a:schemeClr>
+    </dgm:fillClrLst>
+    <dgm:linClrLst meth="repeat">
+      <a:schemeClr val="accent1">
+        <a:tint val="60000"/>
+      </a:schemeClr>
+    </dgm:linClrLst>
+    <dgm:effectClrLst/>
+    <dgm:txLinClrLst/>
+    <dgm:txFillClrLst meth="repeat">
+      <a:schemeClr val="dk1"/>
+    </dgm:txFillClrLst>
+    <dgm:txEffectClrLst/>
+  </dgm:styleLbl>
+  <dgm:styleLbl name="bgSibTrans2D1">
+    <dgm:fillClrLst meth="repeat">
+      <a:schemeClr val="accent1">
+        <a:tint val="60000"/>
+      </a:schemeClr>
+    </dgm:fillClrLst>
+    <dgm:linClrLst meth="repeat">
+      <a:schemeClr val="accent1">
+        <a:tint val="60000"/>
+      </a:schemeClr>
+    </dgm:linClrLst>
+    <dgm:effectClrLst/>
+    <dgm:txLinClrLst/>
+    <dgm:txFillClrLst meth="repeat">
+      <a:schemeClr val="dk1"/>
+    </dgm:txFillClrLst>
+    <dgm:txEffectClrLst/>
+  </dgm:styleLbl>
+  <dgm:styleLbl name="sibTrans1D1">
+    <dgm:fillClrLst meth="repeat">
+      <a:schemeClr val="accent1"/>
+    </dgm:fillClrLst>
+    <dgm:linClrLst meth="repeat">
+      <a:schemeClr val="accent1"/>
+    </dgm:linClrLst>
+    <dgm:effectClrLst/>
+    <dgm:txLinClrLst/>
+    <dgm:txFillClrLst meth="repeat">
+      <a:schemeClr val="tx1"/>
+    </dgm:txFillClrLst>
+    <dgm:txEffectClrLst/>
+  </dgm:styleLbl>
+  <dgm:styleLbl name="callout">
+    <dgm:fillClrLst meth="repeat">
+      <a:schemeClr val="accent1"/>
+    </dgm:fillClrLst>
+    <dgm:linClrLst meth="repeat">
+      <a:schemeClr val="accent1"/>
+    </dgm:linClrLst>
+    <dgm:effectClrLst/>
+    <dgm:txLinClrLst/>
+    <dgm:txFillClrLst meth="repeat">
+      <a:schemeClr val="tx1"/>
+    </dgm:txFillClrLst>
+    <dgm:txEffectClrLst/>
+  </dgm:styleLbl>
+  <dgm:styleLbl name="asst0">
+    <dgm:fillClrLst meth="repeat">
+      <a:schemeClr val="lt1"/>
+    </dgm:fillClrLst>
+    <dgm:linClrLst meth="repeat">
+      <a:schemeClr val="accent1">
+        <a:shade val="80000"/>
+      </a:schemeClr>
+    </dgm:linClrLst>
+    <dgm:effectClrLst/>
+    <dgm:txLinClrLst/>
+    <dgm:txFillClrLst meth="repeat">
+      <a:schemeClr val="dk1"/>
+    </dgm:txFillClrLst>
+    <dgm:txEffectClrLst/>
+  </dgm:styleLbl>
+  <dgm:styleLbl name="asst1">
+    <dgm:fillClrLst meth="repeat">
+      <a:schemeClr val="lt1"/>
+    </dgm:fillClrLst>
+    <dgm:linClrLst meth="repeat">
+      <a:schemeClr val="accent1">
+        <a:shade val="80000"/>
+      </a:schemeClr>
+    </dgm:linClrLst>
+    <dgm:effectClrLst/>
+    <dgm:txLinClrLst/>
+    <dgm:txFillClrLst meth="repeat">
+      <a:schemeClr val="dk1"/>
+    </dgm:txFillClrLst>
+    <dgm:txEffectClrLst/>
+  </dgm:styleLbl>
+  <dgm:styleLbl name="asst2">
+    <dgm:fillClrLst meth="repeat">
+      <a:schemeClr val="lt1"/>
+    </dgm:fillClrLst>
+    <dgm:linClrLst meth="repeat">
+      <a:schemeClr val="accent1">
+        <a:shade val="80000"/>
+      </a:schemeClr>
+    </dgm:linClrLst>
+    <dgm:effectClrLst/>
+    <dgm:txLinClrLst/>
+    <dgm:txFillClrLst meth="repeat">
+      <a:schemeClr val="dk1"/>
+    </dgm:txFillClrLst>
+    <dgm:txEffectClrLst/>
+  </dgm:styleLbl>
+  <dgm:styleLbl name="asst3">
+    <dgm:fillClrLst meth="repeat">
+      <a:schemeClr val="lt1"/>
+    </dgm:fillClrLst>
+    <dgm:linClrLst meth="repeat">
+      <a:schemeClr val="accent1">
+        <a:shade val="80000"/>
+      </a:schemeClr>
+    </dgm:linClrLst>
+    <dgm:effectClrLst/>
+    <dgm:txLinClrLst/>
+    <dgm:txFillClrLst meth="repeat">
+      <a:schemeClr val="dk1"/>
+    </dgm:txFillClrLst>
+    <dgm:txEffectClrLst/>
+  </dgm:styleLbl>
+  <dgm:styleLbl name="asst4">
+    <dgm:fillClrLst meth="repeat">
+      <a:schemeClr val="lt1"/>
+    </dgm:fillClrLst>
+    <dgm:linClrLst meth="repeat">
+      <a:schemeClr val="accent1">
+        <a:shade val="80000"/>
+      </a:schemeClr>
+    </dgm:linClrLst>
+    <dgm:effectClrLst/>
+    <dgm:txLinClrLst/>
+    <dgm:txFillClrLst meth="repeat">
+      <a:schemeClr val="dk1"/>
+    </dgm:txFillClrLst>
+    <dgm:txEffectClrLst/>
+  </dgm:styleLbl>
+  <dgm:styleLbl name="parChTrans2D1">
+    <dgm:fillClrLst meth="repeat">
+      <a:schemeClr val="accent1">
+        <a:tint val="60000"/>
+      </a:schemeClr>
+    </dgm:fillClrLst>
+    <dgm:linClrLst meth="repeat">
+      <a:schemeClr val="accent1">
+        <a:tint val="60000"/>
+      </a:schemeClr>
+    </dgm:linClrLst>
+    <dgm:effectClrLst/>
+    <dgm:txLinClrLst/>
+    <dgm:txFillClrLst/>
+    <dgm:txEffectClrLst/>
+  </dgm:styleLbl>
+  <dgm:styleLbl name="parChTrans2D2">
+    <dgm:fillClrLst meth="repeat">
+      <a:schemeClr val="accent1"/>
+    </dgm:fillClrLst>
+    <dgm:linClrLst meth="repeat">
+      <a:schemeClr val="accent1"/>
+    </dgm:linClrLst>
+    <dgm:effectClrLst/>
+    <dgm:txLinClrLst/>
+    <dgm:txFillClrLst/>
+    <dgm:txEffectClrLst/>
+  </dgm:styleLbl>
+  <dgm:styleLbl name="parChTrans2D3">
+    <dgm:fillClrLst meth="repeat">
+      <a:schemeClr val="accent1"/>
+    </dgm:fillClrLst>
+    <dgm:linClrLst meth="repeat">
+      <a:schemeClr val="accent1"/>
+    </dgm:linClrLst>
+    <dgm:effectClrLst/>
+    <dgm:txLinClrLst/>
+    <dgm:txFillClrLst/>
+    <dgm:txEffectClrLst/>
+  </dgm:styleLbl>
+  <dgm:styleLbl name="parChTrans2D4">
+    <dgm:fillClrLst meth="repeat">
+      <a:schemeClr val="accent1"/>
+    </dgm:fillClrLst>
+    <dgm:linClrLst meth="repeat">
+      <a:schemeClr val="accent1"/>
+    </dgm:linClrLst>
+    <dgm:effectClrLst/>
+    <dgm:txLinClrLst/>
+    <dgm:txFillClrLst meth="repeat">
+      <a:schemeClr val="lt1"/>
+    </dgm:txFillClrLst>
+    <dgm:txEffectClrLst/>
+  </dgm:styleLbl>
+  <dgm:styleLbl name="parChTrans1D1">
+    <dgm:fillClrLst meth="repeat">
+      <a:schemeClr val="accent1"/>
+    </dgm:fillClrLst>
+    <dgm:linClrLst meth="repeat">
+      <a:schemeClr val="accent1">
+        <a:shade val="60000"/>
+      </a:schemeClr>
+    </dgm:linClrLst>
+    <dgm:effectClrLst/>
+    <dgm:txLinClrLst/>
+    <dgm:txFillClrLst meth="repeat">
+      <a:schemeClr val="tx1"/>
+    </dgm:txFillClrLst>
+    <dgm:txEffectClrLst/>
+  </dgm:styleLbl>
+  <dgm:styleLbl name="parChTrans1D2">
+    <dgm:fillClrLst meth="repeat">
+      <a:schemeClr val="accent1"/>
+    </dgm:fillClrLst>
+    <dgm:linClrLst meth="repeat">
+      <a:schemeClr val="accent1">
+        <a:shade val="60000"/>
+      </a:schemeClr>
+    </dgm:linClrLst>
+    <dgm:effectClrLst/>
+    <dgm:txLinClrLst/>
+    <dgm:txFillClrLst meth="repeat">
+      <a:schemeClr val="tx1"/>
+    </dgm:txFillClrLst>
+    <dgm:txEffectClrLst/>
+  </dgm:styleLbl>
+  <dgm:styleLbl name="parChTrans1D3">
+    <dgm:fillClrLst meth="repeat">
+      <a:schemeClr val="accent1"/>
+    </dgm:fillClrLst>
+    <dgm:linClrLst meth="repeat">
+      <a:schemeClr val="accent1">
+        <a:shade val="80000"/>
+      </a:schemeClr>
+    </dgm:linClrLst>
+    <dgm:effectClrLst/>
+    <dgm:txLinClrLst/>
+    <dgm:txFillClrLst meth="repeat">
+      <a:schemeClr val="tx1"/>
+    </dgm:txFillClrLst>
+    <dgm:txEffectClrLst/>
+  </dgm:styleLbl>
+  <dgm:styleLbl name="parChTrans1D4">
+    <dgm:fillClrLst meth="repeat">
+      <a:schemeClr val="accent1"/>
+    </dgm:fillClrLst>
+    <dgm:linClrLst meth="repeat">
+      <a:schemeClr val="accent1">
+        <a:shade val="80000"/>
+      </a:schemeClr>
+    </dgm:linClrLst>
+    <dgm:effectClrLst/>
+    <dgm:txLinClrLst/>
+    <dgm:txFillClrLst meth="repeat">
+      <a:schemeClr val="tx1"/>
+    </dgm:txFillClrLst>
+    <dgm:txEffectClrLst/>
+  </dgm:styleLbl>
+  <dgm:styleLbl name="fgAcc1">
+    <dgm:fillClrLst meth="repeat">
+      <a:schemeClr val="accent1">
+        <a:alpha val="90000"/>
+        <a:tint val="40000"/>
+      </a:schemeClr>
+    </dgm:fillClrLst>
+    <dgm:linClrLst meth="repeat">
+      <a:schemeClr val="accent1"/>
+    </dgm:linClrLst>
+    <dgm:effectClrLst/>
+    <dgm:txLinClrLst/>
+    <dgm:txFillClrLst meth="repeat">
+      <a:schemeClr val="dk1"/>
+    </dgm:txFillClrLst>
+    <dgm:txEffectClrLst/>
+  </dgm:styleLbl>
+  <dgm:styleLbl name="conFgAcc1">
+    <dgm:fillClrLst meth="repeat">
+      <a:schemeClr val="accent1">
+        <a:alpha val="90000"/>
+        <a:tint val="40000"/>
+      </a:schemeClr>
+    </dgm:fillClrLst>
+    <dgm:linClrLst meth="repeat">
+      <a:schemeClr val="accent1"/>
+    </dgm:linClrLst>
+    <dgm:effectClrLst/>
+    <dgm:txLinClrLst/>
+    <dgm:txFillClrLst meth="repeat">
+      <a:schemeClr val="dk1"/>
+    </dgm:txFillClrLst>
+    <dgm:txEffectClrLst/>
+  </dgm:styleLbl>
+  <dgm:styleLbl name="alignAcc1">
+    <dgm:fillClrLst meth="repeat">
+      <a:schemeClr val="accent1">
+        <a:alpha val="90000"/>
+        <a:tint val="40000"/>
+      </a:schemeClr>
+    </dgm:fillClrLst>
+    <dgm:linClrLst meth="repeat">
+      <a:schemeClr val="accent1"/>
+    </dgm:linClrLst>
+    <dgm:effectClrLst/>
+    <dgm:txLinClrLst/>
+    <dgm:txFillClrLst meth="repeat">
+      <a:schemeClr val="dk1"/>
+    </dgm:txFillClrLst>
+    <dgm:txEffectClrLst/>
+  </dgm:styleLbl>
+  <dgm:styleLbl name="trAlignAcc1">
+    <dgm:fillClrLst meth="repeat">
+      <a:schemeClr val="accent1">
+        <a:alpha val="40000"/>
+        <a:tint val="40000"/>
+      </a:schemeClr>
+    </dgm:fillClrLst>
+    <dgm:linClrLst meth="repeat">
+      <a:schemeClr val="accent1"/>
+    </dgm:linClrLst>
+    <dgm:effectClrLst/>
+    <dgm:txLinClrLst/>
+    <dgm:txFillClrLst meth="repeat">
+      <a:schemeClr val="dk1"/>
+    </dgm:txFillClrLst>
+    <dgm:txEffectClrLst/>
+  </dgm:styleLbl>
+  <dgm:styleLbl name="bgAcc1">
+    <dgm:fillClrLst meth="repeat">
+      <a:schemeClr val="accent1">
+        <a:alpha val="90000"/>
+        <a:tint val="40000"/>
+      </a:schemeClr>
+    </dgm:fillClrLst>
+    <dgm:linClrLst meth="repeat">
+      <a:schemeClr val="accent1"/>
+    </dgm:linClrLst>
+    <dgm:effectClrLst/>
+    <dgm:txLinClrLst/>
+    <dgm:txFillClrLst meth="repeat">
+      <a:schemeClr val="dk1"/>
+    </dgm:txFillClrLst>
+    <dgm:txEffectClrLst/>
+  </dgm:styleLbl>
+  <dgm:styleLbl name="solidFgAcc1">
+    <dgm:fillClrLst meth="repeat">
+      <a:schemeClr val="lt1"/>
+    </dgm:fillClrLst>
+    <dgm:linClrLst meth="repeat">
+      <a:schemeClr val="accent1"/>
+    </dgm:linClrLst>
+    <dgm:effectClrLst/>
+    <dgm:txLinClrLst/>
+    <dgm:txFillClrLst meth="repeat">
+      <a:schemeClr val="dk1"/>
+    </dgm:txFillClrLst>
+    <dgm:txEffectClrLst/>
+  </dgm:styleLbl>
+  <dgm:styleLbl name="solidAlignAcc1">
+    <dgm:fillClrLst meth="repeat">
+      <a:schemeClr val="lt1"/>
+    </dgm:fillClrLst>
+    <dgm:linClrLst meth="repeat">
+      <a:schemeClr val="accent1"/>
+    </dgm:linClrLst>
+    <dgm:effectClrLst/>
+    <dgm:txLinClrLst/>
+    <dgm:txFillClrLst meth="repeat">
+      <a:schemeClr val="dk1"/>
+    </dgm:txFillClrLst>
+    <dgm:txEffectClrLst/>
+  </dgm:styleLbl>
+  <dgm:styleLbl name="solidBgAcc1">
+    <dgm:fillClrLst meth="repeat">
+      <a:schemeClr val="lt1"/>
+    </dgm:fillClrLst>
+    <dgm:linClrLst meth="repeat">
+      <a:schemeClr val="accent1"/>
+    </dgm:linClrLst>
+    <dgm:effectClrLst/>
+    <dgm:txLinClrLst/>
+    <dgm:txFillClrLst meth="repeat">
+      <a:schemeClr val="dk1"/>
+    </dgm:txFillClrLst>
+    <dgm:txEffectClrLst/>
+  </dgm:styleLbl>
+  <dgm:styleLbl name="fgAccFollowNode1">
+    <dgm:fillClrLst meth="repeat">
+      <a:schemeClr val="lt1">
+        <a:alpha val="90000"/>
+        <a:tint val="40000"/>
+      </a:schemeClr>
+    </dgm:fillClrLst>
+    <dgm:linClrLst meth="repeat">
+      <a:schemeClr val="accent1">
+        <a:alpha val="90000"/>
+      </a:schemeClr>
+    </dgm:linClrLst>
+    <dgm:effectClrLst/>
+    <dgm:txLinClrLst/>
+    <dgm:txFillClrLst meth="repeat">
+      <a:schemeClr val="dk1"/>
+    </dgm:txFillClrLst>
+    <dgm:txEffectClrLst/>
+  </dgm:styleLbl>
+  <dgm:styleLbl name="alignAccFollowNode1">
+    <dgm:fillClrLst meth="repeat">
+      <a:schemeClr val="lt1">
+        <a:alpha val="90000"/>
+        <a:tint val="40000"/>
+      </a:schemeClr>
+    </dgm:fillClrLst>
+    <dgm:linClrLst meth="repeat">
+      <a:schemeClr val="accent1">
+        <a:alpha val="90000"/>
+      </a:schemeClr>
+    </dgm:linClrLst>
+    <dgm:effectClrLst/>
+    <dgm:txLinClrLst/>
+    <dgm:txFillClrLst meth="repeat">
+      <a:schemeClr val="dk1"/>
+    </dgm:txFillClrLst>
+    <dgm:txEffectClrLst/>
+  </dgm:styleLbl>
+  <dgm:styleLbl name="bgAccFollowNode1">
+    <dgm:fillClrLst meth="repeat">
+      <a:schemeClr val="lt1">
+        <a:alpha val="90000"/>
+        <a:tint val="40000"/>
+      </a:schemeClr>
+    </dgm:fillClrLst>
+    <dgm:linClrLst meth="repeat">
+      <a:schemeClr val="accent1">
+        <a:alpha val="90000"/>
+      </a:schemeClr>
+    </dgm:linClrLst>
+    <dgm:effectClrLst/>
+    <dgm:txLinClrLst/>
+    <dgm:txFillClrLst meth="repeat">
+      <a:schemeClr val="dk1"/>
+    </dgm:txFillClrLst>
+    <dgm:txEffectClrLst/>
+  </dgm:styleLbl>
+  <dgm:styleLbl name="fgAcc0">
+    <dgm:fillClrLst meth="repeat">
+      <a:schemeClr val="accent1">
+        <a:alpha val="90000"/>
+        <a:tint val="40000"/>
+      </a:schemeClr>
+    </dgm:fillClrLst>
+    <dgm:linClrLst meth="repeat">
+      <a:schemeClr val="accent1"/>
+    </dgm:linClrLst>
+    <dgm:effectClrLst/>
+    <dgm:txLinClrLst/>
+    <dgm:txFillClrLst meth="repeat">
+      <a:schemeClr val="dk1"/>
+    </dgm:txFillClrLst>
+    <dgm:txEffectClrLst/>
+  </dgm:styleLbl>
+  <dgm:styleLbl name="fgAcc2">
+    <dgm:fillClrLst meth="repeat">
+      <a:schemeClr val="accent1">
+        <a:alpha val="90000"/>
+        <a:tint val="40000"/>
+      </a:schemeClr>
+    </dgm:fillClrLst>
+    <dgm:linClrLst meth="repeat">
+      <a:schemeClr val="accent1"/>
+    </dgm:linClrLst>
+    <dgm:effectClrLst/>
+    <dgm:txLinClrLst/>
+    <dgm:txFillClrLst meth="repeat">
+      <a:schemeClr val="dk1"/>
+    </dgm:txFillClrLst>
+    <dgm:txEffectClrLst/>
+  </dgm:styleLbl>
+  <dgm:styleLbl name="fgAcc3">
+    <dgm:fillClrLst meth="repeat">
+      <a:schemeClr val="accent1">
+        <a:alpha val="90000"/>
+        <a:tint val="40000"/>
+      </a:schemeClr>
+    </dgm:fillClrLst>
+    <dgm:linClrLst meth="repeat">
+      <a:schemeClr val="accent1"/>
+    </dgm:linClrLst>
+    <dgm:effectClrLst/>
+    <dgm:txLinClrLst/>
+    <dgm:txFillClrLst meth="repeat">
+      <a:schemeClr val="dk1"/>
+    </dgm:txFillClrLst>
+    <dgm:txEffectClrLst/>
+  </dgm:styleLbl>
+  <dgm:styleLbl name="fgAcc4">
+    <dgm:fillClrLst meth="repeat">
+      <a:schemeClr val="accent1">
+        <a:alpha val="90000"/>
+        <a:tint val="40000"/>
+      </a:schemeClr>
+    </dgm:fillClrLst>
+    <dgm:linClrLst meth="repeat">
+      <a:schemeClr val="accent1"/>
+    </dgm:linClrLst>
+    <dgm:effectClrLst/>
+    <dgm:txLinClrLst/>
+    <dgm:txFillClrLst meth="repeat">
+      <a:schemeClr val="dk1"/>
+    </dgm:txFillClrLst>
+    <dgm:txEffectClrLst/>
+  </dgm:styleLbl>
+  <dgm:styleLbl name="bgShp">
+    <dgm:fillClrLst meth="repeat">
+      <a:schemeClr val="accent1">
+        <a:tint val="40000"/>
+      </a:schemeClr>
+    </dgm:fillClrLst>
+    <dgm:linClrLst meth="repeat">
+      <a:schemeClr val="accent1"/>
+    </dgm:linClrLst>
+    <dgm:effectClrLst/>
+    <dgm:txLinClrLst/>
+    <dgm:txFillClrLst meth="repeat">
+      <a:schemeClr val="dk1"/>
+    </dgm:txFillClrLst>
+    <dgm:txEffectClrLst/>
+  </dgm:styleLbl>
+  <dgm:styleLbl name="dkBgShp">
+    <dgm:fillClrLst meth="repeat">
+      <a:schemeClr val="accent1">
+        <a:shade val="80000"/>
+      </a:schemeClr>
+    </dgm:fillClrLst>
+    <dgm:linClrLst meth="repeat">
+      <a:schemeClr val="accent1"/>
+    </dgm:linClrLst>
+    <dgm:effectClrLst/>
+    <dgm:txLinClrLst/>
+    <dgm:txFillClrLst meth="repeat">
+      <a:schemeClr val="lt1"/>
+    </dgm:txFillClrLst>
+    <dgm:txEffectClrLst/>
+  </dgm:styleLbl>
+  <dgm:styleLbl name="trBgShp">
+    <dgm:fillClrLst meth="repeat">
+      <a:schemeClr val="accent1">
+        <a:tint val="50000"/>
+        <a:alpha val="40000"/>
+      </a:schemeClr>
+    </dgm:fillClrLst>
+    <dgm:linClrLst meth="repeat">
+      <a:schemeClr val="accent1"/>
+    </dgm:linClrLst>
+    <dgm:effectClrLst/>
+    <dgm:txLinClrLst/>
+    <dgm:txFillClrLst meth="repeat">
+      <a:schemeClr val="lt1"/>
+    </dgm:txFillClrLst>
+    <dgm:txEffectClrLst/>
+  </dgm:styleLbl>
+  <dgm:styleLbl name="fgShp">
+    <dgm:fillClrLst meth="repeat">
+      <a:schemeClr val="accent1">
+        <a:tint val="60000"/>
+      </a:schemeClr>
+    </dgm:fillClrLst>
+    <dgm:linClrLst meth="repeat">
+      <a:schemeClr val="lt1"/>
+    </dgm:linClrLst>
+    <dgm:effectClrLst/>
+    <dgm:txLinClrLst/>
+    <dgm:txFillClrLst meth="repeat">
+      <a:schemeClr val="dk1"/>
+    </dgm:txFillClrLst>
+    <dgm:txEffectClrLst/>
+  </dgm:styleLbl>
+  <dgm:styleLbl name="revTx">
+    <dgm:fillClrLst meth="repeat">
+      <a:schemeClr val="lt1">
+        <a:alpha val="0"/>
+      </a:schemeClr>
+    </dgm:fillClrLst>
+    <dgm:linClrLst meth="repeat">
+      <a:schemeClr val="dk1">
+        <a:alpha val="0"/>
+      </a:schemeClr>
+    </dgm:linClrLst>
+    <dgm:effectClrLst/>
+    <dgm:txLinClrLst/>
+    <dgm:txFillClrLst meth="repeat">
+      <a:schemeClr val="tx1"/>
+    </dgm:txFillClrLst>
+    <dgm:txEffectClrLst/>
+  </dgm:styleLbl>
+</dgm:colorsDef>
+</file>
+
+<file path=ppt/diagrams/data1.xml><?xml version="1.0" encoding="utf-8"?>
+<dgm:dataModel xmlns:dgm="http://schemas.openxmlformats.org/drawingml/2006/diagram" xmlns:a="http://schemas.openxmlformats.org/drawingml/2006/main">
+  <dgm:ptLst>
+    <dgm:pt modelId="{9AE0445E-4A5B-4840-BAC2-76ED608CFA97}" type="doc">
+      <dgm:prSet loTypeId="urn:microsoft.com/office/officeart/2008/layout/HexagonCluster" loCatId="relationship" qsTypeId="urn:microsoft.com/office/officeart/2005/8/quickstyle/3d2" qsCatId="3D" csTypeId="urn:microsoft.com/office/officeart/2005/8/colors/accent1_1" csCatId="accent1" phldr="1"/>
+      <dgm:spPr/>
+      <dgm:t>
+        <a:bodyPr/>
+        <a:lstStyle/>
+        <a:p>
+          <a:endParaRPr lang="en-US"/>
+        </a:p>
+      </dgm:t>
+    </dgm:pt>
+    <dgm:pt modelId="{43F6A6DF-397F-4D75-8403-1AE33024C621}">
+      <dgm:prSet phldrT="[Text]" phldr="1"/>
+      <dgm:spPr/>
+      <dgm:t>
+        <a:bodyPr/>
+        <a:lstStyle/>
+        <a:p>
+          <a:endParaRPr lang="en-US"/>
+        </a:p>
+      </dgm:t>
+    </dgm:pt>
+    <dgm:pt modelId="{00DD1B1A-82FF-4B56-AEF1-FE0842228CF0}" type="parTrans" cxnId="{CC41468A-830F-42B2-8F1F-F7D9FBFA9027}">
+      <dgm:prSet/>
+      <dgm:spPr/>
+      <dgm:t>
+        <a:bodyPr/>
+        <a:lstStyle/>
+        <a:p>
+          <a:endParaRPr lang="en-US"/>
+        </a:p>
+      </dgm:t>
+    </dgm:pt>
+    <dgm:pt modelId="{8F254FBB-2C44-4CA5-9BDB-0488F054E1AC}" type="sibTrans" cxnId="{CC41468A-830F-42B2-8F1F-F7D9FBFA9027}">
+      <dgm:prSet/>
+      <dgm:spPr/>
+      <dgm:t>
+        <a:bodyPr/>
+        <a:lstStyle/>
+        <a:p>
+          <a:endParaRPr lang="en-US"/>
+        </a:p>
+      </dgm:t>
+    </dgm:pt>
+    <dgm:pt modelId="{2908C396-B149-412A-BA3C-2B131310FED7}">
+      <dgm:prSet phldrT="[Text]" phldr="1"/>
+      <dgm:spPr/>
+      <dgm:t>
+        <a:bodyPr/>
+        <a:lstStyle/>
+        <a:p>
+          <a:endParaRPr lang="en-US"/>
+        </a:p>
+      </dgm:t>
+    </dgm:pt>
+    <dgm:pt modelId="{E9E3082B-E8C0-4FD7-ADFD-FA691E74030C}" type="parTrans" cxnId="{A7399789-78AF-4972-86BB-0DEBE06DAEEB}">
+      <dgm:prSet/>
+      <dgm:spPr/>
+      <dgm:t>
+        <a:bodyPr/>
+        <a:lstStyle/>
+        <a:p>
+          <a:endParaRPr lang="en-US"/>
+        </a:p>
+      </dgm:t>
+    </dgm:pt>
+    <dgm:pt modelId="{F697D78B-7749-4CDD-AC6D-1B241AF4BC55}" type="sibTrans" cxnId="{A7399789-78AF-4972-86BB-0DEBE06DAEEB}">
+      <dgm:prSet/>
+      <dgm:spPr/>
+      <dgm:t>
+        <a:bodyPr/>
+        <a:lstStyle/>
+        <a:p>
+          <a:endParaRPr lang="en-US"/>
+        </a:p>
+      </dgm:t>
+    </dgm:pt>
+    <dgm:pt modelId="{5034EEC0-06C0-4F4F-97E1-F0F170493563}">
+      <dgm:prSet phldrT="[Text]" phldr="1"/>
+      <dgm:spPr/>
+      <dgm:t>
+        <a:bodyPr/>
+        <a:lstStyle/>
+        <a:p>
+          <a:endParaRPr lang="en-US"/>
+        </a:p>
+      </dgm:t>
+    </dgm:pt>
+    <dgm:pt modelId="{FA2C5317-5E77-4799-A0E0-7C4534480848}" type="parTrans" cxnId="{787CBED9-F017-4966-8A68-31C762891C78}">
+      <dgm:prSet/>
+      <dgm:spPr/>
+      <dgm:t>
+        <a:bodyPr/>
+        <a:lstStyle/>
+        <a:p>
+          <a:endParaRPr lang="en-US"/>
+        </a:p>
+      </dgm:t>
+    </dgm:pt>
+    <dgm:pt modelId="{C7BEEC8F-136B-42A1-969A-8308CFA01E14}" type="sibTrans" cxnId="{787CBED9-F017-4966-8A68-31C762891C78}">
+      <dgm:prSet/>
+      <dgm:spPr/>
+      <dgm:t>
+        <a:bodyPr/>
+        <a:lstStyle/>
+        <a:p>
+          <a:endParaRPr lang="en-US"/>
+        </a:p>
+      </dgm:t>
+    </dgm:pt>
+    <dgm:pt modelId="{F95CDDE7-EEC8-444F-93D7-B3405C8EF259}" type="pres">
+      <dgm:prSet presAssocID="{9AE0445E-4A5B-4840-BAC2-76ED608CFA97}" presName="Name0" presStyleCnt="0">
+        <dgm:presLayoutVars>
+          <dgm:chMax val="21"/>
+          <dgm:chPref val="21"/>
+        </dgm:presLayoutVars>
+      </dgm:prSet>
+      <dgm:spPr/>
+    </dgm:pt>
+    <dgm:pt modelId="{1ED00626-B731-4A96-949B-BE81C2C89E86}" type="pres">
+      <dgm:prSet presAssocID="{43F6A6DF-397F-4D75-8403-1AE33024C621}" presName="text1" presStyleCnt="0"/>
+      <dgm:spPr/>
+    </dgm:pt>
+    <dgm:pt modelId="{D2CD10B3-46BE-4741-9FEF-C65DAC604859}" type="pres">
+      <dgm:prSet presAssocID="{43F6A6DF-397F-4D75-8403-1AE33024C621}" presName="textRepeatNode" presStyleLbl="alignNode1" presStyleIdx="0" presStyleCnt="3">
+        <dgm:presLayoutVars>
+          <dgm:chMax val="0"/>
+          <dgm:chPref val="0"/>
+          <dgm:bulletEnabled val="1"/>
+        </dgm:presLayoutVars>
+      </dgm:prSet>
+      <dgm:spPr/>
+    </dgm:pt>
+    <dgm:pt modelId="{495F5BB6-BD99-4140-9518-D6936C3CAF34}" type="pres">
+      <dgm:prSet presAssocID="{43F6A6DF-397F-4D75-8403-1AE33024C621}" presName="textaccent1" presStyleCnt="0"/>
+      <dgm:spPr/>
+    </dgm:pt>
+    <dgm:pt modelId="{08F78666-9A76-4E45-8C11-AD33C0CB001F}" type="pres">
+      <dgm:prSet presAssocID="{43F6A6DF-397F-4D75-8403-1AE33024C621}" presName="accentRepeatNode" presStyleLbl="solidAlignAcc1" presStyleIdx="0" presStyleCnt="6"/>
+      <dgm:spPr/>
+    </dgm:pt>
+    <dgm:pt modelId="{35FBEB0B-FA71-40FE-A1F3-FB6E166D91BC}" type="pres">
+      <dgm:prSet presAssocID="{8F254FBB-2C44-4CA5-9BDB-0488F054E1AC}" presName="image1" presStyleCnt="0"/>
+      <dgm:spPr/>
+    </dgm:pt>
+    <dgm:pt modelId="{5D56FB90-858C-44CB-9570-D4D49D258982}" type="pres">
+      <dgm:prSet presAssocID="{8F254FBB-2C44-4CA5-9BDB-0488F054E1AC}" presName="imageRepeatNode" presStyleLbl="alignAcc1" presStyleIdx="0" presStyleCnt="3"/>
+      <dgm:spPr/>
+    </dgm:pt>
+    <dgm:pt modelId="{CADB0246-34D1-4D0A-B675-23C93494672A}" type="pres">
+      <dgm:prSet presAssocID="{8F254FBB-2C44-4CA5-9BDB-0488F054E1AC}" presName="imageaccent1" presStyleCnt="0"/>
+      <dgm:spPr/>
+    </dgm:pt>
+    <dgm:pt modelId="{B064956D-4E50-43CA-A209-4EC11ED05FCC}" type="pres">
+      <dgm:prSet presAssocID="{8F254FBB-2C44-4CA5-9BDB-0488F054E1AC}" presName="accentRepeatNode" presStyleLbl="solidAlignAcc1" presStyleIdx="1" presStyleCnt="6"/>
+      <dgm:spPr/>
+    </dgm:pt>
+    <dgm:pt modelId="{F204FE90-BD62-45CF-9391-A276BDB3CA29}" type="pres">
+      <dgm:prSet presAssocID="{2908C396-B149-412A-BA3C-2B131310FED7}" presName="text2" presStyleCnt="0"/>
+      <dgm:spPr/>
+    </dgm:pt>
+    <dgm:pt modelId="{3FECBF19-8C36-4E99-89B0-43164441E917}" type="pres">
+      <dgm:prSet presAssocID="{2908C396-B149-412A-BA3C-2B131310FED7}" presName="textRepeatNode" presStyleLbl="alignNode1" presStyleIdx="1" presStyleCnt="3">
+        <dgm:presLayoutVars>
+          <dgm:chMax val="0"/>
+          <dgm:chPref val="0"/>
+          <dgm:bulletEnabled val="1"/>
+        </dgm:presLayoutVars>
+      </dgm:prSet>
+      <dgm:spPr/>
+    </dgm:pt>
+    <dgm:pt modelId="{969E7AAD-CA60-43DB-9D11-BFC3A3053EE5}" type="pres">
+      <dgm:prSet presAssocID="{2908C396-B149-412A-BA3C-2B131310FED7}" presName="textaccent2" presStyleCnt="0"/>
+      <dgm:spPr/>
+    </dgm:pt>
+    <dgm:pt modelId="{D78053D0-1D05-406E-8C62-0E133078D378}" type="pres">
+      <dgm:prSet presAssocID="{2908C396-B149-412A-BA3C-2B131310FED7}" presName="accentRepeatNode" presStyleLbl="solidAlignAcc1" presStyleIdx="2" presStyleCnt="6"/>
+      <dgm:spPr/>
+    </dgm:pt>
+    <dgm:pt modelId="{44E47636-A1BB-43FD-AE64-4FFE5C96D652}" type="pres">
+      <dgm:prSet presAssocID="{F697D78B-7749-4CDD-AC6D-1B241AF4BC55}" presName="image2" presStyleCnt="0"/>
+      <dgm:spPr/>
+    </dgm:pt>
+    <dgm:pt modelId="{7F36A407-A85B-44C0-A6F0-052A89762BB1}" type="pres">
+      <dgm:prSet presAssocID="{F697D78B-7749-4CDD-AC6D-1B241AF4BC55}" presName="imageRepeatNode" presStyleLbl="alignAcc1" presStyleIdx="1" presStyleCnt="3"/>
+      <dgm:spPr/>
+    </dgm:pt>
+    <dgm:pt modelId="{03B4272F-8BE9-4DE2-B3E5-6EC3E81825D8}" type="pres">
+      <dgm:prSet presAssocID="{F697D78B-7749-4CDD-AC6D-1B241AF4BC55}" presName="imageaccent2" presStyleCnt="0"/>
+      <dgm:spPr/>
+    </dgm:pt>
+    <dgm:pt modelId="{52935A2B-E3C2-45EB-8A25-041F33F27638}" type="pres">
+      <dgm:prSet presAssocID="{F697D78B-7749-4CDD-AC6D-1B241AF4BC55}" presName="accentRepeatNode" presStyleLbl="solidAlignAcc1" presStyleIdx="3" presStyleCnt="6"/>
+      <dgm:spPr/>
+    </dgm:pt>
+    <dgm:pt modelId="{D86AD47C-A7D1-4987-BCF1-BA0F0159B91D}" type="pres">
+      <dgm:prSet presAssocID="{5034EEC0-06C0-4F4F-97E1-F0F170493563}" presName="text3" presStyleCnt="0"/>
+      <dgm:spPr/>
+    </dgm:pt>
+    <dgm:pt modelId="{E29EF608-4D0A-4B81-B2BD-0901522FBF14}" type="pres">
+      <dgm:prSet presAssocID="{5034EEC0-06C0-4F4F-97E1-F0F170493563}" presName="textRepeatNode" presStyleLbl="alignNode1" presStyleIdx="2" presStyleCnt="3">
+        <dgm:presLayoutVars>
+          <dgm:chMax val="0"/>
+          <dgm:chPref val="0"/>
+          <dgm:bulletEnabled val="1"/>
+        </dgm:presLayoutVars>
+      </dgm:prSet>
+      <dgm:spPr/>
+    </dgm:pt>
+    <dgm:pt modelId="{49B9955D-A70F-4736-AB44-DE394F5274C5}" type="pres">
+      <dgm:prSet presAssocID="{5034EEC0-06C0-4F4F-97E1-F0F170493563}" presName="textaccent3" presStyleCnt="0"/>
+      <dgm:spPr/>
+    </dgm:pt>
+    <dgm:pt modelId="{1042D419-6C83-4D62-9DE8-03755BEF833A}" type="pres">
+      <dgm:prSet presAssocID="{5034EEC0-06C0-4F4F-97E1-F0F170493563}" presName="accentRepeatNode" presStyleLbl="solidAlignAcc1" presStyleIdx="4" presStyleCnt="6"/>
+      <dgm:spPr/>
+    </dgm:pt>
+    <dgm:pt modelId="{47EEB0A1-A859-4F50-B3F3-E9F4B4B6F850}" type="pres">
+      <dgm:prSet presAssocID="{C7BEEC8F-136B-42A1-969A-8308CFA01E14}" presName="image3" presStyleCnt="0"/>
+      <dgm:spPr/>
+    </dgm:pt>
+    <dgm:pt modelId="{CEEB513E-452B-4401-8C64-B74DE8FEF050}" type="pres">
+      <dgm:prSet presAssocID="{C7BEEC8F-136B-42A1-969A-8308CFA01E14}" presName="imageRepeatNode" presStyleLbl="alignAcc1" presStyleIdx="2" presStyleCnt="3"/>
+      <dgm:spPr/>
+    </dgm:pt>
+    <dgm:pt modelId="{F186BA67-A384-44A7-A8B5-0A2FBA5DAC63}" type="pres">
+      <dgm:prSet presAssocID="{C7BEEC8F-136B-42A1-969A-8308CFA01E14}" presName="imageaccent3" presStyleCnt="0"/>
+      <dgm:spPr/>
+    </dgm:pt>
+    <dgm:pt modelId="{A16B1993-89BA-4A6B-AA8A-5C00BA72E8FF}" type="pres">
+      <dgm:prSet presAssocID="{C7BEEC8F-136B-42A1-969A-8308CFA01E14}" presName="accentRepeatNode" presStyleLbl="solidAlignAcc1" presStyleIdx="5" presStyleCnt="6"/>
+      <dgm:spPr/>
+    </dgm:pt>
+  </dgm:ptLst>
+  <dgm:cxnLst>
+    <dgm:cxn modelId="{CC41468A-830F-42B2-8F1F-F7D9FBFA9027}" srcId="{9AE0445E-4A5B-4840-BAC2-76ED608CFA97}" destId="{43F6A6DF-397F-4D75-8403-1AE33024C621}" srcOrd="0" destOrd="0" parTransId="{00DD1B1A-82FF-4B56-AEF1-FE0842228CF0}" sibTransId="{8F254FBB-2C44-4CA5-9BDB-0488F054E1AC}"/>
+    <dgm:cxn modelId="{1380509F-FF8B-4926-9829-F7B1E9F4AA2B}" type="presOf" srcId="{43F6A6DF-397F-4D75-8403-1AE33024C621}" destId="{D2CD10B3-46BE-4741-9FEF-C65DAC604859}" srcOrd="0" destOrd="0" presId="urn:microsoft.com/office/officeart/2008/layout/HexagonCluster"/>
+    <dgm:cxn modelId="{A7399789-78AF-4972-86BB-0DEBE06DAEEB}" srcId="{9AE0445E-4A5B-4840-BAC2-76ED608CFA97}" destId="{2908C396-B149-412A-BA3C-2B131310FED7}" srcOrd="1" destOrd="0" parTransId="{E9E3082B-E8C0-4FD7-ADFD-FA691E74030C}" sibTransId="{F697D78B-7749-4CDD-AC6D-1B241AF4BC55}"/>
+    <dgm:cxn modelId="{787CBED9-F017-4966-8A68-31C762891C78}" srcId="{9AE0445E-4A5B-4840-BAC2-76ED608CFA97}" destId="{5034EEC0-06C0-4F4F-97E1-F0F170493563}" srcOrd="2" destOrd="0" parTransId="{FA2C5317-5E77-4799-A0E0-7C4534480848}" sibTransId="{C7BEEC8F-136B-42A1-969A-8308CFA01E14}"/>
+    <dgm:cxn modelId="{18269FCD-523E-40A0-A1CD-8187DE147E6F}" type="presOf" srcId="{2908C396-B149-412A-BA3C-2B131310FED7}" destId="{3FECBF19-8C36-4E99-89B0-43164441E917}" srcOrd="0" destOrd="0" presId="urn:microsoft.com/office/officeart/2008/layout/HexagonCluster"/>
+    <dgm:cxn modelId="{C56C756F-1023-4A05-A566-0FD1545111FF}" type="presOf" srcId="{5034EEC0-06C0-4F4F-97E1-F0F170493563}" destId="{E29EF608-4D0A-4B81-B2BD-0901522FBF14}" srcOrd="0" destOrd="0" presId="urn:microsoft.com/office/officeart/2008/layout/HexagonCluster"/>
+    <dgm:cxn modelId="{1DACE8CC-4241-4485-B134-677C0EDD81D4}" type="presOf" srcId="{9AE0445E-4A5B-4840-BAC2-76ED608CFA97}" destId="{F95CDDE7-EEC8-444F-93D7-B3405C8EF259}" srcOrd="0" destOrd="0" presId="urn:microsoft.com/office/officeart/2008/layout/HexagonCluster"/>
+    <dgm:cxn modelId="{D53A7EA4-702F-48FA-ACC0-D4BFAEBE2A92}" type="presOf" srcId="{F697D78B-7749-4CDD-AC6D-1B241AF4BC55}" destId="{7F36A407-A85B-44C0-A6F0-052A89762BB1}" srcOrd="0" destOrd="0" presId="urn:microsoft.com/office/officeart/2008/layout/HexagonCluster"/>
+    <dgm:cxn modelId="{73394256-F4F5-42D3-B804-F22BBB56028E}" type="presOf" srcId="{8F254FBB-2C44-4CA5-9BDB-0488F054E1AC}" destId="{5D56FB90-858C-44CB-9570-D4D49D258982}" srcOrd="0" destOrd="0" presId="urn:microsoft.com/office/officeart/2008/layout/HexagonCluster"/>
+    <dgm:cxn modelId="{3F1BF23A-CA03-4B6F-A795-BD0007CB81F3}" type="presOf" srcId="{C7BEEC8F-136B-42A1-969A-8308CFA01E14}" destId="{CEEB513E-452B-4401-8C64-B74DE8FEF050}" srcOrd="0" destOrd="0" presId="urn:microsoft.com/office/officeart/2008/layout/HexagonCluster"/>
+    <dgm:cxn modelId="{43FCF205-C5BE-4FA9-BAE4-00E27D869948}" type="presParOf" srcId="{F95CDDE7-EEC8-444F-93D7-B3405C8EF259}" destId="{1ED00626-B731-4A96-949B-BE81C2C89E86}" srcOrd="0" destOrd="0" presId="urn:microsoft.com/office/officeart/2008/layout/HexagonCluster"/>
+    <dgm:cxn modelId="{D5D2524C-A175-4186-94FB-5026651E1C24}" type="presParOf" srcId="{1ED00626-B731-4A96-949B-BE81C2C89E86}" destId="{D2CD10B3-46BE-4741-9FEF-C65DAC604859}" srcOrd="0" destOrd="0" presId="urn:microsoft.com/office/officeart/2008/layout/HexagonCluster"/>
+    <dgm:cxn modelId="{DE06BA95-6FAF-4DD3-B544-3C0BC2AE8B69}" type="presParOf" srcId="{F95CDDE7-EEC8-444F-93D7-B3405C8EF259}" destId="{495F5BB6-BD99-4140-9518-D6936C3CAF34}" srcOrd="1" destOrd="0" presId="urn:microsoft.com/office/officeart/2008/layout/HexagonCluster"/>
+    <dgm:cxn modelId="{ABCA0034-8EDD-41B7-BE54-0C7B8E31FB07}" type="presParOf" srcId="{495F5BB6-BD99-4140-9518-D6936C3CAF34}" destId="{08F78666-9A76-4E45-8C11-AD33C0CB001F}" srcOrd="0" destOrd="0" presId="urn:microsoft.com/office/officeart/2008/layout/HexagonCluster"/>
+    <dgm:cxn modelId="{885946E0-FCBB-4799-AE4A-1E1885F0F1C4}" type="presParOf" srcId="{F95CDDE7-EEC8-444F-93D7-B3405C8EF259}" destId="{35FBEB0B-FA71-40FE-A1F3-FB6E166D91BC}" srcOrd="2" destOrd="0" presId="urn:microsoft.com/office/officeart/2008/layout/HexagonCluster"/>
+    <dgm:cxn modelId="{F3CF14EC-857F-436B-B50F-433CC00CD756}" type="presParOf" srcId="{35FBEB0B-FA71-40FE-A1F3-FB6E166D91BC}" destId="{5D56FB90-858C-44CB-9570-D4D49D258982}" srcOrd="0" destOrd="0" presId="urn:microsoft.com/office/officeart/2008/layout/HexagonCluster"/>
+    <dgm:cxn modelId="{A3A383B2-D299-4CF9-A20D-E7243EB5387D}" type="presParOf" srcId="{F95CDDE7-EEC8-444F-93D7-B3405C8EF259}" destId="{CADB0246-34D1-4D0A-B675-23C93494672A}" srcOrd="3" destOrd="0" presId="urn:microsoft.com/office/officeart/2008/layout/HexagonCluster"/>
+    <dgm:cxn modelId="{7F9391D6-0A78-470D-B7C1-A2F77392ECCB}" type="presParOf" srcId="{CADB0246-34D1-4D0A-B675-23C93494672A}" destId="{B064956D-4E50-43CA-A209-4EC11ED05FCC}" srcOrd="0" destOrd="0" presId="urn:microsoft.com/office/officeart/2008/layout/HexagonCluster"/>
+    <dgm:cxn modelId="{B071D126-4F1A-4799-B699-3703F2095802}" type="presParOf" srcId="{F95CDDE7-EEC8-444F-93D7-B3405C8EF259}" destId="{F204FE90-BD62-45CF-9391-A276BDB3CA29}" srcOrd="4" destOrd="0" presId="urn:microsoft.com/office/officeart/2008/layout/HexagonCluster"/>
+    <dgm:cxn modelId="{15ABA880-6095-42CF-A15B-8A71FCDC5A4F}" type="presParOf" srcId="{F204FE90-BD62-45CF-9391-A276BDB3CA29}" destId="{3FECBF19-8C36-4E99-89B0-43164441E917}" srcOrd="0" destOrd="0" presId="urn:microsoft.com/office/officeart/2008/layout/HexagonCluster"/>
+    <dgm:cxn modelId="{6E1996C9-05D0-4D35-9806-C450ED34457E}" type="presParOf" srcId="{F95CDDE7-EEC8-444F-93D7-B3405C8EF259}" destId="{969E7AAD-CA60-43DB-9D11-BFC3A3053EE5}" srcOrd="5" destOrd="0" presId="urn:microsoft.com/office/officeart/2008/layout/HexagonCluster"/>
+    <dgm:cxn modelId="{3F5FCE03-A2C2-49E4-A34F-26C9E8B8026E}" type="presParOf" srcId="{969E7AAD-CA60-43DB-9D11-BFC3A3053EE5}" destId="{D78053D0-1D05-406E-8C62-0E133078D378}" srcOrd="0" destOrd="0" presId="urn:microsoft.com/office/officeart/2008/layout/HexagonCluster"/>
+    <dgm:cxn modelId="{7C7A634B-F06D-4D99-9158-CEBEBC4A4372}" type="presParOf" srcId="{F95CDDE7-EEC8-444F-93D7-B3405C8EF259}" destId="{44E47636-A1BB-43FD-AE64-4FFE5C96D652}" srcOrd="6" destOrd="0" presId="urn:microsoft.com/office/officeart/2008/layout/HexagonCluster"/>
+    <dgm:cxn modelId="{C9D50344-3706-4161-B5B4-CF48C24D2587}" type="presParOf" srcId="{44E47636-A1BB-43FD-AE64-4FFE5C96D652}" destId="{7F36A407-A85B-44C0-A6F0-052A89762BB1}" srcOrd="0" destOrd="0" presId="urn:microsoft.com/office/officeart/2008/layout/HexagonCluster"/>
+    <dgm:cxn modelId="{A8A266D8-3D42-467F-87F7-636406F439D6}" type="presParOf" srcId="{F95CDDE7-EEC8-444F-93D7-B3405C8EF259}" destId="{03B4272F-8BE9-4DE2-B3E5-6EC3E81825D8}" srcOrd="7" destOrd="0" presId="urn:microsoft.com/office/officeart/2008/layout/HexagonCluster"/>
+    <dgm:cxn modelId="{BB145609-49B9-4BDE-9370-D0E2F64D96D4}" type="presParOf" srcId="{03B4272F-8BE9-4DE2-B3E5-6EC3E81825D8}" destId="{52935A2B-E3C2-45EB-8A25-041F33F27638}" srcOrd="0" destOrd="0" presId="urn:microsoft.com/office/officeart/2008/layout/HexagonCluster"/>
+    <dgm:cxn modelId="{95F5C43C-ED3B-4475-9183-7DFD65839722}" type="presParOf" srcId="{F95CDDE7-EEC8-444F-93D7-B3405C8EF259}" destId="{D86AD47C-A7D1-4987-BCF1-BA0F0159B91D}" srcOrd="8" destOrd="0" presId="urn:microsoft.com/office/officeart/2008/layout/HexagonCluster"/>
+    <dgm:cxn modelId="{048010A2-5B3B-48CF-8C72-F423702070EF}" type="presParOf" srcId="{D86AD47C-A7D1-4987-BCF1-BA0F0159B91D}" destId="{E29EF608-4D0A-4B81-B2BD-0901522FBF14}" srcOrd="0" destOrd="0" presId="urn:microsoft.com/office/officeart/2008/layout/HexagonCluster"/>
+    <dgm:cxn modelId="{FB13BE74-0C46-44AA-8477-21973A87BADA}" type="presParOf" srcId="{F95CDDE7-EEC8-444F-93D7-B3405C8EF259}" destId="{49B9955D-A70F-4736-AB44-DE394F5274C5}" srcOrd="9" destOrd="0" presId="urn:microsoft.com/office/officeart/2008/layout/HexagonCluster"/>
+    <dgm:cxn modelId="{EB32B4F3-9352-400B-8634-D3097107C64A}" type="presParOf" srcId="{49B9955D-A70F-4736-AB44-DE394F5274C5}" destId="{1042D419-6C83-4D62-9DE8-03755BEF833A}" srcOrd="0" destOrd="0" presId="urn:microsoft.com/office/officeart/2008/layout/HexagonCluster"/>
+    <dgm:cxn modelId="{D72BB6CB-5C1C-4F3D-AEF7-428EEC16DC65}" type="presParOf" srcId="{F95CDDE7-EEC8-444F-93D7-B3405C8EF259}" destId="{47EEB0A1-A859-4F50-B3F3-E9F4B4B6F850}" srcOrd="10" destOrd="0" presId="urn:microsoft.com/office/officeart/2008/layout/HexagonCluster"/>
+    <dgm:cxn modelId="{357AD88C-0AE1-4802-86B9-D93813172775}" type="presParOf" srcId="{47EEB0A1-A859-4F50-B3F3-E9F4B4B6F850}" destId="{CEEB513E-452B-4401-8C64-B74DE8FEF050}" srcOrd="0" destOrd="0" presId="urn:microsoft.com/office/officeart/2008/layout/HexagonCluster"/>
+    <dgm:cxn modelId="{0125A58F-6177-43C3-A5E6-177C85ED5FDB}" type="presParOf" srcId="{F95CDDE7-EEC8-444F-93D7-B3405C8EF259}" destId="{F186BA67-A384-44A7-A8B5-0A2FBA5DAC63}" srcOrd="11" destOrd="0" presId="urn:microsoft.com/office/officeart/2008/layout/HexagonCluster"/>
+    <dgm:cxn modelId="{8316B532-A47D-49EE-8739-72C13606F1B4}" type="presParOf" srcId="{F186BA67-A384-44A7-A8B5-0A2FBA5DAC63}" destId="{A16B1993-89BA-4A6B-AA8A-5C00BA72E8FF}" srcOrd="0" destOrd="0" presId="urn:microsoft.com/office/officeart/2008/layout/HexagonCluster"/>
+  </dgm:cxnLst>
+  <dgm:bg/>
+  <dgm:whole/>
+  <dgm:extLst>
+    <a:ext uri="http://schemas.microsoft.com/office/drawing/2008/diagram">
+      <dsp:dataModelExt xmlns:dsp="http://schemas.microsoft.com/office/drawing/2008/diagram" relId="rId6" minVer="http://schemas.openxmlformats.org/drawingml/2006/diagram"/>
+    </a:ext>
+    <a:ext uri="{C62137D5-CB1D-491B-B009-E17868A290BF}">
+      <dgm14:recolorImg xmlns:dgm14="http://schemas.microsoft.com/office/drawing/2010/diagram" val="1"/>
+    </a:ext>
+  </dgm:extLst>
+</dgm:dataModel>
+</file>
+
+<file path=ppt/diagrams/drawing1.xml><?xml version="1.0" encoding="utf-8"?>
+<dsp:drawing xmlns:dgm="http://schemas.openxmlformats.org/drawingml/2006/diagram" xmlns:dsp="http://schemas.microsoft.com/office/drawing/2008/diagram" xmlns:a="http://schemas.openxmlformats.org/drawingml/2006/main">
+  <dsp:spTree>
+    <dsp:nvGrpSpPr>
+      <dsp:cNvPr id="0" name=""/>
+      <dsp:cNvGrpSpPr/>
+    </dsp:nvGrpSpPr>
+    <dsp:grpSpPr/>
+    <dsp:sp modelId="{D2CD10B3-46BE-4741-9FEF-C65DAC604859}">
+      <dsp:nvSpPr>
+        <dsp:cNvPr id="0" name=""/>
+        <dsp:cNvSpPr/>
+      </dsp:nvSpPr>
+      <dsp:spPr>
+        <a:xfrm>
+          <a:off x="1858911" y="3233425"/>
+          <a:ext cx="2174663" cy="1874939"/>
+        </a:xfrm>
+        <a:prstGeom prst="hexagon">
+          <a:avLst>
+            <a:gd name="adj" fmla="val 25000"/>
+            <a:gd name="vf" fmla="val 115470"/>
+          </a:avLst>
+        </a:prstGeom>
+        <a:blipFill rotWithShape="0">
+          <a:blip xmlns:r="http://schemas.openxmlformats.org/officeDocument/2006/relationships" r:embed="rId1">
+            <a:duotone>
+              <a:schemeClr val="lt1">
+                <a:hueOff val="0"/>
+                <a:satOff val="0"/>
+                <a:lumOff val="0"/>
+                <a:alphaOff val="0"/>
+                <a:shade val="20000"/>
+                <a:satMod val="200000"/>
+              </a:schemeClr>
+              <a:schemeClr val="lt1">
+                <a:hueOff val="0"/>
+                <a:satOff val="0"/>
+                <a:lumOff val="0"/>
+                <a:alphaOff val="0"/>
+                <a:tint val="12000"/>
+                <a:satMod val="190000"/>
+              </a:schemeClr>
+            </a:duotone>
+          </a:blip>
+          <a:tile tx="0" ty="0" sx="60000" sy="59000" flip="none" algn="tl"/>
+        </a:blipFill>
+        <a:ln>
+          <a:noFill/>
+        </a:ln>
+        <a:effectLst>
+          <a:softEdge rad="12700"/>
+        </a:effectLst>
+        <a:scene3d>
+          <a:camera prst="orthographicFront"/>
+          <a:lightRig rig="threePt" dir="t">
+            <a:rot lat="0" lon="0" rev="7500000"/>
+          </a:lightRig>
+        </a:scene3d>
+        <a:sp3d prstMaterial="plastic">
+          <a:bevelT w="127000" h="25400" prst="relaxedInset"/>
+        </a:sp3d>
+      </dsp:spPr>
+      <dsp:style>
+        <a:lnRef idx="0">
+          <a:scrgbClr r="0" g="0" b="0"/>
+        </a:lnRef>
+        <a:fillRef idx="3">
+          <a:scrgbClr r="0" g="0" b="0"/>
+        </a:fillRef>
+        <a:effectRef idx="2">
+          <a:scrgbClr r="0" g="0" b="0"/>
+        </a:effectRef>
+        <a:fontRef idx="minor">
+          <a:schemeClr val="lt1"/>
+        </a:fontRef>
+      </dsp:style>
+      <dsp:txBody>
+        <a:bodyPr spcFirstLastPara="0" vert="horz" wrap="square" lIns="0" tIns="54610" rIns="0" bIns="54610" numCol="1" spcCol="1270" anchor="ctr" anchorCtr="0">
+          <a:noAutofit/>
+        </a:bodyPr>
+        <a:lstStyle/>
+        <a:p>
+          <a:pPr lvl="0" algn="ctr" defTabSz="1911350">
+            <a:lnSpc>
+              <a:spcPct val="90000"/>
+            </a:lnSpc>
+            <a:spcBef>
+              <a:spcPct val="0"/>
+            </a:spcBef>
+            <a:spcAft>
+              <a:spcPct val="35000"/>
+            </a:spcAft>
+          </a:pPr>
+          <a:endParaRPr lang="en-US" sz="4300" kern="1200"/>
+        </a:p>
+      </dsp:txBody>
+      <dsp:txXfrm>
+        <a:off x="2196378" y="3524380"/>
+        <a:ext cx="1499729" cy="1293029"/>
+      </dsp:txXfrm>
+    </dsp:sp>
+    <dsp:sp modelId="{08F78666-9A76-4E45-8C11-AD33C0CB001F}">
+      <dsp:nvSpPr>
+        <dsp:cNvPr id="0" name=""/>
+        <dsp:cNvSpPr/>
+      </dsp:nvSpPr>
+      <dsp:spPr>
+        <a:xfrm>
+          <a:off x="1915406" y="4061172"/>
+          <a:ext cx="254613" cy="219444"/>
+        </a:xfrm>
+        <a:prstGeom prst="hexagon">
+          <a:avLst>
+            <a:gd name="adj" fmla="val 25000"/>
+            <a:gd name="vf" fmla="val 115470"/>
+          </a:avLst>
+        </a:prstGeom>
+        <a:solidFill>
+          <a:schemeClr val="lt1">
+            <a:hueOff val="0"/>
+            <a:satOff val="0"/>
+            <a:lumOff val="0"/>
+            <a:alphaOff val="0"/>
+          </a:schemeClr>
+        </a:solidFill>
+        <a:ln w="6350" cap="flat" cmpd="sng" algn="ctr">
+          <a:solidFill>
+            <a:schemeClr val="accent1">
+              <a:hueOff val="0"/>
+              <a:satOff val="0"/>
+              <a:lumOff val="0"/>
+              <a:alphaOff val="0"/>
+            </a:schemeClr>
+          </a:solidFill>
+          <a:prstDash val="solid"/>
+        </a:ln>
+        <a:effectLst>
+          <a:softEdge rad="12700"/>
+        </a:effectLst>
+        <a:scene3d>
+          <a:camera prst="orthographicFront"/>
+          <a:lightRig rig="threePt" dir="t">
+            <a:rot lat="0" lon="0" rev="7500000"/>
+          </a:lightRig>
+        </a:scene3d>
+        <a:sp3d extrusionH="190500" prstMaterial="dkEdge">
+          <a:bevelT w="120650" h="38100" prst="relaxedInset"/>
+          <a:contourClr>
+            <a:schemeClr val="bg1"/>
+          </a:contourClr>
+        </a:sp3d>
+      </dsp:spPr>
+      <dsp:style>
+        <a:lnRef idx="1">
+          <a:scrgbClr r="0" g="0" b="0"/>
+        </a:lnRef>
+        <a:fillRef idx="1">
+          <a:scrgbClr r="0" g="0" b="0"/>
+        </a:fillRef>
+        <a:effectRef idx="2">
+          <a:scrgbClr r="0" g="0" b="0"/>
+        </a:effectRef>
+        <a:fontRef idx="minor"/>
+      </dsp:style>
+    </dsp:sp>
+    <dsp:sp modelId="{5D56FB90-858C-44CB-9570-D4D49D258982}">
+      <dsp:nvSpPr>
+        <dsp:cNvPr id="0" name=""/>
+        <dsp:cNvSpPr/>
+      </dsp:nvSpPr>
+      <dsp:spPr>
+        <a:xfrm>
+          <a:off x="0" y="2226357"/>
+          <a:ext cx="2174663" cy="1874939"/>
+        </a:xfrm>
+        <a:prstGeom prst="hexagon">
+          <a:avLst>
+            <a:gd name="adj" fmla="val 25000"/>
+            <a:gd name="vf" fmla="val 115470"/>
+          </a:avLst>
+        </a:prstGeom>
+        <a:solidFill>
+          <a:schemeClr val="accent1">
+            <a:alpha val="90000"/>
+            <a:tint val="40000"/>
+            <a:hueOff val="0"/>
+            <a:satOff val="0"/>
+            <a:lumOff val="0"/>
+            <a:alphaOff val="0"/>
+          </a:schemeClr>
+        </a:solidFill>
+        <a:ln w="6350" cap="flat" cmpd="sng" algn="ctr">
+          <a:solidFill>
+            <a:schemeClr val="accent1">
+              <a:hueOff val="0"/>
+              <a:satOff val="0"/>
+              <a:lumOff val="0"/>
+              <a:alphaOff val="0"/>
+            </a:schemeClr>
+          </a:solidFill>
+          <a:prstDash val="solid"/>
+        </a:ln>
+        <a:effectLst>
+          <a:softEdge rad="12700"/>
+        </a:effectLst>
+        <a:scene3d>
+          <a:camera prst="orthographicFront"/>
+          <a:lightRig rig="threePt" dir="t">
+            <a:rot lat="0" lon="0" rev="7500000"/>
+          </a:lightRig>
+        </a:scene3d>
+        <a:sp3d extrusionH="190500" prstMaterial="dkEdge">
+          <a:bevelT w="135400" h="16350" prst="relaxedInset"/>
+          <a:contourClr>
+            <a:schemeClr val="bg1"/>
+          </a:contourClr>
+        </a:sp3d>
+      </dsp:spPr>
+      <dsp:style>
+        <a:lnRef idx="1">
+          <a:scrgbClr r="0" g="0" b="0"/>
+        </a:lnRef>
+        <a:fillRef idx="1">
+          <a:scrgbClr r="0" g="0" b="0"/>
+        </a:fillRef>
+        <a:effectRef idx="2">
+          <a:scrgbClr r="0" g="0" b="0"/>
+        </a:effectRef>
+        <a:fontRef idx="minor"/>
+      </dsp:style>
+    </dsp:sp>
+    <dsp:sp modelId="{B064956D-4E50-43CA-A209-4EC11ED05FCC}">
+      <dsp:nvSpPr>
+        <dsp:cNvPr id="0" name=""/>
+        <dsp:cNvSpPr/>
+      </dsp:nvSpPr>
+      <dsp:spPr>
+        <a:xfrm>
+          <a:off x="1480473" y="3853616"/>
+          <a:ext cx="254613" cy="219444"/>
+        </a:xfrm>
+        <a:prstGeom prst="hexagon">
+          <a:avLst>
+            <a:gd name="adj" fmla="val 25000"/>
+            <a:gd name="vf" fmla="val 115470"/>
+          </a:avLst>
+        </a:prstGeom>
+        <a:solidFill>
+          <a:schemeClr val="lt1">
+            <a:hueOff val="0"/>
+            <a:satOff val="0"/>
+            <a:lumOff val="0"/>
+            <a:alphaOff val="0"/>
+          </a:schemeClr>
+        </a:solidFill>
+        <a:ln w="6350" cap="flat" cmpd="sng" algn="ctr">
+          <a:solidFill>
+            <a:schemeClr val="accent1">
+              <a:hueOff val="0"/>
+              <a:satOff val="0"/>
+              <a:lumOff val="0"/>
+              <a:alphaOff val="0"/>
+            </a:schemeClr>
+          </a:solidFill>
+          <a:prstDash val="solid"/>
+        </a:ln>
+        <a:effectLst>
+          <a:softEdge rad="12700"/>
+        </a:effectLst>
+        <a:scene3d>
+          <a:camera prst="orthographicFront"/>
+          <a:lightRig rig="threePt" dir="t">
+            <a:rot lat="0" lon="0" rev="7500000"/>
+          </a:lightRig>
+        </a:scene3d>
+        <a:sp3d extrusionH="190500" prstMaterial="dkEdge">
+          <a:bevelT w="120650" h="38100" prst="relaxedInset"/>
+          <a:contourClr>
+            <a:schemeClr val="bg1"/>
+          </a:contourClr>
+        </a:sp3d>
+      </dsp:spPr>
+      <dsp:style>
+        <a:lnRef idx="1">
+          <a:scrgbClr r="0" g="0" b="0"/>
+        </a:lnRef>
+        <a:fillRef idx="1">
+          <a:scrgbClr r="0" g="0" b="0"/>
+        </a:fillRef>
+        <a:effectRef idx="2">
+          <a:scrgbClr r="0" g="0" b="0"/>
+        </a:effectRef>
+        <a:fontRef idx="minor"/>
+      </dsp:style>
+    </dsp:sp>
+    <dsp:sp modelId="{3FECBF19-8C36-4E99-89B0-43164441E917}">
+      <dsp:nvSpPr>
+        <dsp:cNvPr id="0" name=""/>
+        <dsp:cNvSpPr/>
+      </dsp:nvSpPr>
+      <dsp:spPr>
+        <a:xfrm>
+          <a:off x="3711632" y="2204065"/>
+          <a:ext cx="2174663" cy="1874939"/>
+        </a:xfrm>
+        <a:prstGeom prst="hexagon">
+          <a:avLst>
+            <a:gd name="adj" fmla="val 25000"/>
+            <a:gd name="vf" fmla="val 115470"/>
+          </a:avLst>
+        </a:prstGeom>
+        <a:blipFill rotWithShape="0">
+          <a:blip xmlns:r="http://schemas.openxmlformats.org/officeDocument/2006/relationships" r:embed="rId1">
+            <a:duotone>
+              <a:schemeClr val="lt1">
+                <a:hueOff val="0"/>
+                <a:satOff val="0"/>
+                <a:lumOff val="0"/>
+                <a:alphaOff val="0"/>
+                <a:shade val="20000"/>
+                <a:satMod val="200000"/>
+              </a:schemeClr>
+              <a:schemeClr val="lt1">
+                <a:hueOff val="0"/>
+                <a:satOff val="0"/>
+                <a:lumOff val="0"/>
+                <a:alphaOff val="0"/>
+                <a:tint val="12000"/>
+                <a:satMod val="190000"/>
+              </a:schemeClr>
+            </a:duotone>
+          </a:blip>
+          <a:tile tx="0" ty="0" sx="60000" sy="59000" flip="none" algn="tl"/>
+        </a:blipFill>
+        <a:ln>
+          <a:noFill/>
+        </a:ln>
+        <a:effectLst>
+          <a:softEdge rad="12700"/>
+        </a:effectLst>
+        <a:scene3d>
+          <a:camera prst="orthographicFront"/>
+          <a:lightRig rig="threePt" dir="t">
+            <a:rot lat="0" lon="0" rev="7500000"/>
+          </a:lightRig>
+        </a:scene3d>
+        <a:sp3d prstMaterial="plastic">
+          <a:bevelT w="127000" h="25400" prst="relaxedInset"/>
+        </a:sp3d>
+      </dsp:spPr>
+      <dsp:style>
+        <a:lnRef idx="0">
+          <a:scrgbClr r="0" g="0" b="0"/>
+        </a:lnRef>
+        <a:fillRef idx="3">
+          <a:scrgbClr r="0" g="0" b="0"/>
+        </a:fillRef>
+        <a:effectRef idx="2">
+          <a:scrgbClr r="0" g="0" b="0"/>
+        </a:effectRef>
+        <a:fontRef idx="minor">
+          <a:schemeClr val="lt1"/>
+        </a:fontRef>
+      </dsp:style>
+      <dsp:txBody>
+        <a:bodyPr spcFirstLastPara="0" vert="horz" wrap="square" lIns="0" tIns="54610" rIns="0" bIns="54610" numCol="1" spcCol="1270" anchor="ctr" anchorCtr="0">
+          <a:noAutofit/>
+        </a:bodyPr>
+        <a:lstStyle/>
+        <a:p>
+          <a:pPr lvl="0" algn="ctr" defTabSz="1911350">
+            <a:lnSpc>
+              <a:spcPct val="90000"/>
+            </a:lnSpc>
+            <a:spcBef>
+              <a:spcPct val="0"/>
+            </a:spcBef>
+            <a:spcAft>
+              <a:spcPct val="35000"/>
+            </a:spcAft>
+          </a:pPr>
+          <a:endParaRPr lang="en-US" sz="4300" kern="1200"/>
+        </a:p>
+      </dsp:txBody>
+      <dsp:txXfrm>
+        <a:off x="4049099" y="2495020"/>
+        <a:ext cx="1499729" cy="1293029"/>
+      </dsp:txXfrm>
+    </dsp:sp>
+    <dsp:sp modelId="{D78053D0-1D05-406E-8C62-0E133078D378}">
+      <dsp:nvSpPr>
+        <dsp:cNvPr id="0" name=""/>
+        <dsp:cNvSpPr/>
+      </dsp:nvSpPr>
+      <dsp:spPr>
+        <a:xfrm>
+          <a:off x="5198297" y="3829343"/>
+          <a:ext cx="254613" cy="219444"/>
+        </a:xfrm>
+        <a:prstGeom prst="hexagon">
+          <a:avLst>
+            <a:gd name="adj" fmla="val 25000"/>
+            <a:gd name="vf" fmla="val 115470"/>
+          </a:avLst>
+        </a:prstGeom>
+        <a:solidFill>
+          <a:schemeClr val="lt1">
+            <a:hueOff val="0"/>
+            <a:satOff val="0"/>
+            <a:lumOff val="0"/>
+            <a:alphaOff val="0"/>
+          </a:schemeClr>
+        </a:solidFill>
+        <a:ln w="6350" cap="flat" cmpd="sng" algn="ctr">
+          <a:solidFill>
+            <a:schemeClr val="accent1">
+              <a:hueOff val="0"/>
+              <a:satOff val="0"/>
+              <a:lumOff val="0"/>
+              <a:alphaOff val="0"/>
+            </a:schemeClr>
+          </a:solidFill>
+          <a:prstDash val="solid"/>
+        </a:ln>
+        <a:effectLst>
+          <a:softEdge rad="12700"/>
+        </a:effectLst>
+        <a:scene3d>
+          <a:camera prst="orthographicFront"/>
+          <a:lightRig rig="threePt" dir="t">
+            <a:rot lat="0" lon="0" rev="7500000"/>
+          </a:lightRig>
+        </a:scene3d>
+        <a:sp3d extrusionH="190500" prstMaterial="dkEdge">
+          <a:bevelT w="120650" h="38100" prst="relaxedInset"/>
+          <a:contourClr>
+            <a:schemeClr val="bg1"/>
+          </a:contourClr>
+        </a:sp3d>
+      </dsp:spPr>
+      <dsp:style>
+        <a:lnRef idx="1">
+          <a:scrgbClr r="0" g="0" b="0"/>
+        </a:lnRef>
+        <a:fillRef idx="1">
+          <a:scrgbClr r="0" g="0" b="0"/>
+        </a:fillRef>
+        <a:effectRef idx="2">
+          <a:scrgbClr r="0" g="0" b="0"/>
+        </a:effectRef>
+        <a:fontRef idx="minor"/>
+      </dsp:style>
+    </dsp:sp>
+    <dsp:sp modelId="{7F36A407-A85B-44C0-A6F0-052A89762BB1}">
+      <dsp:nvSpPr>
+        <dsp:cNvPr id="0" name=""/>
+        <dsp:cNvSpPr/>
+      </dsp:nvSpPr>
+      <dsp:spPr>
+        <a:xfrm>
+          <a:off x="5564353" y="3233425"/>
+          <a:ext cx="2174663" cy="1874939"/>
+        </a:xfrm>
+        <a:prstGeom prst="hexagon">
+          <a:avLst>
+            <a:gd name="adj" fmla="val 25000"/>
+            <a:gd name="vf" fmla="val 115470"/>
+          </a:avLst>
+        </a:prstGeom>
+        <a:solidFill>
+          <a:schemeClr val="accent1">
+            <a:alpha val="90000"/>
+            <a:tint val="40000"/>
+            <a:hueOff val="0"/>
+            <a:satOff val="0"/>
+            <a:lumOff val="0"/>
+            <a:alphaOff val="0"/>
+          </a:schemeClr>
+        </a:solidFill>
+        <a:ln w="6350" cap="flat" cmpd="sng" algn="ctr">
+          <a:solidFill>
+            <a:schemeClr val="accent1">
+              <a:hueOff val="0"/>
+              <a:satOff val="0"/>
+              <a:lumOff val="0"/>
+              <a:alphaOff val="0"/>
+            </a:schemeClr>
+          </a:solidFill>
+          <a:prstDash val="solid"/>
+        </a:ln>
+        <a:effectLst>
+          <a:softEdge rad="12700"/>
+        </a:effectLst>
+        <a:scene3d>
+          <a:camera prst="orthographicFront"/>
+          <a:lightRig rig="threePt" dir="t">
+            <a:rot lat="0" lon="0" rev="7500000"/>
+          </a:lightRig>
+        </a:scene3d>
+        <a:sp3d extrusionH="190500" prstMaterial="dkEdge">
+          <a:bevelT w="135400" h="16350" prst="relaxedInset"/>
+          <a:contourClr>
+            <a:schemeClr val="bg1"/>
+          </a:contourClr>
+        </a:sp3d>
+      </dsp:spPr>
+      <dsp:style>
+        <a:lnRef idx="1">
+          <a:scrgbClr r="0" g="0" b="0"/>
+        </a:lnRef>
+        <a:fillRef idx="1">
+          <a:scrgbClr r="0" g="0" b="0"/>
+        </a:fillRef>
+        <a:effectRef idx="2">
+          <a:scrgbClr r="0" g="0" b="0"/>
+        </a:effectRef>
+        <a:fontRef idx="minor"/>
+      </dsp:style>
+    </dsp:sp>
+    <dsp:sp modelId="{52935A2B-E3C2-45EB-8A25-041F33F27638}">
+      <dsp:nvSpPr>
+        <dsp:cNvPr id="0" name=""/>
+        <dsp:cNvSpPr/>
+      </dsp:nvSpPr>
+      <dsp:spPr>
+        <a:xfrm>
+          <a:off x="5620848" y="4061172"/>
+          <a:ext cx="254613" cy="219444"/>
+        </a:xfrm>
+        <a:prstGeom prst="hexagon">
+          <a:avLst>
+            <a:gd name="adj" fmla="val 25000"/>
+            <a:gd name="vf" fmla="val 115470"/>
+          </a:avLst>
+        </a:prstGeom>
+        <a:solidFill>
+          <a:schemeClr val="lt1">
+            <a:hueOff val="0"/>
+            <a:satOff val="0"/>
+            <a:lumOff val="0"/>
+            <a:alphaOff val="0"/>
+          </a:schemeClr>
+        </a:solidFill>
+        <a:ln w="6350" cap="flat" cmpd="sng" algn="ctr">
+          <a:solidFill>
+            <a:schemeClr val="accent1">
+              <a:hueOff val="0"/>
+              <a:satOff val="0"/>
+              <a:lumOff val="0"/>
+              <a:alphaOff val="0"/>
+            </a:schemeClr>
+          </a:solidFill>
+          <a:prstDash val="solid"/>
+        </a:ln>
+        <a:effectLst>
+          <a:softEdge rad="12700"/>
+        </a:effectLst>
+        <a:scene3d>
+          <a:camera prst="orthographicFront"/>
+          <a:lightRig rig="threePt" dir="t">
+            <a:rot lat="0" lon="0" rev="7500000"/>
+          </a:lightRig>
+        </a:scene3d>
+        <a:sp3d extrusionH="190500" prstMaterial="dkEdge">
+          <a:bevelT w="120650" h="38100" prst="relaxedInset"/>
+          <a:contourClr>
+            <a:schemeClr val="bg1"/>
+          </a:contourClr>
+        </a:sp3d>
+      </dsp:spPr>
+      <dsp:style>
+        <a:lnRef idx="1">
+          <a:scrgbClr r="0" g="0" b="0"/>
+        </a:lnRef>
+        <a:fillRef idx="1">
+          <a:scrgbClr r="0" g="0" b="0"/>
+        </a:fillRef>
+        <a:effectRef idx="2">
+          <a:scrgbClr r="0" g="0" b="0"/>
+        </a:effectRef>
+        <a:fontRef idx="minor"/>
+      </dsp:style>
+    </dsp:sp>
+    <dsp:sp modelId="{E29EF608-4D0A-4B81-B2BD-0901522FBF14}">
+      <dsp:nvSpPr>
+        <dsp:cNvPr id="0" name=""/>
+        <dsp:cNvSpPr/>
+      </dsp:nvSpPr>
+      <dsp:spPr>
+        <a:xfrm>
+          <a:off x="1858911" y="1179165"/>
+          <a:ext cx="2174663" cy="1874939"/>
+        </a:xfrm>
+        <a:prstGeom prst="hexagon">
+          <a:avLst>
+            <a:gd name="adj" fmla="val 25000"/>
+            <a:gd name="vf" fmla="val 115470"/>
+          </a:avLst>
+        </a:prstGeom>
+        <a:blipFill rotWithShape="0">
+          <a:blip xmlns:r="http://schemas.openxmlformats.org/officeDocument/2006/relationships" r:embed="rId1">
+            <a:duotone>
+              <a:schemeClr val="lt1">
+                <a:hueOff val="0"/>
+                <a:satOff val="0"/>
+                <a:lumOff val="0"/>
+                <a:alphaOff val="0"/>
+                <a:shade val="20000"/>
+                <a:satMod val="200000"/>
+              </a:schemeClr>
+              <a:schemeClr val="lt1">
+                <a:hueOff val="0"/>
+                <a:satOff val="0"/>
+                <a:lumOff val="0"/>
+                <a:alphaOff val="0"/>
+                <a:tint val="12000"/>
+                <a:satMod val="190000"/>
+              </a:schemeClr>
+            </a:duotone>
+          </a:blip>
+          <a:tile tx="0" ty="0" sx="60000" sy="59000" flip="none" algn="tl"/>
+        </a:blipFill>
+        <a:ln>
+          <a:noFill/>
+        </a:ln>
+        <a:effectLst>
+          <a:softEdge rad="12700"/>
+        </a:effectLst>
+        <a:scene3d>
+          <a:camera prst="orthographicFront"/>
+          <a:lightRig rig="threePt" dir="t">
+            <a:rot lat="0" lon="0" rev="7500000"/>
+          </a:lightRig>
+        </a:scene3d>
+        <a:sp3d prstMaterial="plastic">
+          <a:bevelT w="127000" h="25400" prst="relaxedInset"/>
+        </a:sp3d>
+      </dsp:spPr>
+      <dsp:style>
+        <a:lnRef idx="0">
+          <a:scrgbClr r="0" g="0" b="0"/>
+        </a:lnRef>
+        <a:fillRef idx="3">
+          <a:scrgbClr r="0" g="0" b="0"/>
+        </a:fillRef>
+        <a:effectRef idx="2">
+          <a:scrgbClr r="0" g="0" b="0"/>
+        </a:effectRef>
+        <a:fontRef idx="minor">
+          <a:schemeClr val="lt1"/>
+        </a:fontRef>
+      </dsp:style>
+      <dsp:txBody>
+        <a:bodyPr spcFirstLastPara="0" vert="horz" wrap="square" lIns="0" tIns="54610" rIns="0" bIns="54610" numCol="1" spcCol="1270" anchor="ctr" anchorCtr="0">
+          <a:noAutofit/>
+        </a:bodyPr>
+        <a:lstStyle/>
+        <a:p>
+          <a:pPr lvl="0" algn="ctr" defTabSz="1911350">
+            <a:lnSpc>
+              <a:spcPct val="90000"/>
+            </a:lnSpc>
+            <a:spcBef>
+              <a:spcPct val="0"/>
+            </a:spcBef>
+            <a:spcAft>
+              <a:spcPct val="35000"/>
+            </a:spcAft>
+          </a:pPr>
+          <a:endParaRPr lang="en-US" sz="4300" kern="1200"/>
+        </a:p>
+      </dsp:txBody>
+      <dsp:txXfrm>
+        <a:off x="2196378" y="1470120"/>
+        <a:ext cx="1499729" cy="1293029"/>
+      </dsp:txXfrm>
+    </dsp:sp>
+    <dsp:sp modelId="{1042D419-6C83-4D62-9DE8-03755BEF833A}">
+      <dsp:nvSpPr>
+        <dsp:cNvPr id="0" name=""/>
+        <dsp:cNvSpPr/>
+      </dsp:nvSpPr>
+      <dsp:spPr>
+        <a:xfrm>
+          <a:off x="3333194" y="1219784"/>
+          <a:ext cx="254613" cy="219444"/>
+        </a:xfrm>
+        <a:prstGeom prst="hexagon">
+          <a:avLst>
+            <a:gd name="adj" fmla="val 25000"/>
+            <a:gd name="vf" fmla="val 115470"/>
+          </a:avLst>
+        </a:prstGeom>
+        <a:solidFill>
+          <a:schemeClr val="lt1">
+            <a:hueOff val="0"/>
+            <a:satOff val="0"/>
+            <a:lumOff val="0"/>
+            <a:alphaOff val="0"/>
+          </a:schemeClr>
+        </a:solidFill>
+        <a:ln w="6350" cap="flat" cmpd="sng" algn="ctr">
+          <a:solidFill>
+            <a:schemeClr val="accent1">
+              <a:hueOff val="0"/>
+              <a:satOff val="0"/>
+              <a:lumOff val="0"/>
+              <a:alphaOff val="0"/>
+            </a:schemeClr>
+          </a:solidFill>
+          <a:prstDash val="solid"/>
+        </a:ln>
+        <a:effectLst>
+          <a:softEdge rad="12700"/>
+        </a:effectLst>
+        <a:scene3d>
+          <a:camera prst="orthographicFront"/>
+          <a:lightRig rig="threePt" dir="t">
+            <a:rot lat="0" lon="0" rev="7500000"/>
+          </a:lightRig>
+        </a:scene3d>
+        <a:sp3d extrusionH="190500" prstMaterial="dkEdge">
+          <a:bevelT w="120650" h="38100" prst="relaxedInset"/>
+          <a:contourClr>
+            <a:schemeClr val="bg1"/>
+          </a:contourClr>
+        </a:sp3d>
+      </dsp:spPr>
+      <dsp:style>
+        <a:lnRef idx="1">
+          <a:scrgbClr r="0" g="0" b="0"/>
+        </a:lnRef>
+        <a:fillRef idx="1">
+          <a:scrgbClr r="0" g="0" b="0"/>
+        </a:fillRef>
+        <a:effectRef idx="2">
+          <a:scrgbClr r="0" g="0" b="0"/>
+        </a:effectRef>
+        <a:fontRef idx="minor"/>
+      </dsp:style>
+    </dsp:sp>
+    <dsp:sp modelId="{CEEB513E-452B-4401-8C64-B74DE8FEF050}">
+      <dsp:nvSpPr>
+        <dsp:cNvPr id="0" name=""/>
+        <dsp:cNvSpPr/>
+      </dsp:nvSpPr>
+      <dsp:spPr>
+        <a:xfrm>
+          <a:off x="3711632" y="154759"/>
+          <a:ext cx="2174663" cy="1874939"/>
+        </a:xfrm>
+        <a:prstGeom prst="hexagon">
+          <a:avLst>
+            <a:gd name="adj" fmla="val 25000"/>
+            <a:gd name="vf" fmla="val 115470"/>
+          </a:avLst>
+        </a:prstGeom>
+        <a:solidFill>
+          <a:schemeClr val="accent1">
+            <a:alpha val="90000"/>
+            <a:tint val="40000"/>
+            <a:hueOff val="0"/>
+            <a:satOff val="0"/>
+            <a:lumOff val="0"/>
+            <a:alphaOff val="0"/>
+          </a:schemeClr>
+        </a:solidFill>
+        <a:ln w="6350" cap="flat" cmpd="sng" algn="ctr">
+          <a:solidFill>
+            <a:schemeClr val="accent1">
+              <a:hueOff val="0"/>
+              <a:satOff val="0"/>
+              <a:lumOff val="0"/>
+              <a:alphaOff val="0"/>
+            </a:schemeClr>
+          </a:solidFill>
+          <a:prstDash val="solid"/>
+        </a:ln>
+        <a:effectLst>
+          <a:softEdge rad="12700"/>
+        </a:effectLst>
+        <a:scene3d>
+          <a:camera prst="orthographicFront"/>
+          <a:lightRig rig="threePt" dir="t">
+            <a:rot lat="0" lon="0" rev="7500000"/>
+          </a:lightRig>
+        </a:scene3d>
+        <a:sp3d extrusionH="190500" prstMaterial="dkEdge">
+          <a:bevelT w="135400" h="16350" prst="relaxedInset"/>
+          <a:contourClr>
+            <a:schemeClr val="bg1"/>
+          </a:contourClr>
+        </a:sp3d>
+      </dsp:spPr>
+      <dsp:style>
+        <a:lnRef idx="1">
+          <a:scrgbClr r="0" g="0" b="0"/>
+        </a:lnRef>
+        <a:fillRef idx="1">
+          <a:scrgbClr r="0" g="0" b="0"/>
+        </a:fillRef>
+        <a:effectRef idx="2">
+          <a:scrgbClr r="0" g="0" b="0"/>
+        </a:effectRef>
+        <a:fontRef idx="minor"/>
+      </dsp:style>
+    </dsp:sp>
+    <dsp:sp modelId="{A16B1993-89BA-4A6B-AA8A-5C00BA72E8FF}">
+      <dsp:nvSpPr>
+        <dsp:cNvPr id="0" name=""/>
+        <dsp:cNvSpPr/>
+      </dsp:nvSpPr>
+      <dsp:spPr>
+        <a:xfrm>
+          <a:off x="3775866" y="978048"/>
+          <a:ext cx="254613" cy="219444"/>
+        </a:xfrm>
+        <a:prstGeom prst="hexagon">
+          <a:avLst>
+            <a:gd name="adj" fmla="val 25000"/>
+            <a:gd name="vf" fmla="val 115470"/>
+          </a:avLst>
+        </a:prstGeom>
+        <a:solidFill>
+          <a:schemeClr val="lt1">
+            <a:hueOff val="0"/>
+            <a:satOff val="0"/>
+            <a:lumOff val="0"/>
+            <a:alphaOff val="0"/>
+          </a:schemeClr>
+        </a:solidFill>
+        <a:ln w="6350" cap="flat" cmpd="sng" algn="ctr">
+          <a:solidFill>
+            <a:schemeClr val="accent1">
+              <a:hueOff val="0"/>
+              <a:satOff val="0"/>
+              <a:lumOff val="0"/>
+              <a:alphaOff val="0"/>
+            </a:schemeClr>
+          </a:solidFill>
+          <a:prstDash val="solid"/>
+        </a:ln>
+        <a:effectLst>
+          <a:softEdge rad="12700"/>
+        </a:effectLst>
+        <a:scene3d>
+          <a:camera prst="orthographicFront"/>
+          <a:lightRig rig="threePt" dir="t">
+            <a:rot lat="0" lon="0" rev="7500000"/>
+          </a:lightRig>
+        </a:scene3d>
+        <a:sp3d extrusionH="190500" prstMaterial="dkEdge">
+          <a:bevelT w="120650" h="38100" prst="relaxedInset"/>
+          <a:contourClr>
+            <a:schemeClr val="bg1"/>
+          </a:contourClr>
+        </a:sp3d>
+      </dsp:spPr>
+      <dsp:style>
+        <a:lnRef idx="1">
+          <a:scrgbClr r="0" g="0" b="0"/>
+        </a:lnRef>
+        <a:fillRef idx="1">
+          <a:scrgbClr r="0" g="0" b="0"/>
+        </a:fillRef>
+        <a:effectRef idx="2">
+          <a:scrgbClr r="0" g="0" b="0"/>
+        </a:effectRef>
+        <a:fontRef idx="minor"/>
+      </dsp:style>
+    </dsp:sp>
+  </dsp:spTree>
+</dsp:drawing>
+</file>
+
+<file path=ppt/diagrams/layout1.xml><?xml version="1.0" encoding="utf-8"?>
+<dgm:layoutDef xmlns:dgm="http://schemas.openxmlformats.org/drawingml/2006/diagram" xmlns:a="http://schemas.openxmlformats.org/drawingml/2006/main" uniqueId="urn:microsoft.com/office/officeart/2008/layout/HexagonCluster">
+  <dgm:title val=""/>
+  <dgm:desc val=""/>
+  <dgm:catLst>
+    <dgm:cat type="picture" pri="21000"/>
+    <dgm:cat type="relationship" pri="3200"/>
+    <dgm:cat type="pictureconvert" pri="21000"/>
+  </dgm:catLst>
+  <dgm:sampData>
+    <dgm:dataModel>
+      <dgm:ptLst>
+        <dgm:pt modelId="0" type="doc"/>
+        <dgm:pt modelId="10">
+          <dgm:prSet phldr="1"/>
+        </dgm:pt>
+        <dgm:pt modelId="20">
+          <dgm:prSet phldr="1"/>
+        </dgm:pt>
+        <dgm:pt modelId="30">
+          <dgm:prSet phldr="1"/>
+        </dgm:pt>
+      </dgm:ptLst>
+      <dgm:cxnLst>
+        <dgm:cxn modelId="40" srcId="0" destId="10" srcOrd="0" destOrd="0"/>
+        <dgm:cxn modelId="50" srcId="0" destId="20" srcOrd="1" destOrd="0"/>
+        <dgm:cxn modelId="60" srcId="0" destId="30" srcOrd="2" destOrd="0"/>
+      </dgm:cxnLst>
+      <dgm:bg/>
+      <dgm:whole/>
+    </dgm:dataModel>
+  </dgm:sampData>
+  <dgm:styleData>
+    <dgm:dataModel>
+      <dgm:ptLst>
+        <dgm:pt modelId="0" type="doc"/>
+        <dgm:pt modelId="10">
+          <dgm:prSet phldr="1"/>
+        </dgm:pt>
+        <dgm:pt modelId="20">
+          <dgm:prSet phldr="1"/>
+        </dgm:pt>
+        <dgm:pt modelId="30">
+          <dgm:prSet phldr="1"/>
+        </dgm:pt>
+      </dgm:ptLst>
+      <dgm:cxnLst>
+        <dgm:cxn modelId="40" srcId="0" destId="10" srcOrd="0" destOrd="0"/>
+        <dgm:cxn modelId="50" srcId="0" destId="20" srcOrd="1" destOrd="0"/>
+        <dgm:cxn modelId="60" srcId="0" destId="30" srcOrd="2" destOrd="0"/>
+      </dgm:cxnLst>
+      <dgm:bg/>
+      <dgm:whole/>
+    </dgm:dataModel>
+  </dgm:styleData>
+  <dgm:clrData>
+    <dgm:dataModel>
+      <dgm:ptLst>
+        <dgm:pt modelId="0" type="doc"/>
+        <dgm:pt modelId="10">
+          <dgm:prSet phldr="1"/>
+        </dgm:pt>
+        <dgm:pt modelId="20">
+          <dgm:prSet phldr="1"/>
+        </dgm:pt>
+        <dgm:pt modelId="30">
+          <dgm:prSet phldr="1"/>
+        </dgm:pt>
+      </dgm:ptLst>
+      <dgm:cxnLst>
+        <dgm:cxn modelId="40" srcId="0" destId="10" srcOrd="0" destOrd="0"/>
+        <dgm:cxn modelId="50" srcId="0" destId="20" srcOrd="1" destOrd="0"/>
+        <dgm:cxn modelId="60" srcId="0" destId="30" srcOrd="2" destOrd="0"/>
+      </dgm:cxnLst>
+      <dgm:bg/>
+      <dgm:whole/>
+    </dgm:dataModel>
+  </dgm:clrData>
+  <dgm:layoutNode name="Name0">
+    <dgm:varLst>
+      <dgm:chMax val="21"/>
+      <dgm:chPref val="21"/>
+    </dgm:varLst>
+    <dgm:shape xmlns:r="http://schemas.openxmlformats.org/officeDocument/2006/relationships" r:blip="">
+      <dgm:adjLst/>
+    </dgm:shape>
+    <dgm:choose name="Name1">
+      <dgm:if name="Name2" axis="ch" ptType="node" func="cnt" op="equ" val="1">
+        <dgm:alg type="composite">
+          <dgm:param type="ar" val="1.3871"/>
+        </dgm:alg>
+        <dgm:constrLst>
+          <dgm:constr type="primFontSz" for="des" ptType="node" op="equ" val="65"/>
+          <dgm:constr type="l" for="ch" forName="text1" refType="w" fact="0.4525"/>
+          <dgm:constr type="t" for="ch" forName="text1" refType="h" fact="0.346"/>
+          <dgm:constr type="w" for="ch" forName="text1" refType="w" fact="0.5475"/>
+          <dgm:constr type="h" for="ch" forName="text1" refType="h" fact="0.654"/>
+          <dgm:constr type="l" for="ch" forName="textaccent1" refType="w" fact="0.4652"/>
+          <dgm:constr type="t" for="ch" forName="textaccent1" refType="h" fact="0.6348"/>
+          <dgm:constr type="w" for="ch" forName="textaccent1" refType="w" fact="0.0639"/>
+          <dgm:constr type="h" for="ch" forName="textaccent1" refType="h" fact="0.0765"/>
+          <dgm:constr type="l" for="ch" forName="image1" refType="w" fact="0"/>
+          <dgm:constr type="t" for="ch" forName="image1" refType="h" fact="0"/>
+          <dgm:constr type="w" for="ch" forName="image1" refType="w" fact="0.5468"/>
+          <dgm:constr type="h" for="ch" forName="image1" refType="h" fact="0.6538"/>
+          <dgm:constr type="l" for="ch" forName="imageaccent1" refType="w" fact="0.3702"/>
+          <dgm:constr type="t" for="ch" forName="imageaccent1" refType="h" fact="0.5633"/>
+          <dgm:constr type="w" for="ch" forName="imageaccent1" refType="w" fact="0.0639"/>
+          <dgm:constr type="h" for="ch" forName="imageaccent1" refType="h" fact="0.0765"/>
+        </dgm:constrLst>
+      </dgm:if>
+      <dgm:if name="Name3" axis="ch" ptType="node" func="cnt" op="equ" val="2">
+        <dgm:alg type="composite">
+          <dgm:param type="ar" val="2.6443"/>
+        </dgm:alg>
+        <dgm:constrLst>
+          <dgm:constr type="primFontSz" for="des" ptType="node" op="equ" val="65"/>
+          <dgm:constr type="l" for="ch" forName="text1" refType="w" fact="0.2383"/>
+          <dgm:constr type="t" for="ch" forName="text1" refType="h" fact="0.3501"/>
+          <dgm:constr type="w" for="ch" forName="text1" refType="w" fact="0.285"/>
+          <dgm:constr type="h" for="ch" forName="text1" refType="h" fact="0.6499"/>
+          <dgm:constr type="l" for="ch" forName="textaccent1" refType="w" fact="0.2472"/>
+          <dgm:constr type="t" for="ch" forName="textaccent1" refType="h" fact="0.6371"/>
+          <dgm:constr type="w" for="ch" forName="textaccent1" refType="w" fact="0.0333"/>
+          <dgm:constr type="h" for="ch" forName="textaccent1" refType="h" fact="0.076"/>
+          <dgm:constr type="l" for="ch" forName="image1" refType="w" fact="0"/>
+          <dgm:constr type="t" for="ch" forName="image1" refType="h" fact="0"/>
+          <dgm:constr type="w" for="ch" forName="image1" refType="w" fact="0.285"/>
+          <dgm:constr type="h" for="ch" forName="image1" refType="h" fact="0.6499"/>
+          <dgm:constr type="l" for="ch" forName="imageaccent1" refType="w" fact="0.1942"/>
+          <dgm:constr type="t" for="ch" forName="imageaccent1" refType="h" fact="0.5602"/>
+          <dgm:constr type="w" for="ch" forName="imageaccent1" refType="w" fact="0.0333"/>
+          <dgm:constr type="h" for="ch" forName="imageaccent1" refType="h" fact="0.076"/>
+          <dgm:constr type="l" for="ch" forName="text2" refType="w" fact="0.4767"/>
+          <dgm:constr type="t" for="ch" forName="text2" refType="h" fact="0"/>
+          <dgm:constr type="w" for="ch" forName="text2" refType="w" fact="0.285"/>
+          <dgm:constr type="h" for="ch" forName="text2" refType="h" fact="0.6499"/>
+          <dgm:constr type="l" for="ch" forName="textaccent2" refType="w" fact="0.6709"/>
+          <dgm:constr type="t" for="ch" forName="textaccent2" refType="h" fact="0.5602"/>
+          <dgm:constr type="w" for="ch" forName="textaccent2" refType="w" fact="0.0333"/>
+          <dgm:constr type="h" for="ch" forName="textaccent2" refType="h" fact="0.076"/>
+          <dgm:constr type="l" for="ch" forName="image2" refType="w" fact="0.715"/>
+          <dgm:constr type="t" for="ch" forName="image2" refType="h" fact="0.3501"/>
+          <dgm:constr type="w" for="ch" forName="image2" refType="w" fact="0.285"/>
+          <dgm:constr type="h" for="ch" forName="image2" refType="h" fact="0.6499"/>
+          <dgm:constr type="l" for="ch" forName="imageaccent2" refType="w" fact="0.7239"/>
+          <dgm:constr type="t" for="ch" forName="imageaccent2" refType="h" fact="0.6371"/>
+          <dgm:constr type="w" for="ch" forName="imageaccent2" refType="w" fact="0.0333"/>
+          <dgm:constr type="h" for="ch" forName="imageaccent2" refType="h" fact="0.076"/>
+        </dgm:constrLst>
+      </dgm:if>
+      <dgm:if name="Name4" axis="ch" ptType="node" func="cnt" op="equ" val="3">
+        <dgm:alg type="composite">
+          <dgm:param type="ar" val="1.5623"/>
+        </dgm:alg>
+        <dgm:constrLst>
+          <dgm:constr type="primFontSz" for="des" ptType="node" op="equ" val="65"/>
+          <dgm:constr type="l" for="ch" forName="text1" refType="w" fact="0.2402"/>
+          <dgm:constr type="t" for="ch" forName="text1" refType="h" fact="0.6215"/>
+          <dgm:constr type="w" for="ch" forName="text1" refType="w" fact="0.281"/>
+          <dgm:constr type="h" for="ch" forName="text1" refType="h" fact="0.3785"/>
+          <dgm:constr type="l" for="ch" forName="textaccent1" refType="w" fact="0.2475"/>
+          <dgm:constr type="t" for="ch" forName="textaccent1" refType="h" fact="0.7886"/>
+          <dgm:constr type="w" for="ch" forName="textaccent1" refType="w" fact="0.0329"/>
+          <dgm:constr type="h" for="ch" forName="textaccent1" refType="h" fact="0.0443"/>
+          <dgm:constr type="l" for="ch" forName="image1" refType="w" fact="0"/>
+          <dgm:constr type="t" for="ch" forName="image1" refType="h" fact="0.4182"/>
+          <dgm:constr type="w" for="ch" forName="image1" refType="w" fact="0.281"/>
+          <dgm:constr type="h" for="ch" forName="image1" refType="h" fact="0.3785"/>
+          <dgm:constr type="l" for="ch" forName="imageaccent1" refType="w" fact="0.1913"/>
+          <dgm:constr type="t" for="ch" forName="imageaccent1" refType="h" fact="0.7467"/>
+          <dgm:constr type="w" for="ch" forName="imageaccent1" refType="w" fact="0.0329"/>
+          <dgm:constr type="h" for="ch" forName="imageaccent1" refType="h" fact="0.0443"/>
+          <dgm:constr type="l" for="ch" forName="text2" refType="w" fact="0.4796"/>
+          <dgm:constr type="t" for="ch" forName="text2" refType="h" fact="0.4137"/>
+          <dgm:constr type="w" for="ch" forName="text2" refType="w" fact="0.281"/>
+          <dgm:constr type="h" for="ch" forName="text2" refType="h" fact="0.3785"/>
+          <dgm:constr type="l" for="ch" forName="textaccent2" refType="w" fact="0.6717"/>
+          <dgm:constr type="t" for="ch" forName="textaccent2" refType="h" fact="0.7418"/>
+          <dgm:constr type="w" for="ch" forName="textaccent2" refType="w" fact="0.0329"/>
+          <dgm:constr type="h" for="ch" forName="textaccent2" refType="h" fact="0.0443"/>
+          <dgm:constr type="l" for="ch" forName="image2" refType="w" fact="0.719"/>
+          <dgm:constr type="t" for="ch" forName="image2" refType="h" fact="0.6215"/>
+          <dgm:constr type="w" for="ch" forName="image2" refType="w" fact="0.281"/>
+          <dgm:constr type="h" for="ch" forName="image2" refType="h" fact="0.3785"/>
+          <dgm:constr type="l" for="ch" forName="imageaccent2" refType="w" fact="0.7263"/>
+          <dgm:constr type="t" for="ch" forName="imageaccent2" refType="h" fact="0.7886"/>
+          <dgm:constr type="w" for="ch" forName="imageaccent2" refType="w" fact="0.0329"/>
+          <dgm:constr type="h" for="ch" forName="imageaccent2" refType="h" fact="0.0443"/>
+          <dgm:constr type="l" for="ch" forName="text3" refType="w" fact="0.2402"/>
+          <dgm:constr type="t" for="ch" forName="text3" refType="h" fact="0.2068"/>
+          <dgm:constr type="w" for="ch" forName="text3" refType="w" fact="0.281"/>
+          <dgm:constr type="h" for="ch" forName="text3" refType="h" fact="0.3785"/>
+          <dgm:constr type="l" for="ch" forName="textaccent3" refType="w" fact="0.4307"/>
+          <dgm:constr type="t" for="ch" forName="textaccent3" refType="h" fact="0.215"/>
+          <dgm:constr type="w" for="ch" forName="textaccent3" refType="w" fact="0.0329"/>
+          <dgm:constr type="h" for="ch" forName="textaccent3" refType="h" fact="0.0443"/>
+          <dgm:constr type="l" for="ch" forName="image3" refType="w" fact="0.4796"/>
+          <dgm:constr type="t" for="ch" forName="image3" refType="h" fact="0"/>
+          <dgm:constr type="w" for="ch" forName="image3" refType="w" fact="0.281"/>
+          <dgm:constr type="h" for="ch" forName="image3" refType="h" fact="0.3785"/>
+          <dgm:constr type="l" for="ch" forName="imageaccent3" refType="w" fact="0.4879"/>
+          <dgm:constr type="t" for="ch" forName="imageaccent3" refType="h" fact="0.1662"/>
+          <dgm:constr type="w" for="ch" forName="imageaccent3" refType="w" fact="0.0329"/>
+          <dgm:constr type="h" for="ch" forName="imageaccent3" refType="h" fact="0.0443"/>
+        </dgm:constrLst>
+      </dgm:if>
+      <dgm:if name="Name5" axis="ch" ptType="node" func="cnt" op="equ" val="4">
+        <dgm:alg type="composite">
+          <dgm:param type="ar" val="1.943"/>
+        </dgm:alg>
+        <dgm:constrLst>
+          <dgm:constr type="primFontSz" for="des" ptType="node" op="equ" val="65"/>
+          <dgm:constr type="l" for="ch" forName="image2" refType="w" fact="0.5787"/>
+          <dgm:constr type="t" for="ch" forName="image2" refType="h" fact="0.6208"/>
+          <dgm:constr type="w" for="ch" forName="image2" refType="w" fact="0.227"/>
+          <dgm:constr type="h" for="ch" forName="image2" refType="h" fact="0.3786"/>
+          <dgm:constr type="l" for="ch" forName="text4" refType="w" fact="0.5787"/>
+          <dgm:constr type="t" for="ch" forName="text4" refType="h" fact="0.2081"/>
+          <dgm:constr type="w" for="ch" forName="text4" refType="w" fact="0.227"/>
+          <dgm:constr type="h" for="ch" forName="text4" refType="h" fact="0.3786"/>
+          <dgm:constr type="l" for="ch" forName="text2" refType="w" fact="0.3852"/>
+          <dgm:constr type="t" for="ch" forName="text2" refType="h" fact="0.4127"/>
+          <dgm:constr type="w" for="ch" forName="text2" refType="w" fact="0.227"/>
+          <dgm:constr type="h" for="ch" forName="text2" refType="h" fact="0.3786"/>
+          <dgm:constr type="l" for="ch" forName="image3" refType="w" fact="0.3852"/>
+          <dgm:constr type="t" for="ch" forName="image3" refType="h" fact="0"/>
+          <dgm:constr type="w" for="ch" forName="image3" refType="w" fact="0.227"/>
+          <dgm:constr type="h" for="ch" forName="image3" refType="h" fact="0.3786"/>
+          <dgm:constr type="l" for="ch" forName="text1" refType="w" fact="0.1927"/>
+          <dgm:constr type="t" for="ch" forName="text1" refType="h" fact="0.6214"/>
+          <dgm:constr type="w" for="ch" forName="text1" refType="w" fact="0.227"/>
+          <dgm:constr type="h" for="ch" forName="text1" refType="h" fact="0.3786"/>
+          <dgm:constr type="l" for="ch" forName="textaccent1" refType="w" fact="0.1998"/>
+          <dgm:constr type="t" for="ch" forName="textaccent1" refType="h" fact="0.7887"/>
+          <dgm:constr type="w" for="ch" forName="textaccent1" refType="w" fact="0.0265"/>
+          <dgm:constr type="h" for="ch" forName="textaccent1" refType="h" fact="0.0444"/>
+          <dgm:constr type="l" for="ch" forName="image1" refType="w" fact="0"/>
+          <dgm:constr type="t" for="ch" forName="image1" refType="h" fact="0.4156"/>
+          <dgm:constr type="w" for="ch" forName="image1" refType="w" fact="0.227"/>
+          <dgm:constr type="h" for="ch" forName="image1" refType="h" fact="0.3786"/>
+          <dgm:constr type="l" for="ch" forName="imageaccent1" refType="w" fact="0.1537"/>
+          <dgm:constr type="t" for="ch" forName="imageaccent1" refType="h" fact="0.7417"/>
+          <dgm:constr type="w" for="ch" forName="imageaccent1" refType="w" fact="0.0265"/>
+          <dgm:constr type="h" for="ch" forName="imageaccent1" refType="h" fact="0.0444"/>
+          <dgm:constr type="l" for="ch" forName="textaccent2" refType="w" fact="0.5407"/>
+          <dgm:constr type="t" for="ch" forName="textaccent2" refType="h" fact="0.7384"/>
+          <dgm:constr type="w" for="ch" forName="textaccent2" refType="w" fact="0.0265"/>
+          <dgm:constr type="h" for="ch" forName="textaccent2" refType="h" fact="0.0444"/>
+          <dgm:constr type="l" for="ch" forName="imageaccent2" refType="w" fact="0.5839"/>
+          <dgm:constr type="t" for="ch" forName="imageaccent2" refType="h" fact="0.7904"/>
+          <dgm:constr type="w" for="ch" forName="imageaccent2" refType="w" fact="0.0265"/>
+          <dgm:constr type="h" for="ch" forName="imageaccent2" refType="h" fact="0.0444"/>
+          <dgm:constr type="l" for="ch" forName="text3" refType="w" fact="0.1927"/>
+          <dgm:constr type="t" for="ch" forName="text3" refType="h" fact="0.2087"/>
+          <dgm:constr type="w" for="ch" forName="text3" refType="w" fact="0.227"/>
+          <dgm:constr type="h" for="ch" forName="text3" refType="h" fact="0.3786"/>
+          <dgm:constr type="l" for="ch" forName="textaccent3" refType="w" fact="0.3472"/>
+          <dgm:constr type="t" for="ch" forName="textaccent3" refType="h" fact="0.2165"/>
+          <dgm:constr type="w" for="ch" forName="textaccent3" refType="w" fact="0.0265"/>
+          <dgm:constr type="h" for="ch" forName="textaccent3" refType="h" fact="0.0444"/>
+          <dgm:constr type="l" for="ch" forName="imageaccent3" refType="w" fact="0.3904"/>
+          <dgm:constr type="t" for="ch" forName="imageaccent3" refType="h" fact="0.1678"/>
+          <dgm:constr type="w" for="ch" forName="imageaccent3" refType="w" fact="0.0265"/>
+          <dgm:constr type="h" for="ch" forName="imageaccent3" refType="h" fact="0.0444"/>
+          <dgm:constr type="l" for="ch" forName="textaccent4" refType="w" fact="0.7739"/>
+          <dgm:constr type="t" for="ch" forName="textaccent4" refType="h" fact="0.3752"/>
+          <dgm:constr type="w" for="ch" forName="textaccent4" refType="w" fact="0.0265"/>
+          <dgm:constr type="h" for="ch" forName="textaccent4" refType="h" fact="0.0444"/>
+          <dgm:constr type="l" for="ch" forName="image4" refType="w" fact="0.773"/>
+          <dgm:constr type="t" for="ch" forName="image4" refType="h" fact="0.4162"/>
+          <dgm:constr type="w" for="ch" forName="image4" refType="w" fact="0.227"/>
+          <dgm:constr type="h" for="ch" forName="image4" refType="h" fact="0.3786"/>
+          <dgm:constr type="l" for="ch" forName="imageaccent4" refType="w" fact="0.8188"/>
+          <dgm:constr type="t" for="ch" forName="imageaccent4" refType="h" fact="0.4229"/>
+          <dgm:constr type="w" for="ch" forName="imageaccent4" refType="w" fact="0.0265"/>
+          <dgm:constr type="h" for="ch" forName="imageaccent4" refType="h" fact="0.0444"/>
+        </dgm:constrLst>
+      </dgm:if>
+      <dgm:if name="Name6" axis="ch" ptType="node" func="cnt" op="equ" val="5">
+        <dgm:alg type="composite">
+          <dgm:param type="ar" val="2.3203"/>
+        </dgm:alg>
+        <dgm:constrLst>
+          <dgm:constr type="primFontSz" for="des" ptType="node" op="equ" val="65"/>
+          <dgm:constr type="l" for="ch" forName="image4" refType="w" fact="0.6491"/>
+          <dgm:constr type="t" for="ch" forName="image4" refType="h" fact="0.4193"/>
+          <dgm:constr type="w" for="ch" forName="image4" refType="w" fact="0.1886"/>
+          <dgm:constr type="h" for="ch" forName="image4" refType="h" fact="0.3757"/>
+          <dgm:constr type="l" for="ch" forName="text5" refType="w" fact="0.6491"/>
+          <dgm:constr type="t" for="ch" forName="text5" refType="h" fact="0.004"/>
+          <dgm:constr type="w" for="ch" forName="text5" refType="w" fact="0.1886"/>
+          <dgm:constr type="h" for="ch" forName="text5" refType="h" fact="0.3757"/>
+          <dgm:constr type="l" for="ch" forName="image5" refType="w" fact="0.8114"/>
+          <dgm:constr type="t" for="ch" forName="image5" refType="h" fact="0.2136"/>
+          <dgm:constr type="w" for="ch" forName="image5" refType="w" fact="0.1886"/>
+          <dgm:constr type="h" for="ch" forName="image5" refType="h" fact="0.3757"/>
+          <dgm:constr type="l" for="ch" forName="image2" refType="w" fact="0.4868"/>
+          <dgm:constr type="t" for="ch" forName="image2" refType="h" fact="0.6235"/>
+          <dgm:constr type="w" for="ch" forName="image2" refType="w" fact="0.1886"/>
+          <dgm:constr type="h" for="ch" forName="image2" refType="h" fact="0.3757"/>
+          <dgm:constr type="l" for="ch" forName="text4" refType="w" fact="0.4868"/>
+          <dgm:constr type="t" for="ch" forName="text4" refType="h" fact="0.2081"/>
+          <dgm:constr type="w" for="ch" forName="text4" refType="w" fact="0.1886"/>
+          <dgm:constr type="h" for="ch" forName="text4" refType="h" fact="0.3757"/>
+          <dgm:constr type="l" for="ch" forName="text2" refType="w" fact="0.3246"/>
+          <dgm:constr type="t" for="ch" forName="text2" refType="h" fact="0.4154"/>
+          <dgm:constr type="w" for="ch" forName="text2" refType="w" fact="0.1886"/>
+          <dgm:constr type="h" for="ch" forName="text2" refType="h" fact="0.3757"/>
+          <dgm:constr type="l" for="ch" forName="image3" refType="w" fact="0.3246"/>
+          <dgm:constr type="t" for="ch" forName="image3" refType="h" fact="0"/>
+          <dgm:constr type="w" for="ch" forName="image3" refType="w" fact="0.1886"/>
+          <dgm:constr type="h" for="ch" forName="image3" refType="h" fact="0.3757"/>
+          <dgm:constr type="l" for="ch" forName="text1" refType="w" fact="0.1623"/>
+          <dgm:constr type="t" for="ch" forName="text1" refType="h" fact="0.6243"/>
+          <dgm:constr type="w" for="ch" forName="text1" refType="w" fact="0.1886"/>
+          <dgm:constr type="h" for="ch" forName="text1" refType="h" fact="0.3757"/>
+          <dgm:constr type="l" for="ch" forName="text3" refType="w" fact="0.1623"/>
+          <dgm:constr type="t" for="ch" forName="text3" refType="h" fact="0.2089"/>
+          <dgm:constr type="w" for="ch" forName="text3" refType="w" fact="0.1886"/>
+          <dgm:constr type="h" for="ch" forName="text3" refType="h" fact="0.3757"/>
+          <dgm:constr type="l" for="ch" forName="textaccent1" refType="w" fact="0.1668"/>
+          <dgm:constr type="t" for="ch" forName="textaccent1" refType="h" fact="0.7923"/>
+          <dgm:constr type="w" for="ch" forName="textaccent1" refType="w" fact="0.022"/>
+          <dgm:constr type="h" for="ch" forName="textaccent1" refType="h" fact="0.044"/>
+          <dgm:constr type="l" for="ch" forName="image1" refType="w" fact="0"/>
+          <dgm:constr type="t" for="ch" forName="image1" refType="h" fact="0.4166"/>
+          <dgm:constr type="w" for="ch" forName="image1" refType="w" fact="0.1886"/>
+          <dgm:constr type="h" for="ch" forName="image1" refType="h" fact="0.3757"/>
+          <dgm:constr type="l" for="ch" forName="imageaccent1" refType="w" fact="0.1292"/>
+          <dgm:constr type="t" for="ch" forName="imageaccent1" refType="h" fact="0.7424"/>
+          <dgm:constr type="w" for="ch" forName="imageaccent1" refType="w" fact="0.022"/>
+          <dgm:constr type="h" for="ch" forName="imageaccent1" refType="h" fact="0.044"/>
+          <dgm:constr type="l" for="ch" forName="textaccent2" refType="w" fact="0.4544"/>
+          <dgm:constr type="t" for="ch" forName="textaccent2" refType="h" fact="0.7404"/>
+          <dgm:constr type="w" for="ch" forName="textaccent2" refType="w" fact="0.022"/>
+          <dgm:constr type="h" for="ch" forName="textaccent2" refType="h" fact="0.044"/>
+          <dgm:constr type="l" for="ch" forName="imageaccent2" refType="w" fact="0.4914"/>
+          <dgm:constr type="t" for="ch" forName="imageaccent2" refType="h" fact="0.7907"/>
+          <dgm:constr type="w" for="ch" forName="imageaccent2" refType="w" fact="0.022"/>
+          <dgm:constr type="h" for="ch" forName="imageaccent2" refType="h" fact="0.044"/>
+          <dgm:constr type="l" for="ch" forName="textaccent3" refType="w" fact="0.2915"/>
+          <dgm:constr type="t" for="ch" forName="textaccent3" refType="h" fact="0.216"/>
+          <dgm:constr type="w" for="ch" forName="textaccent3" refType="w" fact="0.022"/>
+          <dgm:constr type="h" for="ch" forName="textaccent3" refType="h" fact="0.044"/>
+          <dgm:constr type="l" for="ch" forName="imageaccent3" refType="w" fact="0.3299"/>
+          <dgm:constr type="t" for="ch" forName="imageaccent3" refType="h" fact="0.1665"/>
+          <dgm:constr type="w" for="ch" forName="imageaccent3" refType="w" fact="0.022"/>
+          <dgm:constr type="h" for="ch" forName="imageaccent3" refType="h" fact="0.044"/>
+          <dgm:constr type="l" for="ch" forName="textaccent4" refType="w" fact="0.65"/>
+          <dgm:constr type="t" for="ch" forName="textaccent4" refType="h" fact="0.3746"/>
+          <dgm:constr type="w" for="ch" forName="textaccent4" refType="w" fact="0.022"/>
+          <dgm:constr type="h" for="ch" forName="textaccent4" refType="h" fact="0.044"/>
+          <dgm:constr type="l" for="ch" forName="imageaccent4" refType="w" fact="0.6859"/>
+          <dgm:constr type="t" for="ch" forName="imageaccent4" refType="h" fact="0.4261"/>
+          <dgm:constr type="w" for="ch" forName="imageaccent4" refType="w" fact="0.022"/>
+          <dgm:constr type="h" for="ch" forName="imageaccent4" refType="h" fact="0.044"/>
+          <dgm:constr type="l" for="ch" forName="textaccent5" refType="w" fact="0.8123"/>
+          <dgm:constr type="t" for="ch" forName="textaccent5" refType="h" fact="0.1724"/>
+          <dgm:constr type="w" for="ch" forName="textaccent5" refType="w" fact="0.022"/>
+          <dgm:constr type="h" for="ch" forName="textaccent5" refType="h" fact="0.044"/>
+          <dgm:constr type="l" for="ch" forName="imageaccent5" refType="w" fact="0.849"/>
+          <dgm:constr type="t" for="ch" forName="imageaccent5" refType="h" fact="0.222"/>
+          <dgm:constr type="w" for="ch" forName="imageaccent5" refType="w" fact="0.022"/>
+          <dgm:constr type="h" for="ch" forName="imageaccent5" refType="h" fact="0.044"/>
+        </dgm:constrLst>
+      </dgm:if>
+      <dgm:if name="Name7" axis="ch" ptType="node" func="cnt" op="equ" val="6">
+        <dgm:alg type="composite">
+          <dgm:param type="ar" val="1.9179"/>
+        </dgm:alg>
+        <dgm:constrLst>
+          <dgm:constr type="primFontSz" for="des" ptType="node" op="equ" val="65"/>
+          <dgm:constr type="l" for="ch" forName="image4" refType="w" fact="0.6491"/>
+          <dgm:constr type="t" for="ch" forName="image4" refType="h" fact="0.3466"/>
+          <dgm:constr type="w" for="ch" forName="image4" refType="w" fact="0.1886"/>
+          <dgm:constr type="h" for="ch" forName="image4" refType="h" fact="0.3106"/>
+          <dgm:constr type="l" for="ch" forName="text5" refType="w" fact="0.6491"/>
+          <dgm:constr type="t" for="ch" forName="text5" refType="h" fact="0.0033"/>
+          <dgm:constr type="w" for="ch" forName="text5" refType="w" fact="0.1886"/>
+          <dgm:constr type="h" for="ch" forName="text5" refType="h" fact="0.3106"/>
+          <dgm:constr type="l" for="ch" forName="image5" refType="w" fact="0.8114"/>
+          <dgm:constr type="t" for="ch" forName="image5" refType="h" fact="0.1766"/>
+          <dgm:constr type="w" for="ch" forName="image5" refType="w" fact="0.1886"/>
+          <dgm:constr type="h" for="ch" forName="image5" refType="h" fact="0.3106"/>
+          <dgm:constr type="l" for="ch" forName="image2" refType="w" fact="0.4868"/>
+          <dgm:constr type="t" for="ch" forName="image2" refType="h" fact="0.5154"/>
+          <dgm:constr type="w" for="ch" forName="image2" refType="w" fact="0.1886"/>
+          <dgm:constr type="h" for="ch" forName="image2" refType="h" fact="0.3106"/>
+          <dgm:constr type="l" for="ch" forName="text4" refType="w" fact="0.4868"/>
+          <dgm:constr type="t" for="ch" forName="text4" refType="h" fact="0.172"/>
+          <dgm:constr type="w" for="ch" forName="text4" refType="w" fact="0.1886"/>
+          <dgm:constr type="h" for="ch" forName="text4" refType="h" fact="0.3106"/>
+          <dgm:constr type="l" for="ch" forName="text2" refType="w" fact="0.3246"/>
+          <dgm:constr type="t" for="ch" forName="text2" refType="h" fact="0.3434"/>
+          <dgm:constr type="w" for="ch" forName="text2" refType="w" fact="0.1886"/>
+          <dgm:constr type="h" for="ch" forName="text2" refType="h" fact="0.3106"/>
+          <dgm:constr type="l" for="ch" forName="image3" refType="w" fact="0.3246"/>
+          <dgm:constr type="t" for="ch" forName="image3" refType="h" fact="0"/>
+          <dgm:constr type="w" for="ch" forName="image3" refType="w" fact="0.1886"/>
+          <dgm:constr type="h" for="ch" forName="image3" refType="h" fact="0.3106"/>
+          <dgm:constr type="l" for="ch" forName="text1" refType="w" fact="0.1623"/>
+          <dgm:constr type="t" for="ch" forName="text1" refType="h" fact="0.516"/>
+          <dgm:constr type="w" for="ch" forName="text1" refType="w" fact="0.1886"/>
+          <dgm:constr type="h" for="ch" forName="text1" refType="h" fact="0.3106"/>
+          <dgm:constr type="l" for="ch" forName="text3" refType="w" fact="0.1623"/>
+          <dgm:constr type="t" for="ch" forName="text3" refType="h" fact="0.1727"/>
+          <dgm:constr type="w" for="ch" forName="text3" refType="w" fact="0.1886"/>
+          <dgm:constr type="h" for="ch" forName="text3" refType="h" fact="0.3106"/>
+          <dgm:constr type="l" for="ch" forName="textaccent1" refType="w" fact="0.1668"/>
+          <dgm:constr type="t" for="ch" forName="textaccent1" refType="h" fact="0.6549"/>
+          <dgm:constr type="w" for="ch" forName="textaccent1" refType="w" fact="0.022"/>
+          <dgm:constr type="h" for="ch" forName="textaccent1" refType="h" fact="0.0364"/>
+          <dgm:constr type="l" for="ch" forName="image1" refType="w" fact="0"/>
+          <dgm:constr type="t" for="ch" forName="image1" refType="h" fact="0.3443"/>
+          <dgm:constr type="w" for="ch" forName="image1" refType="w" fact="0.1886"/>
+          <dgm:constr type="h" for="ch" forName="image1" refType="h" fact="0.3106"/>
+          <dgm:constr type="l" for="ch" forName="imageaccent1" refType="w" fact="0.1292"/>
+          <dgm:constr type="t" for="ch" forName="imageaccent1" refType="h" fact="0.6137"/>
+          <dgm:constr type="w" for="ch" forName="imageaccent1" refType="w" fact="0.022"/>
+          <dgm:constr type="h" for="ch" forName="imageaccent1" refType="h" fact="0.0364"/>
+          <dgm:constr type="l" for="ch" forName="textaccent2" refType="w" fact="0.4544"/>
+          <dgm:constr type="t" for="ch" forName="textaccent2" refType="h" fact="0.612"/>
+          <dgm:constr type="w" for="ch" forName="textaccent2" refType="w" fact="0.022"/>
+          <dgm:constr type="h" for="ch" forName="textaccent2" refType="h" fact="0.0364"/>
+          <dgm:constr type="l" for="ch" forName="imageaccent2" refType="w" fact="0.4914"/>
+          <dgm:constr type="t" for="ch" forName="imageaccent2" refType="h" fact="0.6536"/>
+          <dgm:constr type="w" for="ch" forName="imageaccent2" refType="w" fact="0.022"/>
+          <dgm:constr type="h" for="ch" forName="imageaccent2" refType="h" fact="0.0364"/>
+          <dgm:constr type="l" for="ch" forName="textaccent3" refType="w" fact="0.2915"/>
+          <dgm:constr type="t" for="ch" forName="textaccent3" refType="h" fact="0.1786"/>
+          <dgm:constr type="w" for="ch" forName="textaccent3" refType="w" fact="0.022"/>
+          <dgm:constr type="h" for="ch" forName="textaccent3" refType="h" fact="0.0364"/>
+          <dgm:constr type="l" for="ch" forName="imageaccent3" refType="w" fact="0.3299"/>
+          <dgm:constr type="t" for="ch" forName="imageaccent3" refType="h" fact="0.1376"/>
+          <dgm:constr type="w" for="ch" forName="imageaccent3" refType="w" fact="0.022"/>
+          <dgm:constr type="h" for="ch" forName="imageaccent3" refType="h" fact="0.0364"/>
+          <dgm:constr type="l" for="ch" forName="textaccent4" refType="w" fact="0.65"/>
+          <dgm:constr type="t" for="ch" forName="textaccent4" refType="h" fact="0.3096"/>
+          <dgm:constr type="w" for="ch" forName="textaccent4" refType="w" fact="0.022"/>
+          <dgm:constr type="h" for="ch" forName="textaccent4" refType="h" fact="0.0364"/>
+          <dgm:constr type="l" for="ch" forName="imageaccent4" refType="w" fact="0.6859"/>
+          <dgm:constr type="t" for="ch" forName="imageaccent4" refType="h" fact="0.3522"/>
+          <dgm:constr type="w" for="ch" forName="imageaccent4" refType="w" fact="0.022"/>
+          <dgm:constr type="h" for="ch" forName="imageaccent4" refType="h" fact="0.0364"/>
+          <dgm:constr type="l" for="ch" forName="textaccent5" refType="w" fact="0.8123"/>
+          <dgm:constr type="t" for="ch" forName="textaccent5" refType="h" fact="0.1425"/>
+          <dgm:constr type="w" for="ch" forName="textaccent5" refType="w" fact="0.022"/>
+          <dgm:constr type="h" for="ch" forName="textaccent5" refType="h" fact="0.0364"/>
+          <dgm:constr type="l" for="ch" forName="imageaccent5" refType="w" fact="0.849"/>
+          <dgm:constr type="t" for="ch" forName="imageaccent5" refType="h" fact="0.1835"/>
+          <dgm:constr type="w" for="ch" forName="imageaccent5" refType="w" fact="0.022"/>
+          <dgm:constr type="h" for="ch" forName="imageaccent5" refType="h" fact="0.0364"/>
+          <dgm:constr type="l" for="ch" forName="image6" refType="w" fact="0.6491"/>
+          <dgm:constr type="t" for="ch" forName="image6" refType="h" fact="0.6894"/>
+          <dgm:constr type="w" for="ch" forName="image6" refType="w" fact="0.1886"/>
+          <dgm:constr type="h" for="ch" forName="image6" refType="h" fact="0.3106"/>
+          <dgm:constr type="l" for="ch" forName="text6" refType="w" fact="0.8114"/>
+          <dgm:constr type="t" for="ch" forName="text6" refType="h" fact="0.5194"/>
+          <dgm:constr type="w" for="ch" forName="text6" refType="w" fact="0.1886"/>
+          <dgm:constr type="h" for="ch" forName="text6" refType="h" fact="0.3106"/>
+          <dgm:constr type="l" for="ch" forName="imageaccent6" refType="w" fact="0.8138"/>
+          <dgm:constr type="t" for="ch" forName="imageaccent6" refType="h" fact="0.8257"/>
+          <dgm:constr type="w" for="ch" forName="imageaccent6" refType="w" fact="0.022"/>
+          <dgm:constr type="h" for="ch" forName="imageaccent6" refType="h" fact="0.0364"/>
+          <dgm:constr type="l" for="ch" forName="textaccent6" refType="w" fact="0.8488"/>
+          <dgm:constr type="t" for="ch" forName="textaccent6" refType="h" fact="0.7914"/>
+          <dgm:constr type="w" for="ch" forName="textaccent6" refType="w" fact="0.022"/>
+          <dgm:constr type="h" for="ch" forName="textaccent6" refType="h" fact="0.0364"/>
+        </dgm:constrLst>
+      </dgm:if>
+      <dgm:if name="Name8" axis="ch" ptType="node" func="cnt" op="equ" val="7">
+        <dgm:alg type="composite">
+          <dgm:param type="ar" val="1.6382"/>
+        </dgm:alg>
+        <dgm:constrLst>
+          <dgm:constr type="primFontSz" for="des" ptType="node" op="equ" val="65"/>
+          <dgm:constr type="l" for="ch" forName="image4" refType="w" fact="0.6491"/>
+          <dgm:constr type="t" for="ch" forName="image4" refType="h" fact="0.2961"/>
+          <dgm:constr type="w" for="ch" forName="image4" refType="w" fact="0.1886"/>
+          <dgm:constr type="h" for="ch" forName="image4" refType="h" fact="0.2653"/>
+          <dgm:constr type="l" for="ch" forName="text5" refType="w" fact="0.6491"/>
+          <dgm:constr type="t" for="ch" forName="text5" refType="h" fact="0.0028"/>
+          <dgm:constr type="w" for="ch" forName="text5" refType="w" fact="0.1886"/>
+          <dgm:constr type="h" for="ch" forName="text5" refType="h" fact="0.2653"/>
+          <dgm:constr type="l" for="ch" forName="image5" refType="w" fact="0.8114"/>
+          <dgm:constr type="t" for="ch" forName="image5" refType="h" fact="0.1508"/>
+          <dgm:constr type="w" for="ch" forName="image5" refType="w" fact="0.1886"/>
+          <dgm:constr type="h" for="ch" forName="image5" refType="h" fact="0.2653"/>
+          <dgm:constr type="l" for="ch" forName="image2" refType="w" fact="0.4868"/>
+          <dgm:constr type="t" for="ch" forName="image2" refType="h" fact="0.4402"/>
+          <dgm:constr type="w" for="ch" forName="image2" refType="w" fact="0.1886"/>
+          <dgm:constr type="h" for="ch" forName="image2" refType="h" fact="0.2653"/>
+          <dgm:constr type="l" for="ch" forName="text4" refType="w" fact="0.4868"/>
+          <dgm:constr type="t" for="ch" forName="text4" refType="h" fact="0.1469"/>
+          <dgm:constr type="w" for="ch" forName="text4" refType="w" fact="0.1886"/>
+          <dgm:constr type="h" for="ch" forName="text4" refType="h" fact="0.2653"/>
+          <dgm:constr type="l" for="ch" forName="text2" refType="w" fact="0.3246"/>
+          <dgm:constr type="t" for="ch" forName="text2" refType="h" fact="0.2933"/>
+          <dgm:constr type="w" for="ch" forName="text2" refType="w" fact="0.1886"/>
+          <dgm:constr type="h" for="ch" forName="text2" refType="h" fact="0.2653"/>
+          <dgm:constr type="l" for="ch" forName="image3" refType="w" fact="0.3246"/>
+          <dgm:constr type="t" for="ch" forName="image3" refType="h" fact="0"/>
+          <dgm:constr type="w" for="ch" forName="image3" refType="w" fact="0.1886"/>
+          <dgm:constr type="h" for="ch" forName="image3" refType="h" fact="0.2653"/>
+          <dgm:constr type="l" for="ch" forName="text1" refType="w" fact="0.1623"/>
+          <dgm:constr type="t" for="ch" forName="text1" refType="h" fact="0.4408"/>
+          <dgm:constr type="w" for="ch" forName="text1" refType="w" fact="0.1886"/>
+          <dgm:constr type="h" for="ch" forName="text1" refType="h" fact="0.2653"/>
+          <dgm:constr type="l" for="ch" forName="text3" refType="w" fact="0.1623"/>
+          <dgm:constr type="t" for="ch" forName="text3" refType="h" fact="0.1475"/>
+          <dgm:constr type="w" for="ch" forName="text3" refType="w" fact="0.1886"/>
+          <dgm:constr type="h" for="ch" forName="text3" refType="h" fact="0.2653"/>
+          <dgm:constr type="l" for="ch" forName="textaccent1" refType="w" fact="0.1668"/>
+          <dgm:constr type="t" for="ch" forName="textaccent1" refType="h" fact="0.5594"/>
+          <dgm:constr type="w" for="ch" forName="textaccent1" refType="w" fact="0.022"/>
+          <dgm:constr type="h" for="ch" forName="textaccent1" refType="h" fact="0.0311"/>
+          <dgm:constr type="l" for="ch" forName="image1" refType="w" fact="0"/>
+          <dgm:constr type="t" for="ch" forName="image1" refType="h" fact="0.2941"/>
+          <dgm:constr type="w" for="ch" forName="image1" refType="w" fact="0.1886"/>
+          <dgm:constr type="h" for="ch" forName="image1" refType="h" fact="0.2653"/>
+          <dgm:constr type="l" for="ch" forName="imageaccent1" refType="w" fact="0.1292"/>
+          <dgm:constr type="t" for="ch" forName="imageaccent1" refType="h" fact="0.5242"/>
+          <dgm:constr type="w" for="ch" forName="imageaccent1" refType="w" fact="0.022"/>
+          <dgm:constr type="h" for="ch" forName="imageaccent1" refType="h" fact="0.0311"/>
+          <dgm:constr type="l" for="ch" forName="textaccent2" refType="w" fact="0.4544"/>
+          <dgm:constr type="t" for="ch" forName="textaccent2" refType="h" fact="0.5228"/>
+          <dgm:constr type="w" for="ch" forName="textaccent2" refType="w" fact="0.022"/>
+          <dgm:constr type="h" for="ch" forName="textaccent2" refType="h" fact="0.0311"/>
+          <dgm:constr type="l" for="ch" forName="imageaccent2" refType="w" fact="0.4914"/>
+          <dgm:constr type="t" for="ch" forName="imageaccent2" refType="h" fact="0.5583"/>
+          <dgm:constr type="w" for="ch" forName="imageaccent2" refType="w" fact="0.022"/>
+          <dgm:constr type="h" for="ch" forName="imageaccent2" refType="h" fact="0.0311"/>
+          <dgm:constr type="l" for="ch" forName="textaccent3" refType="w" fact="0.2907"/>
+          <dgm:constr type="t" for="ch" forName="textaccent3" refType="h" fact="0.1511"/>
+          <dgm:constr type="w" for="ch" forName="textaccent3" refType="w" fact="0.022"/>
+          <dgm:constr type="h" for="ch" forName="textaccent3" refType="h" fact="0.0311"/>
+          <dgm:constr type="l" for="ch" forName="imageaccent3" refType="w" fact="0.3299"/>
+          <dgm:constr type="t" for="ch" forName="imageaccent3" refType="h" fact="0.1175"/>
+          <dgm:constr type="w" for="ch" forName="imageaccent3" refType="w" fact="0.022"/>
+          <dgm:constr type="h" for="ch" forName="imageaccent3" refType="h" fact="0.0311"/>
+          <dgm:constr type="l" for="ch" forName="textaccent4" refType="w" fact="0.65"/>
+          <dgm:constr type="t" for="ch" forName="textaccent4" refType="h" fact="0.2645"/>
+          <dgm:constr type="w" for="ch" forName="textaccent4" refType="w" fact="0.022"/>
+          <dgm:constr type="h" for="ch" forName="textaccent4" refType="h" fact="0.0311"/>
+          <dgm:constr type="l" for="ch" forName="imageaccent4" refType="w" fact="0.6859"/>
+          <dgm:constr type="t" for="ch" forName="imageaccent4" refType="h" fact="0.3008"/>
+          <dgm:constr type="w" for="ch" forName="imageaccent4" refType="w" fact="0.022"/>
+          <dgm:constr type="h" for="ch" forName="imageaccent4" refType="h" fact="0.0311"/>
+          <dgm:constr type="l" for="ch" forName="textaccent5" refType="w" fact="0.8123"/>
+          <dgm:constr type="t" for="ch" forName="textaccent5" refType="h" fact="0.1217"/>
+          <dgm:constr type="w" for="ch" forName="textaccent5" refType="w" fact="0.022"/>
+          <dgm:constr type="h" for="ch" forName="textaccent5" refType="h" fact="0.0311"/>
+          <dgm:constr type="l" for="ch" forName="imageaccent5" refType="w" fact="0.849"/>
+          <dgm:constr type="t" for="ch" forName="imageaccent5" refType="h" fact="0.1567"/>
+          <dgm:constr type="w" for="ch" forName="imageaccent5" refType="w" fact="0.022"/>
+          <dgm:constr type="h" for="ch" forName="imageaccent5" refType="h" fact="0.0311"/>
+          <dgm:constr type="l" for="ch" forName="image6" refType="w" fact="0.6491"/>
+          <dgm:constr type="t" for="ch" forName="image6" refType="h" fact="0.5889"/>
+          <dgm:constr type="w" for="ch" forName="image6" refType="w" fact="0.1886"/>
+          <dgm:constr type="h" for="ch" forName="image6" refType="h" fact="0.2653"/>
+          <dgm:constr type="l" for="ch" forName="text6" refType="w" fact="0.8114"/>
+          <dgm:constr type="t" for="ch" forName="text6" refType="h" fact="0.4436"/>
+          <dgm:constr type="w" for="ch" forName="text6" refType="w" fact="0.1886"/>
+          <dgm:constr type="h" for="ch" forName="text6" refType="h" fact="0.2653"/>
+          <dgm:constr type="l" for="ch" forName="imageaccent6" refType="w" fact="0.8138"/>
+          <dgm:constr type="t" for="ch" forName="imageaccent6" refType="h" fact="0.7053"/>
+          <dgm:constr type="w" for="ch" forName="imageaccent6" refType="w" fact="0.022"/>
+          <dgm:constr type="h" for="ch" forName="imageaccent6" refType="h" fact="0.0311"/>
+          <dgm:constr type="l" for="ch" forName="textaccent6" refType="w" fact="0.8488"/>
+          <dgm:constr type="t" for="ch" forName="textaccent6" refType="h" fact="0.676"/>
+          <dgm:constr type="w" for="ch" forName="textaccent6" refType="w" fact="0.022"/>
+          <dgm:constr type="h" for="ch" forName="textaccent6" refType="h" fact="0.0311"/>
+          <dgm:constr type="l" for="ch" forName="text7" refType="w" fact="0.3244"/>
+          <dgm:constr type="t" for="ch" forName="text7" refType="h" fact="0.5872"/>
+          <dgm:constr type="w" for="ch" forName="text7" refType="w" fact="0.1886"/>
+          <dgm:constr type="h" for="ch" forName="text7" refType="h" fact="0.2653"/>
+          <dgm:constr type="l" for="ch" forName="image7" refType="w" fact="0.1622"/>
+          <dgm:constr type="t" for="ch" forName="image7" refType="h" fact="0.7347"/>
+          <dgm:constr type="w" for="ch" forName="image7" refType="w" fact="0.1886"/>
+          <dgm:constr type="h" for="ch" forName="image7" refType="h" fact="0.2653"/>
+          <dgm:constr type="l" for="ch" forName="imageaccent7" refType="w" fact="0.2905"/>
+          <dgm:constr type="t" for="ch" forName="imageaccent7" refType="h" fact="0.7384"/>
+          <dgm:constr type="w" for="ch" forName="imageaccent7" refType="w" fact="0.022"/>
+          <dgm:constr type="h" for="ch" forName="imageaccent7" refType="h" fact="0.0311"/>
+          <dgm:constr type="l" for="ch" forName="textaccent7" refType="w" fact="0.3298"/>
+          <dgm:constr type="t" for="ch" forName="textaccent7" refType="h" fact="0.7048"/>
+          <dgm:constr type="w" for="ch" forName="textaccent7" refType="w" fact="0.022"/>
+          <dgm:constr type="h" for="ch" forName="textaccent7" refType="h" fact="0.0311"/>
+        </dgm:constrLst>
+      </dgm:if>
+      <dgm:if name="Name9" axis="ch" ptType="node" func="cnt" op="equ" val="8">
+        <dgm:alg type="composite">
+          <dgm:param type="ar" val="1.8974"/>
+        </dgm:alg>
+        <dgm:constrLst>
+          <dgm:constr type="primFontSz" for="des" ptType="node" op="equ" val="65"/>
+          <dgm:constr type="l" for="ch" forName="image4" refType="w" fact="0.5589"/>
+          <dgm:constr type="t" for="ch" forName="image4" refType="h" fact="0.2952"/>
+          <dgm:constr type="w" for="ch" forName="image4" refType="w" fact="0.1624"/>
+          <dgm:constr type="h" for="ch" forName="image4" refType="h" fact="0.2645"/>
+          <dgm:constr type="l" for="ch" forName="text5" refType="w" fact="0.5589"/>
+          <dgm:constr type="t" for="ch" forName="text5" refType="h" fact="0.0028"/>
+          <dgm:constr type="w" for="ch" forName="text5" refType="w" fact="0.1624"/>
+          <dgm:constr type="h" for="ch" forName="text5" refType="h" fact="0.2645"/>
+          <dgm:constr type="l" for="ch" forName="image5" refType="w" fact="0.6986"/>
+          <dgm:constr type="t" for="ch" forName="image5" refType="h" fact="0.1504"/>
+          <dgm:constr type="w" for="ch" forName="image5" refType="w" fact="0.1624"/>
+          <dgm:constr type="h" for="ch" forName="image5" refType="h" fact="0.2645"/>
+          <dgm:constr type="l" for="ch" forName="image2" refType="w" fact="0.4192"/>
+          <dgm:constr type="t" for="ch" forName="image2" refType="h" fact="0.439"/>
+          <dgm:constr type="w" for="ch" forName="image2" refType="w" fact="0.1624"/>
+          <dgm:constr type="h" for="ch" forName="image2" refType="h" fact="0.2645"/>
+          <dgm:constr type="l" for="ch" forName="text4" refType="w" fact="0.4192"/>
+          <dgm:constr type="t" for="ch" forName="text4" refType="h" fact="0.1465"/>
+          <dgm:constr type="w" for="ch" forName="text4" refType="w" fact="0.1624"/>
+          <dgm:constr type="h" for="ch" forName="text4" refType="h" fact="0.2645"/>
+          <dgm:constr type="l" for="ch" forName="text2" refType="w" fact="0.2794"/>
+          <dgm:constr type="t" for="ch" forName="text2" refType="h" fact="0.2925"/>
+          <dgm:constr type="w" for="ch" forName="text2" refType="w" fact="0.1624"/>
+          <dgm:constr type="h" for="ch" forName="text2" refType="h" fact="0.2645"/>
+          <dgm:constr type="l" for="ch" forName="image3" refType="w" fact="0.2794"/>
+          <dgm:constr type="t" for="ch" forName="image3" refType="h" fact="0"/>
+          <dgm:constr type="w" for="ch" forName="image3" refType="w" fact="0.1624"/>
+          <dgm:constr type="h" for="ch" forName="image3" refType="h" fact="0.2645"/>
+          <dgm:constr type="l" for="ch" forName="text1" refType="w" fact="0.1397"/>
+          <dgm:constr type="t" for="ch" forName="text1" refType="h" fact="0.4395"/>
+          <dgm:constr type="w" for="ch" forName="text1" refType="w" fact="0.1624"/>
+          <dgm:constr type="h" for="ch" forName="text1" refType="h" fact="0.2645"/>
+          <dgm:constr type="l" for="ch" forName="text3" refType="w" fact="0.1397"/>
+          <dgm:constr type="t" for="ch" forName="text3" refType="h" fact="0.1471"/>
+          <dgm:constr type="w" for="ch" forName="text3" refType="w" fact="0.1624"/>
+          <dgm:constr type="h" for="ch" forName="text3" refType="h" fact="0.2645"/>
+          <dgm:constr type="l" for="ch" forName="textaccent1" refType="w" fact="0.1436"/>
+          <dgm:constr type="t" for="ch" forName="textaccent1" refType="h" fact="0.5578"/>
+          <dgm:constr type="w" for="ch" forName="textaccent1" refType="w" fact="0.0189"/>
+          <dgm:constr type="h" for="ch" forName="textaccent1" refType="h" fact="0.031"/>
+          <dgm:constr type="l" for="ch" forName="image1" refType="w" fact="0"/>
+          <dgm:constr type="t" for="ch" forName="image1" refType="h" fact="0.2933"/>
+          <dgm:constr type="w" for="ch" forName="image1" refType="w" fact="0.1624"/>
+          <dgm:constr type="h" for="ch" forName="image1" refType="h" fact="0.2645"/>
+          <dgm:constr type="l" for="ch" forName="imageaccent1" refType="w" fact="0.1112"/>
+          <dgm:constr type="t" for="ch" forName="imageaccent1" refType="h" fact="0.5227"/>
+          <dgm:constr type="w" for="ch" forName="imageaccent1" refType="w" fact="0.0189"/>
+          <dgm:constr type="h" for="ch" forName="imageaccent1" refType="h" fact="0.031"/>
+          <dgm:constr type="l" for="ch" forName="textaccent2" refType="w" fact="0.3912"/>
+          <dgm:constr type="t" for="ch" forName="textaccent2" refType="h" fact="0.5213"/>
+          <dgm:constr type="w" for="ch" forName="textaccent2" refType="w" fact="0.0189"/>
+          <dgm:constr type="h" for="ch" forName="textaccent2" refType="h" fact="0.031"/>
+          <dgm:constr type="l" for="ch" forName="imageaccent2" refType="w" fact="0.4231"/>
+          <dgm:constr type="t" for="ch" forName="imageaccent2" refType="h" fact="0.5567"/>
+          <dgm:constr type="w" for="ch" forName="imageaccent2" refType="w" fact="0.0189"/>
+          <dgm:constr type="h" for="ch" forName="imageaccent2" refType="h" fact="0.031"/>
+          <dgm:constr type="l" for="ch" forName="textaccent3" refType="w" fact="0.2502"/>
+          <dgm:constr type="t" for="ch" forName="textaccent3" refType="h" fact="0.1507"/>
+          <dgm:constr type="w" for="ch" forName="textaccent3" refType="w" fact="0.0189"/>
+          <dgm:constr type="h" for="ch" forName="textaccent3" refType="h" fact="0.031"/>
+          <dgm:constr type="l" for="ch" forName="imageaccent3" refType="w" fact="0.2841"/>
+          <dgm:constr type="t" for="ch" forName="imageaccent3" refType="h" fact="0.1172"/>
+          <dgm:constr type="w" for="ch" forName="imageaccent3" refType="w" fact="0.0189"/>
+          <dgm:constr type="h" for="ch" forName="imageaccent3" refType="h" fact="0.031"/>
+          <dgm:constr type="l" for="ch" forName="textaccent4" refType="w" fact="0.5596"/>
+          <dgm:constr type="t" for="ch" forName="textaccent4" refType="h" fact="0.2637"/>
+          <dgm:constr type="w" for="ch" forName="textaccent4" refType="w" fact="0.0189"/>
+          <dgm:constr type="h" for="ch" forName="textaccent4" refType="h" fact="0.031"/>
+          <dgm:constr type="l" for="ch" forName="imageaccent4" refType="w" fact="0.5905"/>
+          <dgm:constr type="t" for="ch" forName="imageaccent4" refType="h" fact="0.3"/>
+          <dgm:constr type="w" for="ch" forName="imageaccent4" refType="w" fact="0.0189"/>
+          <dgm:constr type="h" for="ch" forName="imageaccent4" refType="h" fact="0.031"/>
+          <dgm:constr type="l" for="ch" forName="textaccent5" refType="w" fact="0.6993"/>
+          <dgm:constr type="t" for="ch" forName="textaccent5" refType="h" fact="0.1214"/>
+          <dgm:constr type="w" for="ch" forName="textaccent5" refType="w" fact="0.0189"/>
+          <dgm:constr type="h" for="ch" forName="textaccent5" refType="h" fact="0.031"/>
+          <dgm:constr type="l" for="ch" forName="imageaccent5" refType="w" fact="0.731"/>
+          <dgm:constr type="t" for="ch" forName="imageaccent5" refType="h" fact="0.1563"/>
+          <dgm:constr type="w" for="ch" forName="imageaccent5" refType="w" fact="0.0189"/>
+          <dgm:constr type="h" for="ch" forName="imageaccent5" refType="h" fact="0.031"/>
+          <dgm:constr type="l" for="ch" forName="image6" refType="w" fact="0.5589"/>
+          <dgm:constr type="t" for="ch" forName="image6" refType="h" fact="0.5872"/>
+          <dgm:constr type="w" for="ch" forName="image6" refType="w" fact="0.1624"/>
+          <dgm:constr type="h" for="ch" forName="image6" refType="h" fact="0.2645"/>
+          <dgm:constr type="l" for="ch" forName="text6" refType="w" fact="0.6986"/>
+          <dgm:constr type="t" for="ch" forName="text6" refType="h" fact="0.4424"/>
+          <dgm:constr type="w" for="ch" forName="text6" refType="w" fact="0.1624"/>
+          <dgm:constr type="h" for="ch" forName="text6" refType="h" fact="0.2645"/>
+          <dgm:constr type="l" for="ch" forName="imageaccent6" refType="w" fact="0.7007"/>
+          <dgm:constr type="t" for="ch" forName="imageaccent6" refType="h" fact="0.7033"/>
+          <dgm:constr type="w" for="ch" forName="imageaccent6" refType="w" fact="0.0189"/>
+          <dgm:constr type="h" for="ch" forName="imageaccent6" refType="h" fact="0.031"/>
+          <dgm:constr type="l" for="ch" forName="textaccent6" refType="w" fact="0.7308"/>
+          <dgm:constr type="t" for="ch" forName="textaccent6" refType="h" fact="0.6741"/>
+          <dgm:constr type="w" for="ch" forName="textaccent6" refType="w" fact="0.0189"/>
+          <dgm:constr type="h" for="ch" forName="textaccent6" refType="h" fact="0.031"/>
+          <dgm:constr type="l" for="ch" forName="text7" refType="w" fact="0.2793"/>
+          <dgm:constr type="t" for="ch" forName="text7" refType="h" fact="0.5856"/>
+          <dgm:constr type="w" for="ch" forName="text7" refType="w" fact="0.1624"/>
+          <dgm:constr type="h" for="ch" forName="text7" refType="h" fact="0.2645"/>
+          <dgm:constr type="l" for="ch" forName="image7" refType="w" fact="0.1396"/>
+          <dgm:constr type="t" for="ch" forName="image7" refType="h" fact="0.7326"/>
+          <dgm:constr type="w" for="ch" forName="image7" refType="w" fact="0.1624"/>
+          <dgm:constr type="h" for="ch" forName="image7" refType="h" fact="0.2645"/>
+          <dgm:constr type="l" for="ch" forName="imageaccent7" refType="w" fact="0.2501"/>
+          <dgm:constr type="t" for="ch" forName="imageaccent7" refType="h" fact="0.7363"/>
+          <dgm:constr type="w" for="ch" forName="imageaccent7" refType="w" fact="0.0189"/>
+          <dgm:constr type="h" for="ch" forName="imageaccent7" refType="h" fact="0.031"/>
+          <dgm:constr type="l" for="ch" forName="textaccent7" refType="w" fact="0.284"/>
+          <dgm:constr type="t" for="ch" forName="textaccent7" refType="h" fact="0.7028"/>
+          <dgm:constr type="w" for="ch" forName="textaccent7" refType="w" fact="0.0189"/>
+          <dgm:constr type="h" for="ch" forName="textaccent7" refType="h" fact="0.031"/>
+          <dgm:constr type="l" for="ch" forName="image8" refType="w" fact="0.6979"/>
+          <dgm:constr type="t" for="ch" forName="image8" refType="h" fact="0.7355"/>
+          <dgm:constr type="w" for="ch" forName="image8" refType="w" fact="0.1624"/>
+          <dgm:constr type="h" for="ch" forName="image8" refType="h" fact="0.2645"/>
+          <dgm:constr type="l" for="ch" forName="text8" refType="w" fact="0.8376"/>
+          <dgm:constr type="t" for="ch" forName="text8" refType="h" fact="0.5906"/>
+          <dgm:constr type="w" for="ch" forName="text8" refType="w" fact="0.1624"/>
+          <dgm:constr type="h" for="ch" forName="text8" refType="h" fact="0.2645"/>
+          <dgm:constr type="l" for="ch" forName="imageaccent8" refType="w" fact="0.8397"/>
+          <dgm:constr type="t" for="ch" forName="imageaccent8" refType="h" fact="0.8516"/>
+          <dgm:constr type="w" for="ch" forName="imageaccent8" refType="w" fact="0.0189"/>
+          <dgm:constr type="h" for="ch" forName="imageaccent8" refType="h" fact="0.031"/>
+          <dgm:constr type="l" for="ch" forName="textaccent8" refType="w" fact="0.8698"/>
+          <dgm:constr type="t" for="ch" forName="textaccent8" refType="h" fact="0.8223"/>
+          <dgm:constr type="w" for="ch" forName="textaccent8" refType="w" fact="0.0189"/>
+          <dgm:constr type="h" for="ch" forName="textaccent8" refType="h" fact="0.031"/>
+        </dgm:constrLst>
+      </dgm:if>
+      <dgm:if name="Name10" axis="ch" ptType="node" func="cnt" op="equ" val="9">
+        <dgm:alg type="composite">
+          <dgm:param type="ar" val="1.8986"/>
+        </dgm:alg>
+        <dgm:constrLst>
+          <dgm:constr type="primFontSz" for="des" ptType="node" op="equ" val="65"/>
+          <dgm:constr type="l" for="ch" forName="image4" refType="w" fact="0.5585"/>
+          <dgm:constr type="t" for="ch" forName="image4" refType="h" fact="0.2952"/>
+          <dgm:constr type="w" for="ch" forName="image4" refType="w" fact="0.1623"/>
+          <dgm:constr type="h" for="ch" forName="image4" refType="h" fact="0.2645"/>
+          <dgm:constr type="l" for="ch" forName="text5" refType="w" fact="0.5585"/>
+          <dgm:constr type="t" for="ch" forName="text5" refType="h" fact="0.0028"/>
+          <dgm:constr type="w" for="ch" forName="text5" refType="w" fact="0.1623"/>
+          <dgm:constr type="h" for="ch" forName="text5" refType="h" fact="0.2645"/>
+          <dgm:constr type="l" for="ch" forName="image5" refType="w" fact="0.6982"/>
+          <dgm:constr type="t" for="ch" forName="image5" refType="h" fact="0.1504"/>
+          <dgm:constr type="w" for="ch" forName="image5" refType="w" fact="0.1623"/>
+          <dgm:constr type="h" for="ch" forName="image5" refType="h" fact="0.2645"/>
+          <dgm:constr type="l" for="ch" forName="image2" refType="w" fact="0.4189"/>
+          <dgm:constr type="t" for="ch" forName="image2" refType="h" fact="0.439"/>
+          <dgm:constr type="w" for="ch" forName="image2" refType="w" fact="0.1623"/>
+          <dgm:constr type="h" for="ch" forName="image2" refType="h" fact="0.2645"/>
+          <dgm:constr type="l" for="ch" forName="text4" refType="w" fact="0.4189"/>
+          <dgm:constr type="t" for="ch" forName="text4" refType="h" fact="0.1465"/>
+          <dgm:constr type="w" for="ch" forName="text4" refType="w" fact="0.1623"/>
+          <dgm:constr type="h" for="ch" forName="text4" refType="h" fact="0.2645"/>
+          <dgm:constr type="l" for="ch" forName="text2" refType="w" fact="0.2793"/>
+          <dgm:constr type="t" for="ch" forName="text2" refType="h" fact="0.2925"/>
+          <dgm:constr type="w" for="ch" forName="text2" refType="w" fact="0.1623"/>
+          <dgm:constr type="h" for="ch" forName="text2" refType="h" fact="0.2645"/>
+          <dgm:constr type="l" for="ch" forName="image3" refType="w" fact="0.2793"/>
+          <dgm:constr type="t" for="ch" forName="image3" refType="h" fact="0"/>
+          <dgm:constr type="w" for="ch" forName="image3" refType="w" fact="0.1623"/>
+          <dgm:constr type="h" for="ch" forName="image3" refType="h" fact="0.2645"/>
+          <dgm:constr type="l" for="ch" forName="text1" refType="w" fact="0.1396"/>
+          <dgm:constr type="t" for="ch" forName="text1" refType="h" fact="0.4395"/>
+          <dgm:constr type="w" for="ch" forName="text1" refType="w" fact="0.1623"/>
+          <dgm:constr type="h" for="ch" forName="text1" refType="h" fact="0.2645"/>
+          <dgm:constr type="l" for="ch" forName="text3" refType="w" fact="0.1396"/>
+          <dgm:constr type="t" for="ch" forName="text3" refType="h" fact="0.1471"/>
+          <dgm:constr type="w" for="ch" forName="text3" refType="w" fact="0.1623"/>
+          <dgm:constr type="h" for="ch" forName="text3" refType="h" fact="0.2645"/>
+          <dgm:constr type="l" for="ch" forName="textaccent1" refType="w" fact="0.1435"/>
+          <dgm:constr type="t" for="ch" forName="textaccent1" refType="h" fact="0.5578"/>
+          <dgm:constr type="w" for="ch" forName="textaccent1" refType="w" fact="0.0189"/>
+          <dgm:constr type="h" for="ch" forName="textaccent1" refType="h" fact="0.031"/>
+          <dgm:constr type="l" for="ch" forName="image1" refType="w" fact="0"/>
+          <dgm:constr type="t" for="ch" forName="image1" refType="h" fact="0.2933"/>
+          <dgm:constr type="w" for="ch" forName="image1" refType="w" fact="0.1623"/>
+          <dgm:constr type="h" for="ch" forName="image1" refType="h" fact="0.2645"/>
+          <dgm:constr type="l" for="ch" forName="imageaccent1" refType="w" fact="0.1111"/>
+          <dgm:constr type="t" for="ch" forName="imageaccent1" refType="h" fact="0.5227"/>
+          <dgm:constr type="w" for="ch" forName="imageaccent1" refType="w" fact="0.0189"/>
+          <dgm:constr type="h" for="ch" forName="imageaccent1" refType="h" fact="0.031"/>
+          <dgm:constr type="l" for="ch" forName="textaccent2" refType="w" fact="0.391"/>
+          <dgm:constr type="t" for="ch" forName="textaccent2" refType="h" fact="0.5213"/>
+          <dgm:constr type="w" for="ch" forName="textaccent2" refType="w" fact="0.0189"/>
+          <dgm:constr type="h" for="ch" forName="textaccent2" refType="h" fact="0.031"/>
+          <dgm:constr type="l" for="ch" forName="imageaccent2" refType="w" fact="0.4228"/>
+          <dgm:constr type="t" for="ch" forName="imageaccent2" refType="h" fact="0.5567"/>
+          <dgm:constr type="w" for="ch" forName="imageaccent2" refType="w" fact="0.0189"/>
+          <dgm:constr type="h" for="ch" forName="imageaccent2" refType="h" fact="0.031"/>
+          <dgm:constr type="l" for="ch" forName="textaccent3" refType="w" fact="0.2501"/>
+          <dgm:constr type="t" for="ch" forName="textaccent3" refType="h" fact="0.1507"/>
+          <dgm:constr type="w" for="ch" forName="textaccent3" refType="w" fact="0.0189"/>
+          <dgm:constr type="h" for="ch" forName="textaccent3" refType="h" fact="0.031"/>
+          <dgm:constr type="l" for="ch" forName="imageaccent3" refType="w" fact="0.2839"/>
+          <dgm:constr type="t" for="ch" forName="imageaccent3" refType="h" fact="0.1172"/>
+          <dgm:constr type="w" for="ch" forName="imageaccent3" refType="w" fact="0.0189"/>
+          <dgm:constr type="h" for="ch" forName="imageaccent3" refType="h" fact="0.031"/>
+          <dgm:constr type="l" for="ch" forName="textaccent4" refType="w" fact="0.5593"/>
+          <dgm:constr type="t" for="ch" forName="textaccent4" refType="h" fact="0.2637"/>
+          <dgm:constr type="w" for="ch" forName="textaccent4" refType="w" fact="0.0189"/>
+          <dgm:constr type="h" for="ch" forName="textaccent4" refType="h" fact="0.031"/>
+          <dgm:constr type="l" for="ch" forName="imageaccent4" refType="w" fact="0.5901"/>
+          <dgm:constr type="t" for="ch" forName="imageaccent4" refType="h" fact="0.3"/>
+          <dgm:constr type="w" for="ch" forName="imageaccent4" refType="w" fact="0.0189"/>
+          <dgm:constr type="h" for="ch" forName="imageaccent4" refType="h" fact="0.031"/>
+          <dgm:constr type="l" for="ch" forName="textaccent5" refType="w" fact="0.6989"/>
+          <dgm:constr type="t" for="ch" forName="textaccent5" refType="h" fact="0.1214"/>
+          <dgm:constr type="w" for="ch" forName="textaccent5" refType="w" fact="0.0189"/>
+          <dgm:constr type="h" for="ch" forName="textaccent5" refType="h" fact="0.031"/>
+          <dgm:constr type="l" for="ch" forName="imageaccent5" refType="w" fact="0.7305"/>
+          <dgm:constr type="t" for="ch" forName="imageaccent5" refType="h" fact="0.1563"/>
+          <dgm:constr type="w" for="ch" forName="imageaccent5" refType="w" fact="0.0189"/>
+          <dgm:constr type="h" for="ch" forName="imageaccent5" refType="h" fact="0.031"/>
+          <dgm:constr type="l" for="ch" forName="image6" refType="w" fact="0.5585"/>
+          <dgm:constr type="t" for="ch" forName="image6" refType="h" fact="0.5872"/>
+          <dgm:constr type="w" for="ch" forName="image6" refType="w" fact="0.1623"/>
+          <dgm:constr type="h" for="ch" forName="image6" refType="h" fact="0.2645"/>
+          <dgm:constr type="l" for="ch" forName="text6" refType="w" fact="0.6982"/>
+          <dgm:constr type="t" for="ch" forName="text6" refType="h" fact="0.4424"/>
+          <dgm:constr type="w" for="ch" forName="text6" refType="w" fact="0.1623"/>
+          <dgm:constr type="h" for="ch" forName="text6" refType="h" fact="0.2645"/>
+          <dgm:constr type="l" for="ch" forName="imageaccent6" refType="w" fact="0.7002"/>
+          <dgm:constr type="t" for="ch" forName="imageaccent6" refType="h" fact="0.7033"/>
+          <dgm:constr type="w" for="ch" forName="imageaccent6" refType="w" fact="0.0189"/>
+          <dgm:constr type="h" for="ch" forName="imageaccent6" refType="h" fact="0.031"/>
+          <dgm:constr type="l" for="ch" forName="textaccent6" refType="w" fact="0.7303"/>
+          <dgm:constr type="t" for="ch" forName="textaccent6" refType="h" fact="0.6741"/>
+          <dgm:constr type="w" for="ch" forName="textaccent6" refType="w" fact="0.0189"/>
+          <dgm:constr type="h" for="ch" forName="textaccent6" refType="h" fact="0.031"/>
+          <dgm:constr type="l" for="ch" forName="text7" refType="w" fact="0.2792"/>
+          <dgm:constr type="t" for="ch" forName="text7" refType="h" fact="0.5856"/>
+          <dgm:constr type="w" for="ch" forName="text7" refType="w" fact="0.1623"/>
+          <dgm:constr type="h" for="ch" forName="text7" refType="h" fact="0.2645"/>
+          <dgm:constr type="l" for="ch" forName="image7" refType="w" fact="0.1395"/>
+          <dgm:constr type="t" for="ch" forName="image7" refType="h" fact="0.7326"/>
+          <dgm:constr type="w" for="ch" forName="image7" refType="w" fact="0.1623"/>
+          <dgm:constr type="h" for="ch" forName="image7" refType="h" fact="0.2645"/>
+          <dgm:constr type="l" for="ch" forName="imageaccent7" refType="w" fact="0.25"/>
+          <dgm:constr type="t" for="ch" forName="imageaccent7" refType="h" fact="0.7363"/>
+          <dgm:constr type="w" for="ch" forName="imageaccent7" refType="w" fact="0.0189"/>
+          <dgm:constr type="h" for="ch" forName="imageaccent7" refType="h" fact="0.031"/>
+          <dgm:constr type="l" for="ch" forName="textaccent7" refType="w" fact="0.2838"/>
+          <dgm:constr type="t" for="ch" forName="textaccent7" refType="h" fact="0.7028"/>
+          <dgm:constr type="w" for="ch" forName="textaccent7" refType="w" fact="0.0189"/>
+          <dgm:constr type="h" for="ch" forName="textaccent7" refType="h" fact="0.031"/>
+          <dgm:constr type="l" for="ch" forName="image8" refType="w" fact="0.6975"/>
+          <dgm:constr type="t" for="ch" forName="image8" refType="h" fact="0.7355"/>
+          <dgm:constr type="w" for="ch" forName="image8" refType="w" fact="0.1623"/>
+          <dgm:constr type="h" for="ch" forName="image8" refType="h" fact="0.2645"/>
+          <dgm:constr type="l" for="ch" forName="text8" refType="w" fact="0.8371"/>
+          <dgm:constr type="t" for="ch" forName="text8" refType="h" fact="0.5906"/>
+          <dgm:constr type="w" for="ch" forName="text8" refType="w" fact="0.1623"/>
+          <dgm:constr type="h" for="ch" forName="text8" refType="h" fact="0.2645"/>
+          <dgm:constr type="l" for="ch" forName="imageaccent8" refType="w" fact="0.8392"/>
+          <dgm:constr type="t" for="ch" forName="imageaccent8" refType="h" fact="0.8516"/>
+          <dgm:constr type="w" for="ch" forName="imageaccent8" refType="w" fact="0.0189"/>
+          <dgm:constr type="h" for="ch" forName="imageaccent8" refType="h" fact="0.031"/>
+          <dgm:constr type="l" for="ch" forName="textaccent8" refType="w" fact="0.8693"/>
+          <dgm:constr type="t" for="ch" forName="textaccent8" refType="h" fact="0.8223"/>
+          <dgm:constr type="w" for="ch" forName="textaccent8" refType="w" fact="0.0189"/>
+          <dgm:constr type="h" for="ch" forName="textaccent8" refType="h" fact="0.031"/>
+          <dgm:constr type="l" for="ch" forName="text9" refType="w" fact="0.8377"/>
+          <dgm:constr type="t" for="ch" forName="text9" refType="h" fact="0.0057"/>
+          <dgm:constr type="w" for="ch" forName="text9" refType="w" fact="0.1623"/>
+          <dgm:constr type="h" for="ch" forName="text9" refType="h" fact="0.2645"/>
+          <dgm:constr type="l" for="ch" forName="textaccent9" refType="w" fact="0.95"/>
+          <dgm:constr type="t" for="ch" forName="textaccent9" refType="h" fact="0.2383"/>
+          <dgm:constr type="w" for="ch" forName="textaccent9" refType="w" fact="0.0189"/>
+          <dgm:constr type="h" for="ch" forName="textaccent9" refType="h" fact="0.031"/>
+          <dgm:constr type="l" for="ch" forName="image9" refType="w" fact="0.8377"/>
+          <dgm:constr type="t" for="ch" forName="image9" refType="h" fact="0.2977"/>
+          <dgm:constr type="w" for="ch" forName="image9" refType="w" fact="0.1623"/>
+          <dgm:constr type="h" for="ch" forName="image9" refType="h" fact="0.2645"/>
+          <dgm:constr type="l" for="ch" forName="imageaccent9" refType="w" fact="0.95"/>
+          <dgm:constr type="t" for="ch" forName="imageaccent9" refType="h" fact="0.2993"/>
+          <dgm:constr type="w" for="ch" forName="imageaccent9" refType="w" fact="0.0189"/>
+          <dgm:constr type="h" for="ch" forName="imageaccent9" refType="h" fact="0.031"/>
+        </dgm:constrLst>
+      </dgm:if>
+      <dgm:if name="Name11" axis="ch" ptType="node" func="cnt" op="equ" val="10">
+        <dgm:alg type="composite">
+          <dgm:param type="ar" val="1.6608"/>
+        </dgm:alg>
+        <dgm:constrLst>
+          <dgm:constr type="primFontSz" for="des" ptType="node" op="equ" val="65"/>
+          <dgm:constr type="l" for="ch" forName="image4" refType="w" fact="0.5585"/>
+          <dgm:constr type="t" for="ch" forName="image4" refType="h" fact="0.2583"/>
+          <dgm:constr type="w" for="ch" forName="image4" refType="w" fact="0.1623"/>
+          <dgm:constr type="h" for="ch" forName="image4" refType="h" fact="0.2314"/>
+          <dgm:constr type="l" for="ch" forName="text5" refType="w" fact="0.5585"/>
+          <dgm:constr type="t" for="ch" forName="text5" refType="h" fact="0.0024"/>
+          <dgm:constr type="w" for="ch" forName="text5" refType="w" fact="0.1623"/>
+          <dgm:constr type="h" for="ch" forName="text5" refType="h" fact="0.2314"/>
+          <dgm:constr type="l" for="ch" forName="image5" refType="w" fact="0.6982"/>
+          <dgm:constr type="t" for="ch" forName="image5" refType="h" fact="0.1316"/>
+          <dgm:constr type="w" for="ch" forName="image5" refType="w" fact="0.1623"/>
+          <dgm:constr type="h" for="ch" forName="image5" refType="h" fact="0.2314"/>
+          <dgm:constr type="l" for="ch" forName="image2" refType="w" fact="0.4189"/>
+          <dgm:constr type="t" for="ch" forName="image2" refType="h" fact="0.384"/>
+          <dgm:constr type="w" for="ch" forName="image2" refType="w" fact="0.1623"/>
+          <dgm:constr type="h" for="ch" forName="image2" refType="h" fact="0.2314"/>
+          <dgm:constr type="l" for="ch" forName="text4" refType="w" fact="0.4189"/>
+          <dgm:constr type="t" for="ch" forName="text4" refType="h" fact="0.1282"/>
+          <dgm:constr type="w" for="ch" forName="text4" refType="w" fact="0.1623"/>
+          <dgm:constr type="h" for="ch" forName="text4" refType="h" fact="0.2314"/>
+          <dgm:constr type="l" for="ch" forName="text2" refType="w" fact="0.2793"/>
+          <dgm:constr type="t" for="ch" forName="text2" refType="h" fact="0.2558"/>
+          <dgm:constr type="w" for="ch" forName="text2" refType="w" fact="0.1623"/>
+          <dgm:constr type="h" for="ch" forName="text2" refType="h" fact="0.2314"/>
+          <dgm:constr type="l" for="ch" forName="image3" refType="w" fact="0.2793"/>
+          <dgm:constr type="t" for="ch" forName="image3" refType="h" fact="0"/>
+          <dgm:constr type="w" for="ch" forName="image3" refType="w" fact="0.1623"/>
+          <dgm:constr type="h" for="ch" forName="image3" refType="h" fact="0.2314"/>
+          <dgm:constr type="l" for="ch" forName="text1" refType="w" fact="0.1396"/>
+          <dgm:constr type="t" for="ch" forName="text1" refType="h" fact="0.3845"/>
+          <dgm:constr type="w" for="ch" forName="text1" refType="w" fact="0.1623"/>
+          <dgm:constr type="h" for="ch" forName="text1" refType="h" fact="0.2314"/>
+          <dgm:constr type="l" for="ch" forName="text3" refType="w" fact="0.1396"/>
+          <dgm:constr type="t" for="ch" forName="text3" refType="h" fact="0.1286"/>
+          <dgm:constr type="w" for="ch" forName="text3" refType="w" fact="0.1623"/>
+          <dgm:constr type="h" for="ch" forName="text3" refType="h" fact="0.2314"/>
+          <dgm:constr type="l" for="ch" forName="textaccent1" refType="w" fact="0.1435"/>
+          <dgm:constr type="t" for="ch" forName="textaccent1" refType="h" fact="0.488"/>
+          <dgm:constr type="w" for="ch" forName="textaccent1" refType="w" fact="0.0189"/>
+          <dgm:constr type="h" for="ch" forName="textaccent1" refType="h" fact="0.0271"/>
+          <dgm:constr type="l" for="ch" forName="image1" refType="w" fact="0"/>
+          <dgm:constr type="t" for="ch" forName="image1" refType="h" fact="0.2566"/>
+          <dgm:constr type="w" for="ch" forName="image1" refType="w" fact="0.1623"/>
+          <dgm:constr type="h" for="ch" forName="image1" refType="h" fact="0.2314"/>
+          <dgm:constr type="l" for="ch" forName="imageaccent1" refType="w" fact="0.1111"/>
+          <dgm:constr type="t" for="ch" forName="imageaccent1" refType="h" fact="0.4572"/>
+          <dgm:constr type="w" for="ch" forName="imageaccent1" refType="w" fact="0.0189"/>
+          <dgm:constr type="h" for="ch" forName="imageaccent1" refType="h" fact="0.0271"/>
+          <dgm:constr type="l" for="ch" forName="textaccent2" refType="w" fact="0.391"/>
+          <dgm:constr type="t" for="ch" forName="textaccent2" refType="h" fact="0.456"/>
+          <dgm:constr type="w" for="ch" forName="textaccent2" refType="w" fact="0.0189"/>
+          <dgm:constr type="h" for="ch" forName="textaccent2" refType="h" fact="0.0271"/>
+          <dgm:constr type="l" for="ch" forName="imageaccent2" refType="w" fact="0.4228"/>
+          <dgm:constr type="t" for="ch" forName="imageaccent2" refType="h" fact="0.487"/>
+          <dgm:constr type="w" for="ch" forName="imageaccent2" refType="w" fact="0.0189"/>
+          <dgm:constr type="h" for="ch" forName="imageaccent2" refType="h" fact="0.0271"/>
+          <dgm:constr type="l" for="ch" forName="textaccent3" refType="w" fact="0.2501"/>
+          <dgm:constr type="t" for="ch" forName="textaccent3" refType="h" fact="0.1318"/>
+          <dgm:constr type="w" for="ch" forName="textaccent3" refType="w" fact="0.0189"/>
+          <dgm:constr type="h" for="ch" forName="textaccent3" refType="h" fact="0.0271"/>
+          <dgm:constr type="l" for="ch" forName="imageaccent3" refType="w" fact="0.2839"/>
+          <dgm:constr type="t" for="ch" forName="imageaccent3" refType="h" fact="0.1025"/>
+          <dgm:constr type="w" for="ch" forName="imageaccent3" refType="w" fact="0.0189"/>
+          <dgm:constr type="h" for="ch" forName="imageaccent3" refType="h" fact="0.0271"/>
+          <dgm:constr type="l" for="ch" forName="textaccent4" refType="w" fact="0.5593"/>
+          <dgm:constr type="t" for="ch" forName="textaccent4" refType="h" fact="0.2307"/>
+          <dgm:constr type="w" for="ch" forName="textaccent4" refType="w" fact="0.0189"/>
+          <dgm:constr type="h" for="ch" forName="textaccent4" refType="h" fact="0.0271"/>
+          <dgm:constr type="l" for="ch" forName="imageaccent4" refType="w" fact="0.5901"/>
+          <dgm:constr type="t" for="ch" forName="imageaccent4" refType="h" fact="0.2624"/>
+          <dgm:constr type="w" for="ch" forName="imageaccent4" refType="w" fact="0.0189"/>
+          <dgm:constr type="h" for="ch" forName="imageaccent4" refType="h" fact="0.0271"/>
+          <dgm:constr type="l" for="ch" forName="textaccent5" refType="w" fact="0.6989"/>
+          <dgm:constr type="t" for="ch" forName="textaccent5" refType="h" fact="0.1062"/>
+          <dgm:constr type="w" for="ch" forName="textaccent5" refType="w" fact="0.0189"/>
+          <dgm:constr type="h" for="ch" forName="textaccent5" refType="h" fact="0.0271"/>
+          <dgm:constr type="l" for="ch" forName="imageaccent5" refType="w" fact="0.7305"/>
+          <dgm:constr type="t" for="ch" forName="imageaccent5" refType="h" fact="0.1367"/>
+          <dgm:constr type="w" for="ch" forName="imageaccent5" refType="w" fact="0.0189"/>
+          <dgm:constr type="h" for="ch" forName="imageaccent5" refType="h" fact="0.0271"/>
+          <dgm:constr type="l" for="ch" forName="image6" refType="w" fact="0.5585"/>
+          <dgm:constr type="t" for="ch" forName="image6" refType="h" fact="0.5137"/>
+          <dgm:constr type="w" for="ch" forName="image6" refType="w" fact="0.1623"/>
+          <dgm:constr type="h" for="ch" forName="image6" refType="h" fact="0.2314"/>
+          <dgm:constr type="l" for="ch" forName="text6" refType="w" fact="0.6982"/>
+          <dgm:constr type="t" for="ch" forName="text6" refType="h" fact="0.387"/>
+          <dgm:constr type="w" for="ch" forName="text6" refType="w" fact="0.1623"/>
+          <dgm:constr type="h" for="ch" forName="text6" refType="h" fact="0.2314"/>
+          <dgm:constr type="l" for="ch" forName="imageaccent6" refType="w" fact="0.7002"/>
+          <dgm:constr type="t" for="ch" forName="imageaccent6" refType="h" fact="0.6152"/>
+          <dgm:constr type="w" for="ch" forName="imageaccent6" refType="w" fact="0.0189"/>
+          <dgm:constr type="h" for="ch" forName="imageaccent6" refType="h" fact="0.0271"/>
+          <dgm:constr type="l" for="ch" forName="textaccent6" refType="w" fact="0.7303"/>
+          <dgm:constr type="t" for="ch" forName="textaccent6" refType="h" fact="0.5897"/>
+          <dgm:constr type="w" for="ch" forName="textaccent6" refType="w" fact="0.0189"/>
+          <dgm:constr type="h" for="ch" forName="textaccent6" refType="h" fact="0.0271"/>
+          <dgm:constr type="l" for="ch" forName="text7" refType="w" fact="0.2792"/>
+          <dgm:constr type="t" for="ch" forName="text7" refType="h" fact="0.5122"/>
+          <dgm:constr type="w" for="ch" forName="text7" refType="w" fact="0.1623"/>
+          <dgm:constr type="h" for="ch" forName="text7" refType="h" fact="0.2314"/>
+          <dgm:constr type="l" for="ch" forName="image7" refType="w" fact="0.1395"/>
+          <dgm:constr type="t" for="ch" forName="image7" refType="h" fact="0.6409"/>
+          <dgm:constr type="w" for="ch" forName="image7" refType="w" fact="0.1623"/>
+          <dgm:constr type="h" for="ch" forName="image7" refType="h" fact="0.2314"/>
+          <dgm:constr type="l" for="ch" forName="imageaccent7" refType="w" fact="0.25"/>
+          <dgm:constr type="t" for="ch" forName="imageaccent7" refType="h" fact="0.6441"/>
+          <dgm:constr type="w" for="ch" forName="imageaccent7" refType="w" fact="0.0189"/>
+          <dgm:constr type="h" for="ch" forName="imageaccent7" refType="h" fact="0.0271"/>
+          <dgm:constr type="l" for="ch" forName="textaccent7" refType="w" fact="0.2838"/>
+          <dgm:constr type="t" for="ch" forName="textaccent7" refType="h" fact="0.6148"/>
+          <dgm:constr type="w" for="ch" forName="textaccent7" refType="w" fact="0.0189"/>
+          <dgm:constr type="h" for="ch" forName="textaccent7" refType="h" fact="0.0271"/>
+          <dgm:constr type="l" for="ch" forName="image8" refType="w" fact="0.6975"/>
+          <dgm:constr type="t" for="ch" forName="image8" refType="h" fact="0.6433"/>
+          <dgm:constr type="w" for="ch" forName="image8" refType="w" fact="0.1623"/>
+          <dgm:constr type="h" for="ch" forName="image8" refType="h" fact="0.2314"/>
+          <dgm:constr type="l" for="ch" forName="text8" refType="w" fact="0.8371"/>
+          <dgm:constr type="t" for="ch" forName="text8" refType="h" fact="0.5167"/>
+          <dgm:constr type="w" for="ch" forName="text8" refType="w" fact="0.1623"/>
+          <dgm:constr type="h" for="ch" forName="text8" refType="h" fact="0.2314"/>
+          <dgm:constr type="l" for="ch" forName="imageaccent8" refType="w" fact="0.8392"/>
+          <dgm:constr type="t" for="ch" forName="imageaccent8" refType="h" fact="0.7449"/>
+          <dgm:constr type="w" for="ch" forName="imageaccent8" refType="w" fact="0.0189"/>
+          <dgm:constr type="h" for="ch" forName="imageaccent8" refType="h" fact="0.0271"/>
+          <dgm:constr type="l" for="ch" forName="textaccent8" refType="w" fact="0.8693"/>
+          <dgm:constr type="t" for="ch" forName="textaccent8" refType="h" fact="0.7194"/>
+          <dgm:constr type="w" for="ch" forName="textaccent8" refType="w" fact="0.0189"/>
+          <dgm:constr type="h" for="ch" forName="textaccent8" refType="h" fact="0.0271"/>
+          <dgm:constr type="l" for="ch" forName="text9" refType="w" fact="0.8377"/>
+          <dgm:constr type="t" for="ch" forName="text9" refType="h" fact="0.005"/>
+          <dgm:constr type="w" for="ch" forName="text9" refType="w" fact="0.1623"/>
+          <dgm:constr type="h" for="ch" forName="text9" refType="h" fact="0.2314"/>
+          <dgm:constr type="l" for="ch" forName="textaccent9" refType="w" fact="0.95"/>
+          <dgm:constr type="t" for="ch" forName="textaccent9" refType="h" fact="0.2084"/>
+          <dgm:constr type="w" for="ch" forName="textaccent9" refType="w" fact="0.0189"/>
+          <dgm:constr type="h" for="ch" forName="textaccent9" refType="h" fact="0.0271"/>
+          <dgm:constr type="l" for="ch" forName="image9" refType="w" fact="0.8377"/>
+          <dgm:constr type="t" for="ch" forName="image9" refType="h" fact="0.2604"/>
+          <dgm:constr type="w" for="ch" forName="image9" refType="w" fact="0.1623"/>
+          <dgm:constr type="h" for="ch" forName="image9" refType="h" fact="0.2314"/>
+          <dgm:constr type="l" for="ch" forName="imageaccent9" refType="w" fact="0.95"/>
+          <dgm:constr type="t" for="ch" forName="imageaccent9" refType="h" fact="0.2618"/>
+          <dgm:constr type="w" for="ch" forName="imageaccent9" refType="w" fact="0.0189"/>
+          <dgm:constr type="h" for="ch" forName="imageaccent9" refType="h" fact="0.0271"/>
+          <dgm:constr type="l" for="ch" forName="image10" refType="w" fact="0.2786"/>
+          <dgm:constr type="t" for="ch" forName="image10" refType="h" fact="0.7686"/>
+          <dgm:constr type="w" for="ch" forName="image10" refType="w" fact="0.1623"/>
+          <dgm:constr type="h" for="ch" forName="image10" refType="h" fact="0.2314"/>
+          <dgm:constr type="l" for="ch" forName="text10" refType="w" fact="0.4183"/>
+          <dgm:constr type="t" for="ch" forName="text10" refType="h" fact="0.6419"/>
+          <dgm:constr type="w" for="ch" forName="text10" refType="w" fact="0.1623"/>
+          <dgm:constr type="h" for="ch" forName="text10" refType="h" fact="0.2314"/>
+          <dgm:constr type="l" for="ch" forName="imageaccent10" refType="w" fact="0.4203"/>
+          <dgm:constr type="t" for="ch" forName="imageaccent10" refType="h" fact="0.8701"/>
+          <dgm:constr type="w" for="ch" forName="imageaccent10" refType="w" fact="0.0189"/>
+          <dgm:constr type="h" for="ch" forName="imageaccent10" refType="h" fact="0.0271"/>
+          <dgm:constr type="l" for="ch" forName="textaccent10" refType="w" fact="0.4504"/>
+          <dgm:constr type="t" for="ch" forName="textaccent10" refType="h" fact="0.8446"/>
+          <dgm:constr type="w" for="ch" forName="textaccent10" refType="w" fact="0.0189"/>
+          <dgm:constr type="h" for="ch" forName="textaccent10" refType="h" fact="0.0271"/>
+        </dgm:constrLst>
+      </dgm:if>
+      <dgm:if name="Name12" axis="ch" ptType="node" func="cnt" op="equ" val="11">
+        <dgm:alg type="composite">
+          <dgm:param type="ar" val="1.4704"/>
+        </dgm:alg>
+        <dgm:constrLst>
+          <dgm:constr type="primFontSz" for="des" ptType="node" op="equ" val="65"/>
+          <dgm:constr type="l" for="ch" forName="image4" refType="w" fact="0.5585"/>
+          <dgm:constr type="t" for="ch" forName="image4" refType="h" fact="0.2287"/>
+          <dgm:constr type="w" for="ch" forName="image4" refType="w" fact="0.1623"/>
+          <dgm:constr type="h" for="ch" forName="image4" refType="h" fact="0.2049"/>
+          <dgm:constr type="l" for="ch" forName="text5" refType="w" fact="0.5585"/>
+          <dgm:constr type="t" for="ch" forName="text5" refType="h" fact="0.0022"/>
+          <dgm:constr type="w" for="ch" forName="text5" refType="w" fact="0.1623"/>
+          <dgm:constr type="h" for="ch" forName="text5" refType="h" fact="0.2049"/>
+          <dgm:constr type="l" for="ch" forName="image5" refType="w" fact="0.6982"/>
+          <dgm:constr type="t" for="ch" forName="image5" refType="h" fact="0.1165"/>
+          <dgm:constr type="w" for="ch" forName="image5" refType="w" fact="0.1623"/>
+          <dgm:constr type="h" for="ch" forName="image5" refType="h" fact="0.2049"/>
+          <dgm:constr type="l" for="ch" forName="image2" refType="w" fact="0.4189"/>
+          <dgm:constr type="t" for="ch" forName="image2" refType="h" fact="0.34"/>
+          <dgm:constr type="w" for="ch" forName="image2" refType="w" fact="0.1623"/>
+          <dgm:constr type="h" for="ch" forName="image2" refType="h" fact="0.2049"/>
+          <dgm:constr type="l" for="ch" forName="text4" refType="w" fact="0.4189"/>
+          <dgm:constr type="t" for="ch" forName="text4" refType="h" fact="0.1135"/>
+          <dgm:constr type="w" for="ch" forName="text4" refType="w" fact="0.1623"/>
+          <dgm:constr type="h" for="ch" forName="text4" refType="h" fact="0.2049"/>
+          <dgm:constr type="l" for="ch" forName="text2" refType="w" fact="0.2793"/>
+          <dgm:constr type="t" for="ch" forName="text2" refType="h" fact="0.2265"/>
+          <dgm:constr type="w" for="ch" forName="text2" refType="w" fact="0.1623"/>
+          <dgm:constr type="h" for="ch" forName="text2" refType="h" fact="0.2049"/>
+          <dgm:constr type="l" for="ch" forName="image3" refType="w" fact="0.2793"/>
+          <dgm:constr type="t" for="ch" forName="image3" refType="h" fact="0"/>
+          <dgm:constr type="w" for="ch" forName="image3" refType="w" fact="0.1623"/>
+          <dgm:constr type="h" for="ch" forName="image3" refType="h" fact="0.2049"/>
+          <dgm:constr type="l" for="ch" forName="text1" refType="w" fact="0.1396"/>
+          <dgm:constr type="t" for="ch" forName="text1" refType="h" fact="0.3404"/>
+          <dgm:constr type="w" for="ch" forName="text1" refType="w" fact="0.1623"/>
+          <dgm:constr type="h" for="ch" forName="text1" refType="h" fact="0.2049"/>
+          <dgm:constr type="l" for="ch" forName="text3" refType="w" fact="0.1396"/>
+          <dgm:constr type="t" for="ch" forName="text3" refType="h" fact="0.1139"/>
+          <dgm:constr type="w" for="ch" forName="text3" refType="w" fact="0.1623"/>
+          <dgm:constr type="h" for="ch" forName="text3" refType="h" fact="0.2049"/>
+          <dgm:constr type="l" for="ch" forName="textaccent1" refType="w" fact="0.1435"/>
+          <dgm:constr type="t" for="ch" forName="textaccent1" refType="h" fact="0.432"/>
+          <dgm:constr type="w" for="ch" forName="textaccent1" refType="w" fact="0.0189"/>
+          <dgm:constr type="h" for="ch" forName="textaccent1" refType="h" fact="0.024"/>
+          <dgm:constr type="l" for="ch" forName="image1" refType="w" fact="0"/>
+          <dgm:constr type="t" for="ch" forName="image1" refType="h" fact="0.2272"/>
+          <dgm:constr type="w" for="ch" forName="image1" refType="w" fact="0.1623"/>
+          <dgm:constr type="h" for="ch" forName="image1" refType="h" fact="0.2049"/>
+          <dgm:constr type="l" for="ch" forName="imageaccent1" refType="w" fact="0.1111"/>
+          <dgm:constr type="t" for="ch" forName="imageaccent1" refType="h" fact="0.4048"/>
+          <dgm:constr type="w" for="ch" forName="imageaccent1" refType="w" fact="0.0189"/>
+          <dgm:constr type="h" for="ch" forName="imageaccent1" refType="h" fact="0.024"/>
+          <dgm:constr type="l" for="ch" forName="textaccent2" refType="w" fact="0.391"/>
+          <dgm:constr type="t" for="ch" forName="textaccent2" refType="h" fact="0.4038"/>
+          <dgm:constr type="w" for="ch" forName="textaccent2" refType="w" fact="0.0189"/>
+          <dgm:constr type="h" for="ch" forName="textaccent2" refType="h" fact="0.024"/>
+          <dgm:constr type="l" for="ch" forName="imageaccent2" refType="w" fact="0.4228"/>
+          <dgm:constr type="t" for="ch" forName="imageaccent2" refType="h" fact="0.4312"/>
+          <dgm:constr type="w" for="ch" forName="imageaccent2" refType="w" fact="0.0189"/>
+          <dgm:constr type="h" for="ch" forName="imageaccent2" refType="h" fact="0.024"/>
+          <dgm:constr type="l" for="ch" forName="textaccent3" refType="w" fact="0.2501"/>
+          <dgm:constr type="t" for="ch" forName="textaccent3" refType="h" fact="0.1167"/>
+          <dgm:constr type="w" for="ch" forName="textaccent3" refType="w" fact="0.0189"/>
+          <dgm:constr type="h" for="ch" forName="textaccent3" refType="h" fact="0.024"/>
+          <dgm:constr type="l" for="ch" forName="imageaccent3" refType="w" fact="0.2839"/>
+          <dgm:constr type="t" for="ch" forName="imageaccent3" refType="h" fact="0.0908"/>
+          <dgm:constr type="w" for="ch" forName="imageaccent3" refType="w" fact="0.0189"/>
+          <dgm:constr type="h" for="ch" forName="imageaccent3" refType="h" fact="0.024"/>
+          <dgm:constr type="l" for="ch" forName="textaccent4" refType="w" fact="0.5593"/>
+          <dgm:constr type="t" for="ch" forName="textaccent4" refType="h" fact="0.2042"/>
+          <dgm:constr type="w" for="ch" forName="textaccent4" refType="w" fact="0.0189"/>
+          <dgm:constr type="h" for="ch" forName="textaccent4" refType="h" fact="0.024"/>
+          <dgm:constr type="l" for="ch" forName="imageaccent4" refType="w" fact="0.5901"/>
+          <dgm:constr type="t" for="ch" forName="imageaccent4" refType="h" fact="0.2323"/>
+          <dgm:constr type="w" for="ch" forName="imageaccent4" refType="w" fact="0.0189"/>
+          <dgm:constr type="h" for="ch" forName="imageaccent4" refType="h" fact="0.024"/>
+          <dgm:constr type="l" for="ch" forName="textaccent5" refType="w" fact="0.6989"/>
+          <dgm:constr type="t" for="ch" forName="textaccent5" refType="h" fact="0.094"/>
+          <dgm:constr type="w" for="ch" forName="textaccent5" refType="w" fact="0.0189"/>
+          <dgm:constr type="h" for="ch" forName="textaccent5" refType="h" fact="0.024"/>
+          <dgm:constr type="l" for="ch" forName="imageaccent5" refType="w" fact="0.7305"/>
+          <dgm:constr type="t" for="ch" forName="imageaccent5" refType="h" fact="0.121"/>
+          <dgm:constr type="w" for="ch" forName="imageaccent5" refType="w" fact="0.0189"/>
+          <dgm:constr type="h" for="ch" forName="imageaccent5" refType="h" fact="0.024"/>
+          <dgm:constr type="l" for="ch" forName="image6" refType="w" fact="0.5585"/>
+          <dgm:constr type="t" for="ch" forName="image6" refType="h" fact="0.4548"/>
+          <dgm:constr type="w" for="ch" forName="image6" refType="w" fact="0.1623"/>
+          <dgm:constr type="h" for="ch" forName="image6" refType="h" fact="0.2049"/>
+          <dgm:constr type="l" for="ch" forName="text6" refType="w" fact="0.6982"/>
+          <dgm:constr type="t" for="ch" forName="text6" refType="h" fact="0.3426"/>
+          <dgm:constr type="w" for="ch" forName="text6" refType="w" fact="0.1623"/>
+          <dgm:constr type="h" for="ch" forName="text6" refType="h" fact="0.2049"/>
+          <dgm:constr type="l" for="ch" forName="imageaccent6" refType="w" fact="0.7002"/>
+          <dgm:constr type="t" for="ch" forName="imageaccent6" refType="h" fact="0.5447"/>
+          <dgm:constr type="w" for="ch" forName="imageaccent6" refType="w" fact="0.0189"/>
+          <dgm:constr type="h" for="ch" forName="imageaccent6" refType="h" fact="0.024"/>
+          <dgm:constr type="l" for="ch" forName="textaccent6" refType="w" fact="0.7303"/>
+          <dgm:constr type="t" for="ch" forName="textaccent6" refType="h" fact="0.5221"/>
+          <dgm:constr type="w" for="ch" forName="textaccent6" refType="w" fact="0.0189"/>
+          <dgm:constr type="h" for="ch" forName="textaccent6" refType="h" fact="0.024"/>
+          <dgm:constr type="l" for="ch" forName="text7" refType="w" fact="0.2792"/>
+          <dgm:constr type="t" for="ch" forName="text7" refType="h" fact="0.4535"/>
+          <dgm:constr type="w" for="ch" forName="text7" refType="w" fact="0.1623"/>
+          <dgm:constr type="h" for="ch" forName="text7" refType="h" fact="0.2049"/>
+          <dgm:constr type="l" for="ch" forName="image7" refType="w" fact="0.1395"/>
+          <dgm:constr type="t" for="ch" forName="image7" refType="h" fact="0.5674"/>
+          <dgm:constr type="w" for="ch" forName="image7" refType="w" fact="0.1623"/>
+          <dgm:constr type="h" for="ch" forName="image7" refType="h" fact="0.2049"/>
+          <dgm:constr type="l" for="ch" forName="imageaccent7" refType="w" fact="0.25"/>
+          <dgm:constr type="t" for="ch" forName="imageaccent7" refType="h" fact="0.5703"/>
+          <dgm:constr type="w" for="ch" forName="imageaccent7" refType="w" fact="0.0189"/>
+          <dgm:constr type="h" for="ch" forName="imageaccent7" refType="h" fact="0.024"/>
+          <dgm:constr type="l" for="ch" forName="textaccent7" refType="w" fact="0.2838"/>
+          <dgm:constr type="t" for="ch" forName="textaccent7" refType="h" fact="0.5443"/>
+          <dgm:constr type="w" for="ch" forName="textaccent7" refType="w" fact="0.0189"/>
+          <dgm:constr type="h" for="ch" forName="textaccent7" refType="h" fact="0.024"/>
+          <dgm:constr type="l" for="ch" forName="image8" refType="w" fact="0.6975"/>
+          <dgm:constr type="t" for="ch" forName="image8" refType="h" fact="0.5696"/>
+          <dgm:constr type="w" for="ch" forName="image8" refType="w" fact="0.1623"/>
+          <dgm:constr type="h" for="ch" forName="image8" refType="h" fact="0.2049"/>
+          <dgm:constr type="l" for="ch" forName="text8" refType="w" fact="0.8371"/>
+          <dgm:constr type="t" for="ch" forName="text8" refType="h" fact="0.4574"/>
+          <dgm:constr type="w" for="ch" forName="text8" refType="w" fact="0.1623"/>
+          <dgm:constr type="h" for="ch" forName="text8" refType="h" fact="0.2049"/>
+          <dgm:constr type="l" for="ch" forName="imageaccent8" refType="w" fact="0.8392"/>
+          <dgm:constr type="t" for="ch" forName="imageaccent8" refType="h" fact="0.6595"/>
+          <dgm:constr type="w" for="ch" forName="imageaccent8" refType="w" fact="0.0189"/>
+          <dgm:constr type="h" for="ch" forName="imageaccent8" refType="h" fact="0.024"/>
+          <dgm:constr type="l" for="ch" forName="textaccent8" refType="w" fact="0.8693"/>
+          <dgm:constr type="t" for="ch" forName="textaccent8" refType="h" fact="0.6369"/>
+          <dgm:constr type="w" for="ch" forName="textaccent8" refType="w" fact="0.0189"/>
+          <dgm:constr type="h" for="ch" forName="textaccent8" refType="h" fact="0.024"/>
+          <dgm:constr type="l" for="ch" forName="text9" refType="w" fact="0.8377"/>
+          <dgm:constr type="t" for="ch" forName="text9" refType="h" fact="0.0044"/>
+          <dgm:constr type="w" for="ch" forName="text9" refType="w" fact="0.1623"/>
+          <dgm:constr type="h" for="ch" forName="text9" refType="h" fact="0.2049"/>
+          <dgm:constr type="l" for="ch" forName="textaccent9" refType="w" fact="0.95"/>
+          <dgm:constr type="t" for="ch" forName="textaccent9" refType="h" fact="0.1846"/>
+          <dgm:constr type="w" for="ch" forName="textaccent9" refType="w" fact="0.0189"/>
+          <dgm:constr type="h" for="ch" forName="textaccent9" refType="h" fact="0.024"/>
+          <dgm:constr type="l" for="ch" forName="image9" refType="w" fact="0.8377"/>
+          <dgm:constr type="t" for="ch" forName="image9" refType="h" fact="0.2306"/>
+          <dgm:constr type="w" for="ch" forName="image9" refType="w" fact="0.1623"/>
+          <dgm:constr type="h" for="ch" forName="image9" refType="h" fact="0.2049"/>
+          <dgm:constr type="l" for="ch" forName="imageaccent9" refType="w" fact="0.95"/>
+          <dgm:constr type="t" for="ch" forName="imageaccent9" refType="h" fact="0.2318"/>
+          <dgm:constr type="w" for="ch" forName="imageaccent9" refType="w" fact="0.0189"/>
+          <dgm:constr type="h" for="ch" forName="imageaccent9" refType="h" fact="0.024"/>
+          <dgm:constr type="l" for="ch" forName="image10" refType="w" fact="0.2786"/>
+          <dgm:constr type="t" for="ch" forName="image10" refType="h" fact="0.6805"/>
+          <dgm:constr type="w" for="ch" forName="image10" refType="w" fact="0.1623"/>
+          <dgm:constr type="h" for="ch" forName="image10" refType="h" fact="0.2049"/>
+          <dgm:constr type="l" for="ch" forName="text10" refType="w" fact="0.4183"/>
+          <dgm:constr type="t" for="ch" forName="text10" refType="h" fact="0.5683"/>
+          <dgm:constr type="w" for="ch" forName="text10" refType="w" fact="0.1623"/>
+          <dgm:constr type="h" for="ch" forName="text10" refType="h" fact="0.2049"/>
+          <dgm:constr type="l" for="ch" forName="imageaccent10" refType="w" fact="0.4203"/>
+          <dgm:constr type="t" for="ch" forName="imageaccent10" refType="h" fact="0.7704"/>
+          <dgm:constr type="w" for="ch" forName="imageaccent10" refType="w" fact="0.0189"/>
+          <dgm:constr type="h" for="ch" forName="imageaccent10" refType="h" fact="0.024"/>
+          <dgm:constr type="l" for="ch" forName="textaccent10" refType="w" fact="0.4504"/>
+          <dgm:constr type="t" for="ch" forName="textaccent10" refType="h" fact="0.7478"/>
+          <dgm:constr type="w" for="ch" forName="textaccent10" refType="w" fact="0.0189"/>
+          <dgm:constr type="h" for="ch" forName="textaccent10" refType="h" fact="0.024"/>
+          <dgm:constr type="l" for="ch" forName="text11" refType="w" fact="0.6971"/>
+          <dgm:constr type="t" for="ch" forName="text11" refType="h" fact="0.7951"/>
+          <dgm:constr type="w" for="ch" forName="text11" refType="w" fact="0.1623"/>
+          <dgm:constr type="h" for="ch" forName="text11" refType="h" fact="0.2049"/>
+          <dgm:constr type="l" for="ch" forName="image11" refType="w" fact="0.5575"/>
+          <dgm:constr type="t" for="ch" forName="image11" refType="h" fact="0.6816"/>
+          <dgm:constr type="w" for="ch" forName="image11" refType="w" fact="0.1623"/>
+          <dgm:constr type="h" for="ch" forName="image11" refType="h" fact="0.2049"/>
+          <dgm:constr type="l" for="ch" forName="imageaccent11" refType="w" fact="0.6692"/>
+          <dgm:constr type="t" for="ch" forName="imageaccent11" refType="h" fact="0.8589"/>
+          <dgm:constr type="w" for="ch" forName="imageaccent11" refType="w" fact="0.0189"/>
+          <dgm:constr type="h" for="ch" forName="imageaccent11" refType="h" fact="0.024"/>
+          <dgm:constr type="l" for="ch" forName="textaccent11" refType="w" fact="0.701"/>
+          <dgm:constr type="t" for="ch" forName="textaccent11" refType="h" fact="0.8863"/>
+          <dgm:constr type="w" for="ch" forName="textaccent11" refType="w" fact="0.0189"/>
+          <dgm:constr type="h" for="ch" forName="textaccent11" refType="h" fact="0.024"/>
+        </dgm:constrLst>
+      </dgm:if>
+      <dgm:else name="Name13">
+        <dgm:alg type="composite">
+          <dgm:param type="ar" val="1.675"/>
+        </dgm:alg>
+        <dgm:constrLst>
+          <dgm:constr type="primFontSz" for="des" ptType="node" op="equ" val="65"/>
+          <dgm:constr type="l" for="ch" forName="image4" refType="w" fact="0.4903"/>
+          <dgm:constr type="t" for="ch" forName="image4" refType="h" fact="0.2287"/>
+          <dgm:constr type="w" for="ch" forName="image4" refType="w" fact="0.1425"/>
+          <dgm:constr type="h" for="ch" forName="image4" refType="h" fact="0.2049"/>
+          <dgm:constr type="l" for="ch" forName="text5" refType="w" fact="0.4903"/>
+          <dgm:constr type="t" for="ch" forName="text5" refType="h" fact="0.0022"/>
+          <dgm:constr type="w" for="ch" forName="text5" refType="w" fact="0.1425"/>
+          <dgm:constr type="h" for="ch" forName="text5" refType="h" fact="0.2049"/>
+          <dgm:constr type="l" for="ch" forName="image5" refType="w" fact="0.6129"/>
+          <dgm:constr type="t" for="ch" forName="image5" refType="h" fact="0.1165"/>
+          <dgm:constr type="w" for="ch" forName="image5" refType="w" fact="0.1425"/>
+          <dgm:constr type="h" for="ch" forName="image5" refType="h" fact="0.2049"/>
+          <dgm:constr type="l" for="ch" forName="image2" refType="w" fact="0.3677"/>
+          <dgm:constr type="t" for="ch" forName="image2" refType="h" fact="0.34"/>
+          <dgm:constr type="w" for="ch" forName="image2" refType="w" fact="0.1425"/>
+          <dgm:constr type="h" for="ch" forName="image2" refType="h" fact="0.2049"/>
+          <dgm:constr type="l" for="ch" forName="text4" refType="w" fact="0.3677"/>
+          <dgm:constr type="t" for="ch" forName="text4" refType="h" fact="0.1135"/>
+          <dgm:constr type="w" for="ch" forName="text4" refType="w" fact="0.1425"/>
+          <dgm:constr type="h" for="ch" forName="text4" refType="h" fact="0.2049"/>
+          <dgm:constr type="l" for="ch" forName="text2" refType="w" fact="0.2452"/>
+          <dgm:constr type="t" for="ch" forName="text2" refType="h" fact="0.2265"/>
+          <dgm:constr type="w" for="ch" forName="text2" refType="w" fact="0.1425"/>
+          <dgm:constr type="h" for="ch" forName="text2" refType="h" fact="0.2049"/>
+          <dgm:constr type="l" for="ch" forName="image3" refType="w" fact="0.2452"/>
+          <dgm:constr type="t" for="ch" forName="image3" refType="h" fact="0"/>
+          <dgm:constr type="w" for="ch" forName="image3" refType="w" fact="0.1425"/>
+          <dgm:constr type="h" for="ch" forName="image3" refType="h" fact="0.2049"/>
+          <dgm:constr type="l" for="ch" forName="text1" refType="w" fact="0.1226"/>
+          <dgm:constr type="t" for="ch" forName="text1" refType="h" fact="0.3404"/>
+          <dgm:constr type="w" for="ch" forName="text1" refType="w" fact="0.1425"/>
+          <dgm:constr type="h" for="ch" forName="text1" refType="h" fact="0.2049"/>
+          <dgm:constr type="l" for="ch" forName="text3" refType="w" fact="0.1226"/>
+          <dgm:constr type="t" for="ch" forName="text3" refType="h" fact="0.1139"/>
+          <dgm:constr type="w" for="ch" forName="text3" refType="w" fact="0.1425"/>
+          <dgm:constr type="h" for="ch" forName="text3" refType="h" fact="0.2049"/>
+          <dgm:constr type="l" for="ch" forName="textaccent1" refType="w" fact="0.126"/>
+          <dgm:constr type="t" for="ch" forName="textaccent1" refType="h" fact="0.432"/>
+          <dgm:constr type="w" for="ch" forName="textaccent1" refType="w" fact="0.0166"/>
+          <dgm:constr type="h" for="ch" forName="textaccent1" refType="h" fact="0.024"/>
+          <dgm:constr type="l" for="ch" forName="image1" refType="w" fact="0"/>
+          <dgm:constr type="t" for="ch" forName="image1" refType="h" fact="0.2272"/>
+          <dgm:constr type="w" for="ch" forName="image1" refType="w" fact="0.1425"/>
+          <dgm:constr type="h" for="ch" forName="image1" refType="h" fact="0.2049"/>
+          <dgm:constr type="l" for="ch" forName="imageaccent1" refType="w" fact="0.0976"/>
+          <dgm:constr type="t" for="ch" forName="imageaccent1" refType="h" fact="0.4048"/>
+          <dgm:constr type="w" for="ch" forName="imageaccent1" refType="w" fact="0.0166"/>
+          <dgm:constr type="h" for="ch" forName="imageaccent1" refType="h" fact="0.024"/>
+          <dgm:constr type="l" for="ch" forName="textaccent2" refType="w" fact="0.3432"/>
+          <dgm:constr type="t" for="ch" forName="textaccent2" refType="h" fact="0.4038"/>
+          <dgm:constr type="w" for="ch" forName="textaccent2" refType="w" fact="0.0166"/>
+          <dgm:constr type="h" for="ch" forName="textaccent2" refType="h" fact="0.024"/>
+          <dgm:constr type="l" for="ch" forName="imageaccent2" refType="w" fact="0.3712"/>
+          <dgm:constr type="t" for="ch" forName="imageaccent2" refType="h" fact="0.4312"/>
+          <dgm:constr type="w" for="ch" forName="imageaccent2" refType="w" fact="0.0166"/>
+          <dgm:constr type="h" for="ch" forName="imageaccent2" refType="h" fact="0.024"/>
+          <dgm:constr type="l" for="ch" forName="textaccent3" refType="w" fact="0.2196"/>
+          <dgm:constr type="t" for="ch" forName="textaccent3" refType="h" fact="0.1167"/>
+          <dgm:constr type="w" for="ch" forName="textaccent3" refType="w" fact="0.0166"/>
+          <dgm:constr type="h" for="ch" forName="textaccent3" refType="h" fact="0.024"/>
+          <dgm:constr type="l" for="ch" forName="imageaccent3" refType="w" fact="0.2492"/>
+          <dgm:constr type="t" for="ch" forName="imageaccent3" refType="h" fact="0.0908"/>
+          <dgm:constr type="w" for="ch" forName="imageaccent3" refType="w" fact="0.0166"/>
+          <dgm:constr type="h" for="ch" forName="imageaccent3" refType="h" fact="0.024"/>
+          <dgm:constr type="l" for="ch" forName="textaccent4" refType="w" fact="0.491"/>
+          <dgm:constr type="t" for="ch" forName="textaccent4" refType="h" fact="0.2042"/>
+          <dgm:constr type="w" for="ch" forName="textaccent4" refType="w" fact="0.0166"/>
+          <dgm:constr type="h" for="ch" forName="textaccent4" refType="h" fact="0.024"/>
+          <dgm:constr type="l" for="ch" forName="imageaccent4" refType="w" fact="0.5181"/>
+          <dgm:constr type="t" for="ch" forName="imageaccent4" refType="h" fact="0.2323"/>
+          <dgm:constr type="w" for="ch" forName="imageaccent4" refType="w" fact="0.0166"/>
+          <dgm:constr type="h" for="ch" forName="imageaccent4" refType="h" fact="0.024"/>
+          <dgm:constr type="l" for="ch" forName="textaccent5" refType="w" fact="0.6136"/>
+          <dgm:constr type="t" for="ch" forName="textaccent5" refType="h" fact="0.094"/>
+          <dgm:constr type="w" for="ch" forName="textaccent5" refType="w" fact="0.0166"/>
+          <dgm:constr type="h" for="ch" forName="textaccent5" refType="h" fact="0.024"/>
+          <dgm:constr type="l" for="ch" forName="imageaccent5" refType="w" fact="0.6413"/>
+          <dgm:constr type="t" for="ch" forName="imageaccent5" refType="h" fact="0.121"/>
+          <dgm:constr type="w" for="ch" forName="imageaccent5" refType="w" fact="0.0166"/>
+          <dgm:constr type="h" for="ch" forName="imageaccent5" refType="h" fact="0.024"/>
+          <dgm:constr type="l" for="ch" forName="image6" refType="w" fact="0.4903"/>
+          <dgm:constr type="t" for="ch" forName="image6" refType="h" fact="0.4548"/>
+          <dgm:constr type="w" for="ch" forName="image6" refType="w" fact="0.1425"/>
+          <dgm:constr type="h" for="ch" forName="image6" refType="h" fact="0.2049"/>
+          <dgm:constr type="l" for="ch" forName="text6" refType="w" fact="0.6129"/>
+          <dgm:constr type="t" for="ch" forName="text6" refType="h" fact="0.3426"/>
+          <dgm:constr type="w" for="ch" forName="text6" refType="w" fact="0.1425"/>
+          <dgm:constr type="h" for="ch" forName="text6" refType="h" fact="0.2049"/>
+          <dgm:constr type="l" for="ch" forName="imageaccent6" refType="w" fact="0.6147"/>
+          <dgm:constr type="t" for="ch" forName="imageaccent6" refType="h" fact="0.5447"/>
+          <dgm:constr type="w" for="ch" forName="imageaccent6" refType="w" fact="0.0166"/>
+          <dgm:constr type="h" for="ch" forName="imageaccent6" refType="h" fact="0.024"/>
+          <dgm:constr type="l" for="ch" forName="textaccent6" refType="w" fact="0.6411"/>
+          <dgm:constr type="t" for="ch" forName="textaccent6" refType="h" fact="0.5221"/>
+          <dgm:constr type="w" for="ch" forName="textaccent6" refType="w" fact="0.0166"/>
+          <dgm:constr type="h" for="ch" forName="textaccent6" refType="h" fact="0.024"/>
+          <dgm:constr type="l" for="ch" forName="text7" refType="w" fact="0.2451"/>
+          <dgm:constr type="t" for="ch" forName="text7" refType="h" fact="0.4535"/>
+          <dgm:constr type="w" for="ch" forName="text7" refType="w" fact="0.1425"/>
+          <dgm:constr type="h" for="ch" forName="text7" refType="h" fact="0.2049"/>
+          <dgm:constr type="l" for="ch" forName="image7" refType="w" fact="0.1225"/>
+          <dgm:constr type="t" for="ch" forName="image7" refType="h" fact="0.5674"/>
+          <dgm:constr type="w" for="ch" forName="image7" refType="w" fact="0.1425"/>
+          <dgm:constr type="h" for="ch" forName="image7" refType="h" fact="0.2049"/>
+          <dgm:constr type="l" for="ch" forName="imageaccent7" refType="w" fact="0.2195"/>
+          <dgm:constr type="t" for="ch" forName="imageaccent7" refType="h" fact="0.5703"/>
+          <dgm:constr type="w" for="ch" forName="imageaccent7" refType="w" fact="0.0166"/>
+          <dgm:constr type="h" for="ch" forName="imageaccent7" refType="h" fact="0.024"/>
+          <dgm:constr type="l" for="ch" forName="textaccent7" refType="w" fact="0.2491"/>
+          <dgm:constr type="t" for="ch" forName="textaccent7" refType="h" fact="0.5443"/>
+          <dgm:constr type="w" for="ch" forName="textaccent7" refType="w" fact="0.0166"/>
+          <dgm:constr type="h" for="ch" forName="textaccent7" refType="h" fact="0.024"/>
+          <dgm:constr type="l" for="ch" forName="image8" refType="w" fact="0.6123"/>
+          <dgm:constr type="t" for="ch" forName="image8" refType="h" fact="0.5696"/>
+          <dgm:constr type="w" for="ch" forName="image8" refType="w" fact="0.1425"/>
+          <dgm:constr type="h" for="ch" forName="image8" refType="h" fact="0.2049"/>
+          <dgm:constr type="l" for="ch" forName="text8" refType="w" fact="0.7349"/>
+          <dgm:constr type="t" for="ch" forName="text8" refType="h" fact="0.4574"/>
+          <dgm:constr type="w" for="ch" forName="text8" refType="w" fact="0.1425"/>
+          <dgm:constr type="h" for="ch" forName="text8" refType="h" fact="0.2049"/>
+          <dgm:constr type="l" for="ch" forName="imageaccent8" refType="w" fact="0.7367"/>
+          <dgm:constr type="t" for="ch" forName="imageaccent8" refType="h" fact="0.6595"/>
+          <dgm:constr type="w" for="ch" forName="imageaccent8" refType="w" fact="0.0166"/>
+          <dgm:constr type="h" for="ch" forName="imageaccent8" refType="h" fact="0.024"/>
+          <dgm:constr type="l" for="ch" forName="textaccent8" refType="w" fact="0.7631"/>
+          <dgm:constr type="t" for="ch" forName="textaccent8" refType="h" fact="0.6369"/>
+          <dgm:constr type="w" for="ch" forName="textaccent8" refType="w" fact="0.0166"/>
+          <dgm:constr type="h" for="ch" forName="textaccent8" refType="h" fact="0.024"/>
+          <dgm:constr type="l" for="ch" forName="text9" refType="w" fact="0.7354"/>
+          <dgm:constr type="t" for="ch" forName="text9" refType="h" fact="0.0044"/>
+          <dgm:constr type="w" for="ch" forName="text9" refType="w" fact="0.1425"/>
+          <dgm:constr type="h" for="ch" forName="text9" refType="h" fact="0.2049"/>
+          <dgm:constr type="l" for="ch" forName="textaccent9" refType="w" fact="0.8339"/>
+          <dgm:constr type="t" for="ch" forName="textaccent9" refType="h" fact="0.1846"/>
+          <dgm:constr type="w" for="ch" forName="textaccent9" refType="w" fact="0.0166"/>
+          <dgm:constr type="h" for="ch" forName="textaccent9" refType="h" fact="0.024"/>
+          <dgm:constr type="l" for="ch" forName="image9" refType="w" fact="0.7354"/>
+          <dgm:constr type="t" for="ch" forName="image9" refType="h" fact="0.2306"/>
+          <dgm:constr type="w" for="ch" forName="image9" refType="w" fact="0.1425"/>
+          <dgm:constr type="h" for="ch" forName="image9" refType="h" fact="0.2049"/>
+          <dgm:constr type="l" for="ch" forName="imageaccent9" refType="w" fact="0.8339"/>
+          <dgm:constr type="t" for="ch" forName="imageaccent9" refType="h" fact="0.2318"/>
+          <dgm:constr type="w" for="ch" forName="imageaccent9" refType="w" fact="0.0166"/>
+          <dgm:constr type="h" for="ch" forName="imageaccent9" refType="h" fact="0.024"/>
+          <dgm:constr type="l" for="ch" forName="image10" refType="w" fact="0.2446"/>
+          <dgm:constr type="t" for="ch" forName="image10" refType="h" fact="0.6805"/>
+          <dgm:constr type="w" for="ch" forName="image10" refType="w" fact="0.1425"/>
+          <dgm:constr type="h" for="ch" forName="image10" refType="h" fact="0.2049"/>
+          <dgm:constr type="l" for="ch" forName="text10" refType="w" fact="0.3672"/>
+          <dgm:constr type="t" for="ch" forName="text10" refType="h" fact="0.5683"/>
+          <dgm:constr type="w" for="ch" forName="text10" refType="w" fact="0.1425"/>
+          <dgm:constr type="h" for="ch" forName="text10" refType="h" fact="0.2049"/>
+          <dgm:constr type="l" for="ch" forName="imageaccent10" refType="w" fact="0.369"/>
+          <dgm:constr type="t" for="ch" forName="imageaccent10" refType="h" fact="0.7704"/>
+          <dgm:constr type="w" for="ch" forName="imageaccent10" refType="w" fact="0.0166"/>
+          <dgm:constr type="h" for="ch" forName="imageaccent10" refType="h" fact="0.024"/>
+          <dgm:constr type="l" for="ch" forName="textaccent10" refType="w" fact="0.3954"/>
+          <dgm:constr type="t" for="ch" forName="textaccent10" refType="h" fact="0.7478"/>
+          <dgm:constr type="w" for="ch" forName="textaccent10" refType="w" fact="0.0166"/>
+          <dgm:constr type="h" for="ch" forName="textaccent10" refType="h" fact="0.024"/>
+          <dgm:constr type="l" for="ch" forName="text11" refType="w" fact="0.612"/>
+          <dgm:constr type="t" for="ch" forName="text11" refType="h" fact="0.7951"/>
+          <dgm:constr type="w" for="ch" forName="text11" refType="w" fact="0.1425"/>
+          <dgm:constr type="h" for="ch" forName="text11" refType="h" fact="0.2049"/>
+          <dgm:constr type="l" for="ch" forName="image11" refType="w" fact="0.4894"/>
+          <dgm:constr type="t" for="ch" forName="image11" refType="h" fact="0.6816"/>
+          <dgm:constr type="w" for="ch" forName="image11" refType="w" fact="0.1425"/>
+          <dgm:constr type="h" for="ch" forName="image11" refType="h" fact="0.2049"/>
+          <dgm:constr type="l" for="ch" forName="imageaccent11" refType="w" fact="0.5874"/>
+          <dgm:constr type="t" for="ch" forName="imageaccent11" refType="h" fact="0.8589"/>
+          <dgm:constr type="w" for="ch" forName="imageaccent11" refType="w" fact="0.0166"/>
+          <dgm:constr type="h" for="ch" forName="imageaccent11" refType="h" fact="0.024"/>
+          <dgm:constr type="l" for="ch" forName="textaccent11" refType="w" fact="0.6154"/>
+          <dgm:constr type="t" for="ch" forName="textaccent11" refType="h" fact="0.8863"/>
+          <dgm:constr type="w" for="ch" forName="textaccent11" refType="w" fact="0.0166"/>
+          <dgm:constr type="h" for="ch" forName="textaccent11" refType="h" fact="0.024"/>
+          <dgm:constr type="l" for="ch" forName="text12" refType="w" fact="0.735"/>
+          <dgm:constr type="t" for="ch" forName="text12" refType="h" fact="0.684"/>
+          <dgm:constr type="w" for="ch" forName="text12" refType="w" fact="0.1425"/>
+          <dgm:constr type="h" for="ch" forName="text12" refType="h" fact="0.2049"/>
+          <dgm:constr type="l" for="ch" forName="image12" refType="w" fact="0.8575"/>
+          <dgm:constr type="t" for="ch" forName="image12" refType="h" fact="0.5718"/>
+          <dgm:constr type="w" for="ch" forName="image12" refType="w" fact="0.1425"/>
+          <dgm:constr type="h" for="ch" forName="image12" refType="h" fact="0.2049"/>
+          <dgm:constr type="l" for="ch" forName="textaccent12" refType="w" fact="0.8594"/>
+          <dgm:constr type="t" for="ch" forName="textaccent12" refType="h" fact="0.7739"/>
+          <dgm:constr type="w" for="ch" forName="textaccent12" refType="w" fact="0.0166"/>
+          <dgm:constr type="h" for="ch" forName="textaccent12" refType="h" fact="0.024"/>
+          <dgm:constr type="l" for="ch" forName="imageaccent12" refType="w" fact="0.8858"/>
+          <dgm:constr type="t" for="ch" forName="imageaccent12" refType="h" fact="0.7513"/>
+          <dgm:constr type="w" for="ch" forName="imageaccent12" refType="w" fact="0.0166"/>
+          <dgm:constr type="h" for="ch" forName="imageaccent12" refType="h" fact="0.024"/>
+        </dgm:constrLst>
+      </dgm:else>
+    </dgm:choose>
+    <dgm:forEach name="wrapper" axis="self" ptType="parTrans">
+      <dgm:forEach name="wrapper2" axis="self" ptType="sibTrans" st="2">
+        <dgm:forEach name="textRepeat" axis="self">
+          <dgm:layoutNode name="textRepeatNode" styleLbl="alignNode1">
+            <dgm:varLst>
+              <dgm:chMax val="0"/>
+              <dgm:chPref val="0"/>
+              <dgm:bulletEnabled val="1"/>
+            </dgm:varLst>
+            <dgm:alg type="tx"/>
+            <dgm:shape xmlns:r="http://schemas.openxmlformats.org/officeDocument/2006/relationships" type="hexagon" r:blip="">
+              <dgm:adjLst>
+                <dgm:adj idx="1" val="0.25"/>
+                <dgm:adj idx="2" val="1.1547"/>
+              </dgm:adjLst>
+            </dgm:shape>
+            <dgm:presOf axis="desOrSelf" ptType="node"/>
+            <dgm:constrLst>
+              <dgm:constr type="lMarg" refType="primFontSz" fact="0"/>
+              <dgm:constr type="rMarg" refType="primFontSz" fact="0"/>
+              <dgm:constr type="tMarg" refType="primFontSz" fact="0.1"/>
+              <dgm:constr type="bMarg" refType="primFontSz" fact="0.1"/>
+            </dgm:constrLst>
+            <dgm:ruleLst>
+              <dgm:rule type="primFontSz" val="5" fact="NaN" max="NaN"/>
+            </dgm:ruleLst>
+          </dgm:layoutNode>
+        </dgm:forEach>
+        <dgm:forEach name="accentRepeat" axis="self">
+          <dgm:layoutNode name="accentRepeatNode" styleLbl="solidAlignAcc1">
+            <dgm:alg type="sp"/>
+            <dgm:shape xmlns:r="http://schemas.openxmlformats.org/officeDocument/2006/relationships" type="hexagon" r:blip="">
+              <dgm:adjLst>
+                <dgm:adj idx="1" val="0.25"/>
+                <dgm:adj idx="2" val="1.1547"/>
+              </dgm:adjLst>
+            </dgm:shape>
+            <dgm:presOf/>
+          </dgm:layoutNode>
+        </dgm:forEach>
+        <dgm:forEach name="imageRepeat" axis="self">
+          <dgm:layoutNode name="imageRepeatNode" styleLbl="alignAcc1">
+            <dgm:alg type="sp"/>
+            <dgm:shape xmlns:r="http://schemas.openxmlformats.org/officeDocument/2006/relationships" type="hexagon" r:blip="" blipPhldr="1">
+              <dgm:adjLst>
+                <dgm:adj idx="1" val="0.25"/>
+                <dgm:adj idx="2" val="1.1547"/>
+              </dgm:adjLst>
+            </dgm:shape>
+            <dgm:presOf axis="self"/>
+          </dgm:layoutNode>
+        </dgm:forEach>
+      </dgm:forEach>
+    </dgm:forEach>
+    <dgm:forEach name="Name14" axis="ch" ptType="node" cnt="1">
+      <dgm:layoutNode name="text1">
+        <dgm:alg type="sp"/>
+        <dgm:shape xmlns:r="http://schemas.openxmlformats.org/officeDocument/2006/relationships" r:blip="">
+          <dgm:adjLst/>
+        </dgm:shape>
+        <dgm:presOf/>
+        <dgm:constrLst/>
+        <dgm:forEach name="Name15" ref="textRepeat"/>
+      </dgm:layoutNode>
+      <dgm:layoutNode name="textaccent1">
+        <dgm:alg type="sp"/>
+        <dgm:shape xmlns:r="http://schemas.openxmlformats.org/officeDocument/2006/relationships" r:blip="">
+          <dgm:adjLst/>
+        </dgm:shape>
+        <dgm:presOf/>
+        <dgm:constrLst/>
+        <dgm:forEach name="Name16" ref="accentRepeat"/>
+      </dgm:layoutNode>
+    </dgm:forEach>
+    <dgm:forEach name="Name17" axis="ch" ptType="sibTrans" hideLastTrans="0" cnt="1">
+      <dgm:layoutNode name="image1">
+        <dgm:alg type="sp"/>
+        <dgm:shape xmlns:r="http://schemas.openxmlformats.org/officeDocument/2006/relationships" r:blip="">
+          <dgm:adjLst/>
+        </dgm:shape>
+        <dgm:presOf/>
+        <dgm:constrLst/>
+        <dgm:forEach name="Name18" ref="imageRepeat"/>
+      </dgm:layoutNode>
+      <dgm:layoutNode name="imageaccent1">
+        <dgm:alg type="sp"/>
+        <dgm:shape xmlns:r="http://schemas.openxmlformats.org/officeDocument/2006/relationships" r:blip="">
+          <dgm:adjLst/>
+        </dgm:shape>
+        <dgm:presOf/>
+        <dgm:constrLst/>
+        <dgm:forEach name="Name19" ref="accentRepeat"/>
+      </dgm:layoutNode>
+    </dgm:forEach>
+    <dgm:forEach name="Name20" axis="ch" ptType="node" st="2" cnt="1">
+      <dgm:layoutNode name="text2">
+        <dgm:alg type="sp"/>
+        <dgm:shape xmlns:r="http://schemas.openxmlformats.org/officeDocument/2006/relationships" r:blip="">
+          <dgm:adjLst/>
+        </dgm:shape>
+        <dgm:presOf/>
+        <dgm:constrLst/>
+        <dgm:forEach name="Name21" ref="textRepeat"/>
+      </dgm:layoutNode>
+      <dgm:layoutNode name="textaccent2">
+        <dgm:alg type="sp"/>
+        <dgm:shape xmlns:r="http://schemas.openxmlformats.org/officeDocument/2006/relationships" r:blip="">
+          <dgm:adjLst/>
+        </dgm:shape>
+        <dgm:presOf/>
+        <dgm:constrLst/>
+        <dgm:forEach name="Name22" ref="accentRepeat"/>
+      </dgm:layoutNode>
+    </dgm:forEach>
+    <dgm:forEach name="Name23" axis="ch" ptType="sibTrans" hideLastTrans="0" st="2" cnt="1">
+      <dgm:layoutNode name="image2">
+        <dgm:alg type="sp"/>
+        <dgm:shape xmlns:r="http://schemas.openxmlformats.org/officeDocument/2006/relationships" r:blip="">
+          <dgm:adjLst/>
+        </dgm:shape>
+        <dgm:presOf/>
+        <dgm:constrLst/>
+        <dgm:forEach name="Name24" ref="imageRepeat"/>
+      </dgm:layoutNode>
+      <dgm:layoutNode name="imageaccent2">
+        <dgm:alg type="sp"/>
+        <dgm:shape xmlns:r="http://schemas.openxmlformats.org/officeDocument/2006/relationships" r:blip="">
+          <dgm:adjLst/>
+        </dgm:shape>
+        <dgm:presOf/>
+        <dgm:constrLst/>
+        <dgm:forEach name="Name25" ref="accentRepeat"/>
+      </dgm:layoutNode>
+    </dgm:forEach>
+    <dgm:forEach name="Name26" axis="ch" ptType="node" st="3" cnt="1">
+      <dgm:layoutNode name="text3">
+        <dgm:alg type="sp"/>
+        <dgm:shape xmlns:r="http://schemas.openxmlformats.org/officeDocument/2006/relationships" r:blip="">
+          <dgm:adjLst/>
+        </dgm:shape>
+        <dgm:presOf/>
+        <dgm:constrLst/>
+        <dgm:forEach name="Name27" ref="textRepeat"/>
+      </dgm:layoutNode>
+      <dgm:layoutNode name="textaccent3">
+        <dgm:alg type="sp"/>
+        <dgm:shape xmlns:r="http://schemas.openxmlformats.org/officeDocument/2006/relationships" r:blip="">
+          <dgm:adjLst/>
+        </dgm:shape>
+        <dgm:presOf/>
+        <dgm:constrLst/>
+        <dgm:forEach name="Name28" ref="accentRepeat"/>
+      </dgm:layoutNode>
+    </dgm:forEach>
+    <dgm:forEach name="Name29" axis="ch" ptType="sibTrans" hideLastTrans="0" st="3" cnt="1">
+      <dgm:layoutNode name="image3">
+        <dgm:alg type="sp"/>
+        <dgm:shape xmlns:r="http://schemas.openxmlformats.org/officeDocument/2006/relationships" r:blip="">
+          <dgm:adjLst/>
+        </dgm:shape>
+        <dgm:presOf/>
+        <dgm:constrLst/>
+        <dgm:forEach name="Name30" ref="imageRepeat"/>
+      </dgm:layoutNode>
+      <dgm:layoutNode name="imageaccent3">
+        <dgm:alg type="sp"/>
+        <dgm:shape xmlns:r="http://schemas.openxmlformats.org/officeDocument/2006/relationships" r:blip="">
+          <dgm:adjLst/>
+        </dgm:shape>
+        <dgm:presOf/>
+        <dgm:constrLst/>
+        <dgm:forEach name="Name31" ref="accentRepeat"/>
+      </dgm:layoutNode>
+    </dgm:forEach>
+    <dgm:forEach name="Name32" axis="ch" ptType="node" st="4" cnt="1">
+      <dgm:layoutNode name="text4">
+        <dgm:alg type="sp"/>
+        <dgm:shape xmlns:r="http://schemas.openxmlformats.org/officeDocument/2006/relationships" r:blip="">
+          <dgm:adjLst/>
+        </dgm:shape>
+        <dgm:presOf/>
+        <dgm:constrLst/>
+        <dgm:forEach name="Name33" ref="textRepeat"/>
+      </dgm:layoutNode>
+      <dgm:layoutNode name="textaccent4">
+        <dgm:alg type="sp"/>
+        <dgm:shape xmlns:r="http://schemas.openxmlformats.org/officeDocument/2006/relationships" r:blip="">
+          <dgm:adjLst/>
+        </dgm:shape>
+        <dgm:presOf/>
+        <dgm:constrLst/>
+        <dgm:forEach name="Name34" ref="accentRepeat"/>
+      </dgm:layoutNode>
+    </dgm:forEach>
+    <dgm:forEach name="Name35" axis="ch" ptType="sibTrans" hideLastTrans="0" st="4" cnt="1">
+      <dgm:layoutNode name="image4">
+        <dgm:alg type="sp"/>
+        <dgm:shape xmlns:r="http://schemas.openxmlformats.org/officeDocument/2006/relationships" r:blip="">
+          <dgm:adjLst/>
+        </dgm:shape>
+        <dgm:presOf/>
+        <dgm:constrLst/>
+        <dgm:forEach name="Name36" ref="imageRepeat"/>
+      </dgm:layoutNode>
+      <dgm:layoutNode name="imageaccent4">
+        <dgm:alg type="sp"/>
+        <dgm:shape xmlns:r="http://schemas.openxmlformats.org/officeDocument/2006/relationships" r:blip="">
+          <dgm:adjLst/>
+        </dgm:shape>
+        <dgm:presOf/>
+        <dgm:constrLst/>
+        <dgm:forEach name="Name37" ref="accentRepeat"/>
+      </dgm:layoutNode>
+    </dgm:forEach>
+    <dgm:forEach name="Name38" axis="ch" ptType="node" st="5" cnt="1">
+      <dgm:layoutNode name="text5">
+        <dgm:alg type="sp"/>
+        <dgm:shape xmlns:r="http://schemas.openxmlformats.org/officeDocument/2006/relationships" r:blip="">
+          <dgm:adjLst/>
+        </dgm:shape>
+        <dgm:presOf/>
+        <dgm:constrLst/>
+        <dgm:forEach name="Name39" ref="textRepeat"/>
+      </dgm:layoutNode>
+      <dgm:layoutNode name="textaccent5">
+        <dgm:alg type="sp"/>
+        <dgm:shape xmlns:r="http://schemas.openxmlformats.org/officeDocument/2006/relationships" r:blip="">
+          <dgm:adjLst/>
+        </dgm:shape>
+        <dgm:presOf/>
+        <dgm:constrLst/>
+        <dgm:forEach name="Name40" ref="accentRepeat"/>
+      </dgm:layoutNode>
+    </dgm:forEach>
+    <dgm:forEach name="Name41" axis="ch" ptType="sibTrans" hideLastTrans="0" st="5" cnt="1">
+      <dgm:layoutNode name="image5">
+        <dgm:alg type="sp"/>
+        <dgm:shape xmlns:r="http://schemas.openxmlformats.org/officeDocument/2006/relationships" r:blip="">
+          <dgm:adjLst/>
+        </dgm:shape>
+        <dgm:presOf/>
+        <dgm:constrLst/>
+        <dgm:forEach name="Name42" ref="imageRepeat"/>
+      </dgm:layoutNode>
+      <dgm:layoutNode name="imageaccent5">
+        <dgm:alg type="sp"/>
+        <dgm:shape xmlns:r="http://schemas.openxmlformats.org/officeDocument/2006/relationships" r:blip="">
+          <dgm:adjLst/>
+        </dgm:shape>
+        <dgm:presOf/>
+        <dgm:constrLst/>
+        <dgm:forEach name="Name43" ref="accentRepeat"/>
+      </dgm:layoutNode>
+    </dgm:forEach>
+    <dgm:forEach name="Name44" axis="ch" ptType="node" st="6" cnt="1">
+      <dgm:layoutNode name="text6">
+        <dgm:alg type="sp"/>
+        <dgm:shape xmlns:r="http://schemas.openxmlformats.org/officeDocument/2006/relationships" r:blip="">
+          <dgm:adjLst/>
+        </dgm:shape>
+        <dgm:presOf/>
+        <dgm:constrLst/>
+        <dgm:forEach name="Name45" ref="textRepeat"/>
+      </dgm:layoutNode>
+      <dgm:layoutNode name="textaccent6">
+        <dgm:alg type="sp"/>
+        <dgm:shape xmlns:r="http://schemas.openxmlformats.org/officeDocument/2006/relationships" r:blip="">
+          <dgm:adjLst/>
+        </dgm:shape>
+        <dgm:presOf/>
+        <dgm:constrLst/>
+        <dgm:forEach name="Name46" ref="accentRepeat"/>
+      </dgm:layoutNode>
+    </dgm:forEach>
+    <dgm:forEach name="Name47" axis="ch" ptType="sibTrans" hideLastTrans="0" st="6" cnt="1">
+      <dgm:layoutNode name="image6">
+        <dgm:alg type="sp"/>
+        <dgm:shape xmlns:r="http://schemas.openxmlformats.org/officeDocument/2006/relationships" r:blip="">
+          <dgm:adjLst/>
+        </dgm:shape>
+        <dgm:presOf/>
+        <dgm:constrLst/>
+        <dgm:forEach name="Name48" ref="imageRepeat"/>
+      </dgm:layoutNode>
+      <dgm:layoutNode name="imageaccent6">
+        <dgm:alg type="sp"/>
+        <dgm:shape xmlns:r="http://schemas.openxmlformats.org/officeDocument/2006/relationships" r:blip="">
+          <dgm:adjLst/>
+        </dgm:shape>
+        <dgm:presOf/>
+        <dgm:constrLst/>
+        <dgm:forEach name="Name49" ref="accentRepeat"/>
+      </dgm:layoutNode>
+    </dgm:forEach>
+    <dgm:forEach name="Name50" axis="ch" ptType="node" st="7" cnt="1">
+      <dgm:layoutNode name="text7">
+        <dgm:alg type="sp"/>
+        <dgm:shape xmlns:r="http://schemas.openxmlformats.org/officeDocument/2006/relationships" r:blip="">
+          <dgm:adjLst/>
+        </dgm:shape>
+        <dgm:presOf/>
+        <dgm:constrLst/>
+        <dgm:forEach name="Name51" ref="textRepeat"/>
+      </dgm:layoutNode>
+      <dgm:layoutNode name="textaccent7">
+        <dgm:alg type="sp"/>
+        <dgm:shape xmlns:r="http://schemas.openxmlformats.org/officeDocument/2006/relationships" r:blip="">
+          <dgm:adjLst/>
+        </dgm:shape>
+        <dgm:presOf/>
+        <dgm:constrLst/>
+        <dgm:forEach name="Name52" ref="accentRepeat"/>
+      </dgm:layoutNode>
+    </dgm:forEach>
+    <dgm:forEach name="Name53" axis="ch" ptType="sibTrans" hideLastTrans="0" st="7" cnt="1">
+      <dgm:layoutNode name="image7">
+        <dgm:alg type="sp"/>
+        <dgm:shape xmlns:r="http://schemas.openxmlformats.org/officeDocument/2006/relationships" r:blip="">
+          <dgm:adjLst/>
+        </dgm:shape>
+        <dgm:presOf/>
+        <dgm:constrLst/>
+        <dgm:forEach name="Name54" ref="imageRepeat"/>
+      </dgm:layoutNode>
+      <dgm:layoutNode name="imageaccent7">
+        <dgm:alg type="sp"/>
+        <dgm:shape xmlns:r="http://schemas.openxmlformats.org/officeDocument/2006/relationships" r:blip="">
+          <dgm:adjLst/>
+        </dgm:shape>
+        <dgm:presOf/>
+        <dgm:constrLst/>
+        <dgm:forEach name="Name55" ref="accentRepeat"/>
+      </dgm:layoutNode>
+    </dgm:forEach>
+    <dgm:forEach name="Name56" axis="ch" ptType="node" st="8" cnt="1">
+      <dgm:layoutNode name="text8">
+        <dgm:alg type="sp"/>
+        <dgm:shape xmlns:r="http://schemas.openxmlformats.org/officeDocument/2006/relationships" r:blip="">
+          <dgm:adjLst/>
+        </dgm:shape>
+        <dgm:presOf/>
+        <dgm:constrLst/>
+        <dgm:forEach name="Name57" ref="textRepeat"/>
+      </dgm:layoutNode>
+      <dgm:layoutNode name="textaccent8">
+        <dgm:alg type="sp"/>
+        <dgm:shape xmlns:r="http://schemas.openxmlformats.org/officeDocument/2006/relationships" r:blip="">
+          <dgm:adjLst/>
+        </dgm:shape>
+        <dgm:presOf/>
+        <dgm:constrLst/>
+        <dgm:forEach name="Name58" ref="accentRepeat"/>
+      </dgm:layoutNode>
+    </dgm:forEach>
+    <dgm:forEach name="Name59" axis="ch" ptType="sibTrans" hideLastTrans="0" st="8" cnt="1">
+      <dgm:layoutNode name="image8">
+        <dgm:alg type="sp"/>
+        <dgm:shape xmlns:r="http://schemas.openxmlformats.org/officeDocument/2006/relationships" r:blip="">
+          <dgm:adjLst/>
+        </dgm:shape>
+        <dgm:presOf/>
+        <dgm:constrLst/>
+        <dgm:forEach name="Name60" ref="imageRepeat"/>
+      </dgm:layoutNode>
+      <dgm:layoutNode name="imageaccent8">
+        <dgm:alg type="sp"/>
+        <dgm:shape xmlns:r="http://schemas.openxmlformats.org/officeDocument/2006/relationships" r:blip="">
+          <dgm:adjLst/>
+        </dgm:shape>
+        <dgm:presOf/>
+        <dgm:constrLst/>
+        <dgm:forEach name="Name61" ref="accentRepeat"/>
+      </dgm:layoutNode>
+    </dgm:forEach>
+    <dgm:forEach name="Name62" axis="ch" ptType="node" st="9" cnt="1">
+      <dgm:layoutNode name="text9">
+        <dgm:alg type="sp"/>
+        <dgm:shape xmlns:r="http://schemas.openxmlformats.org/officeDocument/2006/relationships" r:blip="">
+          <dgm:adjLst/>
+        </dgm:shape>
+        <dgm:presOf/>
+        <dgm:constrLst/>
+        <dgm:forEach name="Name63" ref="textRepeat"/>
+      </dgm:layoutNode>
+      <dgm:layoutNode name="textaccent9">
+        <dgm:alg type="sp"/>
+        <dgm:shape xmlns:r="http://schemas.openxmlformats.org/officeDocument/2006/relationships" r:blip="">
+          <dgm:adjLst/>
+        </dgm:shape>
+        <dgm:presOf/>
+        <dgm:constrLst/>
+        <dgm:forEach name="Name64" ref="accentRepeat"/>
+      </dgm:layoutNode>
+    </dgm:forEach>
+    <dgm:forEach name="Name65" axis="ch" ptType="sibTrans" hideLastTrans="0" st="9" cnt="1">
+      <dgm:layoutNode name="image9">
+        <dgm:alg type="sp"/>
+        <dgm:shape xmlns:r="http://schemas.openxmlformats.org/officeDocument/2006/relationships" r:blip="">
+          <dgm:adjLst/>
+        </dgm:shape>
+        <dgm:presOf/>
+        <dgm:constrLst/>
+        <dgm:forEach name="Name66" ref="imageRepeat"/>
+      </dgm:layoutNode>
+      <dgm:layoutNode name="imageaccent9">
+        <dgm:alg type="sp"/>
+        <dgm:shape xmlns:r="http://schemas.openxmlformats.org/officeDocument/2006/relationships" r:blip="">
+          <dgm:adjLst/>
+        </dgm:shape>
+        <dgm:presOf/>
+        <dgm:constrLst/>
+        <dgm:forEach name="Name67" ref="accentRepeat"/>
+      </dgm:layoutNode>
+    </dgm:forEach>
+    <dgm:forEach name="Name68" axis="ch" ptType="node" st="10" cnt="1">
+      <dgm:layoutNode name="text10">
+        <dgm:alg type="sp"/>
+        <dgm:shape xmlns:r="http://schemas.openxmlformats.org/officeDocument/2006/relationships" r:blip="">
+          <dgm:adjLst/>
+        </dgm:shape>
+        <dgm:presOf/>
+        <dgm:constrLst/>
+        <dgm:forEach name="Name69" ref="textRepeat"/>
+      </dgm:layoutNode>
+      <dgm:layoutNode name="textaccent10">
+        <dgm:alg type="sp"/>
+        <dgm:shape xmlns:r="http://schemas.openxmlformats.org/officeDocument/2006/relationships" r:blip="">
+          <dgm:adjLst/>
+        </dgm:shape>
+        <dgm:presOf/>
+        <dgm:constrLst/>
+        <dgm:forEach name="Name70" ref="accentRepeat"/>
+      </dgm:layoutNode>
+    </dgm:forEach>
+    <dgm:forEach name="Name71" axis="ch" ptType="sibTrans" hideLastTrans="0" st="10" cnt="1">
+      <dgm:layoutNode name="image10">
+        <dgm:alg type="sp"/>
+        <dgm:shape xmlns:r="http://schemas.openxmlformats.org/officeDocument/2006/relationships" r:blip="">
+          <dgm:adjLst/>
+        </dgm:shape>
+        <dgm:presOf/>
+        <dgm:constrLst/>
+        <dgm:forEach name="Name72" ref="imageRepeat"/>
+      </dgm:layoutNode>
+      <dgm:layoutNode name="imageaccent10">
+        <dgm:alg type="sp"/>
+        <dgm:shape xmlns:r="http://schemas.openxmlformats.org/officeDocument/2006/relationships" r:blip="">
+          <dgm:adjLst/>
+        </dgm:shape>
+        <dgm:presOf/>
+        <dgm:constrLst/>
+        <dgm:forEach name="Name73" ref="accentRepeat"/>
+      </dgm:layoutNode>
+    </dgm:forEach>
+    <dgm:forEach name="Name74" axis="ch" ptType="node" st="11" cnt="1">
+      <dgm:layoutNode name="text11">
+        <dgm:alg type="sp"/>
+        <dgm:shape xmlns:r="http://schemas.openxmlformats.org/officeDocument/2006/relationships" r:blip="">
+          <dgm:adjLst/>
+        </dgm:shape>
+        <dgm:presOf/>
+        <dgm:constrLst/>
+        <dgm:forEach name="Name75" ref="textRepeat"/>
+      </dgm:layoutNode>
+      <dgm:layoutNode name="textaccent11">
+        <dgm:alg type="sp"/>
+        <dgm:shape xmlns:r="http://schemas.openxmlformats.org/officeDocument/2006/relationships" r:blip="">
+          <dgm:adjLst/>
+        </dgm:shape>
+        <dgm:presOf/>
+        <dgm:constrLst/>
+        <dgm:forEach name="Name76" ref="accentRepeat"/>
+      </dgm:layoutNode>
+    </dgm:forEach>
+    <dgm:forEach name="Name77" axis="ch" ptType="sibTrans" hideLastTrans="0" st="11" cnt="1">
+      <dgm:layoutNode name="image11">
+        <dgm:alg type="sp"/>
+        <dgm:shape xmlns:r="http://schemas.openxmlformats.org/officeDocument/2006/relationships" r:blip="">
+          <dgm:adjLst/>
+        </dgm:shape>
+        <dgm:presOf/>
+        <dgm:constrLst/>
+        <dgm:forEach name="Name78" ref="imageRepeat"/>
+      </dgm:layoutNode>
+      <dgm:layoutNode name="imageaccent11">
+        <dgm:alg type="sp"/>
+        <dgm:shape xmlns:r="http://schemas.openxmlformats.org/officeDocument/2006/relationships" r:blip="">
+          <dgm:adjLst/>
+        </dgm:shape>
+        <dgm:presOf/>
+        <dgm:constrLst/>
+        <dgm:forEach name="Name79" ref="accentRepeat"/>
+      </dgm:layoutNode>
+    </dgm:forEach>
+    <dgm:forEach name="Name80" axis="ch" ptType="node" st="12" cnt="1">
+      <dgm:layoutNode name="text12">
+        <dgm:alg type="sp"/>
+        <dgm:shape xmlns:r="http://schemas.openxmlformats.org/officeDocument/2006/relationships" r:blip="">
+          <dgm:adjLst/>
+        </dgm:shape>
+        <dgm:presOf/>
+        <dgm:constrLst/>
+        <dgm:forEach name="Name81" ref="textRepeat"/>
+      </dgm:layoutNode>
+      <dgm:layoutNode name="textaccent12">
+        <dgm:alg type="sp"/>
+        <dgm:shape xmlns:r="http://schemas.openxmlformats.org/officeDocument/2006/relationships" r:blip="">
+          <dgm:adjLst/>
+        </dgm:shape>
+        <dgm:presOf/>
+        <dgm:constrLst/>
+        <dgm:forEach name="Name82" ref="accentRepeat"/>
+      </dgm:layoutNode>
+    </dgm:forEach>
+    <dgm:forEach name="Name83" axis="ch" ptType="sibTrans" hideLastTrans="0" st="12" cnt="1">
+      <dgm:layoutNode name="image12">
+        <dgm:alg type="sp"/>
+        <dgm:shape xmlns:r="http://schemas.openxmlformats.org/officeDocument/2006/relationships" r:blip="">
+          <dgm:adjLst/>
+        </dgm:shape>
+        <dgm:presOf/>
+        <dgm:constrLst/>
+        <dgm:forEach name="Name84" ref="imageRepeat"/>
+      </dgm:layoutNode>
+      <dgm:layoutNode name="imageaccent12">
+        <dgm:alg type="sp"/>
+        <dgm:shape xmlns:r="http://schemas.openxmlformats.org/officeDocument/2006/relationships" r:blip="">
+          <dgm:adjLst/>
+        </dgm:shape>
+        <dgm:presOf/>
+        <dgm:constrLst/>
+        <dgm:forEach name="Name85" ref="accentRepeat"/>
+      </dgm:layoutNode>
+    </dgm:forEach>
+  </dgm:layoutNode>
+</dgm:layoutDef>
+</file>
+
+<file path=ppt/diagrams/quickStyle1.xml><?xml version="1.0" encoding="utf-8"?>
+<dgm:styleDef xmlns:dgm="http://schemas.openxmlformats.org/drawingml/2006/diagram" xmlns:a="http://schemas.openxmlformats.org/drawingml/2006/main" uniqueId="urn:microsoft.com/office/officeart/2005/8/quickstyle/3d2">
+  <dgm:title val=""/>
+  <dgm:desc val=""/>
+  <dgm:catLst>
+    <dgm:cat type="3D" pri="11200"/>
+  </dgm:catLst>
+  <dgm:scene3d>
+    <a:camera prst="orthographicFront"/>
+    <a:lightRig rig="threePt" dir="t"/>
+  </dgm:scene3d>
+  <dgm:styleLbl name="node0">
+    <dgm:scene3d>
+      <a:camera prst="orthographicFront"/>
+      <a:lightRig rig="threePt" dir="t">
+        <a:rot lat="0" lon="0" rev="7500000"/>
+      </a:lightRig>
+    </dgm:scene3d>
+    <dgm:sp3d prstMaterial="plastic">
+      <a:bevelT w="127000" h="25400" prst="relaxedInset"/>
+    </dgm:sp3d>
+    <dgm:txPr/>
+    <dgm:style>
+      <a:lnRef idx="0">
+        <a:scrgbClr r="0" g="0" b="0"/>
+      </a:lnRef>
+      <a:fillRef idx="3">
+        <a:scrgbClr r="0" g="0" b="0"/>
+      </a:fillRef>
+      <a:effectRef idx="2">
+        <a:scrgbClr r="0" g="0" b="0"/>
+      </a:effectRef>
+      <a:fontRef idx="minor">
+        <a:schemeClr val="lt1"/>
+      </a:fontRef>
+    </dgm:style>
+  </dgm:styleLbl>
+  <dgm:styleLbl name="lnNode1">
+    <dgm:scene3d>
+      <a:camera prst="orthographicFront"/>
+      <a:lightRig rig="threePt" dir="t">
+        <a:rot lat="0" lon="0" rev="7500000"/>
+      </a:lightRig>
+    </dgm:scene3d>
+    <dgm:sp3d prstMaterial="plastic">
+      <a:bevelT w="127000" h="25400" prst="relaxedInset"/>
+    </dgm:sp3d>
+    <dgm:txPr/>
+    <dgm:style>
+      <a:lnRef idx="1">
+        <a:scrgbClr r="0" g="0" b="0"/>
+      </a:lnRef>
+      <a:fillRef idx="3">
+        <a:scrgbClr r="0" g="0" b="0"/>
+      </a:fillRef>
+      <a:effectRef idx="2">
+        <a:scrgbClr r="0" g="0" b="0"/>
+      </a:effectRef>
+      <a:fontRef idx="minor">
+        <a:schemeClr val="lt1"/>
+      </a:fontRef>
+    </dgm:style>
+  </dgm:styleLbl>
+  <dgm:styleLbl name="vennNode1">
+    <dgm:scene3d>
+      <a:camera prst="orthographicFront"/>
+      <a:lightRig rig="threePt" dir="t">
+        <a:rot lat="0" lon="0" rev="7500000"/>
+      </a:lightRig>
+    </dgm:scene3d>
+    <dgm:sp3d prstMaterial="plastic">
+      <a:bevelT w="127000" h="25400" prst="relaxedInset"/>
+    </dgm:sp3d>
+    <dgm:txPr/>
+    <dgm:style>
+      <a:lnRef idx="0">
+        <a:scrgbClr r="0" g="0" b="0"/>
+      </a:lnRef>
+      <a:fillRef idx="3">
+        <a:scrgbClr r="0" g="0" b="0"/>
+      </a:fillRef>
+      <a:effectRef idx="2">
+        <a:scrgbClr r="0" g="0" b="0"/>
+      </a:effectRef>
+      <a:fontRef idx="minor">
+        <a:schemeClr val="tx1"/>
+      </a:fontRef>
+    </dgm:style>
+  </dgm:styleLbl>
+  <dgm:styleLbl name="alingNode1">
+    <dgm:scene3d>
+      <a:camera prst="orthographicFront"/>
+      <a:lightRig rig="threePt" dir="t">
+        <a:rot lat="0" lon="0" rev="7500000"/>
+      </a:lightRig>
+    </dgm:scene3d>
+    <dgm:sp3d prstMaterial="plastic">
+      <a:bevelT w="127000" h="25400" prst="relaxedInset"/>
+    </dgm:sp3d>
+    <dgm:txPr/>
+    <dgm:style>
+      <a:lnRef idx="0">
+        <a:scrgbClr r="0" g="0" b="0"/>
+      </a:lnRef>
+      <a:fillRef idx="3">
+        <a:scrgbClr r="0" g="0" b="0"/>
+      </a:fillRef>
+      <a:effectRef idx="2">
+        <a:scrgbClr r="0" g="0" b="0"/>
+      </a:effectRef>
+      <a:fontRef idx="minor">
+        <a:schemeClr val="lt1"/>
+      </a:fontRef>
+    </dgm:style>
+  </dgm:styleLbl>
+  <dgm:styleLbl name="node1">
+    <dgm:scene3d>
+      <a:camera prst="orthographicFront"/>
+      <a:lightRig rig="threePt" dir="t">
+        <a:rot lat="0" lon="0" rev="7500000"/>
+      </a:lightRig>
+    </dgm:scene3d>
+    <dgm:sp3d prstMaterial="plastic">
+      <a:bevelT w="127000" h="25400" prst="relaxedInset"/>
+    </dgm:sp3d>
+    <dgm:txPr/>
+    <dgm:style>
+      <a:lnRef idx="0">
+        <a:scrgbClr r="0" g="0" b="0"/>
+      </a:lnRef>
+      <a:fillRef idx="3">
+        <a:scrgbClr r="0" g="0" b="0"/>
+      </a:fillRef>
+      <a:effectRef idx="2">
+        <a:scrgbClr r="0" g="0" b="0"/>
+      </a:effectRef>
+      <a:fontRef idx="minor">
+        <a:schemeClr val="lt1"/>
+      </a:fontRef>
+    </dgm:style>
+  </dgm:styleLbl>
+  <dgm:styleLbl name="node2">
+    <dgm:scene3d>
+      <a:camera prst="orthographicFront"/>
+      <a:lightRig rig="threePt" dir="t">
+        <a:rot lat="0" lon="0" rev="7500000"/>
+      </a:lightRig>
+    </dgm:scene3d>
+    <dgm:sp3d prstMaterial="plastic">
+      <a:bevelT w="127000" h="25400" prst="relaxedInset"/>
+    </dgm:sp3d>
+    <dgm:txPr/>
+    <dgm:style>
+      <a:lnRef idx="0">
+        <a:scrgbClr r="0" g="0" b="0"/>
+      </a:lnRef>
+      <a:fillRef idx="3">
+        <a:scrgbClr r="0" g="0" b="0"/>
+      </a:fillRef>
+      <a:effectRef idx="2">
+        <a:scrgbClr r="0" g="0" b="0"/>
+      </a:effectRef>
+      <a:fontRef idx="minor">
+        <a:schemeClr val="lt1"/>
+      </a:fontRef>
+    </dgm:style>
+  </dgm:styleLbl>
+  <dgm:styleLbl name="node3">
+    <dgm:scene3d>
+      <a:camera prst="orthographicFront"/>
+      <a:lightRig rig="threePt" dir="t">
+        <a:rot lat="0" lon="0" rev="7500000"/>
+      </a:lightRig>
+    </dgm:scene3d>
+    <dgm:sp3d prstMaterial="plastic">
+      <a:bevelT w="127000" h="25400" prst="relaxedInset"/>
+    </dgm:sp3d>
+    <dgm:txPr/>
+    <dgm:style>
+      <a:lnRef idx="0">
+        <a:scrgbClr r="0" g="0" b="0"/>
+      </a:lnRef>
+      <a:fillRef idx="3">
+        <a:scrgbClr r="0" g="0" b="0"/>
+      </a:fillRef>
+      <a:effectRef idx="2">
+        <a:scrgbClr r="0" g="0" b="0"/>
+      </a:effectRef>
+      <a:fontRef idx="minor">
+        <a:schemeClr val="lt1"/>
+      </a:fontRef>
+    </dgm:style>
+  </dgm:styleLbl>
+  <dgm:styleLbl name="node4">
+    <dgm:scene3d>
+      <a:camera prst="orthographicFront"/>
+      <a:lightRig rig="threePt" dir="t">
+        <a:rot lat="0" lon="0" rev="7500000"/>
+      </a:lightRig>
+    </dgm:scene3d>
+    <dgm:sp3d prstMaterial="plastic">
+      <a:bevelT w="127000" h="25400" prst="relaxedInset"/>
+    </dgm:sp3d>
+    <dgm:txPr/>
+    <dgm:style>
+      <a:lnRef idx="0">
+        <a:scrgbClr r="0" g="0" b="0"/>
+      </a:lnRef>
+      <a:fillRef idx="3">
+        <a:scrgbClr r="0" g="0" b="0"/>
+      </a:fillRef>
+      <a:effectRef idx="2">
+        <a:scrgbClr r="0" g="0" b="0"/>
+      </a:effectRef>
+      <a:fontRef idx="minor">
+        <a:schemeClr val="lt1"/>
+      </a:fontRef>
+    </dgm:style>
+  </dgm:styleLbl>
+  <dgm:styleLbl name="fgImgPlace1">
+    <dgm:scene3d>
+      <a:camera prst="orthographicFront"/>
+      <a:lightRig rig="threePt" dir="t">
+        <a:rot lat="0" lon="0" rev="7500000"/>
+      </a:lightRig>
+    </dgm:scene3d>
+    <dgm:sp3d z="152400" extrusionH="63500" prstMaterial="matte">
+      <a:bevelT w="50800" h="19050" prst="relaxedInset"/>
+      <a:contourClr>
+        <a:schemeClr val="bg1"/>
+      </a:contourClr>
+    </dgm:sp3d>
+    <dgm:txPr/>
+    <dgm:style>
+      <a:lnRef idx="0">
+        <a:scrgbClr r="0" g="0" b="0"/>
+      </a:lnRef>
+      <a:fillRef idx="1">
+        <a:scrgbClr r="0" g="0" b="0"/>
+      </a:fillRef>
+      <a:effectRef idx="0">
+        <a:scrgbClr r="0" g="0" b="0"/>
+      </a:effectRef>
+      <a:fontRef idx="minor"/>
+    </dgm:style>
+  </dgm:styleLbl>
+  <dgm:styleLbl name="alignImgPlace1">
+    <dgm:scene3d>
+      <a:camera prst="orthographicFront"/>
+      <a:lightRig rig="threePt" dir="t">
+        <a:rot lat="0" lon="0" rev="7500000"/>
+      </a:lightRig>
+    </dgm:scene3d>
+    <dgm:sp3d z="254000" extrusionH="63500" contourW="12700" prstMaterial="matte">
+      <a:contourClr>
+        <a:schemeClr val="lt1"/>
+      </a:contourClr>
+    </dgm:sp3d>
+    <dgm:txPr/>
+    <dgm:style>
+      <a:lnRef idx="0">
+        <a:scrgbClr r="0" g="0" b="0"/>
+      </a:lnRef>
+      <a:fillRef idx="1">
+        <a:scrgbClr r="0" g="0" b="0"/>
+      </a:fillRef>
+      <a:effectRef idx="0">
+        <a:scrgbClr r="0" g="0" b="0"/>
+      </a:effectRef>
+      <a:fontRef idx="minor"/>
+    </dgm:style>
+  </dgm:styleLbl>
+  <dgm:styleLbl name="bgImgPlace1">
+    <dgm:scene3d>
+      <a:camera prst="orthographicFront"/>
+      <a:lightRig rig="threePt" dir="t">
+        <a:rot lat="0" lon="0" rev="7500000"/>
+      </a:lightRig>
+    </dgm:scene3d>
+    <dgm:sp3d z="-152400" extrusionH="63500" contourW="12700" prstMaterial="matte">
+      <a:contourClr>
+        <a:schemeClr val="lt1"/>
+      </a:contourClr>
+    </dgm:sp3d>
+    <dgm:txPr/>
+    <dgm:style>
+      <a:lnRef idx="0">
+        <a:scrgbClr r="0" g="0" b="0"/>
+      </a:lnRef>
+      <a:fillRef idx="1">
+        <a:scrgbClr r="0" g="0" b="0"/>
+      </a:fillRef>
+      <a:effectRef idx="0">
+        <a:scrgbClr r="0" g="0" b="0"/>
+      </a:effectRef>
+      <a:fontRef idx="minor"/>
+    </dgm:style>
+  </dgm:styleLbl>
+  <dgm:styleLbl name="sibTrans2D1">
+    <dgm:scene3d>
+      <a:camera prst="orthographicFront"/>
+      <a:lightRig rig="threePt" dir="t">
+        <a:rot lat="0" lon="0" rev="7500000"/>
+      </a:lightRig>
+    </dgm:scene3d>
+    <dgm:sp3d z="-70000" extrusionH="63500" prstMaterial="matte">
+      <a:bevelT w="25400" h="6350" prst="relaxedInset"/>
+      <a:contourClr>
+        <a:schemeClr val="bg1"/>
+      </a:contourClr>
+    </dgm:sp3d>
+    <dgm:txPr/>
+    <dgm:style>
+      <a:lnRef idx="0">
+        <a:scrgbClr r="0" g="0" b="0"/>
+      </a:lnRef>
+      <a:fillRef idx="1">
+        <a:scrgbClr r="0" g="0" b="0"/>
+      </a:fillRef>
+      <a:effectRef idx="2">
+        <a:scrgbClr r="0" g="0" b="0"/>
+      </a:effectRef>
+      <a:fontRef idx="minor">
+        <a:schemeClr val="lt1"/>
+      </a:fontRef>
+    </dgm:style>
+  </dgm:styleLbl>
+  <dgm:styleLbl name="fgSibTrans2D1">
+    <dgm:scene3d>
+      <a:camera prst="orthographicFront"/>
+      <a:lightRig rig="threePt" dir="t">
+        <a:rot lat="0" lon="0" rev="7500000"/>
+      </a:lightRig>
+    </dgm:scene3d>
+    <dgm:sp3d z="152400" extrusionH="63500" prstMaterial="matte">
+      <a:bevelT w="25400" h="6350" prst="relaxedInset"/>
+      <a:contourClr>
+        <a:schemeClr val="bg1"/>
+      </a:contourClr>
+    </dgm:sp3d>
+    <dgm:txPr/>
+    <dgm:style>
+      <a:lnRef idx="0">
+        <a:scrgbClr r="0" g="0" b="0"/>
+      </a:lnRef>
+      <a:fillRef idx="1">
+        <a:scrgbClr r="0" g="0" b="0"/>
+      </a:fillRef>
+      <a:effectRef idx="2">
+        <a:scrgbClr r="0" g="0" b="0"/>
+      </a:effectRef>
+      <a:fontRef idx="minor">
+        <a:schemeClr val="lt1"/>
+      </a:fontRef>
+    </dgm:style>
+  </dgm:styleLbl>
+  <dgm:styleLbl name="bgSibTrans2D1">
+    <dgm:scene3d>
+      <a:camera prst="orthographicFront"/>
+      <a:lightRig rig="threePt" dir="t">
+        <a:rot lat="0" lon="0" rev="7500000"/>
+      </a:lightRig>
+    </dgm:scene3d>
+    <dgm:sp3d z="-152400" extrusionH="63500" prstMaterial="matte">
+      <a:bevelT w="25400" h="6350" prst="relaxedInset"/>
+      <a:contourClr>
+        <a:schemeClr val="bg1"/>
+      </a:contourClr>
+    </dgm:sp3d>
+    <dgm:txPr/>
+    <dgm:style>
+      <a:lnRef idx="0">
+        <a:scrgbClr r="0" g="0" b="0"/>
+      </a:lnRef>
+      <a:fillRef idx="1">
+        <a:scrgbClr r="0" g="0" b="0"/>
+      </a:fillRef>
+      <a:effectRef idx="2">
+        <a:scrgbClr r="0" g="0" b="0"/>
+      </a:effectRef>
+      <a:fontRef idx="minor">
+        <a:schemeClr val="lt1"/>
+      </a:fontRef>
+    </dgm:style>
+  </dgm:styleLbl>
+  <dgm:styleLbl name="sibTrans1D1">
+    <dgm:scene3d>
+      <a:camera prst="orthographicFront"/>
+      <a:lightRig rig="threePt" dir="t">
+        <a:rot lat="0" lon="0" rev="7500000"/>
+      </a:lightRig>
+    </dgm:scene3d>
+    <dgm:sp3d z="-40000" prstMaterial="matte"/>
+    <dgm:txPr/>
+    <dgm:style>
+      <a:lnRef idx="1">
+        <a:scrgbClr r="0" g="0" b="0"/>
+      </a:lnRef>
+      <a:fillRef idx="0">
+        <a:scrgbClr r="0" g="0" b="0"/>
+      </a:fillRef>
+      <a:effectRef idx="0">
+        <a:scrgbClr r="0" g="0" b="0"/>
+      </a:effectRef>
+      <a:fontRef idx="minor"/>
+    </dgm:style>
+  </dgm:styleLbl>
+  <dgm:styleLbl name="callout">
+    <dgm:scene3d>
+      <a:camera prst="orthographicFront"/>
+      <a:lightRig rig="threePt" dir="t">
+        <a:rot lat="0" lon="0" rev="7500000"/>
+      </a:lightRig>
+    </dgm:scene3d>
+    <dgm:sp3d z="127000" prstMaterial="matte"/>
+    <dgm:txPr/>
+    <dgm:style>
+      <a:lnRef idx="2">
+        <a:scrgbClr r="0" g="0" b="0"/>
+      </a:lnRef>
+      <a:fillRef idx="1">
+        <a:scrgbClr r="0" g="0" b="0"/>
+      </a:fillRef>
+      <a:effectRef idx="0">
+        <a:scrgbClr r="0" g="0" b="0"/>
+      </a:effectRef>
+      <a:fontRef idx="minor"/>
+    </dgm:style>
+  </dgm:styleLbl>
+  <dgm:styleLbl name="asst0">
+    <dgm:scene3d>
+      <a:camera prst="orthographicFront"/>
+      <a:lightRig rig="threePt" dir="t">
+        <a:rot lat="0" lon="0" rev="7500000"/>
+      </a:lightRig>
+    </dgm:scene3d>
+    <dgm:sp3d prstMaterial="plastic">
+      <a:bevelT w="127000" h="25400" prst="relaxedInset"/>
+    </dgm:sp3d>
+    <dgm:txPr/>
+    <dgm:style>
+      <a:lnRef idx="0">
+        <a:scrgbClr r="0" g="0" b="0"/>
+      </a:lnRef>
+      <a:fillRef idx="3">
+        <a:scrgbClr r="0" g="0" b="0"/>
+      </a:fillRef>
+      <a:effectRef idx="2">
+        <a:scrgbClr r="0" g="0" b="0"/>
+      </a:effectRef>
+      <a:fontRef idx="minor">
+        <a:schemeClr val="lt1"/>
+      </a:fontRef>
+    </dgm:style>
+  </dgm:styleLbl>
+  <dgm:styleLbl name="asst1">
+    <dgm:scene3d>
+      <a:camera prst="orthographicFront"/>
+      <a:lightRig rig="threePt" dir="t">
+        <a:rot lat="0" lon="0" rev="7500000"/>
+      </a:lightRig>
+    </dgm:scene3d>
+    <dgm:sp3d prstMaterial="plastic">
+      <a:bevelT w="127000" h="25400" prst="relaxedInset"/>
+    </dgm:sp3d>
+    <dgm:txPr/>
+    <dgm:style>
+      <a:lnRef idx="0">
+        <a:scrgbClr r="0" g="0" b="0"/>
+      </a:lnRef>
+      <a:fillRef idx="3">
+        <a:scrgbClr r="0" g="0" b="0"/>
+      </a:fillRef>
+      <a:effectRef idx="2">
+        <a:scrgbClr r="0" g="0" b="0"/>
+      </a:effectRef>
+      <a:fontRef idx="minor">
+        <a:schemeClr val="lt1"/>
+      </a:fontRef>
+    </dgm:style>
+  </dgm:styleLbl>
+  <dgm:styleLbl name="asst2">
+    <dgm:scene3d>
+      <a:camera prst="orthographicFront"/>
+      <a:lightRig rig="threePt" dir="t">
+        <a:rot lat="0" lon="0" rev="7500000"/>
+      </a:lightRig>
+    </dgm:scene3d>
+    <dgm:sp3d prstMaterial="plastic">
+      <a:bevelT w="127000" h="25400" prst="relaxedInset"/>
+    </dgm:sp3d>
+    <dgm:txPr/>
+    <dgm:style>
+      <a:lnRef idx="0">
+        <a:scrgbClr r="0" g="0" b="0"/>
+      </a:lnRef>
+      <a:fillRef idx="3">
+        <a:scrgbClr r="0" g="0" b="0"/>
+      </a:fillRef>
+      <a:effectRef idx="2">
+        <a:scrgbClr r="0" g="0" b="0"/>
+      </a:effectRef>
+      <a:fontRef idx="minor">
+        <a:schemeClr val="lt1"/>
+      </a:fontRef>
+    </dgm:style>
+  </dgm:styleLbl>
+  <dgm:styleLbl name="asst3">
+    <dgm:scene3d>
+      <a:camera prst="orthographicFront"/>
+      <a:lightRig rig="threePt" dir="t">
+        <a:rot lat="0" lon="0" rev="7500000"/>
+      </a:lightRig>
+    </dgm:scene3d>
+    <dgm:sp3d prstMaterial="plastic">
+      <a:bevelT w="127000" h="25400" prst="relaxedInset"/>
+    </dgm:sp3d>
+    <dgm:txPr/>
+    <dgm:style>
+      <a:lnRef idx="0">
+        <a:scrgbClr r="0" g="0" b="0"/>
+      </a:lnRef>
+      <a:fillRef idx="3">
+        <a:scrgbClr r="0" g="0" b="0"/>
+      </a:fillRef>
+      <a:effectRef idx="2">
+        <a:scrgbClr r="0" g="0" b="0"/>
+      </a:effectRef>
+      <a:fontRef idx="minor">
+        <a:schemeClr val="lt1"/>
+      </a:fontRef>
+    </dgm:style>
+  </dgm:styleLbl>
+  <dgm:styleLbl name="parChTrans2D1">
+    <dgm:scene3d>
+      <a:camera prst="orthographicFront"/>
+      <a:lightRig rig="threePt" dir="t">
+        <a:rot lat="0" lon="0" rev="7500000"/>
+      </a:lightRig>
+    </dgm:scene3d>
+    <dgm:sp3d extrusionH="63500" prstMaterial="matte">
+      <a:bevelT w="50800" h="19050" prst="relaxedInset"/>
+      <a:contourClr>
+        <a:schemeClr val="bg1"/>
+      </a:contourClr>
+    </dgm:sp3d>
+    <dgm:txPr/>
+    <dgm:style>
+      <a:lnRef idx="0">
+        <a:scrgbClr r="0" g="0" b="0"/>
+      </a:lnRef>
+      <a:fillRef idx="1">
+        <a:scrgbClr r="0" g="0" b="0"/>
+      </a:fillRef>
+      <a:effectRef idx="2">
+        <a:scrgbClr r="0" g="0" b="0"/>
+      </a:effectRef>
+      <a:fontRef idx="minor">
+        <a:schemeClr val="lt1"/>
+      </a:fontRef>
+    </dgm:style>
+  </dgm:styleLbl>
+  <dgm:styleLbl name="parChTrans2D2">
+    <dgm:scene3d>
+      <a:camera prst="orthographicFront"/>
+      <a:lightRig rig="threePt" dir="t">
+        <a:rot lat="0" lon="0" rev="7500000"/>
+      </a:lightRig>
+    </dgm:scene3d>
+    <dgm:sp3d extrusionH="63500" prstMaterial="matte">
+      <a:bevelT w="50800" h="19050" prst="relaxedInset"/>
+      <a:contourClr>
+        <a:schemeClr val="bg1"/>
+      </a:contourClr>
+    </dgm:sp3d>
+    <dgm:txPr/>
+    <dgm:style>
+      <a:lnRef idx="0">
+        <a:scrgbClr r="0" g="0" b="0"/>
+      </a:lnRef>
+      <a:fillRef idx="1">
+        <a:scrgbClr r="0" g="0" b="0"/>
+      </a:fillRef>
+      <a:effectRef idx="0">
+        <a:scrgbClr r="0" g="0" b="0"/>
+      </a:effectRef>
+      <a:fontRef idx="minor">
+        <a:schemeClr val="lt1"/>
+      </a:fontRef>
+    </dgm:style>
+  </dgm:styleLbl>
+  <dgm:styleLbl name="parChTrans2D3">
+    <dgm:scene3d>
+      <a:camera prst="orthographicFront"/>
+      <a:lightRig rig="threePt" dir="t">
+        <a:rot lat="0" lon="0" rev="7500000"/>
+      </a:lightRig>
+    </dgm:scene3d>
+    <dgm:sp3d z="60000" prstMaterial="flat">
+      <a:bevelT w="120900" h="88900"/>
+    </dgm:sp3d>
+    <dgm:txPr/>
+    <dgm:style>
+      <a:lnRef idx="0">
+        <a:scrgbClr r="0" g="0" b="0"/>
+      </a:lnRef>
+      <a:fillRef idx="3">
+        <a:scrgbClr r="0" g="0" b="0"/>
+      </a:fillRef>
+      <a:effectRef idx="1">
+        <a:scrgbClr r="0" g="0" b="0"/>
+      </a:effectRef>
+      <a:fontRef idx="minor">
+        <a:schemeClr val="lt1"/>
+      </a:fontRef>
+    </dgm:style>
+  </dgm:styleLbl>
+  <dgm:styleLbl name="parChTrans2D4">
+    <dgm:scene3d>
+      <a:camera prst="orthographicFront"/>
+      <a:lightRig rig="threePt" dir="t">
+        <a:rot lat="0" lon="0" rev="7500000"/>
+      </a:lightRig>
+    </dgm:scene3d>
+    <dgm:sp3d z="60000" prstMaterial="flat">
+      <a:bevelT w="120900" h="88900"/>
+    </dgm:sp3d>
+    <dgm:txPr/>
+    <dgm:style>
+      <a:lnRef idx="0">
+        <a:scrgbClr r="0" g="0" b="0"/>
+      </a:lnRef>
+      <a:fillRef idx="3">
+        <a:scrgbClr r="0" g="0" b="0"/>
+      </a:fillRef>
+      <a:effectRef idx="1">
+        <a:scrgbClr r="0" g="0" b="0"/>
+      </a:effectRef>
+      <a:fontRef idx="minor">
+        <a:schemeClr val="lt1"/>
+      </a:fontRef>
+    </dgm:style>
+  </dgm:styleLbl>
+  <dgm:styleLbl name="parChTrans1D1">
+    <dgm:scene3d>
+      <a:camera prst="orthographicFront"/>
+      <a:lightRig rig="threePt" dir="t">
+        <a:rot lat="0" lon="0" rev="7500000"/>
+      </a:lightRig>
+    </dgm:scene3d>
+    <dgm:sp3d z="-40000" prstMaterial="matte"/>
+    <dgm:txPr/>
+    <dgm:style>
+      <a:lnRef idx="2">
+        <a:scrgbClr r="0" g="0" b="0"/>
+      </a:lnRef>
+      <a:fillRef idx="0">
+        <a:scrgbClr r="0" g="0" b="0"/>
+      </a:fillRef>
+      <a:effectRef idx="0">
+        <a:scrgbClr r="0" g="0" b="0"/>
+      </a:effectRef>
+      <a:fontRef idx="minor"/>
+    </dgm:style>
+  </dgm:styleLbl>
+  <dgm:styleLbl name="parChTrans1D2">
+    <dgm:scene3d>
+      <a:camera prst="orthographicFront"/>
+      <a:lightRig rig="threePt" dir="t">
+        <a:rot lat="0" lon="0" rev="7500000"/>
+      </a:lightRig>
+    </dgm:scene3d>
+    <dgm:sp3d z="-40000" prstMaterial="matte"/>
+    <dgm:txPr/>
+    <dgm:style>
+      <a:lnRef idx="2">
+        <a:scrgbClr r="0" g="0" b="0"/>
+      </a:lnRef>
+      <a:fillRef idx="0">
+        <a:scrgbClr r="0" g="0" b="0"/>
+      </a:fillRef>
+      <a:effectRef idx="0">
+        <a:scrgbClr r="0" g="0" b="0"/>
+      </a:effectRef>
+      <a:fontRef idx="minor"/>
+    </dgm:style>
+  </dgm:styleLbl>
+  <dgm:styleLbl name="parChTrans1D3">
+    <dgm:scene3d>
+      <a:camera prst="orthographicFront"/>
+      <a:lightRig rig="threePt" dir="t">
+        <a:rot lat="0" lon="0" rev="7500000"/>
+      </a:lightRig>
+    </dgm:scene3d>
+    <dgm:sp3d z="-40000" prstMaterial="matte"/>
+    <dgm:txPr/>
+    <dgm:style>
+      <a:lnRef idx="2">
+        <a:scrgbClr r="0" g="0" b="0"/>
+      </a:lnRef>
+      <a:fillRef idx="0">
+        <a:scrgbClr r="0" g="0" b="0"/>
+      </a:fillRef>
+      <a:effectRef idx="0">
+        <a:scrgbClr r="0" g="0" b="0"/>
+      </a:effectRef>
+      <a:fontRef idx="minor"/>
+    </dgm:style>
+  </dgm:styleLbl>
+  <dgm:styleLbl name="parChTrans1D4">
+    <dgm:scene3d>
+      <a:camera prst="orthographicFront"/>
+      <a:lightRig rig="threePt" dir="t">
+        <a:rot lat="0" lon="0" rev="7500000"/>
+      </a:lightRig>
+    </dgm:scene3d>
+    <dgm:sp3d z="-40000" prstMaterial="matte"/>
+    <dgm:txPr/>
+    <dgm:style>
+      <a:lnRef idx="2">
+        <a:scrgbClr r="0" g="0" b="0"/>
+      </a:lnRef>
+      <a:fillRef idx="0">
+        <a:scrgbClr r="0" g="0" b="0"/>
+      </a:fillRef>
+      <a:effectRef idx="0">
+        <a:scrgbClr r="0" g="0" b="0"/>
+      </a:effectRef>
+      <a:fontRef idx="minor"/>
+    </dgm:style>
+  </dgm:styleLbl>
+  <dgm:styleLbl name="fgAcc1">
+    <dgm:scene3d>
+      <a:camera prst="orthographicFront"/>
+      <a:lightRig rig="threePt" dir="t">
+        <a:rot lat="0" lon="0" rev="7500000"/>
+      </a:lightRig>
+    </dgm:scene3d>
+    <dgm:sp3d z="152400" extrusionH="63500" prstMaterial="dkEdge">
+      <a:bevelT w="135400" h="16350" prst="relaxedInset"/>
+      <a:contourClr>
+        <a:schemeClr val="bg1"/>
+      </a:contourClr>
+    </dgm:sp3d>
+    <dgm:txPr/>
+    <dgm:style>
+      <a:lnRef idx="1">
+        <a:scrgbClr r="0" g="0" b="0"/>
+      </a:lnRef>
+      <a:fillRef idx="1">
+        <a:scrgbClr r="0" g="0" b="0"/>
+      </a:fillRef>
+      <a:effectRef idx="2">
+        <a:scrgbClr r="0" g="0" b="0"/>
+      </a:effectRef>
+      <a:fontRef idx="minor"/>
+    </dgm:style>
+  </dgm:styleLbl>
+  <dgm:styleLbl name="conFgAcc1">
+    <dgm:scene3d>
+      <a:camera prst="orthographicFront"/>
+      <a:lightRig rig="threePt" dir="t">
+        <a:rot lat="0" lon="0" rev="7500000"/>
+      </a:lightRig>
+    </dgm:scene3d>
+    <dgm:sp3d z="152400" extrusionH="63500" prstMaterial="dkEdge">
+      <a:bevelT w="135400" h="16350" prst="relaxedInset"/>
+      <a:contourClr>
+        <a:schemeClr val="bg1"/>
+      </a:contourClr>
+    </dgm:sp3d>
+    <dgm:txPr/>
+    <dgm:style>
+      <a:lnRef idx="1">
+        <a:scrgbClr r="0" g="0" b="0"/>
+      </a:lnRef>
+      <a:fillRef idx="1">
+        <a:scrgbClr r="0" g="0" b="0"/>
+      </a:fillRef>
+      <a:effectRef idx="2">
+        <a:scrgbClr r="0" g="0" b="0"/>
+      </a:effectRef>
+      <a:fontRef idx="minor"/>
+    </dgm:style>
+  </dgm:styleLbl>
+  <dgm:styleLbl name="alignAcc1">
+    <dgm:scene3d>
+      <a:camera prst="orthographicFront"/>
+      <a:lightRig rig="threePt" dir="t">
+        <a:rot lat="0" lon="0" rev="7500000"/>
+      </a:lightRig>
+    </dgm:scene3d>
+    <dgm:sp3d extrusionH="190500" prstMaterial="dkEdge">
+      <a:bevelT w="135400" h="16350" prst="relaxedInset"/>
+      <a:contourClr>
+        <a:schemeClr val="bg1"/>
+      </a:contourClr>
+    </dgm:sp3d>
+    <dgm:txPr/>
+    <dgm:style>
+      <a:lnRef idx="1">
+        <a:scrgbClr r="0" g="0" b="0"/>
+      </a:lnRef>
+      <a:fillRef idx="1">
+        <a:scrgbClr r="0" g="0" b="0"/>
+      </a:fillRef>
+      <a:effectRef idx="2">
+        <a:scrgbClr r="0" g="0" b="0"/>
+      </a:effectRef>
+      <a:fontRef idx="minor"/>
+    </dgm:style>
+  </dgm:styleLbl>
+  <dgm:styleLbl name="trAlignAcc1">
+    <dgm:scene3d>
+      <a:camera prst="orthographicFront"/>
+      <a:lightRig rig="threePt" dir="t">
+        <a:rot lat="0" lon="0" rev="7500000"/>
+      </a:lightRig>
+    </dgm:scene3d>
+    <dgm:sp3d prstMaterial="plastic">
+      <a:bevelT w="127000" h="35400"/>
+    </dgm:sp3d>
+    <dgm:txPr/>
+    <dgm:style>
+      <a:lnRef idx="1">
+        <a:scrgbClr r="0" g="0" b="0"/>
+      </a:lnRef>
+      <a:fillRef idx="1">
+        <a:scrgbClr r="0" g="0" b="0"/>
+      </a:fillRef>
+      <a:effectRef idx="2">
+        <a:scrgbClr r="0" g="0" b="0"/>
+      </a:effectRef>
+      <a:fontRef idx="minor">
+        <a:schemeClr val="lt1"/>
+      </a:fontRef>
+    </dgm:style>
+  </dgm:styleLbl>
+  <dgm:styleLbl name="bgAcc1">
+    <dgm:scene3d>
+      <a:camera prst="orthographicFront"/>
+      <a:lightRig rig="threePt" dir="t">
+        <a:rot lat="0" lon="0" rev="7500000"/>
+      </a:lightRig>
+    </dgm:scene3d>
+    <dgm:sp3d z="-152400" extrusionH="63500" prstMaterial="dkEdge">
+      <a:bevelT w="124450" h="16350" prst="relaxedInset"/>
+      <a:contourClr>
+        <a:schemeClr val="bg1"/>
+      </a:contourClr>
+    </dgm:sp3d>
+    <dgm:txPr/>
+    <dgm:style>
+      <a:lnRef idx="1">
+        <a:scrgbClr r="0" g="0" b="0"/>
+      </a:lnRef>
+      <a:fillRef idx="1">
+        <a:scrgbClr r="0" g="0" b="0"/>
+      </a:fillRef>
+      <a:effectRef idx="0">
+        <a:scrgbClr r="0" g="0" b="0"/>
+      </a:effectRef>
+      <a:fontRef idx="minor"/>
+    </dgm:style>
+  </dgm:styleLbl>
+  <dgm:styleLbl name="solidFgAcc1">
+    <dgm:scene3d>
+      <a:camera prst="orthographicFront"/>
+      <a:lightRig rig="threePt" dir="t">
+        <a:rot lat="0" lon="0" rev="7500000"/>
+      </a:lightRig>
+    </dgm:scene3d>
+    <dgm:sp3d z="152400" extrusionH="63500" prstMaterial="dkEdge">
+      <a:bevelT w="120800" h="19050" prst="relaxedInset"/>
+      <a:contourClr>
+        <a:schemeClr val="bg1"/>
+      </a:contourClr>
+    </dgm:sp3d>
+    <dgm:txPr/>
+    <dgm:style>
+      <a:lnRef idx="1">
+        <a:scrgbClr r="0" g="0" b="0"/>
+      </a:lnRef>
+      <a:fillRef idx="1">
+        <a:scrgbClr r="0" g="0" b="0"/>
+      </a:fillRef>
+      <a:effectRef idx="2">
+        <a:scrgbClr r="0" g="0" b="0"/>
+      </a:effectRef>
+      <a:fontRef idx="minor"/>
+    </dgm:style>
+  </dgm:styleLbl>
+  <dgm:styleLbl name="solidAlignAcc1">
+    <dgm:scene3d>
+      <a:camera prst="orthographicFront"/>
+      <a:lightRig rig="threePt" dir="t">
+        <a:rot lat="0" lon="0" rev="7500000"/>
+      </a:lightRig>
+    </dgm:scene3d>
+    <dgm:sp3d extrusionH="190500" prstMaterial="dkEdge">
+      <a:bevelT w="120650" h="38100" prst="relaxedInset"/>
+      <a:contourClr>
+        <a:schemeClr val="bg1"/>
+      </a:contourClr>
+    </dgm:sp3d>
+    <dgm:txPr/>
+    <dgm:style>
+      <a:lnRef idx="1">
+        <a:scrgbClr r="0" g="0" b="0"/>
+      </a:lnRef>
+      <a:fillRef idx="1">
+        <a:scrgbClr r="0" g="0" b="0"/>
+      </a:fillRef>
+      <a:effectRef idx="2">
+        <a:scrgbClr r="0" g="0" b="0"/>
+      </a:effectRef>
+      <a:fontRef idx="minor"/>
+    </dgm:style>
+  </dgm:styleLbl>
+  <dgm:styleLbl name="solidBgAcc1">
+    <dgm:scene3d>
+      <a:camera prst="orthographicFront"/>
+      <a:lightRig rig="threePt" dir="t">
+        <a:rot lat="0" lon="0" rev="7500000"/>
+      </a:lightRig>
+    </dgm:scene3d>
+    <dgm:sp3d z="-152400" extrusionH="63500" prstMaterial="dkEdge">
+      <a:bevelT w="144450" h="36350" prst="relaxedInset"/>
+      <a:contourClr>
+        <a:schemeClr val="bg1"/>
+      </a:contourClr>
+    </dgm:sp3d>
+    <dgm:txPr/>
+    <dgm:style>
+      <a:lnRef idx="1">
+        <a:scrgbClr r="0" g="0" b="0"/>
+      </a:lnRef>
+      <a:fillRef idx="1">
+        <a:scrgbClr r="0" g="0" b="0"/>
+      </a:fillRef>
+      <a:effectRef idx="0">
+        <a:scrgbClr r="0" g="0" b="0"/>
+      </a:effectRef>
+      <a:fontRef idx="minor"/>
+    </dgm:style>
+  </dgm:styleLbl>
+  <dgm:styleLbl name="fgAccFollowNode1">
+    <dgm:scene3d>
+      <a:camera prst="orthographicFront"/>
+      <a:lightRig rig="threePt" dir="t">
+        <a:rot lat="0" lon="0" rev="7500000"/>
+      </a:lightRig>
+    </dgm:scene3d>
+    <dgm:sp3d z="152400" extrusionH="63500" prstMaterial="dkEdge">
+      <a:bevelT w="125400" h="36350" prst="relaxedInset"/>
+      <a:contourClr>
+        <a:schemeClr val="bg1"/>
+      </a:contourClr>
+    </dgm:sp3d>
+    <dgm:txPr/>
+    <dgm:style>
+      <a:lnRef idx="1">
+        <a:scrgbClr r="0" g="0" b="0"/>
+      </a:lnRef>
+      <a:fillRef idx="1">
+        <a:scrgbClr r="0" g="0" b="0"/>
+      </a:fillRef>
+      <a:effectRef idx="0">
+        <a:scrgbClr r="0" g="0" b="0"/>
+      </a:effectRef>
+      <a:fontRef idx="minor"/>
+    </dgm:style>
+  </dgm:styleLbl>
+  <dgm:styleLbl name="alignAccFollowNode1">
+    <dgm:scene3d>
+      <a:camera prst="orthographicFront"/>
+      <a:lightRig rig="threePt" dir="t">
+        <a:rot lat="0" lon="0" rev="7500000"/>
+      </a:lightRig>
+    </dgm:scene3d>
+    <dgm:sp3d extrusionH="190500" prstMaterial="dkEdge">
+      <a:bevelT w="120650" h="38100" prst="relaxedInset"/>
+      <a:bevelB w="120650" h="57150" prst="relaxedInset"/>
+      <a:contourClr>
+        <a:schemeClr val="bg1"/>
+      </a:contourClr>
+    </dgm:sp3d>
+    <dgm:txPr/>
+    <dgm:style>
+      <a:lnRef idx="1">
+        <a:scrgbClr r="0" g="0" b="0"/>
+      </a:lnRef>
+      <a:fillRef idx="1">
+        <a:scrgbClr r="0" g="0" b="0"/>
+      </a:fillRef>
+      <a:effectRef idx="2">
+        <a:scrgbClr r="0" g="0" b="0"/>
+      </a:effectRef>
+      <a:fontRef idx="minor"/>
+    </dgm:style>
+  </dgm:styleLbl>
+  <dgm:styleLbl name="bgAccFollowNode1">
+    <dgm:scene3d>
+      <a:camera prst="orthographicFront"/>
+      <a:lightRig rig="threePt" dir="t">
+        <a:rot lat="0" lon="0" rev="7500000"/>
+      </a:lightRig>
+    </dgm:scene3d>
+    <dgm:sp3d z="-152400" extrusionH="63500" prstMaterial="dkEdge">
+      <a:bevelT w="144450" h="36350" prst="relaxedInset"/>
+      <a:contourClr>
+        <a:schemeClr val="bg1"/>
+      </a:contourClr>
+    </dgm:sp3d>
+    <dgm:txPr/>
+    <dgm:style>
+      <a:lnRef idx="1">
+        <a:scrgbClr r="0" g="0" b="0"/>
+      </a:lnRef>
+      <a:fillRef idx="1">
+        <a:scrgbClr r="0" g="0" b="0"/>
+      </a:fillRef>
+      <a:effectRef idx="2">
+        <a:scrgbClr r="0" g="0" b="0"/>
+      </a:effectRef>
+      <a:fontRef idx="minor"/>
+    </dgm:style>
+  </dgm:styleLbl>
+  <dgm:styleLbl name="fgAcc0">
+    <dgm:scene3d>
+      <a:camera prst="orthographicFront"/>
+      <a:lightRig rig="threePt" dir="t">
+        <a:rot lat="0" lon="0" rev="7500000"/>
+      </a:lightRig>
+    </dgm:scene3d>
+    <dgm:sp3d z="152400" extrusionH="63500" prstMaterial="dkEdge">
+      <a:bevelT w="125400" h="36350" prst="relaxedInset"/>
+      <a:contourClr>
+        <a:schemeClr val="bg1"/>
+      </a:contourClr>
+    </dgm:sp3d>
+    <dgm:txPr/>
+    <dgm:style>
+      <a:lnRef idx="1">
+        <a:scrgbClr r="0" g="0" b="0"/>
+      </a:lnRef>
+      <a:fillRef idx="1">
+        <a:scrgbClr r="0" g="0" b="0"/>
+      </a:fillRef>
+      <a:effectRef idx="2">
+        <a:scrgbClr r="0" g="0" b="0"/>
+      </a:effectRef>
+      <a:fontRef idx="minor"/>
+    </dgm:style>
+  </dgm:styleLbl>
+  <dgm:styleLbl name="fgAcc2">
+    <dgm:scene3d>
+      <a:camera prst="orthographicFront"/>
+      <a:lightRig rig="threePt" dir="t">
+        <a:rot lat="0" lon="0" rev="7500000"/>
+      </a:lightRig>
+    </dgm:scene3d>
+    <dgm:sp3d z="152400" extrusionH="63500" prstMaterial="dkEdge">
+      <a:bevelT w="125400" h="36350" prst="relaxedInset"/>
+      <a:contourClr>
+        <a:schemeClr val="bg1"/>
+      </a:contourClr>
+    </dgm:sp3d>
+    <dgm:txPr/>
+    <dgm:style>
+      <a:lnRef idx="1">
+        <a:scrgbClr r="0" g="0" b="0"/>
+      </a:lnRef>
+      <a:fillRef idx="1">
+        <a:scrgbClr r="0" g="0" b="0"/>
+      </a:fillRef>
+      <a:effectRef idx="2">
+        <a:scrgbClr r="0" g="0" b="0"/>
+      </a:effectRef>
+      <a:fontRef idx="minor"/>
+    </dgm:style>
+  </dgm:styleLbl>
+  <dgm:styleLbl name="fgAcc3">
+    <dgm:scene3d>
+      <a:camera prst="orthographicFront"/>
+      <a:lightRig rig="threePt" dir="t">
+        <a:rot lat="0" lon="0" rev="7500000"/>
+      </a:lightRig>
+    </dgm:scene3d>
+    <dgm:sp3d z="152400" extrusionH="63500" prstMaterial="dkEdge">
+      <a:bevelT w="125400" h="36350" prst="relaxedInset"/>
+      <a:contourClr>
+        <a:schemeClr val="bg1"/>
+      </a:contourClr>
+    </dgm:sp3d>
+    <dgm:txPr/>
+    <dgm:style>
+      <a:lnRef idx="1">
+        <a:scrgbClr r="0" g="0" b="0"/>
+      </a:lnRef>
+      <a:fillRef idx="1">
+        <a:scrgbClr r="0" g="0" b="0"/>
+      </a:fillRef>
+      <a:effectRef idx="2">
+        <a:scrgbClr r="0" g="0" b="0"/>
+      </a:effectRef>
+      <a:fontRef idx="minor"/>
+    </dgm:style>
+  </dgm:styleLbl>
+  <dgm:styleLbl name="fgAcc4">
+    <dgm:scene3d>
+      <a:camera prst="orthographicFront"/>
+      <a:lightRig rig="threePt" dir="t">
+        <a:rot lat="0" lon="0" rev="7500000"/>
+      </a:lightRig>
+    </dgm:scene3d>
+    <dgm:sp3d z="152400" extrusionH="63500" prstMaterial="dkEdge">
+      <a:bevelT w="125400" h="36350" prst="relaxedInset"/>
+      <a:contourClr>
+        <a:schemeClr val="bg1"/>
+      </a:contourClr>
+    </dgm:sp3d>
+    <dgm:txPr/>
+    <dgm:style>
+      <a:lnRef idx="1">
+        <a:scrgbClr r="0" g="0" b="0"/>
+      </a:lnRef>
+      <a:fillRef idx="1">
+        <a:scrgbClr r="0" g="0" b="0"/>
+      </a:fillRef>
+      <a:effectRef idx="2">
+        <a:scrgbClr r="0" g="0" b="0"/>
+      </a:effectRef>
+      <a:fontRef idx="minor"/>
+    </dgm:style>
+  </dgm:styleLbl>
+  <dgm:styleLbl name="bgShp">
+    <dgm:scene3d>
+      <a:camera prst="orthographicFront"/>
+      <a:lightRig rig="threePt" dir="t">
+        <a:rot lat="0" lon="0" rev="7500000"/>
+      </a:lightRig>
+    </dgm:scene3d>
+    <dgm:sp3d z="-152400" extrusionH="63500" prstMaterial="matte">
+      <a:bevelT w="144450" h="6350" prst="relaxedInset"/>
+      <a:contourClr>
+        <a:schemeClr val="bg1"/>
+      </a:contourClr>
+    </dgm:sp3d>
+    <dgm:txPr/>
+    <dgm:style>
+      <a:lnRef idx="0">
+        <a:scrgbClr r="0" g="0" b="0"/>
+      </a:lnRef>
+      <a:fillRef idx="3">
+        <a:scrgbClr r="0" g="0" b="0"/>
+      </a:fillRef>
+      <a:effectRef idx="0">
+        <a:scrgbClr r="0" g="0" b="0"/>
+      </a:effectRef>
+      <a:fontRef idx="minor"/>
+    </dgm:style>
+  </dgm:styleLbl>
+  <dgm:styleLbl name="dkBgShp">
+    <dgm:scene3d>
+      <a:camera prst="orthographicFront"/>
+      <a:lightRig rig="threePt" dir="t">
+        <a:rot lat="0" lon="0" rev="7500000"/>
+      </a:lightRig>
+    </dgm:scene3d>
+    <dgm:sp3d prstMaterial="plastic">
+      <a:bevelT w="127000" h="25400" prst="relaxedInset"/>
+      <a:bevelB w="88900" h="121750" prst="angle"/>
+    </dgm:sp3d>
+    <dgm:txPr/>
+    <dgm:style>
+      <a:lnRef idx="0">
+        <a:scrgbClr r="0" g="0" b="0"/>
+      </a:lnRef>
+      <a:fillRef idx="1">
+        <a:scrgbClr r="0" g="0" b="0"/>
+      </a:fillRef>
+      <a:effectRef idx="2">
+        <a:scrgbClr r="0" g="0" b="0"/>
+      </a:effectRef>
+      <a:fontRef idx="minor">
+        <a:schemeClr val="lt1"/>
+      </a:fontRef>
+    </dgm:style>
+  </dgm:styleLbl>
+  <dgm:styleLbl name="trBgShp">
+    <dgm:scene3d>
+      <a:camera prst="orthographicFront"/>
+      <a:lightRig rig="threePt" dir="t"/>
+    </dgm:scene3d>
+    <dgm:sp3d z="-152400" prstMaterial="matte"/>
+    <dgm:txPr/>
+    <dgm:style>
+      <a:lnRef idx="0">
+        <a:scrgbClr r="0" g="0" b="0"/>
+      </a:lnRef>
+      <a:fillRef idx="1">
+        <a:scrgbClr r="0" g="0" b="0"/>
+      </a:fillRef>
+      <a:effectRef idx="0">
+        <a:scrgbClr r="0" g="0" b="0"/>
+      </a:effectRef>
+      <a:fontRef idx="minor"/>
+    </dgm:style>
+  </dgm:styleLbl>
+  <dgm:styleLbl name="fgShp">
+    <dgm:scene3d>
+      <a:camera prst="orthographicFront"/>
+      <a:lightRig rig="threePt" dir="t">
+        <a:rot lat="0" lon="0" rev="7500000"/>
+      </a:lightRig>
+    </dgm:scene3d>
+    <dgm:sp3d z="152400" extrusionH="63500" prstMaterial="matte">
+      <a:bevelT w="50800" h="19050" prst="relaxedInset"/>
+      <a:contourClr>
+        <a:schemeClr val="bg1"/>
+      </a:contourClr>
+    </dgm:sp3d>
+    <dgm:txPr/>
+    <dgm:style>
+      <a:lnRef idx="0">
+        <a:scrgbClr r="0" g="0" b="0"/>
+      </a:lnRef>
+      <a:fillRef idx="1">
+        <a:scrgbClr r="0" g="0" b="0"/>
+      </a:fillRef>
+      <a:effectRef idx="2">
+        <a:scrgbClr r="0" g="0" b="0"/>
+      </a:effectRef>
+      <a:fontRef idx="minor">
+        <a:schemeClr val="lt1"/>
+      </a:fontRef>
+    </dgm:style>
+  </dgm:styleLbl>
+  <dgm:styleLbl name="revTx">
+    <dgm:scene3d>
+      <a:camera prst="orthographicFront"/>
+      <a:lightRig rig="threePt" dir="t"/>
+    </dgm:scene3d>
+    <dgm:sp3d/>
+    <dgm:txPr/>
+    <dgm:style>
+      <a:lnRef idx="0">
+        <a:scrgbClr r="0" g="0" b="0"/>
+      </a:lnRef>
+      <a:fillRef idx="0">
+        <a:scrgbClr r="0" g="0" b="0"/>
+      </a:fillRef>
+      <a:effectRef idx="0">
+        <a:scrgbClr r="0" g="0" b="0"/>
+      </a:effectRef>
+      <a:fontRef idx="minor"/>
+    </dgm:style>
+  </dgm:styleLbl>
+</dgm:styleDef>
 </file>
 
 <file path=ppt/slideLayouts/slideLayout1.xml><?xml version="1.0" encoding="utf-8"?>
@@ -534,7 +5734,7 @@
           <a:p>
             <a:fld id="{83284890-85D2-4D7B-8EF5-15A9C1DB8F42}" type="datetimeFigureOut">
               <a:rPr lang="en-US" dirty="0"/>
-              <a:t>8/13/2020</a:t>
+              <a:t>8/14/2020</a:t>
             </a:fld>
             <a:endParaRPr lang="en-US" dirty="0"/>
           </a:p>
@@ -709,7 +5909,7 @@
           <a:p>
             <a:fld id="{87157CC2-0FC8-4686-B024-99790E0F5162}" type="datetimeFigureOut">
               <a:rPr lang="en-US" dirty="0"/>
-              <a:t>8/13/2020</a:t>
+              <a:t>8/14/2020</a:t>
             </a:fld>
             <a:endParaRPr lang="en-US" dirty="0"/>
           </a:p>
@@ -884,7 +6084,7 @@
           <a:p>
             <a:fld id="{F6764DA5-CD3D-4590-A511-FCD3BC7A793E}" type="datetimeFigureOut">
               <a:rPr lang="en-US" dirty="0"/>
-              <a:t>8/13/2020</a:t>
+              <a:t>8/14/2020</a:t>
             </a:fld>
             <a:endParaRPr lang="en-US" dirty="0"/>
           </a:p>
@@ -1049,7 +6249,7 @@
           <a:p>
             <a:fld id="{82F5661D-6934-4B32-B92C-470368BF1EC6}" type="datetimeFigureOut">
               <a:rPr lang="en-US" dirty="0"/>
-              <a:t>8/13/2020</a:t>
+              <a:t>8/14/2020</a:t>
             </a:fld>
             <a:endParaRPr lang="en-US" dirty="0"/>
           </a:p>
@@ -1357,7 +6557,7 @@
           <a:p>
             <a:fld id="{C6F822A4-8DA6-4447-9B1F-C5DB58435268}" type="datetimeFigureOut">
               <a:rPr lang="en-US" dirty="0"/>
-              <a:t>8/13/2020</a:t>
+              <a:t>8/14/2020</a:t>
             </a:fld>
             <a:endParaRPr lang="en-US" dirty="0"/>
           </a:p>
@@ -1739,7 +6939,7 @@
           <a:p>
             <a:fld id="{E548D31E-DCDA-41A7-9C67-C4B11B94D21D}" type="datetimeFigureOut">
               <a:rPr lang="en-US" dirty="0"/>
-              <a:t>8/13/2020</a:t>
+              <a:t>8/14/2020</a:t>
             </a:fld>
             <a:endParaRPr lang="en-US" dirty="0"/>
           </a:p>
@@ -2168,7 +7368,7 @@
           <a:p>
             <a:fld id="{9B3762C0-B258-48F1-ADE6-176B4174CCDD}" type="datetimeFigureOut">
               <a:rPr lang="en-US" dirty="0"/>
-              <a:t>8/13/2020</a:t>
+              <a:t>8/14/2020</a:t>
             </a:fld>
             <a:endParaRPr lang="en-US" dirty="0"/>
           </a:p>
@@ -2281,7 +7481,7 @@
           <a:p>
             <a:fld id="{677919A6-33EB-49BD-A62F-1FA56B9F9712}" type="datetimeFigureOut">
               <a:rPr lang="en-US" dirty="0"/>
-              <a:t>8/13/2020</a:t>
+              <a:t>8/14/2020</a:t>
             </a:fld>
             <a:endParaRPr lang="en-US" dirty="0"/>
           </a:p>
@@ -2371,7 +7571,7 @@
           <a:p>
             <a:fld id="{CA4E7D1B-D673-4CF6-8672-009D42ABD2A0}" type="datetimeFigureOut">
               <a:rPr lang="en-US" dirty="0"/>
-              <a:t>8/13/2020</a:t>
+              <a:t>8/14/2020</a:t>
             </a:fld>
             <a:endParaRPr lang="en-US" dirty="0"/>
           </a:p>
@@ -2716,7 +7916,7 @@
           <a:p>
             <a:fld id="{DA16AA21-1863-4931-97CB-99D0A168701B}" type="datetimeFigureOut">
               <a:rPr lang="en-US" dirty="0"/>
-              <a:t>8/13/2020</a:t>
+              <a:t>8/14/2020</a:t>
             </a:fld>
             <a:endParaRPr lang="en-US" dirty="0"/>
           </a:p>
@@ -3136,7 +8336,7 @@
           <a:p>
             <a:fld id="{3772C379-9A7C-4C87-A116-CBE9F58B04C5}" type="datetimeFigureOut">
               <a:rPr lang="en-US" dirty="0"/>
-              <a:t>8/13/2020</a:t>
+              <a:t>8/14/2020</a:t>
             </a:fld>
             <a:endParaRPr lang="en-US" dirty="0"/>
           </a:p>
@@ -3412,7 +8612,7 @@
           <a:p>
             <a:fld id="{8664C608-40B1-4030-A28D-5B74BC98ADCE}" type="datetimeFigureOut">
               <a:rPr lang="en-US" dirty="0"/>
-              <a:t>8/13/2020</a:t>
+              <a:t>8/14/2020</a:t>
             </a:fld>
             <a:endParaRPr lang="en-US" dirty="0"/>
           </a:p>
@@ -4122,80 +9322,46 @@
         </p:nvSpPr>
         <p:spPr>
           <a:xfrm>
-            <a:off x="143691" y="1084217"/>
-            <a:ext cx="11560629" cy="1732771"/>
+            <a:off x="143691" y="927464"/>
+            <a:ext cx="9810206" cy="1645920"/>
           </a:xfrm>
         </p:spPr>
         <p:txBody>
           <a:bodyPr>
-            <a:normAutofit fontScale="92500" lnSpcReduction="10000"/>
+            <a:normAutofit fontScale="85000" lnSpcReduction="10000"/>
           </a:bodyPr>
           <a:lstStyle/>
           <a:p>
             <a:r>
               <a:rPr lang="en-US" dirty="0"/>
-              <a:t>We wanted to see the crimes by county, and this type of crime is burglary.  </a:t>
+              <a:t>We wanted to see the crimes by county, and this type of crime is </a:t>
             </a:r>
             <a:r>
               <a:rPr lang="en-US" dirty="0" smtClean="0"/>
-              <a:t>We </a:t>
+              <a:t>aggravated assault.  </a:t>
             </a:r>
             <a:r>
               <a:rPr lang="en-US" dirty="0"/>
-              <a:t>can see the county with the fewest burglaries and the most burglaries we're </a:t>
+              <a:t>We can see the county with the fewest </a:t>
             </a:r>
             <a:r>
               <a:rPr lang="en-US" dirty="0" smtClean="0"/>
+              <a:t>and </a:t>
+            </a:r>
+            <a:r>
+              <a:rPr lang="en-US" dirty="0"/>
+              <a:t>the most aggravated assault </a:t>
+            </a:r>
+            <a:r>
+              <a:rPr lang="en-US" dirty="0" smtClean="0"/>
+              <a:t>we're </a:t>
+            </a:r>
+            <a:r>
+              <a:rPr lang="en-US" dirty="0"/>
               <a:t>going to  identify.</a:t>
             </a:r>
             <a:br>
-              <a:rPr lang="en-US" dirty="0" smtClean="0"/>
-            </a:br>
-            <a:r>
-              <a:rPr lang="en-US" dirty="0" smtClean="0"/>
-              <a:t>The county with a </a:t>
-            </a:r>
-            <a:r>
               <a:rPr lang="en-US" dirty="0"/>
-              <a:t>high burglary: Johnson </a:t>
-            </a:r>
-            <a:r>
-              <a:rPr lang="en-US" dirty="0" err="1"/>
-              <a:t>County,Clinton</a:t>
-            </a:r>
-            <a:r>
-              <a:rPr lang="en-US" dirty="0"/>
-              <a:t> County, </a:t>
-            </a:r>
-            <a:r>
-              <a:rPr lang="en-US" dirty="0" err="1"/>
-              <a:t>Livington</a:t>
-            </a:r>
-            <a:r>
-              <a:rPr lang="en-US" dirty="0"/>
-              <a:t> County Washington </a:t>
-            </a:r>
-            <a:r>
-              <a:rPr lang="en-US" dirty="0" err="1"/>
-              <a:t>County,Crawford</a:t>
-            </a:r>
-            <a:r>
-              <a:rPr lang="en-US" dirty="0"/>
-              <a:t> </a:t>
-            </a:r>
-            <a:r>
-              <a:rPr lang="en-US" dirty="0" smtClean="0"/>
-              <a:t>County.</a:t>
-            </a:r>
-            <a:br>
-              <a:rPr lang="en-US" dirty="0" smtClean="0"/>
-            </a:br>
-            <a:r>
-              <a:rPr lang="en-US" dirty="0" smtClean="0"/>
-              <a:t/>
-            </a:r>
-            <a:br>
-              <a:rPr lang="en-US" dirty="0" smtClean="0"/>
             </a:br>
             <a:r>
               <a:rPr lang="en-US" dirty="0"/>
@@ -4203,40 +9369,63 @@
             </a:r>
             <a:r>
               <a:rPr lang="en-US" dirty="0" smtClean="0"/>
-              <a:t>lower burglary: Pike County, </a:t>
-            </a:r>
-            <a:r>
-              <a:rPr lang="en-US" dirty="0" err="1" smtClean="0"/>
-              <a:t>Dekalb</a:t>
+              <a:t>high aggravated assault: </a:t>
             </a:r>
             <a:r>
               <a:rPr lang="en-US" dirty="0" smtClean="0"/>
-              <a:t> </a:t>
-            </a:r>
-            <a:r>
-              <a:rPr lang="en-US" dirty="0" err="1" smtClean="0"/>
-              <a:t>County,Jefferson</a:t>
+              <a:t>Cook </a:t>
             </a:r>
             <a:r>
               <a:rPr lang="en-US" dirty="0" smtClean="0"/>
-              <a:t> </a:t>
-            </a:r>
-            <a:r>
-              <a:rPr lang="en-US" dirty="0" err="1" smtClean="0"/>
-              <a:t>County,Kankakee</a:t>
+              <a:t>County, </a:t>
             </a:r>
             <a:r>
               <a:rPr lang="en-US" dirty="0" smtClean="0"/>
-              <a:t> </a:t>
-            </a:r>
-            <a:r>
-              <a:rPr lang="en-US" dirty="0" err="1" smtClean="0"/>
-              <a:t>County,Adams</a:t>
+              <a:t>Winnebago </a:t>
+            </a:r>
+            <a:r>
+              <a:rPr lang="en-US" dirty="0"/>
+              <a:t>County, </a:t>
             </a:r>
             <a:r>
               <a:rPr lang="en-US" dirty="0" smtClean="0"/>
-              <a:t> County…</a:t>
-            </a:r>
+              <a:t>Will County</a:t>
+            </a:r>
+            <a:r>
+              <a:rPr lang="en-US" dirty="0"/>
+              <a:t/>
+            </a:r>
+            <a:br>
+              <a:rPr lang="en-US" dirty="0"/>
+            </a:br>
+            <a:r>
+              <a:rPr lang="en-US" dirty="0"/>
+              <a:t/>
+            </a:r>
+            <a:br>
+              <a:rPr lang="en-US" dirty="0"/>
+            </a:br>
+            <a:r>
+              <a:rPr lang="en-US" dirty="0"/>
+              <a:t>The county with a lower </a:t>
+            </a:r>
+            <a:r>
+              <a:rPr lang="en-US" dirty="0" smtClean="0"/>
+              <a:t>aggravated assault: </a:t>
+            </a:r>
+            <a:r>
+              <a:rPr lang="en-US" dirty="0" smtClean="0"/>
+              <a:t>Monroe </a:t>
+            </a:r>
+            <a:r>
+              <a:rPr lang="en-US" dirty="0"/>
+              <a:t>County, </a:t>
+            </a:r>
+            <a:r>
+              <a:rPr lang="en-US" dirty="0" smtClean="0"/>
+              <a:t>Clark County ,Fulton County…</a:t>
+            </a:r>
+            <a:endParaRPr lang="en-US" dirty="0"/>
           </a:p>
           <a:p>
             <a:endParaRPr lang="en-US" dirty="0"/>
@@ -4275,7 +9464,7 @@
       </p:sp>
       <p:pic>
         <p:nvPicPr>
-          <p:cNvPr id="5" name="Picture 4"/>
+          <p:cNvPr id="2" name="Picture 1"/>
           <p:cNvPicPr>
             <a:picLocks noChangeAspect="1"/>
           </p:cNvPicPr>
@@ -4289,8 +9478,8 @@
         </p:blipFill>
         <p:spPr>
           <a:xfrm>
-            <a:off x="6113417" y="2816988"/>
-            <a:ext cx="4741817" cy="3568958"/>
+            <a:off x="365759" y="2573384"/>
+            <a:ext cx="4325735" cy="3927158"/>
           </a:xfrm>
           <a:prstGeom prst="rect">
             <a:avLst/>
@@ -4313,8 +9502,8 @@
         </p:blipFill>
         <p:spPr>
           <a:xfrm>
-            <a:off x="411071" y="2982217"/>
-            <a:ext cx="4970826" cy="3238500"/>
+            <a:off x="5266916" y="2481944"/>
+            <a:ext cx="4909049" cy="4195006"/>
           </a:xfrm>
           <a:prstGeom prst="rect">
             <a:avLst/>
@@ -4324,7 +9513,7 @@
     </p:spTree>
     <p:extLst>
       <p:ext uri="{BB962C8B-B14F-4D97-AF65-F5344CB8AC3E}">
-        <p14:creationId xmlns:p14="http://schemas.microsoft.com/office/powerpoint/2010/main" val="3393935990"/>
+        <p14:creationId xmlns:p14="http://schemas.microsoft.com/office/powerpoint/2010/main" val="1095663754"/>
       </p:ext>
     </p:extLst>
   </p:cSld>
@@ -4363,113 +9552,218 @@
         </p:nvSpPr>
         <p:spPr>
           <a:xfrm>
-            <a:off x="143691" y="927464"/>
-            <a:ext cx="9810206" cy="1645920"/>
+            <a:off x="325265" y="1272322"/>
+            <a:ext cx="9824575" cy="1510066"/>
           </a:xfrm>
         </p:spPr>
         <p:txBody>
           <a:bodyPr>
-            <a:normAutofit fontScale="85000" lnSpcReduction="10000"/>
+            <a:normAutofit fontScale="62500" lnSpcReduction="20000"/>
           </a:bodyPr>
           <a:lstStyle/>
           <a:p>
             <a:r>
-              <a:rPr lang="en-US" dirty="0"/>
-              <a:t>We wanted to see the crimes by county, and this type of crime is </a:t>
-            </a:r>
-            <a:r>
-              <a:rPr lang="en-US" dirty="0" smtClean="0"/>
-              <a:t>aggravated assault.  </a:t>
-            </a:r>
-            <a:r>
-              <a:rPr lang="en-US" dirty="0"/>
-              <a:t>We can see the county with the fewest </a:t>
-            </a:r>
-            <a:r>
-              <a:rPr lang="en-US" dirty="0" smtClean="0"/>
-              <a:t>and </a:t>
-            </a:r>
-            <a:r>
-              <a:rPr lang="en-US" dirty="0"/>
-              <a:t>the most aggravated assault </a:t>
-            </a:r>
-            <a:r>
-              <a:rPr lang="en-US" dirty="0" smtClean="0"/>
-              <a:t>we're </a:t>
-            </a:r>
-            <a:r>
-              <a:rPr lang="en-US" dirty="0"/>
-              <a:t>going to  identify.</a:t>
+              <a:rPr lang="en-US" sz="2700" dirty="0">
+                <a:solidFill>
+                  <a:schemeClr val="tx1">
+                    <a:lumMod val="75000"/>
+                    <a:lumOff val="25000"/>
+                  </a:schemeClr>
+                </a:solidFill>
+              </a:rPr>
+              <a:t>We wanted to see the crimes by county, and this type of crime </a:t>
+            </a:r>
+            <a:r>
+              <a:rPr lang="en-US" sz="2700" dirty="0" smtClean="0">
+                <a:solidFill>
+                  <a:schemeClr val="tx1">
+                    <a:lumMod val="75000"/>
+                    <a:lumOff val="25000"/>
+                  </a:schemeClr>
+                </a:solidFill>
+              </a:rPr>
+              <a:t>is the rate </a:t>
+            </a:r>
+            <a:r>
+              <a:rPr lang="en-US" sz="2700" dirty="0">
+                <a:solidFill>
+                  <a:schemeClr val="tx1">
+                    <a:lumMod val="75000"/>
+                    <a:lumOff val="25000"/>
+                  </a:schemeClr>
+                </a:solidFill>
+              </a:rPr>
+              <a:t>aggravated assault.  We can see the county with the fewest and the most aggravated assault we're going to  identify.</a:t>
             </a:r>
             <a:br>
-              <a:rPr lang="en-US" dirty="0"/>
+              <a:rPr lang="en-US" sz="2700" dirty="0">
+                <a:solidFill>
+                  <a:schemeClr val="tx1">
+                    <a:lumMod val="75000"/>
+                    <a:lumOff val="25000"/>
+                  </a:schemeClr>
+                </a:solidFill>
+              </a:rPr>
             </a:br>
             <a:r>
-              <a:rPr lang="en-US" dirty="0"/>
+              <a:rPr lang="en-US" sz="2700" dirty="0">
+                <a:solidFill>
+                  <a:schemeClr val="tx1">
+                    <a:lumMod val="75000"/>
+                    <a:lumOff val="25000"/>
+                  </a:schemeClr>
+                </a:solidFill>
+              </a:rPr>
               <a:t>The county with a </a:t>
             </a:r>
             <a:r>
-              <a:rPr lang="en-US" dirty="0" smtClean="0"/>
-              <a:t>high aggravated assault: Monroe County, Clark </a:t>
-            </a:r>
-            <a:r>
-              <a:rPr lang="en-US" dirty="0"/>
-              <a:t>County, </a:t>
-            </a:r>
-            <a:r>
-              <a:rPr lang="en-US" dirty="0" smtClean="0"/>
-              <a:t>Fulton County, Pike County.</a:t>
-            </a:r>
-            <a:r>
-              <a:rPr lang="en-US" dirty="0"/>
+              <a:rPr lang="en-US" sz="2700" dirty="0" smtClean="0">
+                <a:solidFill>
+                  <a:schemeClr val="tx1">
+                    <a:lumMod val="75000"/>
+                    <a:lumOff val="25000"/>
+                  </a:schemeClr>
+                </a:solidFill>
+              </a:rPr>
+              <a:t>high rate </a:t>
+            </a:r>
+            <a:r>
+              <a:rPr lang="en-US" sz="2700" dirty="0">
+                <a:solidFill>
+                  <a:schemeClr val="tx1">
+                    <a:lumMod val="75000"/>
+                    <a:lumOff val="25000"/>
+                  </a:schemeClr>
+                </a:solidFill>
+              </a:rPr>
+              <a:t>aggravated </a:t>
+            </a:r>
+            <a:r>
+              <a:rPr lang="en-US" sz="2700" dirty="0" smtClean="0">
+                <a:solidFill>
+                  <a:schemeClr val="tx1">
+                    <a:lumMod val="75000"/>
+                    <a:lumOff val="25000"/>
+                  </a:schemeClr>
+                </a:solidFill>
+              </a:rPr>
+              <a:t>assault : Cass County, Vermilion County, Marion County…</a:t>
+            </a:r>
+            <a:r>
+              <a:rPr lang="en-US" sz="2700" dirty="0">
+                <a:solidFill>
+                  <a:schemeClr val="tx1">
+                    <a:lumMod val="75000"/>
+                    <a:lumOff val="25000"/>
+                  </a:schemeClr>
+                </a:solidFill>
+              </a:rPr>
               <a:t/>
             </a:r>
             <a:br>
-              <a:rPr lang="en-US" dirty="0"/>
+              <a:rPr lang="en-US" sz="2700" dirty="0">
+                <a:solidFill>
+                  <a:schemeClr val="tx1">
+                    <a:lumMod val="75000"/>
+                    <a:lumOff val="25000"/>
+                  </a:schemeClr>
+                </a:solidFill>
+              </a:rPr>
             </a:br>
             <a:r>
-              <a:rPr lang="en-US" dirty="0"/>
+              <a:rPr lang="en-US" sz="2700" dirty="0">
+                <a:solidFill>
+                  <a:schemeClr val="tx1">
+                    <a:lumMod val="75000"/>
+                    <a:lumOff val="25000"/>
+                  </a:schemeClr>
+                </a:solidFill>
+              </a:rPr>
               <a:t/>
             </a:r>
             <a:br>
-              <a:rPr lang="en-US" dirty="0"/>
+              <a:rPr lang="en-US" sz="2700" dirty="0">
+                <a:solidFill>
+                  <a:schemeClr val="tx1">
+                    <a:lumMod val="75000"/>
+                    <a:lumOff val="25000"/>
+                  </a:schemeClr>
+                </a:solidFill>
+              </a:rPr>
             </a:br>
             <a:r>
-              <a:rPr lang="en-US" dirty="0"/>
+              <a:rPr lang="en-US" sz="2700" dirty="0">
+                <a:solidFill>
+                  <a:schemeClr val="tx1">
+                    <a:lumMod val="75000"/>
+                    <a:lumOff val="25000"/>
+                  </a:schemeClr>
+                </a:solidFill>
+              </a:rPr>
               <a:t>The county with a lower </a:t>
             </a:r>
             <a:r>
-              <a:rPr lang="en-US" dirty="0" smtClean="0"/>
-              <a:t>aggravated assault: Coles </a:t>
-            </a:r>
-            <a:r>
-              <a:rPr lang="en-US" dirty="0"/>
-              <a:t>County, </a:t>
-            </a:r>
-            <a:r>
-              <a:rPr lang="en-US" dirty="0" err="1"/>
-              <a:t>Dekalb</a:t>
-            </a:r>
-            <a:r>
-              <a:rPr lang="en-US" dirty="0"/>
-              <a:t> </a:t>
-            </a:r>
-            <a:r>
-              <a:rPr lang="en-US" dirty="0" smtClean="0"/>
-              <a:t>County ,</a:t>
-            </a:r>
-            <a:r>
-              <a:rPr lang="en-US" dirty="0"/>
-              <a:t>Jefferson County</a:t>
-            </a:r>
-            <a:r>
-              <a:rPr lang="en-US" dirty="0" smtClean="0"/>
-              <a:t>, Kankakee County, Jackson </a:t>
-            </a:r>
-            <a:r>
-              <a:rPr lang="en-US" dirty="0"/>
-              <a:t>County…</a:t>
-            </a:r>
+              <a:rPr lang="en-US" sz="2700" dirty="0" smtClean="0">
+                <a:solidFill>
+                  <a:schemeClr val="tx1">
+                    <a:lumMod val="75000"/>
+                    <a:lumOff val="25000"/>
+                  </a:schemeClr>
+                </a:solidFill>
+              </a:rPr>
+              <a:t>rate aggravated </a:t>
+            </a:r>
+            <a:r>
+              <a:rPr lang="en-US" sz="2700" dirty="0">
+                <a:solidFill>
+                  <a:schemeClr val="tx1">
+                    <a:lumMod val="75000"/>
+                    <a:lumOff val="25000"/>
+                  </a:schemeClr>
+                </a:solidFill>
+              </a:rPr>
+              <a:t>assault: </a:t>
+            </a:r>
+            <a:r>
+              <a:rPr lang="en-US" sz="2700" dirty="0">
+                <a:solidFill>
+                  <a:schemeClr val="tx1">
+                    <a:lumMod val="75000"/>
+                    <a:lumOff val="25000"/>
+                  </a:schemeClr>
+                </a:solidFill>
+              </a:rPr>
+              <a:t>Stephenson County, Jo Daviess County, Hancock County.</a:t>
+            </a:r>
+            <a:r>
+              <a:rPr lang="en-US" dirty="0">
+                <a:solidFill>
+                  <a:schemeClr val="tx1">
+                    <a:lumMod val="75000"/>
+                    <a:lumOff val="25000"/>
+                  </a:schemeClr>
+                </a:solidFill>
+              </a:rPr>
+              <a:t/>
+            </a:r>
+            <a:br>
+              <a:rPr lang="en-US" dirty="0">
+                <a:solidFill>
+                  <a:schemeClr val="tx1">
+                    <a:lumMod val="75000"/>
+                    <a:lumOff val="25000"/>
+                  </a:schemeClr>
+                </a:solidFill>
+              </a:rPr>
+            </a:br>
+            <a:endParaRPr lang="en-US" dirty="0">
+              <a:solidFill>
+                <a:schemeClr val="tx1">
+                  <a:lumMod val="75000"/>
+                  <a:lumOff val="25000"/>
+                </a:schemeClr>
+              </a:solidFill>
+            </a:endParaRPr>
           </a:p>
           <a:p>
             <a:endParaRPr lang="en-US" dirty="0"/>
@@ -4478,7 +9772,7 @@
       </p:sp>
       <p:sp>
         <p:nvSpPr>
-          <p:cNvPr id="4" name="Title 1"/>
+          <p:cNvPr id="5" name="Title 1"/>
           <p:cNvSpPr>
             <a:spLocks noGrp="1"/>
           </p:cNvSpPr>
@@ -4508,7 +9802,7 @@
       </p:sp>
       <p:pic>
         <p:nvPicPr>
-          <p:cNvPr id="5" name="Picture 4"/>
+          <p:cNvPr id="2" name="Picture 1"/>
           <p:cNvPicPr>
             <a:picLocks noChangeAspect="1"/>
           </p:cNvPicPr>
@@ -4522,8 +9816,8 @@
         </p:blipFill>
         <p:spPr>
           <a:xfrm>
-            <a:off x="5510895" y="3055087"/>
-            <a:ext cx="5786846" cy="3200399"/>
+            <a:off x="547823" y="2782388"/>
+            <a:ext cx="4886325" cy="4029075"/>
           </a:xfrm>
           <a:prstGeom prst="rect">
             <a:avLst/>
@@ -4532,7 +9826,7 @@
       </p:pic>
       <p:pic>
         <p:nvPicPr>
-          <p:cNvPr id="7" name="Picture 6"/>
+          <p:cNvPr id="4" name="Picture 3"/>
           <p:cNvPicPr>
             <a:picLocks noChangeAspect="1"/>
           </p:cNvPicPr>
@@ -4546,8 +9840,8 @@
         </p:blipFill>
         <p:spPr>
           <a:xfrm>
-            <a:off x="612322" y="2449285"/>
-            <a:ext cx="4429942" cy="4138772"/>
+            <a:off x="5656706" y="2787911"/>
+            <a:ext cx="5029200" cy="3981450"/>
           </a:xfrm>
           <a:prstGeom prst="rect">
             <a:avLst/>
@@ -4557,7 +9851,7 @@
     </p:spTree>
     <p:extLst>
       <p:ext uri="{BB962C8B-B14F-4D97-AF65-F5344CB8AC3E}">
-        <p14:creationId xmlns:p14="http://schemas.microsoft.com/office/powerpoint/2010/main" val="1095663754"/>
+        <p14:creationId xmlns:p14="http://schemas.microsoft.com/office/powerpoint/2010/main" val="2152922968"/>
       </p:ext>
     </p:extLst>
   </p:cSld>
@@ -4596,258 +9890,6 @@
         </p:nvSpPr>
         <p:spPr>
           <a:xfrm>
-            <a:off x="325265" y="1272322"/>
-            <a:ext cx="9824575" cy="1510066"/>
-          </a:xfrm>
-        </p:spPr>
-        <p:txBody>
-          <a:bodyPr>
-            <a:normAutofit fontScale="85000" lnSpcReduction="20000"/>
-          </a:bodyPr>
-          <a:lstStyle/>
-          <a:p>
-            <a:r>
-              <a:rPr lang="en-US" dirty="0"/>
-              <a:t>We wanted to see the crimes by county, and this type of crime </a:t>
-            </a:r>
-            <a:r>
-              <a:rPr lang="en-US" dirty="0" smtClean="0"/>
-              <a:t>is the rate </a:t>
-            </a:r>
-            <a:r>
-              <a:rPr lang="en-US" dirty="0"/>
-              <a:t>aggravated assault.  We can see the county with the fewest and the most aggravated assault we're going to  identify.</a:t>
-            </a:r>
-            <a:br>
-              <a:rPr lang="en-US" dirty="0"/>
-            </a:br>
-            <a:r>
-              <a:rPr lang="en-US" dirty="0"/>
-              <a:t>The county with a </a:t>
-            </a:r>
-            <a:r>
-              <a:rPr lang="en-US" dirty="0" smtClean="0"/>
-              <a:t>high rate </a:t>
-            </a:r>
-            <a:r>
-              <a:rPr lang="en-US" dirty="0"/>
-              <a:t>aggravated assault: </a:t>
-            </a:r>
-            <a:r>
-              <a:rPr lang="en-US" dirty="0" smtClean="0"/>
-              <a:t>Stephenson County</a:t>
-            </a:r>
-            <a:r>
-              <a:rPr lang="en-US" dirty="0"/>
-              <a:t>, </a:t>
-            </a:r>
-            <a:r>
-              <a:rPr lang="en-US" dirty="0" smtClean="0"/>
-              <a:t>Jo Daviess </a:t>
-            </a:r>
-            <a:r>
-              <a:rPr lang="en-US" dirty="0"/>
-              <a:t>County, </a:t>
-            </a:r>
-            <a:r>
-              <a:rPr lang="en-US" dirty="0" smtClean="0"/>
-              <a:t>Hancock County</a:t>
-            </a:r>
-            <a:r>
-              <a:rPr lang="en-US" dirty="0"/>
-              <a:t>.</a:t>
-            </a:r>
-            <a:br>
-              <a:rPr lang="en-US" dirty="0"/>
-            </a:br>
-            <a:r>
-              <a:rPr lang="en-US" dirty="0"/>
-              <a:t/>
-            </a:r>
-            <a:br>
-              <a:rPr lang="en-US" dirty="0"/>
-            </a:br>
-            <a:r>
-              <a:rPr lang="en-US" dirty="0"/>
-              <a:t>The county with a lower </a:t>
-            </a:r>
-            <a:r>
-              <a:rPr lang="en-US" dirty="0" smtClean="0"/>
-              <a:t>rate aggravated </a:t>
-            </a:r>
-            <a:r>
-              <a:rPr lang="en-US" dirty="0"/>
-              <a:t>assault: </a:t>
-            </a:r>
-            <a:r>
-              <a:rPr lang="en-US" dirty="0" smtClean="0"/>
-              <a:t>Franklin </a:t>
-            </a:r>
-            <a:r>
-              <a:rPr lang="en-US" dirty="0"/>
-              <a:t>County, </a:t>
-            </a:r>
-            <a:r>
-              <a:rPr lang="en-US" dirty="0" smtClean="0"/>
-              <a:t>Champaign </a:t>
-            </a:r>
-            <a:r>
-              <a:rPr lang="en-US" dirty="0"/>
-              <a:t>County </a:t>
-            </a:r>
-            <a:r>
-              <a:rPr lang="en-US" dirty="0" smtClean="0"/>
-              <a:t>,Hardin </a:t>
-            </a:r>
-            <a:r>
-              <a:rPr lang="en-US" dirty="0"/>
-              <a:t>County, </a:t>
-            </a:r>
-            <a:r>
-              <a:rPr lang="en-US" dirty="0" smtClean="0"/>
-              <a:t>Wabash County</a:t>
-            </a:r>
-            <a:r>
-              <a:rPr lang="en-US" dirty="0"/>
-              <a:t>, </a:t>
-            </a:r>
-            <a:r>
-              <a:rPr lang="en-US" dirty="0" smtClean="0"/>
-              <a:t>Gallatin </a:t>
-            </a:r>
-            <a:r>
-              <a:rPr lang="en-US" dirty="0"/>
-              <a:t>County…</a:t>
-            </a:r>
-          </a:p>
-          <a:p>
-            <a:endParaRPr lang="en-US" dirty="0"/>
-          </a:p>
-          <a:p>
-            <a:endParaRPr lang="en-US" dirty="0"/>
-          </a:p>
-        </p:txBody>
-      </p:sp>
-      <p:sp>
-        <p:nvSpPr>
-          <p:cNvPr id="5" name="Title 1"/>
-          <p:cNvSpPr>
-            <a:spLocks noGrp="1"/>
-          </p:cNvSpPr>
-          <p:nvPr>
-            <p:ph type="title"/>
-          </p:nvPr>
-        </p:nvSpPr>
-        <p:spPr>
-          <a:xfrm>
-            <a:off x="143691" y="130628"/>
-            <a:ext cx="11652069" cy="796835"/>
-          </a:xfrm>
-        </p:spPr>
-        <p:txBody>
-          <a:bodyPr>
-            <a:normAutofit fontScale="90000"/>
-          </a:bodyPr>
-          <a:lstStyle/>
-          <a:p>
-            <a:r>
-              <a:rPr lang="en-US" dirty="0" smtClean="0"/>
-              <a:t>Results type crime by County</a:t>
-            </a:r>
-            <a:endParaRPr lang="en-US" dirty="0"/>
-          </a:p>
-        </p:txBody>
-      </p:sp>
-      <p:pic>
-        <p:nvPicPr>
-          <p:cNvPr id="6" name="Picture 5"/>
-          <p:cNvPicPr>
-            <a:picLocks noChangeAspect="1"/>
-          </p:cNvPicPr>
-          <p:nvPr/>
-        </p:nvPicPr>
-        <p:blipFill>
-          <a:blip r:embed="rId2"/>
-          <a:stretch>
-            <a:fillRect/>
-          </a:stretch>
-        </p:blipFill>
-        <p:spPr>
-          <a:xfrm>
-            <a:off x="5355771" y="2931304"/>
-            <a:ext cx="5198337" cy="3562350"/>
-          </a:xfrm>
-          <a:prstGeom prst="rect">
-            <a:avLst/>
-          </a:prstGeom>
-        </p:spPr>
-      </p:pic>
-      <p:pic>
-        <p:nvPicPr>
-          <p:cNvPr id="8" name="Picture 7"/>
-          <p:cNvPicPr>
-            <a:picLocks noChangeAspect="1"/>
-          </p:cNvPicPr>
-          <p:nvPr/>
-        </p:nvPicPr>
-        <p:blipFill>
-          <a:blip r:embed="rId3"/>
-          <a:stretch>
-            <a:fillRect/>
-          </a:stretch>
-        </p:blipFill>
-        <p:spPr>
-          <a:xfrm>
-            <a:off x="325266" y="2782388"/>
-            <a:ext cx="4873752" cy="3711266"/>
-          </a:xfrm>
-          <a:prstGeom prst="rect">
-            <a:avLst/>
-          </a:prstGeom>
-        </p:spPr>
-      </p:pic>
-    </p:spTree>
-    <p:extLst>
-      <p:ext uri="{BB962C8B-B14F-4D97-AF65-F5344CB8AC3E}">
-        <p14:creationId xmlns:p14="http://schemas.microsoft.com/office/powerpoint/2010/main" val="2152922968"/>
-      </p:ext>
-    </p:extLst>
-  </p:cSld>
-  <p:clrMapOvr>
-    <a:masterClrMapping/>
-  </p:clrMapOvr>
-</p:sld>
-</file>
-
-<file path=ppt/slides/slide13.xml><?xml version="1.0" encoding="utf-8"?>
-<p:sld xmlns:a="http://schemas.openxmlformats.org/drawingml/2006/main" xmlns:r="http://schemas.openxmlformats.org/officeDocument/2006/relationships" xmlns:p="http://schemas.openxmlformats.org/presentationml/2006/main">
-  <p:cSld>
-    <p:spTree>
-      <p:nvGrpSpPr>
-        <p:cNvPr id="1" name=""/>
-        <p:cNvGrpSpPr/>
-        <p:nvPr/>
-      </p:nvGrpSpPr>
-      <p:grpSpPr>
-        <a:xfrm>
-          <a:off x="0" y="0"/>
-          <a:ext cx="0" cy="0"/>
-          <a:chOff x="0" y="0"/>
-          <a:chExt cx="0" cy="0"/>
-        </a:xfrm>
-      </p:grpSpPr>
-      <p:sp>
-        <p:nvSpPr>
-          <p:cNvPr id="3" name="Content Placeholder 2"/>
-          <p:cNvSpPr>
-            <a:spLocks noGrp="1"/>
-          </p:cNvSpPr>
-          <p:nvPr>
-            <p:ph idx="1"/>
-          </p:nvPr>
-        </p:nvSpPr>
-        <p:spPr>
-          <a:xfrm>
             <a:off x="299139" y="788996"/>
             <a:ext cx="9641695" cy="1732135"/>
           </a:xfrm>
@@ -4887,31 +9929,11 @@
             </a:r>
             <a:r>
               <a:rPr lang="en-US" dirty="0" smtClean="0"/>
-              <a:t>: Bond </a:t>
+              <a:t>:.Cook County, DuPage County,  Lake County…</a:t>
             </a:r>
             <a:r>
               <a:rPr lang="en-US" dirty="0"/>
-              <a:t>County, </a:t>
-            </a:r>
-            <a:r>
-              <a:rPr lang="en-US" dirty="0" err="1" smtClean="0"/>
-              <a:t>Wooford</a:t>
-            </a:r>
-            <a:r>
-              <a:rPr lang="en-US" dirty="0" smtClean="0"/>
-              <a:t> County</a:t>
-            </a:r>
-            <a:r>
-              <a:rPr lang="en-US" dirty="0"/>
-              <a:t>, </a:t>
-            </a:r>
-            <a:r>
-              <a:rPr lang="en-US" dirty="0" smtClean="0"/>
-              <a:t>Carrol </a:t>
-            </a:r>
-            <a:r>
-              <a:rPr lang="en-US" dirty="0"/>
-              <a:t>County.</a:t>
+              <a:t/>
             </a:r>
             <a:br>
               <a:rPr lang="en-US" dirty="0"/>
@@ -4929,44 +9951,25 @@
             </a:r>
             <a:r>
               <a:rPr lang="en-US" dirty="0" smtClean="0"/>
-              <a:t>: Jefferson </a:t>
+              <a:t>: </a:t>
             </a:r>
             <a:r>
               <a:rPr lang="en-US" dirty="0"/>
-              <a:t>County, </a:t>
+              <a:t>Bond County, </a:t>
             </a:r>
             <a:r>
               <a:rPr lang="en-US" dirty="0" smtClean="0"/>
-              <a:t>LaSalle County ,</a:t>
-            </a:r>
-            <a:r>
-              <a:rPr lang="en-US" dirty="0" err="1" smtClean="0"/>
-              <a:t>Vemilion</a:t>
+              <a:t>Woodford </a:t>
+            </a:r>
+            <a:r>
+              <a:rPr lang="en-US" dirty="0"/>
+              <a:t>County, Carrol </a:t>
             </a:r>
             <a:r>
               <a:rPr lang="en-US" dirty="0" smtClean="0"/>
-              <a:t> </a:t>
-            </a:r>
-            <a:r>
-              <a:rPr lang="en-US" dirty="0"/>
-              <a:t>County, </a:t>
-            </a:r>
-            <a:r>
-              <a:rPr lang="en-US" dirty="0" smtClean="0"/>
-              <a:t>Jackson County</a:t>
-            </a:r>
-            <a:r>
-              <a:rPr lang="en-US" dirty="0"/>
-              <a:t>, </a:t>
-            </a:r>
-            <a:r>
-              <a:rPr lang="en-US" dirty="0" smtClean="0"/>
-              <a:t>Kendall </a:t>
-            </a:r>
-            <a:r>
-              <a:rPr lang="en-US" dirty="0"/>
               <a:t>County…</a:t>
             </a:r>
+            <a:endParaRPr lang="en-US" dirty="0"/>
           </a:p>
           <a:p>
             <a:endParaRPr lang="en-US" dirty="0"/>
@@ -5011,7 +10014,7 @@
       </p:sp>
       <p:pic>
         <p:nvPicPr>
-          <p:cNvPr id="7" name="Picture 6"/>
+          <p:cNvPr id="2" name="Picture 1"/>
           <p:cNvPicPr>
             <a:picLocks noChangeAspect="1"/>
           </p:cNvPicPr>
@@ -5025,8 +10028,8 @@
         </p:blipFill>
         <p:spPr>
           <a:xfrm>
-            <a:off x="299139" y="2748424"/>
-            <a:ext cx="4768596" cy="3438525"/>
+            <a:off x="6074227" y="2521131"/>
+            <a:ext cx="4820195" cy="4165118"/>
           </a:xfrm>
           <a:prstGeom prst="rect">
             <a:avLst/>
@@ -5035,7 +10038,7 @@
       </p:pic>
       <p:pic>
         <p:nvPicPr>
-          <p:cNvPr id="8" name="Picture 7"/>
+          <p:cNvPr id="5" name="Picture 4"/>
           <p:cNvPicPr>
             <a:picLocks noChangeAspect="1"/>
           </p:cNvPicPr>
@@ -5049,8 +10052,8 @@
         </p:blipFill>
         <p:spPr>
           <a:xfrm>
-            <a:off x="5355771" y="2513292"/>
-            <a:ext cx="5630092" cy="4166271"/>
+            <a:off x="651374" y="2659061"/>
+            <a:ext cx="4351700" cy="3889258"/>
           </a:xfrm>
           <a:prstGeom prst="rect">
             <a:avLst/>
@@ -5070,7 +10073,7 @@
 </p:sld>
 </file>
 
-<file path=ppt/slides/slide14.xml><?xml version="1.0" encoding="utf-8"?>
+<file path=ppt/slides/slide13.xml><?xml version="1.0" encoding="utf-8"?>
 <p:sld xmlns:a="http://schemas.openxmlformats.org/drawingml/2006/main" xmlns:r="http://schemas.openxmlformats.org/officeDocument/2006/relationships" xmlns:p="http://schemas.openxmlformats.org/presentationml/2006/main">
   <p:cSld>
     <p:spTree>
@@ -5185,7 +10188,7 @@
 </p:sld>
 </file>
 
-<file path=ppt/slides/slide15.xml><?xml version="1.0" encoding="utf-8"?>
+<file path=ppt/slides/slide14.xml><?xml version="1.0" encoding="utf-8"?>
 <p:sld xmlns:a="http://schemas.openxmlformats.org/drawingml/2006/main" xmlns:r="http://schemas.openxmlformats.org/officeDocument/2006/relationships" xmlns:p="http://schemas.openxmlformats.org/presentationml/2006/main">
   <p:cSld>
     <p:spTree>
@@ -5296,7 +10299,7 @@
 </p:sld>
 </file>
 
-<file path=ppt/slides/slide16.xml><?xml version="1.0" encoding="utf-8"?>
+<file path=ppt/slides/slide15.xml><?xml version="1.0" encoding="utf-8"?>
 <p:sld xmlns:a="http://schemas.openxmlformats.org/drawingml/2006/main" xmlns:r="http://schemas.openxmlformats.org/officeDocument/2006/relationships" xmlns:p="http://schemas.openxmlformats.org/presentationml/2006/main">
   <p:cSld>
     <p:spTree>
@@ -5412,7 +10415,7 @@
 </p:sld>
 </file>
 
-<file path=ppt/slides/slide17.xml><?xml version="1.0" encoding="utf-8"?>
+<file path=ppt/slides/slide16.xml><?xml version="1.0" encoding="utf-8"?>
 <p:sld xmlns:a="http://schemas.openxmlformats.org/drawingml/2006/main" xmlns:r="http://schemas.openxmlformats.org/officeDocument/2006/relationships" xmlns:p="http://schemas.openxmlformats.org/presentationml/2006/main">
   <p:cSld>
     <p:spTree>
@@ -5524,7 +10527,7 @@
 </p:sld>
 </file>
 
-<file path=ppt/slides/slide18.xml><?xml version="1.0" encoding="utf-8"?>
+<file path=ppt/slides/slide17.xml><?xml version="1.0" encoding="utf-8"?>
 <p:sld xmlns:a="http://schemas.openxmlformats.org/drawingml/2006/main" xmlns:r="http://schemas.openxmlformats.org/officeDocument/2006/relationships" xmlns:p="http://schemas.openxmlformats.org/presentationml/2006/main">
   <p:cSld>
     <p:spTree>
@@ -5632,6 +10635,86 @@
     <p:extLst>
       <p:ext uri="{BB962C8B-B14F-4D97-AF65-F5344CB8AC3E}">
         <p14:creationId xmlns:p14="http://schemas.microsoft.com/office/powerpoint/2010/main" val="876619592"/>
+      </p:ext>
+    </p:extLst>
+  </p:cSld>
+  <p:clrMapOvr>
+    <a:masterClrMapping/>
+  </p:clrMapOvr>
+</p:sld>
+</file>
+
+<file path=ppt/slides/slide18.xml><?xml version="1.0" encoding="utf-8"?>
+<p:sld xmlns:a="http://schemas.openxmlformats.org/drawingml/2006/main" xmlns:r="http://schemas.openxmlformats.org/officeDocument/2006/relationships" xmlns:p="http://schemas.openxmlformats.org/presentationml/2006/main">
+  <p:cSld>
+    <p:spTree>
+      <p:nvGrpSpPr>
+        <p:cNvPr id="1" name=""/>
+        <p:cNvGrpSpPr/>
+        <p:nvPr/>
+      </p:nvGrpSpPr>
+      <p:grpSpPr>
+        <a:xfrm>
+          <a:off x="0" y="0"/>
+          <a:ext cx="0" cy="0"/>
+          <a:chOff x="0" y="0"/>
+          <a:chExt cx="0" cy="0"/>
+        </a:xfrm>
+      </p:grpSpPr>
+      <p:sp>
+        <p:nvSpPr>
+          <p:cNvPr id="2" name="Title 1"/>
+          <p:cNvSpPr>
+            <a:spLocks noGrp="1"/>
+          </p:cNvSpPr>
+          <p:nvPr>
+            <p:ph type="title"/>
+          </p:nvPr>
+        </p:nvSpPr>
+        <p:spPr/>
+        <p:txBody>
+          <a:bodyPr/>
+          <a:lstStyle/>
+          <a:p>
+            <a:r>
+              <a:rPr lang="en-US" dirty="0" smtClean="0"/>
+              <a:t>conclusion</a:t>
+            </a:r>
+            <a:endParaRPr lang="en-US" dirty="0"/>
+          </a:p>
+        </p:txBody>
+      </p:sp>
+      <p:sp>
+        <p:nvSpPr>
+          <p:cNvPr id="3" name="Content Placeholder 2"/>
+          <p:cNvSpPr>
+            <a:spLocks noGrp="1"/>
+          </p:cNvSpPr>
+          <p:nvPr>
+            <p:ph idx="1"/>
+          </p:nvPr>
+        </p:nvSpPr>
+        <p:spPr/>
+        <p:txBody>
+          <a:bodyPr/>
+          <a:lstStyle/>
+          <a:p>
+            <a:r>
+              <a:rPr lang="en-US" dirty="0"/>
+              <a:t>After our analysis we noticed that the city of Illinois that has the cheapest house price is Wilsonville, IL. from where we can deduce that people will be able to settle more easily since the house prices are at least $40,000 whether the person has an adequate salary or not he will be able to enter this city which will be easier for him to find a house and his other usual places in his previous city, so that he can start a new life</a:t>
+            </a:r>
+            <a:r>
+              <a:rPr lang="en-US" dirty="0" smtClean="0"/>
+              <a:t>.</a:t>
+            </a:r>
+            <a:endParaRPr lang="en-US" dirty="0"/>
+          </a:p>
+        </p:txBody>
+      </p:sp>
+    </p:spTree>
+    <p:extLst>
+      <p:ext uri="{BB962C8B-B14F-4D97-AF65-F5344CB8AC3E}">
+        <p14:creationId xmlns:p14="http://schemas.microsoft.com/office/powerpoint/2010/main" val="4078868182"/>
       </p:ext>
     </p:extLst>
   </p:cSld>
@@ -5675,7 +10758,11 @@
           <a:p>
             <a:r>
               <a:rPr lang="en-US" dirty="0" smtClean="0"/>
-              <a:t>conclusion</a:t>
+              <a:t>References &amp; </a:t>
+            </a:r>
+            <a:r>
+              <a:rPr lang="en-US" dirty="0" err="1" smtClean="0"/>
+              <a:t>recomendation</a:t>
             </a:r>
             <a:endParaRPr lang="en-US" dirty="0"/>
           </a:p>
@@ -5683,12 +10770,12 @@
       </p:sp>
       <p:sp>
         <p:nvSpPr>
-          <p:cNvPr id="3" name="Content Placeholder 2"/>
+          <p:cNvPr id="3" name="Text Placeholder 2"/>
           <p:cNvSpPr>
             <a:spLocks noGrp="1"/>
           </p:cNvSpPr>
           <p:nvPr>
-            <p:ph idx="1"/>
+            <p:ph type="body" idx="1"/>
           </p:nvPr>
         </p:nvSpPr>
         <p:spPr/>
@@ -5697,12 +10784,10 @@
           <a:lstStyle/>
           <a:p>
             <a:r>
-              <a:rPr lang="en-US" dirty="0"/>
-              <a:t>After our analysis we noticed that the city of Illinois that has the cheapest house price is Wilsonville, IL. from where we can deduce that people will be able to settle more easily since the house prices are at least $40,000 whether the person has an adequate salary or not he will be able to enter this city which will be easier for him to find a house and his other usual places in his previous city, so that he can start a new life</a:t>
-            </a:r>
-            <a:r>
-              <a:rPr lang="en-US" dirty="0" smtClean="0"/>
-              <a:t>.</a:t>
+              <a:rPr lang="en-US" dirty="0">
+                <a:hlinkClick r:id="rId2"/>
+              </a:rPr>
+              <a:t>https://github.com/shelsyayiti/Ayiti_Analytics_ShelsyDalcide</a:t>
             </a:r>
             <a:endParaRPr lang="en-US" dirty="0"/>
           </a:p>
@@ -5711,7 +10796,7 @@
     </p:spTree>
     <p:extLst>
       <p:ext uri="{BB962C8B-B14F-4D97-AF65-F5344CB8AC3E}">
-        <p14:creationId xmlns:p14="http://schemas.microsoft.com/office/powerpoint/2010/main" val="4078868182"/>
+        <p14:creationId xmlns:p14="http://schemas.microsoft.com/office/powerpoint/2010/main" val="2077349883"/>
       </p:ext>
     </p:extLst>
   </p:cSld>
@@ -5911,88 +10996,6 @@
     <p:extLst>
       <p:ext uri="{BB962C8B-B14F-4D97-AF65-F5344CB8AC3E}">
         <p14:creationId xmlns:p14="http://schemas.microsoft.com/office/powerpoint/2010/main" val="204001128"/>
-      </p:ext>
-    </p:extLst>
-  </p:cSld>
-  <p:clrMapOvr>
-    <a:masterClrMapping/>
-  </p:clrMapOvr>
-</p:sld>
-</file>
-
-<file path=ppt/slides/slide20.xml><?xml version="1.0" encoding="utf-8"?>
-<p:sld xmlns:a="http://schemas.openxmlformats.org/drawingml/2006/main" xmlns:r="http://schemas.openxmlformats.org/officeDocument/2006/relationships" xmlns:p="http://schemas.openxmlformats.org/presentationml/2006/main">
-  <p:cSld>
-    <p:spTree>
-      <p:nvGrpSpPr>
-        <p:cNvPr id="1" name=""/>
-        <p:cNvGrpSpPr/>
-        <p:nvPr/>
-      </p:nvGrpSpPr>
-      <p:grpSpPr>
-        <a:xfrm>
-          <a:off x="0" y="0"/>
-          <a:ext cx="0" cy="0"/>
-          <a:chOff x="0" y="0"/>
-          <a:chExt cx="0" cy="0"/>
-        </a:xfrm>
-      </p:grpSpPr>
-      <p:sp>
-        <p:nvSpPr>
-          <p:cNvPr id="2" name="Title 1"/>
-          <p:cNvSpPr>
-            <a:spLocks noGrp="1"/>
-          </p:cNvSpPr>
-          <p:nvPr>
-            <p:ph type="title"/>
-          </p:nvPr>
-        </p:nvSpPr>
-        <p:spPr/>
-        <p:txBody>
-          <a:bodyPr/>
-          <a:lstStyle/>
-          <a:p>
-            <a:r>
-              <a:rPr lang="en-US" dirty="0" smtClean="0"/>
-              <a:t>References &amp; </a:t>
-            </a:r>
-            <a:r>
-              <a:rPr lang="en-US" dirty="0" err="1" smtClean="0"/>
-              <a:t>recomendation</a:t>
-            </a:r>
-            <a:endParaRPr lang="en-US" dirty="0"/>
-          </a:p>
-        </p:txBody>
-      </p:sp>
-      <p:sp>
-        <p:nvSpPr>
-          <p:cNvPr id="3" name="Text Placeholder 2"/>
-          <p:cNvSpPr>
-            <a:spLocks noGrp="1"/>
-          </p:cNvSpPr>
-          <p:nvPr>
-            <p:ph type="body" idx="1"/>
-          </p:nvPr>
-        </p:nvSpPr>
-        <p:spPr/>
-        <p:txBody>
-          <a:bodyPr/>
-          <a:lstStyle/>
-          <a:p>
-            <a:r>
-              <a:rPr lang="en-US" dirty="0">
-                <a:hlinkClick r:id="rId2"/>
-              </a:rPr>
-              <a:t>https://github.com/shelsyayiti/Ayiti_Analytics_ShelsyDalcide</a:t>
-            </a:r>
-            <a:endParaRPr lang="en-US" dirty="0"/>
-          </a:p>
-        </p:txBody>
-      </p:sp>
-    </p:spTree>
-    <p:extLst>
-      <p:ext uri="{BB962C8B-B14F-4D97-AF65-F5344CB8AC3E}">
-        <p14:creationId xmlns:p14="http://schemas.microsoft.com/office/powerpoint/2010/main" val="2077349883"/>
       </p:ext>
     </p:extLst>
   </p:cSld>
@@ -6761,343 +11764,8 @@
           </a:bodyPr>
           <a:lstStyle/>
           <a:p>
-            <a:pPr>
-              <a:buFont typeface="Wingdings" panose="05000000000000000000" pitchFamily="2" charset="2"/>
-              <a:buChar char="Ø"/>
-            </a:pPr>
-            <a:r>
-              <a:rPr lang="en-US" dirty="0">
-                <a:solidFill>
-                  <a:schemeClr val="tx1">
-                    <a:lumMod val="65000"/>
-                    <a:lumOff val="35000"/>
-                  </a:schemeClr>
-                </a:solidFill>
-              </a:rPr>
-              <a:t>The State of Illinois, is the most populous city in the U.S. state of Illinois, and the third-most-populous city in the United States. With an estimated population of 2,693,976 in 2019, it is also the most populous city in the Midwestern United States.</a:t>
-            </a:r>
-          </a:p>
-          <a:p>
-            <a:pPr>
-              <a:buFont typeface="Wingdings" panose="05000000000000000000" pitchFamily="2" charset="2"/>
-              <a:buChar char="Ø"/>
-            </a:pPr>
-            <a:r>
-              <a:rPr lang="en-US" dirty="0">
-                <a:solidFill>
-                  <a:schemeClr val="tx1">
-                    <a:lumMod val="65000"/>
-                    <a:lumOff val="35000"/>
-                  </a:schemeClr>
-                </a:solidFill>
-              </a:rPr>
-              <a:t>Our job is to help someone moving to Illinois to find a house in a safe area so that they are comfortable and at an adequate price after getting information about the wages of people living in Chicago. For our work we did the web scrapping to extract data </a:t>
-            </a:r>
-            <a:r>
-              <a:rPr lang="en-US" dirty="0" smtClean="0">
-                <a:solidFill>
-                  <a:schemeClr val="tx1">
-                    <a:lumMod val="65000"/>
-                    <a:lumOff val="35000"/>
-                  </a:schemeClr>
-                </a:solidFill>
-              </a:rPr>
-              <a:t>of population and the salary we needed </a:t>
-            </a:r>
-            <a:r>
-              <a:rPr lang="en-US" dirty="0">
-                <a:solidFill>
-                  <a:schemeClr val="tx1">
-                    <a:lumMod val="65000"/>
-                    <a:lumOff val="35000"/>
-                  </a:schemeClr>
-                </a:solidFill>
-              </a:rPr>
-              <a:t>for our Analysis. </a:t>
-            </a:r>
-          </a:p>
-          <a:p>
-            <a:pPr>
-              <a:buFont typeface="Wingdings" panose="05000000000000000000" pitchFamily="2" charset="2"/>
-              <a:buChar char="Ø"/>
-            </a:pPr>
-            <a:r>
-              <a:rPr lang="en-US" dirty="0" smtClean="0">
-                <a:solidFill>
-                  <a:schemeClr val="tx1">
-                    <a:lumMod val="65000"/>
-                    <a:lumOff val="35000"/>
-                  </a:schemeClr>
-                </a:solidFill>
-              </a:rPr>
-              <a:t>Data Preprocessing is  for </a:t>
-            </a:r>
-            <a:r>
-              <a:rPr lang="en-US" dirty="0">
-                <a:solidFill>
-                  <a:schemeClr val="tx1">
-                    <a:lumMod val="65000"/>
-                    <a:lumOff val="35000"/>
-                  </a:schemeClr>
-                </a:solidFill>
-              </a:rPr>
-              <a:t>transformed, or </a:t>
-            </a:r>
-            <a:r>
-              <a:rPr lang="en-US" i="1" dirty="0">
-                <a:solidFill>
-                  <a:schemeClr val="tx1">
-                    <a:lumMod val="65000"/>
-                    <a:lumOff val="35000"/>
-                  </a:schemeClr>
-                </a:solidFill>
-              </a:rPr>
-              <a:t>Encoded</a:t>
-            </a:r>
-            <a:r>
-              <a:rPr lang="en-US" dirty="0">
-                <a:solidFill>
-                  <a:schemeClr val="tx1">
-                    <a:lumMod val="65000"/>
-                    <a:lumOff val="35000"/>
-                  </a:schemeClr>
-                </a:solidFill>
-              </a:rPr>
-              <a:t>, to bring </a:t>
-            </a:r>
-            <a:r>
-              <a:rPr lang="en-US" dirty="0" smtClean="0">
-                <a:solidFill>
-                  <a:schemeClr val="tx1">
-                    <a:lumMod val="65000"/>
-                    <a:lumOff val="35000"/>
-                  </a:schemeClr>
-                </a:solidFill>
-              </a:rPr>
-              <a:t>it, clean our dataset, select all columns we need for </a:t>
-            </a:r>
-            <a:r>
-              <a:rPr lang="en-US" dirty="0">
-                <a:solidFill>
-                  <a:schemeClr val="tx1">
-                    <a:lumMod val="65000"/>
-                    <a:lumOff val="35000"/>
-                  </a:schemeClr>
-                </a:solidFill>
-              </a:rPr>
-              <a:t>our Analysis</a:t>
-            </a:r>
-            <a:r>
-              <a:rPr lang="en-US" dirty="0" smtClean="0">
-                <a:solidFill>
-                  <a:schemeClr val="tx1">
-                    <a:lumMod val="65000"/>
-                    <a:lumOff val="35000"/>
-                  </a:schemeClr>
-                </a:solidFill>
-              </a:rPr>
-              <a:t>, make analysis of </a:t>
-            </a:r>
-            <a:r>
-              <a:rPr lang="en-US" dirty="0">
-                <a:solidFill>
-                  <a:schemeClr val="tx1">
-                    <a:lumMod val="65000"/>
-                    <a:lumOff val="35000"/>
-                  </a:schemeClr>
-                </a:solidFill>
-              </a:rPr>
-              <a:t>the crime of each county and region in </a:t>
-            </a:r>
-            <a:r>
-              <a:rPr lang="en-US" dirty="0" smtClean="0">
-                <a:solidFill>
-                  <a:schemeClr val="tx1">
-                    <a:lumMod val="65000"/>
-                    <a:lumOff val="35000"/>
-                  </a:schemeClr>
-                </a:solidFill>
-              </a:rPr>
-              <a:t>Illinois, filter </a:t>
-            </a:r>
-            <a:r>
-              <a:rPr lang="en-US" dirty="0">
-                <a:solidFill>
-                  <a:schemeClr val="tx1">
-                    <a:lumMod val="65000"/>
-                    <a:lumOff val="35000"/>
-                  </a:schemeClr>
-                </a:solidFill>
-              </a:rPr>
-              <a:t>our data in order to mix </a:t>
-            </a:r>
-            <a:r>
-              <a:rPr lang="en-US" dirty="0" smtClean="0">
-                <a:solidFill>
-                  <a:schemeClr val="tx1">
-                    <a:lumMod val="65000"/>
-                    <a:lumOff val="35000"/>
-                  </a:schemeClr>
-                </a:solidFill>
-              </a:rPr>
-              <a:t>them,</a:t>
-            </a:r>
-            <a:r>
-              <a:rPr lang="fr-FR" dirty="0">
-                <a:solidFill>
-                  <a:schemeClr val="tx1">
-                    <a:lumMod val="65000"/>
-                    <a:lumOff val="35000"/>
-                  </a:schemeClr>
-                </a:solidFill>
-              </a:rPr>
-              <a:t> </a:t>
-            </a:r>
-            <a:r>
-              <a:rPr lang="en-US" dirty="0" smtClean="0">
-                <a:solidFill>
-                  <a:schemeClr val="tx1">
-                    <a:lumMod val="65000"/>
-                    <a:lumOff val="35000"/>
-                  </a:schemeClr>
-                </a:solidFill>
-              </a:rPr>
-              <a:t>Make analysis for </a:t>
-            </a:r>
-            <a:r>
-              <a:rPr lang="en-US" dirty="0">
-                <a:solidFill>
-                  <a:schemeClr val="tx1">
-                    <a:lumMod val="65000"/>
-                    <a:lumOff val="35000"/>
-                  </a:schemeClr>
-                </a:solidFill>
-              </a:rPr>
-              <a:t>each dataset see the crime rate in </a:t>
-            </a:r>
-            <a:r>
-              <a:rPr lang="en-US" dirty="0" smtClean="0">
-                <a:solidFill>
-                  <a:schemeClr val="tx1">
-                    <a:lumMod val="65000"/>
-                    <a:lumOff val="35000"/>
-                  </a:schemeClr>
-                </a:solidFill>
-              </a:rPr>
-              <a:t>Illinois cities and the rate of </a:t>
-            </a:r>
-            <a:r>
-              <a:rPr lang="en-US" dirty="0">
-                <a:solidFill>
-                  <a:schemeClr val="tx1">
-                    <a:lumMod val="65000"/>
-                    <a:lumOff val="35000"/>
-                  </a:schemeClr>
-                </a:solidFill>
-              </a:rPr>
-              <a:t>the </a:t>
-            </a:r>
-            <a:r>
-              <a:rPr lang="en-US" dirty="0" smtClean="0">
-                <a:solidFill>
-                  <a:schemeClr val="tx1">
-                    <a:lumMod val="65000"/>
-                    <a:lumOff val="35000"/>
-                  </a:schemeClr>
-                </a:solidFill>
-              </a:rPr>
-              <a:t>(burglary, murder and sexual assault</a:t>
-            </a:r>
-            <a:r>
-              <a:rPr lang="en-US" b="1" dirty="0" smtClean="0">
-                <a:solidFill>
-                  <a:schemeClr val="tx1">
-                    <a:lumMod val="65000"/>
-                    <a:lumOff val="35000"/>
-                  </a:schemeClr>
-                </a:solidFill>
-              </a:rPr>
-              <a:t>..)</a:t>
-            </a:r>
-            <a:r>
-              <a:rPr lang="en-US" dirty="0" smtClean="0">
-                <a:solidFill>
-                  <a:schemeClr val="tx1">
-                    <a:lumMod val="65000"/>
-                    <a:lumOff val="35000"/>
-                  </a:schemeClr>
-                </a:solidFill>
-              </a:rPr>
-              <a:t> </a:t>
-            </a:r>
-            <a:r>
-              <a:rPr lang="en-US" dirty="0">
-                <a:solidFill>
-                  <a:schemeClr val="tx1">
-                    <a:lumMod val="65000"/>
-                    <a:lumOff val="35000"/>
-                  </a:schemeClr>
-                </a:solidFill>
-              </a:rPr>
-              <a:t>see if they are </a:t>
-            </a:r>
-            <a:r>
-              <a:rPr lang="en-US" dirty="0" smtClean="0">
-                <a:solidFill>
-                  <a:schemeClr val="tx1">
-                    <a:lumMod val="65000"/>
-                    <a:lumOff val="35000"/>
-                  </a:schemeClr>
-                </a:solidFill>
-              </a:rPr>
-              <a:t>similar.</a:t>
-            </a:r>
-            <a:r>
-              <a:rPr lang="en-US" dirty="0">
-                <a:solidFill>
-                  <a:schemeClr val="tx1">
-                    <a:lumMod val="65000"/>
-                    <a:lumOff val="35000"/>
-                  </a:schemeClr>
-                </a:solidFill>
-              </a:rPr>
-              <a:t> </a:t>
-            </a:r>
-            <a:r>
-              <a:rPr lang="en-US" dirty="0" smtClean="0">
-                <a:solidFill>
-                  <a:schemeClr val="tx1">
-                    <a:lumMod val="65000"/>
-                    <a:lumOff val="35000"/>
-                  </a:schemeClr>
-                </a:solidFill>
-              </a:rPr>
-              <a:t> Make </a:t>
-            </a:r>
-            <a:r>
-              <a:rPr lang="en-US" dirty="0">
-                <a:solidFill>
-                  <a:schemeClr val="tx1">
-                    <a:lumMod val="65000"/>
-                    <a:lumOff val="35000"/>
-                  </a:schemeClr>
-                </a:solidFill>
-              </a:rPr>
-              <a:t>graphs to see the thirty (30) cities where average house prices are very high </a:t>
-            </a:r>
-            <a:endParaRPr lang="fr-FR" dirty="0">
-              <a:solidFill>
-                <a:schemeClr val="tx1">
-                  <a:lumMod val="65000"/>
-                  <a:lumOff val="35000"/>
-                </a:schemeClr>
-              </a:solidFill>
-            </a:endParaRPr>
-          </a:p>
-          <a:p>
-            <a:pPr>
-              <a:buFont typeface="Wingdings" panose="05000000000000000000" pitchFamily="2" charset="2"/>
-              <a:buChar char="Ø"/>
+            <a:pPr marL="0" indent="0">
+              <a:buNone/>
             </a:pPr>
             <a:endParaRPr lang="en-US" dirty="0" smtClean="0">
               <a:solidFill>
@@ -7138,6 +11806,28 @@
           </a:p>
         </p:txBody>
       </p:sp>
+      <p:graphicFrame>
+        <p:nvGraphicFramePr>
+          <p:cNvPr id="4" name="Diagram 3"/>
+          <p:cNvGraphicFramePr/>
+          <p:nvPr>
+            <p:extLst>
+              <p:ext uri="{D42A27DB-BD31-4B8C-83A1-F6EECF244321}">
+                <p14:modId xmlns:p14="http://schemas.microsoft.com/office/powerpoint/2010/main" val="994203836"/>
+              </p:ext>
+            </p:extLst>
+          </p:nvPr>
+        </p:nvGraphicFramePr>
+        <p:xfrm>
+          <a:off x="2032000" y="719666"/>
+          <a:ext cx="7739017" cy="5263124"/>
+        </p:xfrm>
+        <a:graphic>
+          <a:graphicData uri="http://schemas.openxmlformats.org/drawingml/2006/diagram">
+            <dgm:relIds xmlns:dgm="http://schemas.openxmlformats.org/drawingml/2006/diagram" xmlns:r="http://schemas.openxmlformats.org/officeDocument/2006/relationships" r:dm="rId2" r:lo="rId3" r:qs="rId4" r:cs="rId5"/>
+          </a:graphicData>
+        </a:graphic>
+      </p:graphicFrame>
     </p:spTree>
     <p:extLst>
       <p:ext uri="{BB962C8B-B14F-4D97-AF65-F5344CB8AC3E}">
@@ -7152,336 +11842,6 @@
 </file>
 
 <file path=ppt/slides/slide5.xml><?xml version="1.0" encoding="utf-8"?>
-<p:sld xmlns:a="http://schemas.openxmlformats.org/drawingml/2006/main" xmlns:r="http://schemas.openxmlformats.org/officeDocument/2006/relationships" xmlns:p="http://schemas.openxmlformats.org/presentationml/2006/main">
-  <p:cSld>
-    <p:spTree>
-      <p:nvGrpSpPr>
-        <p:cNvPr id="1" name=""/>
-        <p:cNvGrpSpPr/>
-        <p:nvPr/>
-      </p:nvGrpSpPr>
-      <p:grpSpPr>
-        <a:xfrm>
-          <a:off x="0" y="0"/>
-          <a:ext cx="0" cy="0"/>
-          <a:chOff x="0" y="0"/>
-          <a:chExt cx="0" cy="0"/>
-        </a:xfrm>
-      </p:grpSpPr>
-      <p:sp>
-        <p:nvSpPr>
-          <p:cNvPr id="3" name="Content Placeholder 2"/>
-          <p:cNvSpPr>
-            <a:spLocks noGrp="1"/>
-          </p:cNvSpPr>
-          <p:nvPr>
-            <p:ph idx="1"/>
-          </p:nvPr>
-        </p:nvSpPr>
-        <p:spPr>
-          <a:xfrm>
-            <a:off x="143691" y="1645920"/>
-            <a:ext cx="11129555" cy="4441371"/>
-          </a:xfrm>
-        </p:spPr>
-        <p:txBody>
-          <a:bodyPr/>
-          <a:lstStyle/>
-          <a:p>
-            <a:r>
-              <a:rPr lang="en-US" dirty="0">
-                <a:solidFill>
-                  <a:schemeClr val="tx1">
-                    <a:lumMod val="65000"/>
-                    <a:lumOff val="35000"/>
-                  </a:schemeClr>
-                </a:solidFill>
-              </a:rPr>
-              <a:t>Remove duplicates </a:t>
-            </a:r>
-            <a:r>
-              <a:rPr lang="en-US" dirty="0" smtClean="0">
-                <a:solidFill>
-                  <a:schemeClr val="tx1">
-                    <a:lumMod val="65000"/>
-                    <a:lumOff val="35000"/>
-                  </a:schemeClr>
-                </a:solidFill>
-              </a:rPr>
-              <a:t>and the missing </a:t>
-            </a:r>
-            <a:r>
-              <a:rPr lang="en-US" dirty="0">
-                <a:solidFill>
-                  <a:schemeClr val="tx1">
-                    <a:lumMod val="65000"/>
-                    <a:lumOff val="35000"/>
-                  </a:schemeClr>
-                </a:solidFill>
-              </a:rPr>
-              <a:t>values in each dataset </a:t>
-            </a:r>
-            <a:r>
-              <a:rPr lang="en-US" dirty="0" smtClean="0">
-                <a:solidFill>
-                  <a:schemeClr val="tx1">
-                    <a:lumMod val="65000"/>
-                    <a:lumOff val="35000"/>
-                  </a:schemeClr>
-                </a:solidFill>
-              </a:rPr>
-              <a:t>.</a:t>
-            </a:r>
-            <a:br>
-              <a:rPr lang="en-US" dirty="0" smtClean="0">
-                <a:solidFill>
-                  <a:schemeClr val="tx1">
-                    <a:lumMod val="65000"/>
-                    <a:lumOff val="35000"/>
-                  </a:schemeClr>
-                </a:solidFill>
-              </a:rPr>
-            </a:br>
-            <a:r>
-              <a:rPr lang="en-US" dirty="0" smtClean="0">
-                <a:solidFill>
-                  <a:schemeClr val="tx1">
-                    <a:lumMod val="65000"/>
-                    <a:lumOff val="35000"/>
-                  </a:schemeClr>
-                </a:solidFill>
-              </a:rPr>
-              <a:t>convert </a:t>
-            </a:r>
-            <a:r>
-              <a:rPr lang="en-US" dirty="0">
-                <a:solidFill>
-                  <a:schemeClr val="tx1">
-                    <a:lumMod val="65000"/>
-                    <a:lumOff val="35000"/>
-                  </a:schemeClr>
-                </a:solidFill>
-              </a:rPr>
-              <a:t>the salary columns of the cities into a float in order to make calculations to see the salaries in average their variance the minimum and </a:t>
-            </a:r>
-            <a:r>
-              <a:rPr lang="en-US" dirty="0" smtClean="0">
-                <a:solidFill>
-                  <a:schemeClr val="tx1">
-                    <a:lumMod val="65000"/>
-                    <a:lumOff val="35000"/>
-                  </a:schemeClr>
-                </a:solidFill>
-              </a:rPr>
-              <a:t>maximum salaries.</a:t>
-            </a:r>
-          </a:p>
-          <a:p>
-            <a:r>
-              <a:rPr lang="en-US" dirty="0" smtClean="0">
-                <a:solidFill>
-                  <a:schemeClr val="tx1">
-                    <a:lumMod val="65000"/>
-                    <a:lumOff val="35000"/>
-                  </a:schemeClr>
-                </a:solidFill>
-              </a:rPr>
-              <a:t>We </a:t>
-            </a:r>
-            <a:r>
-              <a:rPr lang="en-US" dirty="0">
-                <a:solidFill>
-                  <a:schemeClr val="tx1">
-                    <a:lumMod val="65000"/>
-                    <a:lumOff val="35000"/>
-                  </a:schemeClr>
-                </a:solidFill>
-              </a:rPr>
-              <a:t>would like to have some data found in foursquare so we can see some closer to home such as (church, school, restaurant, movie theater, super market</a:t>
-            </a:r>
-            <a:r>
-              <a:rPr lang="en-US" dirty="0" smtClean="0">
-                <a:solidFill>
-                  <a:schemeClr val="tx1">
-                    <a:lumMod val="65000"/>
-                    <a:lumOff val="35000"/>
-                  </a:schemeClr>
-                </a:solidFill>
-              </a:rPr>
-              <a:t>...)</a:t>
-            </a:r>
-            <a:endParaRPr lang="en-US" dirty="0">
-              <a:solidFill>
-                <a:schemeClr val="tx1">
-                  <a:lumMod val="65000"/>
-                  <a:lumOff val="35000"/>
-                </a:schemeClr>
-              </a:solidFill>
-            </a:endParaRPr>
-          </a:p>
-          <a:p>
-            <a:r>
-              <a:rPr lang="en-US" dirty="0">
-                <a:solidFill>
-                  <a:schemeClr val="tx1">
-                    <a:lumMod val="65000"/>
-                    <a:lumOff val="35000"/>
-                  </a:schemeClr>
-                </a:solidFill>
-              </a:rPr>
-              <a:t>Show him the venues (church, school, restaurant, cinema, supermarket...) </a:t>
-            </a:r>
-            <a:r>
-              <a:rPr lang="en-US" dirty="0" smtClean="0">
-                <a:solidFill>
-                  <a:schemeClr val="tx1">
-                    <a:lumMod val="65000"/>
-                    <a:lumOff val="35000"/>
-                  </a:schemeClr>
-                </a:solidFill>
-              </a:rPr>
-              <a:t>via </a:t>
-            </a:r>
-            <a:r>
-              <a:rPr lang="en-US" dirty="0">
-                <a:solidFill>
-                  <a:schemeClr val="tx1">
-                    <a:lumMod val="65000"/>
-                    <a:lumOff val="35000"/>
-                  </a:schemeClr>
-                </a:solidFill>
-              </a:rPr>
-              <a:t>a map. </a:t>
-            </a:r>
-          </a:p>
-          <a:p>
-            <a:r>
-              <a:rPr lang="en-US" dirty="0">
-                <a:solidFill>
-                  <a:schemeClr val="tx1">
-                    <a:lumMod val="65000"/>
-                    <a:lumOff val="35000"/>
-                  </a:schemeClr>
-                </a:solidFill>
-              </a:rPr>
-              <a:t>Since our dataset contains the house prices per month from 1996 to 2020, we will filter the columns of the last two years from 2018 to 2020.</a:t>
-            </a:r>
-          </a:p>
-          <a:p>
-            <a:r>
-              <a:rPr lang="en-US" dirty="0">
-                <a:solidFill>
-                  <a:schemeClr val="tx1">
-                    <a:lumMod val="65000"/>
-                    <a:lumOff val="35000"/>
-                  </a:schemeClr>
-                </a:solidFill>
-              </a:rPr>
-              <a:t>Recommend him what salary he could get living in Illinois depending on the </a:t>
-            </a:r>
-            <a:r>
-              <a:rPr lang="en-US" dirty="0" smtClean="0">
-                <a:solidFill>
-                  <a:schemeClr val="tx1">
-                    <a:lumMod val="65000"/>
-                    <a:lumOff val="35000"/>
-                  </a:schemeClr>
-                </a:solidFill>
-              </a:rPr>
-              <a:t>town.</a:t>
-            </a:r>
-          </a:p>
-          <a:p>
-            <a:r>
-              <a:rPr lang="en-US" dirty="0">
-                <a:solidFill>
-                  <a:schemeClr val="tx1">
-                    <a:lumMod val="65000"/>
-                    <a:lumOff val="35000"/>
-                  </a:schemeClr>
-                </a:solidFill>
-              </a:rPr>
-              <a:t>Use the Clustering method to make an Unsupervised Learning </a:t>
-            </a:r>
-            <a:r>
-              <a:rPr lang="en-US" dirty="0" smtClean="0">
-                <a:solidFill>
-                  <a:schemeClr val="tx1">
-                    <a:lumMod val="65000"/>
-                    <a:lumOff val="35000"/>
-                  </a:schemeClr>
-                </a:solidFill>
-              </a:rPr>
-              <a:t>Machine.</a:t>
-            </a:r>
-          </a:p>
-          <a:p>
-            <a:endParaRPr lang="en-US" dirty="0" smtClean="0">
-              <a:solidFill>
-                <a:schemeClr val="tx1">
-                  <a:lumMod val="65000"/>
-                  <a:lumOff val="35000"/>
-                </a:schemeClr>
-              </a:solidFill>
-            </a:endParaRPr>
-          </a:p>
-          <a:p>
-            <a:endParaRPr lang="en-US" dirty="0">
-              <a:solidFill>
-                <a:schemeClr val="tx1">
-                  <a:lumMod val="65000"/>
-                  <a:lumOff val="35000"/>
-                </a:schemeClr>
-              </a:solidFill>
-            </a:endParaRPr>
-          </a:p>
-          <a:p>
-            <a:endParaRPr lang="en-US" dirty="0"/>
-          </a:p>
-        </p:txBody>
-      </p:sp>
-      <p:sp>
-        <p:nvSpPr>
-          <p:cNvPr id="4" name="Title 1"/>
-          <p:cNvSpPr>
-            <a:spLocks noGrp="1"/>
-          </p:cNvSpPr>
-          <p:nvPr>
-            <p:ph type="title"/>
-          </p:nvPr>
-        </p:nvSpPr>
-        <p:spPr>
-          <a:xfrm>
-            <a:off x="143691" y="130629"/>
-            <a:ext cx="10984557" cy="875212"/>
-          </a:xfrm>
-        </p:spPr>
-        <p:txBody>
-          <a:bodyPr/>
-          <a:lstStyle/>
-          <a:p>
-            <a:r>
-              <a:rPr lang="en-US" dirty="0" smtClean="0"/>
-              <a:t>methodology</a:t>
-            </a:r>
-            <a:endParaRPr lang="en-US" dirty="0"/>
-          </a:p>
-        </p:txBody>
-      </p:sp>
-    </p:spTree>
-    <p:extLst>
-      <p:ext uri="{BB962C8B-B14F-4D97-AF65-F5344CB8AC3E}">
-        <p14:creationId xmlns:p14="http://schemas.microsoft.com/office/powerpoint/2010/main" val="1464975302"/>
-      </p:ext>
-    </p:extLst>
-  </p:cSld>
-  <p:clrMapOvr>
-    <a:masterClrMapping/>
-  </p:clrMapOvr>
-</p:sld>
-</file>
-
-<file path=ppt/slides/slide6.xml><?xml version="1.0" encoding="utf-8"?>
 <p:sld xmlns:a="http://schemas.openxmlformats.org/drawingml/2006/main" xmlns:r="http://schemas.openxmlformats.org/officeDocument/2006/relationships" xmlns:p="http://schemas.openxmlformats.org/presentationml/2006/main">
   <p:cSld>
     <p:spTree>
@@ -7733,7 +12093,7 @@
 </p:sld>
 </file>
 
-<file path=ppt/slides/slide7.xml><?xml version="1.0" encoding="utf-8"?>
+<file path=ppt/slides/slide6.xml><?xml version="1.0" encoding="utf-8"?>
 <p:sld xmlns:a="http://schemas.openxmlformats.org/drawingml/2006/main" xmlns:r="http://schemas.openxmlformats.org/officeDocument/2006/relationships" xmlns:p="http://schemas.openxmlformats.org/presentationml/2006/main">
   <p:cSld>
     <p:spTree>
@@ -8142,7 +12502,7 @@
 </p:sld>
 </file>
 
-<file path=ppt/slides/slide8.xml><?xml version="1.0" encoding="utf-8"?>
+<file path=ppt/slides/slide7.xml><?xml version="1.0" encoding="utf-8"?>
 <p:sld xmlns:a="http://schemas.openxmlformats.org/drawingml/2006/main" xmlns:r="http://schemas.openxmlformats.org/officeDocument/2006/relationships" xmlns:p="http://schemas.openxmlformats.org/presentationml/2006/main">
   <p:cSld>
     <p:spTree>
@@ -8323,7 +12683,7 @@
 </p:sld>
 </file>
 
-<file path=ppt/slides/slide9.xml><?xml version="1.0" encoding="utf-8"?>
+<file path=ppt/slides/slide8.xml><?xml version="1.0" encoding="utf-8"?>
 <p:sld xmlns:a="http://schemas.openxmlformats.org/drawingml/2006/main" xmlns:r="http://schemas.openxmlformats.org/officeDocument/2006/relationships" xmlns:p="http://schemas.openxmlformats.org/presentationml/2006/main">
   <p:cSld>
     <p:spTree>
@@ -8565,6 +12925,248 @@
     <p:extLst>
       <p:ext uri="{BB962C8B-B14F-4D97-AF65-F5344CB8AC3E}">
         <p14:creationId xmlns:p14="http://schemas.microsoft.com/office/powerpoint/2010/main" val="3473119179"/>
+      </p:ext>
+    </p:extLst>
+  </p:cSld>
+  <p:clrMapOvr>
+    <a:masterClrMapping/>
+  </p:clrMapOvr>
+</p:sld>
+</file>
+
+<file path=ppt/slides/slide9.xml><?xml version="1.0" encoding="utf-8"?>
+<p:sld xmlns:a="http://schemas.openxmlformats.org/drawingml/2006/main" xmlns:r="http://schemas.openxmlformats.org/officeDocument/2006/relationships" xmlns:p="http://schemas.openxmlformats.org/presentationml/2006/main">
+  <p:cSld>
+    <p:spTree>
+      <p:nvGrpSpPr>
+        <p:cNvPr id="1" name=""/>
+        <p:cNvGrpSpPr/>
+        <p:nvPr/>
+      </p:nvGrpSpPr>
+      <p:grpSpPr>
+        <a:xfrm>
+          <a:off x="0" y="0"/>
+          <a:ext cx="0" cy="0"/>
+          <a:chOff x="0" y="0"/>
+          <a:chExt cx="0" cy="0"/>
+        </a:xfrm>
+      </p:grpSpPr>
+      <p:sp>
+        <p:nvSpPr>
+          <p:cNvPr id="3" name="Content Placeholder 2"/>
+          <p:cNvSpPr>
+            <a:spLocks noGrp="1"/>
+          </p:cNvSpPr>
+          <p:nvPr>
+            <p:ph idx="1"/>
+          </p:nvPr>
+        </p:nvSpPr>
+        <p:spPr>
+          <a:xfrm>
+            <a:off x="143691" y="1084217"/>
+            <a:ext cx="11560629" cy="1732771"/>
+          </a:xfrm>
+        </p:spPr>
+        <p:txBody>
+          <a:bodyPr>
+            <a:normAutofit lnSpcReduction="10000"/>
+          </a:bodyPr>
+          <a:lstStyle/>
+          <a:p>
+            <a:r>
+              <a:rPr lang="en-US" dirty="0"/>
+              <a:t>We wanted to see the crimes by county, and this type of crime is burglary.  </a:t>
+            </a:r>
+            <a:r>
+              <a:rPr lang="en-US" dirty="0" smtClean="0"/>
+              <a:t>We </a:t>
+            </a:r>
+            <a:r>
+              <a:rPr lang="en-US" dirty="0"/>
+              <a:t>can see the county with the fewest burglaries and the most burglaries we're </a:t>
+            </a:r>
+            <a:r>
+              <a:rPr lang="en-US" dirty="0" smtClean="0"/>
+              <a:t>going to  identify.</a:t>
+            </a:r>
+            <a:br>
+              <a:rPr lang="en-US" dirty="0" smtClean="0"/>
+            </a:br>
+            <a:r>
+              <a:rPr lang="en-US" dirty="0" smtClean="0"/>
+              <a:t>The county with a </a:t>
+            </a:r>
+            <a:r>
+              <a:rPr lang="en-US" dirty="0"/>
+              <a:t>high burglary: </a:t>
+            </a:r>
+            <a:r>
+              <a:rPr lang="en-US" dirty="0" smtClean="0"/>
+              <a:t>Cook </a:t>
+            </a:r>
+            <a:r>
+              <a:rPr lang="en-US" dirty="0"/>
+              <a:t>County</a:t>
+            </a:r>
+            <a:r>
+              <a:rPr lang="en-US" dirty="0" smtClean="0"/>
+              <a:t>, </a:t>
+            </a:r>
+            <a:r>
+              <a:rPr lang="en-US" dirty="0"/>
+              <a:t>M</a:t>
+            </a:r>
+            <a:r>
+              <a:rPr lang="en-US" dirty="0" smtClean="0"/>
+              <a:t>addison </a:t>
+            </a:r>
+            <a:r>
+              <a:rPr lang="en-US" dirty="0"/>
+              <a:t>County, </a:t>
+            </a:r>
+            <a:r>
+              <a:rPr lang="en-US" dirty="0" smtClean="0"/>
+              <a:t>St Clair County…</a:t>
+            </a:r>
+            <a:br>
+              <a:rPr lang="en-US" dirty="0" smtClean="0"/>
+            </a:br>
+            <a:r>
+              <a:rPr lang="en-US" dirty="0" smtClean="0"/>
+              <a:t/>
+            </a:r>
+            <a:br>
+              <a:rPr lang="en-US" dirty="0" smtClean="0"/>
+            </a:br>
+            <a:r>
+              <a:rPr lang="en-US" dirty="0"/>
+              <a:t>The county with a </a:t>
+            </a:r>
+            <a:r>
+              <a:rPr lang="en-US" dirty="0" smtClean="0"/>
+              <a:t>lower burglary: </a:t>
+            </a:r>
+            <a:r>
+              <a:rPr lang="en-US" dirty="0" smtClean="0"/>
+              <a:t>Johnson</a:t>
+            </a:r>
+            <a:r>
+              <a:rPr lang="en-US" dirty="0" smtClean="0"/>
+              <a:t> </a:t>
+            </a:r>
+            <a:r>
+              <a:rPr lang="en-US" dirty="0" smtClean="0"/>
+              <a:t>County, </a:t>
+            </a:r>
+            <a:r>
+              <a:rPr lang="en-US" dirty="0" smtClean="0"/>
+              <a:t>Clinton </a:t>
+            </a:r>
+            <a:r>
+              <a:rPr lang="en-US" dirty="0" smtClean="0"/>
+              <a:t>County</a:t>
+            </a:r>
+            <a:r>
+              <a:rPr lang="en-US" dirty="0" smtClean="0"/>
+              <a:t>,  Livingston County</a:t>
+            </a:r>
+            <a:r>
+              <a:rPr lang="en-US" dirty="0"/>
+              <a:t>, Washington  County, Crawford County</a:t>
+            </a:r>
+            <a:r>
+              <a:rPr lang="en-US" dirty="0" smtClean="0"/>
+              <a:t>…</a:t>
+            </a:r>
+            <a:endParaRPr lang="en-US" dirty="0" smtClean="0"/>
+          </a:p>
+          <a:p>
+            <a:endParaRPr lang="en-US" dirty="0"/>
+          </a:p>
+        </p:txBody>
+      </p:sp>
+      <p:sp>
+        <p:nvSpPr>
+          <p:cNvPr id="4" name="Title 1"/>
+          <p:cNvSpPr>
+            <a:spLocks noGrp="1"/>
+          </p:cNvSpPr>
+          <p:nvPr>
+            <p:ph type="title"/>
+          </p:nvPr>
+        </p:nvSpPr>
+        <p:spPr>
+          <a:xfrm>
+            <a:off x="143691" y="130628"/>
+            <a:ext cx="11652069" cy="796835"/>
+          </a:xfrm>
+        </p:spPr>
+        <p:txBody>
+          <a:bodyPr>
+            <a:normAutofit fontScale="90000"/>
+          </a:bodyPr>
+          <a:lstStyle/>
+          <a:p>
+            <a:r>
+              <a:rPr lang="en-US" dirty="0" smtClean="0"/>
+              <a:t>Results type crime by County</a:t>
+            </a:r>
+            <a:endParaRPr lang="en-US" dirty="0"/>
+          </a:p>
+        </p:txBody>
+      </p:sp>
+      <p:pic>
+        <p:nvPicPr>
+          <p:cNvPr id="2" name="Picture 1"/>
+          <p:cNvPicPr>
+            <a:picLocks noChangeAspect="1"/>
+          </p:cNvPicPr>
+          <p:nvPr/>
+        </p:nvPicPr>
+        <p:blipFill>
+          <a:blip r:embed="rId2"/>
+          <a:stretch>
+            <a:fillRect/>
+          </a:stretch>
+        </p:blipFill>
+        <p:spPr>
+          <a:xfrm>
+            <a:off x="6596743" y="2691094"/>
+            <a:ext cx="4601528" cy="3900694"/>
+          </a:xfrm>
+          <a:prstGeom prst="rect">
+            <a:avLst/>
+          </a:prstGeom>
+        </p:spPr>
+      </p:pic>
+      <p:pic>
+        <p:nvPicPr>
+          <p:cNvPr id="7" name="Picture 6"/>
+          <p:cNvPicPr>
+            <a:picLocks noChangeAspect="1"/>
+          </p:cNvPicPr>
+          <p:nvPr/>
+        </p:nvPicPr>
+        <p:blipFill>
+          <a:blip r:embed="rId3"/>
+          <a:stretch>
+            <a:fillRect/>
+          </a:stretch>
+        </p:blipFill>
+        <p:spPr>
+          <a:xfrm>
+            <a:off x="496388" y="2691094"/>
+            <a:ext cx="5142139" cy="4166906"/>
+          </a:xfrm>
+          <a:prstGeom prst="rect">
+            <a:avLst/>
+          </a:prstGeom>
+        </p:spPr>
+      </p:pic>
+    </p:spTree>
+    <p:extLst>
+      <p:ext uri="{BB962C8B-B14F-4D97-AF65-F5344CB8AC3E}">
+        <p14:creationId xmlns:p14="http://schemas.microsoft.com/office/powerpoint/2010/main" val="3393935990"/>
       </p:ext>
     </p:extLst>
   </p:cSld>
